--- a/Capstone(Nashville Housing).pptx
+++ b/Capstone(Nashville Housing).pptx
@@ -4,6 +4,9 @@
   <p:sldMasterIdLst>
     <p:sldMasterId id="2147483648" r:id="rId1"/>
   </p:sldMasterIdLst>
+  <p:notesMasterIdLst>
+    <p:notesMasterId r:id="rId16"/>
+  </p:notesMasterIdLst>
   <p:sldIdLst>
     <p:sldId id="256" r:id="rId2"/>
     <p:sldId id="257" r:id="rId3"/>
@@ -14,10 +17,11 @@
     <p:sldId id="282" r:id="rId8"/>
     <p:sldId id="283" r:id="rId9"/>
     <p:sldId id="284" r:id="rId10"/>
-    <p:sldId id="288" r:id="rId11"/>
-    <p:sldId id="287" r:id="rId12"/>
-    <p:sldId id="286" r:id="rId13"/>
-    <p:sldId id="285" r:id="rId14"/>
+    <p:sldId id="290" r:id="rId11"/>
+    <p:sldId id="288" r:id="rId12"/>
+    <p:sldId id="287" r:id="rId13"/>
+    <p:sldId id="286" r:id="rId14"/>
+    <p:sldId id="285" r:id="rId15"/>
   </p:sldIdLst>
   <p:sldSz cx="12192000" cy="6858000"/>
   <p:notesSz cx="6858000" cy="9144000"/>
@@ -127,9 +131,1670 @@
 <file path=ppt/revisionInfo.xml><?xml version="1.0" encoding="utf-8"?>
 <p1510:revInfo xmlns:a="http://schemas.openxmlformats.org/drawingml/2006/main" xmlns:r="http://schemas.openxmlformats.org/officeDocument/2006/relationships" xmlns:p1510="http://schemas.microsoft.com/office/powerpoint/2015/10/main">
   <p1510:revLst>
-    <p1510:client id="{C3AAAABC-7ED1-423C-A583-47F1ED742B4D}" v="56" dt="2025-12-16T21:04:26.362"/>
+    <p1510:client id="{4C0D10D6-1D88-4B0E-87C1-EF36A8B2A437}" v="81" dt="2025-12-18T21:26:00.003"/>
   </p1510:revLst>
 </p1510:revInfo>
+</file>
+
+<file path=ppt/changesInfos/changesInfo1.xml><?xml version="1.0" encoding="utf-8"?>
+<pc:chgInfo xmlns:a="http://schemas.openxmlformats.org/drawingml/2006/main" xmlns:r="http://schemas.openxmlformats.org/officeDocument/2006/relationships" xmlns:ac="http://schemas.microsoft.com/office/drawing/2013/main/command" xmlns:pc="http://schemas.microsoft.com/office/powerpoint/2013/main/command">
+  <pc:docChgLst>
+    <pc:chgData name="Luke Gaffney" userId="6fa697cc8cd57f76" providerId="LiveId" clId="{528BD4CA-A453-43AA-8F73-3E975C3B2CFE}"/>
+    <pc:docChg chg="undo custSel addSld delSld modSld">
+      <pc:chgData name="Luke Gaffney" userId="6fa697cc8cd57f76" providerId="LiveId" clId="{528BD4CA-A453-43AA-8F73-3E975C3B2CFE}" dt="2025-12-18T21:10:56.624" v="1238" actId="1076"/>
+      <pc:docMkLst>
+        <pc:docMk/>
+      </pc:docMkLst>
+      <pc:sldChg chg="modSp mod modNotesTx">
+        <pc:chgData name="Luke Gaffney" userId="6fa697cc8cd57f76" providerId="LiveId" clId="{528BD4CA-A453-43AA-8F73-3E975C3B2CFE}" dt="2025-12-18T20:12:24.774" v="972" actId="1076"/>
+        <pc:sldMkLst>
+          <pc:docMk/>
+          <pc:sldMk cId="101415907" sldId="256"/>
+        </pc:sldMkLst>
+        <pc:spChg chg="mod">
+          <ac:chgData name="Luke Gaffney" userId="6fa697cc8cd57f76" providerId="LiveId" clId="{528BD4CA-A453-43AA-8F73-3E975C3B2CFE}" dt="2025-12-18T20:12:24.774" v="972" actId="1076"/>
+          <ac:spMkLst>
+            <pc:docMk/>
+            <pc:sldMk cId="101415907" sldId="256"/>
+            <ac:spMk id="2" creationId="{D5871A2F-1D02-6452-5157-8CB541F3456A}"/>
+          </ac:spMkLst>
+        </pc:spChg>
+      </pc:sldChg>
+      <pc:sldChg chg="modSp mod">
+        <pc:chgData name="Luke Gaffney" userId="6fa697cc8cd57f76" providerId="LiveId" clId="{528BD4CA-A453-43AA-8F73-3E975C3B2CFE}" dt="2025-12-18T20:12:03.507" v="969" actId="113"/>
+        <pc:sldMkLst>
+          <pc:docMk/>
+          <pc:sldMk cId="3484887589" sldId="257"/>
+        </pc:sldMkLst>
+        <pc:spChg chg="mod">
+          <ac:chgData name="Luke Gaffney" userId="6fa697cc8cd57f76" providerId="LiveId" clId="{528BD4CA-A453-43AA-8F73-3E975C3B2CFE}" dt="2025-12-18T20:12:03.507" v="969" actId="113"/>
+          <ac:spMkLst>
+            <pc:docMk/>
+            <pc:sldMk cId="3484887589" sldId="257"/>
+            <ac:spMk id="2" creationId="{DE9FC05C-E79A-F5B5-327B-29607701820D}"/>
+          </ac:spMkLst>
+        </pc:spChg>
+        <pc:spChg chg="mod">
+          <ac:chgData name="Luke Gaffney" userId="6fa697cc8cd57f76" providerId="LiveId" clId="{528BD4CA-A453-43AA-8F73-3E975C3B2CFE}" dt="2025-12-18T20:00:14.545" v="800" actId="20577"/>
+          <ac:spMkLst>
+            <pc:docMk/>
+            <pc:sldMk cId="3484887589" sldId="257"/>
+            <ac:spMk id="4" creationId="{35E1C994-818C-0ACC-C41E-5E01DA946D82}"/>
+          </ac:spMkLst>
+        </pc:spChg>
+      </pc:sldChg>
+      <pc:sldChg chg="addSp delSp modSp mod">
+        <pc:chgData name="Luke Gaffney" userId="6fa697cc8cd57f76" providerId="LiveId" clId="{528BD4CA-A453-43AA-8F73-3E975C3B2CFE}" dt="2025-12-18T20:12:11.998" v="970" actId="113"/>
+        <pc:sldMkLst>
+          <pc:docMk/>
+          <pc:sldMk cId="4045112871" sldId="275"/>
+        </pc:sldMkLst>
+        <pc:spChg chg="mod">
+          <ac:chgData name="Luke Gaffney" userId="6fa697cc8cd57f76" providerId="LiveId" clId="{528BD4CA-A453-43AA-8F73-3E975C3B2CFE}" dt="2025-12-18T20:12:11.998" v="970" actId="113"/>
+          <ac:spMkLst>
+            <pc:docMk/>
+            <pc:sldMk cId="4045112871" sldId="275"/>
+            <ac:spMk id="2" creationId="{C9B228D7-8329-3F75-828E-FC46FA1AD6D9}"/>
+          </ac:spMkLst>
+        </pc:spChg>
+        <pc:spChg chg="mod">
+          <ac:chgData name="Luke Gaffney" userId="6fa697cc8cd57f76" providerId="LiveId" clId="{528BD4CA-A453-43AA-8F73-3E975C3B2CFE}" dt="2025-12-18T19:10:26.968" v="624" actId="20577"/>
+          <ac:spMkLst>
+            <pc:docMk/>
+            <pc:sldMk cId="4045112871" sldId="275"/>
+            <ac:spMk id="4" creationId="{337C5CAA-78BD-6151-0CC5-8CA452F48391}"/>
+          </ac:spMkLst>
+        </pc:spChg>
+        <pc:picChg chg="add del mod">
+          <ac:chgData name="Luke Gaffney" userId="6fa697cc8cd57f76" providerId="LiveId" clId="{528BD4CA-A453-43AA-8F73-3E975C3B2CFE}" dt="2025-12-18T17:08:40.189" v="535" actId="478"/>
+          <ac:picMkLst>
+            <pc:docMk/>
+            <pc:sldMk cId="4045112871" sldId="275"/>
+            <ac:picMk id="6" creationId="{7BABD241-79ED-DF5A-7F96-0F9F5A1A871D}"/>
+          </ac:picMkLst>
+        </pc:picChg>
+      </pc:sldChg>
+      <pc:sldChg chg="modSp mod">
+        <pc:chgData name="Luke Gaffney" userId="6fa697cc8cd57f76" providerId="LiveId" clId="{528BD4CA-A453-43AA-8F73-3E975C3B2CFE}" dt="2025-12-18T20:12:38.193" v="974" actId="113"/>
+        <pc:sldMkLst>
+          <pc:docMk/>
+          <pc:sldMk cId="542633763" sldId="277"/>
+        </pc:sldMkLst>
+        <pc:spChg chg="mod">
+          <ac:chgData name="Luke Gaffney" userId="6fa697cc8cd57f76" providerId="LiveId" clId="{528BD4CA-A453-43AA-8F73-3E975C3B2CFE}" dt="2025-12-18T20:12:38.193" v="974" actId="113"/>
+          <ac:spMkLst>
+            <pc:docMk/>
+            <pc:sldMk cId="542633763" sldId="277"/>
+            <ac:spMk id="2" creationId="{AFB1300D-AC32-6A7E-3302-C38583BC0E9A}"/>
+          </ac:spMkLst>
+        </pc:spChg>
+        <pc:spChg chg="mod">
+          <ac:chgData name="Luke Gaffney" userId="6fa697cc8cd57f76" providerId="LiveId" clId="{528BD4CA-A453-43AA-8F73-3E975C3B2CFE}" dt="2025-12-18T16:49:51.740" v="483" actId="1076"/>
+          <ac:spMkLst>
+            <pc:docMk/>
+            <pc:sldMk cId="542633763" sldId="277"/>
+            <ac:spMk id="52" creationId="{D8F05392-D2AB-832C-F0A7-FDBEC20C334A}"/>
+          </ac:spMkLst>
+        </pc:spChg>
+        <pc:spChg chg="mod">
+          <ac:chgData name="Luke Gaffney" userId="6fa697cc8cd57f76" providerId="LiveId" clId="{528BD4CA-A453-43AA-8F73-3E975C3B2CFE}" dt="2025-12-18T14:10:52.276" v="443" actId="554"/>
+          <ac:spMkLst>
+            <pc:docMk/>
+            <pc:sldMk cId="542633763" sldId="277"/>
+            <ac:spMk id="53" creationId="{A0F0684F-4197-6064-55B4-98EB35BEC608}"/>
+          </ac:spMkLst>
+        </pc:spChg>
+        <pc:spChg chg="mod">
+          <ac:chgData name="Luke Gaffney" userId="6fa697cc8cd57f76" providerId="LiveId" clId="{528BD4CA-A453-43AA-8F73-3E975C3B2CFE}" dt="2025-12-18T14:10:52.276" v="443" actId="554"/>
+          <ac:spMkLst>
+            <pc:docMk/>
+            <pc:sldMk cId="542633763" sldId="277"/>
+            <ac:spMk id="55" creationId="{F9704708-6D90-46C9-1CAE-40013BD95D43}"/>
+          </ac:spMkLst>
+        </pc:spChg>
+        <pc:spChg chg="mod">
+          <ac:chgData name="Luke Gaffney" userId="6fa697cc8cd57f76" providerId="LiveId" clId="{528BD4CA-A453-43AA-8F73-3E975C3B2CFE}" dt="2025-12-18T14:10:52.276" v="443" actId="554"/>
+          <ac:spMkLst>
+            <pc:docMk/>
+            <pc:sldMk cId="542633763" sldId="277"/>
+            <ac:spMk id="57" creationId="{32D69E2D-ACD2-E3BF-DC2D-FE6E5D6DFB26}"/>
+          </ac:spMkLst>
+        </pc:spChg>
+        <pc:spChg chg="mod">
+          <ac:chgData name="Luke Gaffney" userId="6fa697cc8cd57f76" providerId="LiveId" clId="{528BD4CA-A453-43AA-8F73-3E975C3B2CFE}" dt="2025-12-18T14:10:52.276" v="443" actId="554"/>
+          <ac:spMkLst>
+            <pc:docMk/>
+            <pc:sldMk cId="542633763" sldId="277"/>
+            <ac:spMk id="58" creationId="{A2B05C51-F692-ADF1-1A14-326A496A24C3}"/>
+          </ac:spMkLst>
+        </pc:spChg>
+        <pc:spChg chg="mod">
+          <ac:chgData name="Luke Gaffney" userId="6fa697cc8cd57f76" providerId="LiveId" clId="{528BD4CA-A453-43AA-8F73-3E975C3B2CFE}" dt="2025-12-18T17:01:28.543" v="490" actId="1076"/>
+          <ac:spMkLst>
+            <pc:docMk/>
+            <pc:sldMk cId="542633763" sldId="277"/>
+            <ac:spMk id="61" creationId="{18AD629B-E91D-DE53-3D91-9B4392A59A0C}"/>
+          </ac:spMkLst>
+        </pc:spChg>
+        <pc:spChg chg="mod">
+          <ac:chgData name="Luke Gaffney" userId="6fa697cc8cd57f76" providerId="LiveId" clId="{528BD4CA-A453-43AA-8F73-3E975C3B2CFE}" dt="2025-12-18T17:04:11.551" v="508" actId="20577"/>
+          <ac:spMkLst>
+            <pc:docMk/>
+            <pc:sldMk cId="542633763" sldId="277"/>
+            <ac:spMk id="62" creationId="{EC08A544-DE54-C799-B423-36CDCF2C5E78}"/>
+          </ac:spMkLst>
+        </pc:spChg>
+        <pc:spChg chg="mod">
+          <ac:chgData name="Luke Gaffney" userId="6fa697cc8cd57f76" providerId="LiveId" clId="{528BD4CA-A453-43AA-8F73-3E975C3B2CFE}" dt="2025-12-18T17:03:55.919" v="501" actId="20577"/>
+          <ac:spMkLst>
+            <pc:docMk/>
+            <pc:sldMk cId="542633763" sldId="277"/>
+            <ac:spMk id="63" creationId="{5CDB8C99-1CCB-5587-C46B-2A5DF5A29899}"/>
+          </ac:spMkLst>
+        </pc:spChg>
+        <pc:spChg chg="mod">
+          <ac:chgData name="Luke Gaffney" userId="6fa697cc8cd57f76" providerId="LiveId" clId="{528BD4CA-A453-43AA-8F73-3E975C3B2CFE}" dt="2025-12-18T17:05:12.068" v="531" actId="1076"/>
+          <ac:spMkLst>
+            <pc:docMk/>
+            <pc:sldMk cId="542633763" sldId="277"/>
+            <ac:spMk id="64" creationId="{52E77D86-07E9-33B7-C2FD-38107DBCFFB2}"/>
+          </ac:spMkLst>
+        </pc:spChg>
+        <pc:spChg chg="mod">
+          <ac:chgData name="Luke Gaffney" userId="6fa697cc8cd57f76" providerId="LiveId" clId="{528BD4CA-A453-43AA-8F73-3E975C3B2CFE}" dt="2025-12-18T17:13:22.926" v="553" actId="20577"/>
+          <ac:spMkLst>
+            <pc:docMk/>
+            <pc:sldMk cId="542633763" sldId="277"/>
+            <ac:spMk id="65" creationId="{40D337F7-9BCF-4A96-AD0F-AE467E9DF863}"/>
+          </ac:spMkLst>
+        </pc:spChg>
+        <pc:spChg chg="mod">
+          <ac:chgData name="Luke Gaffney" userId="6fa697cc8cd57f76" providerId="LiveId" clId="{528BD4CA-A453-43AA-8F73-3E975C3B2CFE}" dt="2025-12-18T14:11:12.201" v="446" actId="1076"/>
+          <ac:spMkLst>
+            <pc:docMk/>
+            <pc:sldMk cId="542633763" sldId="277"/>
+            <ac:spMk id="66" creationId="{22F225A1-E99E-2815-850D-21FA018A2195}"/>
+          </ac:spMkLst>
+        </pc:spChg>
+        <pc:spChg chg="mod">
+          <ac:chgData name="Luke Gaffney" userId="6fa697cc8cd57f76" providerId="LiveId" clId="{528BD4CA-A453-43AA-8F73-3E975C3B2CFE}" dt="2025-12-18T17:13:31.701" v="559" actId="20577"/>
+          <ac:spMkLst>
+            <pc:docMk/>
+            <pc:sldMk cId="542633763" sldId="277"/>
+            <ac:spMk id="67" creationId="{CD7201A7-9E3A-067E-7422-34FDC06F2DFB}"/>
+          </ac:spMkLst>
+        </pc:spChg>
+      </pc:sldChg>
+      <pc:sldChg chg="addSp delSp modSp mod">
+        <pc:chgData name="Luke Gaffney" userId="6fa697cc8cd57f76" providerId="LiveId" clId="{528BD4CA-A453-43AA-8F73-3E975C3B2CFE}" dt="2025-12-18T20:24:47.832" v="994" actId="20577"/>
+        <pc:sldMkLst>
+          <pc:docMk/>
+          <pc:sldMk cId="835599444" sldId="278"/>
+        </pc:sldMkLst>
+        <pc:spChg chg="mod">
+          <ac:chgData name="Luke Gaffney" userId="6fa697cc8cd57f76" providerId="LiveId" clId="{528BD4CA-A453-43AA-8F73-3E975C3B2CFE}" dt="2025-12-18T20:12:34.010" v="973" actId="113"/>
+          <ac:spMkLst>
+            <pc:docMk/>
+            <pc:sldMk cId="835599444" sldId="278"/>
+            <ac:spMk id="2" creationId="{0D3BA9AF-2BD7-97AC-F960-51216C2F9482}"/>
+          </ac:spMkLst>
+        </pc:spChg>
+        <pc:spChg chg="del">
+          <ac:chgData name="Luke Gaffney" userId="6fa697cc8cd57f76" providerId="LiveId" clId="{528BD4CA-A453-43AA-8F73-3E975C3B2CFE}" dt="2025-12-18T19:12:42.177" v="627" actId="21"/>
+          <ac:spMkLst>
+            <pc:docMk/>
+            <pc:sldMk cId="835599444" sldId="278"/>
+            <ac:spMk id="60" creationId="{EACC3C81-5AC3-F7E2-DD04-AF63D0053FB8}"/>
+          </ac:spMkLst>
+        </pc:spChg>
+        <pc:spChg chg="add mod">
+          <ac:chgData name="Luke Gaffney" userId="6fa697cc8cd57f76" providerId="LiveId" clId="{528BD4CA-A453-43AA-8F73-3E975C3B2CFE}" dt="2025-12-18T20:24:47.832" v="994" actId="20577"/>
+          <ac:spMkLst>
+            <pc:docMk/>
+            <pc:sldMk cId="835599444" sldId="278"/>
+            <ac:spMk id="61" creationId="{BFD046D5-C800-2F5C-68F0-9AD62A89727F}"/>
+          </ac:spMkLst>
+        </pc:spChg>
+        <pc:spChg chg="add">
+          <ac:chgData name="Luke Gaffney" userId="6fa697cc8cd57f76" providerId="LiveId" clId="{528BD4CA-A453-43AA-8F73-3E975C3B2CFE}" dt="2025-12-18T19:12:53.759" v="629"/>
+          <ac:spMkLst>
+            <pc:docMk/>
+            <pc:sldMk cId="835599444" sldId="278"/>
+            <ac:spMk id="62" creationId="{E373D256-AB44-8017-9C44-F02DD871016B}"/>
+          </ac:spMkLst>
+        </pc:spChg>
+        <pc:graphicFrameChg chg="del modGraphic">
+          <ac:chgData name="Luke Gaffney" userId="6fa697cc8cd57f76" providerId="LiveId" clId="{528BD4CA-A453-43AA-8F73-3E975C3B2CFE}" dt="2025-12-18T19:12:39.380" v="626" actId="21"/>
+          <ac:graphicFrameMkLst>
+            <pc:docMk/>
+            <pc:sldMk cId="835599444" sldId="278"/>
+            <ac:graphicFrameMk id="59" creationId="{BCFE9DD7-46AB-7613-56F3-56A484D83033}"/>
+          </ac:graphicFrameMkLst>
+        </pc:graphicFrameChg>
+      </pc:sldChg>
+      <pc:sldChg chg="addSp delSp modSp mod">
+        <pc:chgData name="Luke Gaffney" userId="6fa697cc8cd57f76" providerId="LiveId" clId="{528BD4CA-A453-43AA-8F73-3E975C3B2CFE}" dt="2025-12-18T20:53:11.407" v="1133" actId="1076"/>
+        <pc:sldMkLst>
+          <pc:docMk/>
+          <pc:sldMk cId="1987554360" sldId="280"/>
+        </pc:sldMkLst>
+        <pc:spChg chg="mod">
+          <ac:chgData name="Luke Gaffney" userId="6fa697cc8cd57f76" providerId="LiveId" clId="{528BD4CA-A453-43AA-8F73-3E975C3B2CFE}" dt="2025-12-18T20:11:57.458" v="968" actId="255"/>
+          <ac:spMkLst>
+            <pc:docMk/>
+            <pc:sldMk cId="1987554360" sldId="280"/>
+            <ac:spMk id="2" creationId="{29061BB3-7E15-2851-2DDF-7643C2B84269}"/>
+          </ac:spMkLst>
+        </pc:spChg>
+        <pc:spChg chg="del mod">
+          <ac:chgData name="Luke Gaffney" userId="6fa697cc8cd57f76" providerId="LiveId" clId="{528BD4CA-A453-43AA-8F73-3E975C3B2CFE}" dt="2025-12-18T20:33:47.083" v="1125" actId="21"/>
+          <ac:spMkLst>
+            <pc:docMk/>
+            <pc:sldMk cId="1987554360" sldId="280"/>
+            <ac:spMk id="13" creationId="{F5978D41-A1D0-C3FA-6E4A-CBD806CA2CFC}"/>
+          </ac:spMkLst>
+        </pc:spChg>
+        <pc:spChg chg="del mod">
+          <ac:chgData name="Luke Gaffney" userId="6fa697cc8cd57f76" providerId="LiveId" clId="{528BD4CA-A453-43AA-8F73-3E975C3B2CFE}" dt="2025-12-18T19:28:54.918" v="653" actId="21"/>
+          <ac:spMkLst>
+            <pc:docMk/>
+            <pc:sldMk cId="1987554360" sldId="280"/>
+            <ac:spMk id="14" creationId="{184AB04E-7903-0A7E-518C-76A24AE8D5EE}"/>
+          </ac:spMkLst>
+        </pc:spChg>
+        <pc:spChg chg="add mod">
+          <ac:chgData name="Luke Gaffney" userId="6fa697cc8cd57f76" providerId="LiveId" clId="{528BD4CA-A453-43AA-8F73-3E975C3B2CFE}" dt="2025-12-18T20:53:11.407" v="1133" actId="1076"/>
+          <ac:spMkLst>
+            <pc:docMk/>
+            <pc:sldMk cId="1987554360" sldId="280"/>
+            <ac:spMk id="21" creationId="{600A8C6F-BFC4-607E-3627-E251A8A378A6}"/>
+          </ac:spMkLst>
+        </pc:spChg>
+        <pc:picChg chg="del">
+          <ac:chgData name="Luke Gaffney" userId="6fa697cc8cd57f76" providerId="LiveId" clId="{528BD4CA-A453-43AA-8F73-3E975C3B2CFE}" dt="2025-12-18T19:28:06.178" v="646" actId="478"/>
+          <ac:picMkLst>
+            <pc:docMk/>
+            <pc:sldMk cId="1987554360" sldId="280"/>
+            <ac:picMk id="16" creationId="{C01580BE-5937-35C6-CE81-8CB9F6E7EACB}"/>
+          </ac:picMkLst>
+        </pc:picChg>
+        <pc:picChg chg="add mod">
+          <ac:chgData name="Luke Gaffney" userId="6fa697cc8cd57f76" providerId="LiveId" clId="{528BD4CA-A453-43AA-8F73-3E975C3B2CFE}" dt="2025-12-18T20:53:08.879" v="1132" actId="1076"/>
+          <ac:picMkLst>
+            <pc:docMk/>
+            <pc:sldMk cId="1987554360" sldId="280"/>
+            <ac:picMk id="20" creationId="{D6B1AE58-D5D8-4517-E679-BDEF35A0840C}"/>
+          </ac:picMkLst>
+        </pc:picChg>
+      </pc:sldChg>
+      <pc:sldChg chg="addSp delSp modSp mod">
+        <pc:chgData name="Luke Gaffney" userId="6fa697cc8cd57f76" providerId="LiveId" clId="{528BD4CA-A453-43AA-8F73-3E975C3B2CFE}" dt="2025-12-18T20:54:05.272" v="1135"/>
+        <pc:sldMkLst>
+          <pc:docMk/>
+          <pc:sldMk cId="2767592310" sldId="282"/>
+        </pc:sldMkLst>
+        <pc:spChg chg="mod">
+          <ac:chgData name="Luke Gaffney" userId="6fa697cc8cd57f76" providerId="LiveId" clId="{528BD4CA-A453-43AA-8F73-3E975C3B2CFE}" dt="2025-12-18T19:31:11.300" v="682" actId="255"/>
+          <ac:spMkLst>
+            <pc:docMk/>
+            <pc:sldMk cId="2767592310" sldId="282"/>
+            <ac:spMk id="2" creationId="{9CD3A3AA-476B-A498-4856-A7F18AA6D853}"/>
+          </ac:spMkLst>
+        </pc:spChg>
+        <pc:spChg chg="del">
+          <ac:chgData name="Luke Gaffney" userId="6fa697cc8cd57f76" providerId="LiveId" clId="{528BD4CA-A453-43AA-8F73-3E975C3B2CFE}" dt="2025-12-18T20:29:44.216" v="1121" actId="21"/>
+          <ac:spMkLst>
+            <pc:docMk/>
+            <pc:sldMk cId="2767592310" sldId="282"/>
+            <ac:spMk id="5" creationId="{BF24B234-FCE9-73B0-EE9A-B3C50C0E6F3E}"/>
+          </ac:spMkLst>
+        </pc:spChg>
+        <pc:spChg chg="mod">
+          <ac:chgData name="Luke Gaffney" userId="6fa697cc8cd57f76" providerId="LiveId" clId="{528BD4CA-A453-43AA-8F73-3E975C3B2CFE}" dt="2025-12-18T20:54:05.272" v="1135"/>
+          <ac:spMkLst>
+            <pc:docMk/>
+            <pc:sldMk cId="2767592310" sldId="282"/>
+            <ac:spMk id="6" creationId="{7C17B134-C5BC-C626-F537-43616E13A7E1}"/>
+          </ac:spMkLst>
+        </pc:spChg>
+        <pc:spChg chg="add del mod">
+          <ac:chgData name="Luke Gaffney" userId="6fa697cc8cd57f76" providerId="LiveId" clId="{528BD4CA-A453-43AA-8F73-3E975C3B2CFE}" dt="2025-12-18T20:25:53.989" v="1024" actId="21"/>
+          <ac:spMkLst>
+            <pc:docMk/>
+            <pc:sldMk cId="2767592310" sldId="282"/>
+            <ac:spMk id="9" creationId="{DBD1A4E0-D2DD-28AC-4767-4FE3779C55DB}"/>
+          </ac:spMkLst>
+        </pc:spChg>
+        <pc:spChg chg="add mod">
+          <ac:chgData name="Luke Gaffney" userId="6fa697cc8cd57f76" providerId="LiveId" clId="{528BD4CA-A453-43AA-8F73-3E975C3B2CFE}" dt="2025-12-18T20:29:05.070" v="1112" actId="1076"/>
+          <ac:spMkLst>
+            <pc:docMk/>
+            <pc:sldMk cId="2767592310" sldId="282"/>
+            <ac:spMk id="10" creationId="{0C14E7C4-BD1E-A981-A7EF-4E5642FCA054}"/>
+          </ac:spMkLst>
+        </pc:spChg>
+        <pc:spChg chg="add mod">
+          <ac:chgData name="Luke Gaffney" userId="6fa697cc8cd57f76" providerId="LiveId" clId="{528BD4CA-A453-43AA-8F73-3E975C3B2CFE}" dt="2025-12-18T20:29:23.438" v="1117" actId="1076"/>
+          <ac:spMkLst>
+            <pc:docMk/>
+            <pc:sldMk cId="2767592310" sldId="282"/>
+            <ac:spMk id="11" creationId="{B14B5E4F-FAE5-273D-4212-BDC05E0394AC}"/>
+          </ac:spMkLst>
+        </pc:spChg>
+        <pc:spChg chg="add mod">
+          <ac:chgData name="Luke Gaffney" userId="6fa697cc8cd57f76" providerId="LiveId" clId="{528BD4CA-A453-43AA-8F73-3E975C3B2CFE}" dt="2025-12-18T20:29:35.177" v="1119" actId="1076"/>
+          <ac:spMkLst>
+            <pc:docMk/>
+            <pc:sldMk cId="2767592310" sldId="282"/>
+            <ac:spMk id="12" creationId="{106330F7-4175-F54E-5BFC-7E5FDF1409EC}"/>
+          </ac:spMkLst>
+        </pc:spChg>
+        <pc:picChg chg="del">
+          <ac:chgData name="Luke Gaffney" userId="6fa697cc8cd57f76" providerId="LiveId" clId="{528BD4CA-A453-43AA-8F73-3E975C3B2CFE}" dt="2025-12-18T19:41:21.549" v="687" actId="478"/>
+          <ac:picMkLst>
+            <pc:docMk/>
+            <pc:sldMk cId="2767592310" sldId="282"/>
+            <ac:picMk id="4" creationId="{CBCDD5BD-E41D-96BD-F14F-9DEBD40C62F7}"/>
+          </ac:picMkLst>
+        </pc:picChg>
+        <pc:picChg chg="add mod">
+          <ac:chgData name="Luke Gaffney" userId="6fa697cc8cd57f76" providerId="LiveId" clId="{528BD4CA-A453-43AA-8F73-3E975C3B2CFE}" dt="2025-12-18T20:29:54.976" v="1124" actId="1076"/>
+          <ac:picMkLst>
+            <pc:docMk/>
+            <pc:sldMk cId="2767592310" sldId="282"/>
+            <ac:picMk id="8" creationId="{A7261C30-2903-48D2-DB63-C01B4E0A123C}"/>
+          </ac:picMkLst>
+        </pc:picChg>
+        <pc:cxnChg chg="add mod">
+          <ac:chgData name="Luke Gaffney" userId="6fa697cc8cd57f76" providerId="LiveId" clId="{528BD4CA-A453-43AA-8F73-3E975C3B2CFE}" dt="2025-12-18T20:29:12.594" v="1114" actId="1076"/>
+          <ac:cxnSpMkLst>
+            <pc:docMk/>
+            <pc:sldMk cId="2767592310" sldId="282"/>
+            <ac:cxnSpMk id="14" creationId="{8B58EA03-6D38-5D8F-C94A-F215E27DE5F9}"/>
+          </ac:cxnSpMkLst>
+        </pc:cxnChg>
+      </pc:sldChg>
+      <pc:sldChg chg="addSp delSp modSp mod">
+        <pc:chgData name="Luke Gaffney" userId="6fa697cc8cd57f76" providerId="LiveId" clId="{528BD4CA-A453-43AA-8F73-3E975C3B2CFE}" dt="2025-12-18T20:56:57.446" v="1142" actId="1076"/>
+        <pc:sldMkLst>
+          <pc:docMk/>
+          <pc:sldMk cId="2267194495" sldId="283"/>
+        </pc:sldMkLst>
+        <pc:spChg chg="mod">
+          <ac:chgData name="Luke Gaffney" userId="6fa697cc8cd57f76" providerId="LiveId" clId="{528BD4CA-A453-43AA-8F73-3E975C3B2CFE}" dt="2025-12-18T20:12:55.663" v="976" actId="113"/>
+          <ac:spMkLst>
+            <pc:docMk/>
+            <pc:sldMk cId="2267194495" sldId="283"/>
+            <ac:spMk id="2" creationId="{FF5C7DD5-93F4-87B9-7BE2-CF7C4DD653E2}"/>
+          </ac:spMkLst>
+        </pc:spChg>
+        <pc:spChg chg="del">
+          <ac:chgData name="Luke Gaffney" userId="6fa697cc8cd57f76" providerId="LiveId" clId="{528BD4CA-A453-43AA-8F73-3E975C3B2CFE}" dt="2025-12-18T19:47:19.537" v="700" actId="21"/>
+          <ac:spMkLst>
+            <pc:docMk/>
+            <pc:sldMk cId="2267194495" sldId="283"/>
+            <ac:spMk id="3" creationId="{EC0A0C89-1E1F-F145-68DD-4741EE1F21A2}"/>
+          </ac:spMkLst>
+        </pc:spChg>
+        <pc:spChg chg="add mod">
+          <ac:chgData name="Luke Gaffney" userId="6fa697cc8cd57f76" providerId="LiveId" clId="{528BD4CA-A453-43AA-8F73-3E975C3B2CFE}" dt="2025-12-18T20:56:46.188" v="1140" actId="1076"/>
+          <ac:spMkLst>
+            <pc:docMk/>
+            <pc:sldMk cId="2267194495" sldId="283"/>
+            <ac:spMk id="8" creationId="{9D29D358-04B9-5357-361B-0994D1A9FA6E}"/>
+          </ac:spMkLst>
+        </pc:spChg>
+        <pc:picChg chg="del">
+          <ac:chgData name="Luke Gaffney" userId="6fa697cc8cd57f76" providerId="LiveId" clId="{528BD4CA-A453-43AA-8F73-3E975C3B2CFE}" dt="2025-12-18T19:47:16.876" v="699" actId="478"/>
+          <ac:picMkLst>
+            <pc:docMk/>
+            <pc:sldMk cId="2267194495" sldId="283"/>
+            <ac:picMk id="5" creationId="{3ABD3270-EED2-272F-5DB7-267DB37C4CCA}"/>
+          </ac:picMkLst>
+        </pc:picChg>
+        <pc:picChg chg="add mod">
+          <ac:chgData name="Luke Gaffney" userId="6fa697cc8cd57f76" providerId="LiveId" clId="{528BD4CA-A453-43AA-8F73-3E975C3B2CFE}" dt="2025-12-18T20:56:57.446" v="1142" actId="1076"/>
+          <ac:picMkLst>
+            <pc:docMk/>
+            <pc:sldMk cId="2267194495" sldId="283"/>
+            <ac:picMk id="7" creationId="{03D5F38E-0178-A593-8139-0AF0A5BC4C97}"/>
+          </ac:picMkLst>
+        </pc:picChg>
+      </pc:sldChg>
+      <pc:sldChg chg="addSp modSp mod">
+        <pc:chgData name="Luke Gaffney" userId="6fa697cc8cd57f76" providerId="LiveId" clId="{528BD4CA-A453-43AA-8F73-3E975C3B2CFE}" dt="2025-12-18T21:01:12.125" v="1156" actId="255"/>
+        <pc:sldMkLst>
+          <pc:docMk/>
+          <pc:sldMk cId="3664452497" sldId="284"/>
+        </pc:sldMkLst>
+        <pc:spChg chg="mod">
+          <ac:chgData name="Luke Gaffney" userId="6fa697cc8cd57f76" providerId="LiveId" clId="{528BD4CA-A453-43AA-8F73-3E975C3B2CFE}" dt="2025-12-18T21:01:12.125" v="1156" actId="255"/>
+          <ac:spMkLst>
+            <pc:docMk/>
+            <pc:sldMk cId="3664452497" sldId="284"/>
+            <ac:spMk id="2" creationId="{51F9CD1A-A750-7D78-ECE6-CEB7E83AE85A}"/>
+          </ac:spMkLst>
+        </pc:spChg>
+        <pc:spChg chg="add mod">
+          <ac:chgData name="Luke Gaffney" userId="6fa697cc8cd57f76" providerId="LiveId" clId="{528BD4CA-A453-43AA-8F73-3E975C3B2CFE}" dt="2025-12-18T20:59:53.458" v="1148" actId="1076"/>
+          <ac:spMkLst>
+            <pc:docMk/>
+            <pc:sldMk cId="3664452497" sldId="284"/>
+            <ac:spMk id="5" creationId="{44BA4203-4B1F-29D4-9B45-1F495A7BBED2}"/>
+          </ac:spMkLst>
+        </pc:spChg>
+        <pc:picChg chg="add mod">
+          <ac:chgData name="Luke Gaffney" userId="6fa697cc8cd57f76" providerId="LiveId" clId="{528BD4CA-A453-43AA-8F73-3E975C3B2CFE}" dt="2025-12-18T19:52:26.078" v="733" actId="14861"/>
+          <ac:picMkLst>
+            <pc:docMk/>
+            <pc:sldMk cId="3664452497" sldId="284"/>
+            <ac:picMk id="4" creationId="{A9BE2DA3-AE8E-0BAD-F93C-9F9E5374244F}"/>
+          </ac:picMkLst>
+        </pc:picChg>
+      </pc:sldChg>
+      <pc:sldChg chg="addSp modSp mod">
+        <pc:chgData name="Luke Gaffney" userId="6fa697cc8cd57f76" providerId="LiveId" clId="{528BD4CA-A453-43AA-8F73-3E975C3B2CFE}" dt="2025-12-18T21:10:56.624" v="1238" actId="1076"/>
+        <pc:sldMkLst>
+          <pc:docMk/>
+          <pc:sldMk cId="3434264560" sldId="285"/>
+        </pc:sldMkLst>
+        <pc:spChg chg="mod">
+          <ac:chgData name="Luke Gaffney" userId="6fa697cc8cd57f76" providerId="LiveId" clId="{528BD4CA-A453-43AA-8F73-3E975C3B2CFE}" dt="2025-12-18T20:13:41.767" v="988" actId="255"/>
+          <ac:spMkLst>
+            <pc:docMk/>
+            <pc:sldMk cId="3434264560" sldId="285"/>
+            <ac:spMk id="2" creationId="{B0E19932-3748-B970-1992-0517CEAD921D}"/>
+          </ac:spMkLst>
+        </pc:spChg>
+        <pc:spChg chg="add mod">
+          <ac:chgData name="Luke Gaffney" userId="6fa697cc8cd57f76" providerId="LiveId" clId="{528BD4CA-A453-43AA-8F73-3E975C3B2CFE}" dt="2025-12-18T21:10:56.624" v="1238" actId="1076"/>
+          <ac:spMkLst>
+            <pc:docMk/>
+            <pc:sldMk cId="3434264560" sldId="285"/>
+            <ac:spMk id="3" creationId="{8A614149-FDAB-936D-306E-4186EFF4198E}"/>
+          </ac:spMkLst>
+        </pc:spChg>
+      </pc:sldChg>
+      <pc:sldChg chg="addSp modSp mod modNotesTx">
+        <pc:chgData name="Luke Gaffney" userId="6fa697cc8cd57f76" providerId="LiveId" clId="{528BD4CA-A453-43AA-8F73-3E975C3B2CFE}" dt="2025-12-18T21:10:02.126" v="1232" actId="20577"/>
+        <pc:sldMkLst>
+          <pc:docMk/>
+          <pc:sldMk cId="3314449408" sldId="286"/>
+        </pc:sldMkLst>
+        <pc:spChg chg="mod">
+          <ac:chgData name="Luke Gaffney" userId="6fa697cc8cd57f76" providerId="LiveId" clId="{528BD4CA-A453-43AA-8F73-3E975C3B2CFE}" dt="2025-12-18T20:13:35.248" v="986" actId="113"/>
+          <ac:spMkLst>
+            <pc:docMk/>
+            <pc:sldMk cId="3314449408" sldId="286"/>
+            <ac:spMk id="2" creationId="{321E8CED-2FC4-4AB1-9316-5EC71D806FF8}"/>
+          </ac:spMkLst>
+        </pc:spChg>
+        <pc:spChg chg="add mod">
+          <ac:chgData name="Luke Gaffney" userId="6fa697cc8cd57f76" providerId="LiveId" clId="{528BD4CA-A453-43AA-8F73-3E975C3B2CFE}" dt="2025-12-18T21:09:45.942" v="1230" actId="1076"/>
+          <ac:spMkLst>
+            <pc:docMk/>
+            <pc:sldMk cId="3314449408" sldId="286"/>
+            <ac:spMk id="4" creationId="{85D7D54C-61CE-1353-4D47-22F7C28900B4}"/>
+          </ac:spMkLst>
+        </pc:spChg>
+      </pc:sldChg>
+      <pc:sldChg chg="addSp delSp modSp mod modNotesTx">
+        <pc:chgData name="Luke Gaffney" userId="6fa697cc8cd57f76" providerId="LiveId" clId="{528BD4CA-A453-43AA-8F73-3E975C3B2CFE}" dt="2025-12-18T21:06:30.887" v="1218" actId="1076"/>
+        <pc:sldMkLst>
+          <pc:docMk/>
+          <pc:sldMk cId="2071100020" sldId="287"/>
+        </pc:sldMkLst>
+        <pc:spChg chg="mod">
+          <ac:chgData name="Luke Gaffney" userId="6fa697cc8cd57f76" providerId="LiveId" clId="{528BD4CA-A453-43AA-8F73-3E975C3B2CFE}" dt="2025-12-18T20:13:28.121" v="984" actId="113"/>
+          <ac:spMkLst>
+            <pc:docMk/>
+            <pc:sldMk cId="2071100020" sldId="287"/>
+            <ac:spMk id="2" creationId="{B0872236-0092-44E2-42F3-D0FFBC7801D7}"/>
+          </ac:spMkLst>
+        </pc:spChg>
+        <pc:spChg chg="add del mod">
+          <ac:chgData name="Luke Gaffney" userId="6fa697cc8cd57f76" providerId="LiveId" clId="{528BD4CA-A453-43AA-8F73-3E975C3B2CFE}" dt="2025-12-18T21:04:29.678" v="1174"/>
+          <ac:spMkLst>
+            <pc:docMk/>
+            <pc:sldMk cId="2071100020" sldId="287"/>
+            <ac:spMk id="3" creationId="{FEAAFC99-8217-6FA3-249E-01A6029DAC26}"/>
+          </ac:spMkLst>
+        </pc:spChg>
+        <pc:spChg chg="add mod">
+          <ac:chgData name="Luke Gaffney" userId="6fa697cc8cd57f76" providerId="LiveId" clId="{528BD4CA-A453-43AA-8F73-3E975C3B2CFE}" dt="2025-12-18T21:06:30.887" v="1218" actId="1076"/>
+          <ac:spMkLst>
+            <pc:docMk/>
+            <pc:sldMk cId="2071100020" sldId="287"/>
+            <ac:spMk id="6" creationId="{B003664B-4843-8B17-5A4C-50D54A7CADC5}"/>
+          </ac:spMkLst>
+        </pc:spChg>
+        <pc:picChg chg="add del mod">
+          <ac:chgData name="Luke Gaffney" userId="6fa697cc8cd57f76" providerId="LiveId" clId="{528BD4CA-A453-43AA-8F73-3E975C3B2CFE}" dt="2025-12-18T21:04:29.677" v="1172" actId="478"/>
+          <ac:picMkLst>
+            <pc:docMk/>
+            <pc:sldMk cId="2071100020" sldId="287"/>
+            <ac:picMk id="5" creationId="{1EED85A3-8D54-E880-CBC7-E28A5065F7F8}"/>
+          </ac:picMkLst>
+        </pc:picChg>
+      </pc:sldChg>
+      <pc:sldChg chg="addSp modSp mod">
+        <pc:chgData name="Luke Gaffney" userId="6fa697cc8cd57f76" providerId="LiveId" clId="{528BD4CA-A453-43AA-8F73-3E975C3B2CFE}" dt="2025-12-18T21:03:22.569" v="1166" actId="1076"/>
+        <pc:sldMkLst>
+          <pc:docMk/>
+          <pc:sldMk cId="3684625901" sldId="288"/>
+        </pc:sldMkLst>
+        <pc:spChg chg="mod">
+          <ac:chgData name="Luke Gaffney" userId="6fa697cc8cd57f76" providerId="LiveId" clId="{528BD4CA-A453-43AA-8F73-3E975C3B2CFE}" dt="2025-12-18T21:02:26.060" v="1159" actId="255"/>
+          <ac:spMkLst>
+            <pc:docMk/>
+            <pc:sldMk cId="3684625901" sldId="288"/>
+            <ac:spMk id="2" creationId="{D13892BC-B838-0EBB-9CE6-B92041741EEF}"/>
+          </ac:spMkLst>
+        </pc:spChg>
+        <pc:spChg chg="add mod">
+          <ac:chgData name="Luke Gaffney" userId="6fa697cc8cd57f76" providerId="LiveId" clId="{528BD4CA-A453-43AA-8F73-3E975C3B2CFE}" dt="2025-12-18T21:03:22.569" v="1166" actId="1076"/>
+          <ac:spMkLst>
+            <pc:docMk/>
+            <pc:sldMk cId="3684625901" sldId="288"/>
+            <ac:spMk id="5" creationId="{FD65859E-3885-553F-D101-4DA042CB4B7F}"/>
+          </ac:spMkLst>
+        </pc:spChg>
+        <pc:picChg chg="add mod">
+          <ac:chgData name="Luke Gaffney" userId="6fa697cc8cd57f76" providerId="LiveId" clId="{528BD4CA-A453-43AA-8F73-3E975C3B2CFE}" dt="2025-12-18T19:58:39.398" v="753" actId="14861"/>
+          <ac:picMkLst>
+            <pc:docMk/>
+            <pc:sldMk cId="3684625901" sldId="288"/>
+            <ac:picMk id="4" creationId="{E3E521B4-28F8-B155-39D9-FFC2A322F275}"/>
+          </ac:picMkLst>
+        </pc:picChg>
+      </pc:sldChg>
+      <pc:sldChg chg="modSp new del mod">
+        <pc:chgData name="Luke Gaffney" userId="6fa697cc8cd57f76" providerId="LiveId" clId="{528BD4CA-A453-43AA-8F73-3E975C3B2CFE}" dt="2025-12-18T19:58:48.591" v="754" actId="2696"/>
+        <pc:sldMkLst>
+          <pc:docMk/>
+          <pc:sldMk cId="2609907667" sldId="289"/>
+        </pc:sldMkLst>
+        <pc:spChg chg="mod">
+          <ac:chgData name="Luke Gaffney" userId="6fa697cc8cd57f76" providerId="LiveId" clId="{528BD4CA-A453-43AA-8F73-3E975C3B2CFE}" dt="2025-12-18T02:52:50.590" v="72" actId="20577"/>
+          <ac:spMkLst>
+            <pc:docMk/>
+            <pc:sldMk cId="2609907667" sldId="289"/>
+            <ac:spMk id="2" creationId="{1BF6A540-65F5-A0C9-5E62-B03928578317}"/>
+          </ac:spMkLst>
+        </pc:spChg>
+      </pc:sldChg>
+      <pc:sldChg chg="addSp modSp add mod">
+        <pc:chgData name="Luke Gaffney" userId="6fa697cc8cd57f76" providerId="LiveId" clId="{528BD4CA-A453-43AA-8F73-3E975C3B2CFE}" dt="2025-12-18T21:00:39.387" v="1153"/>
+        <pc:sldMkLst>
+          <pc:docMk/>
+          <pc:sldMk cId="1769301805" sldId="290"/>
+        </pc:sldMkLst>
+        <pc:spChg chg="mod">
+          <ac:chgData name="Luke Gaffney" userId="6fa697cc8cd57f76" providerId="LiveId" clId="{528BD4CA-A453-43AA-8F73-3E975C3B2CFE}" dt="2025-12-18T21:00:19.571" v="1152" actId="255"/>
+          <ac:spMkLst>
+            <pc:docMk/>
+            <pc:sldMk cId="1769301805" sldId="290"/>
+            <ac:spMk id="2" creationId="{F3F3FCB4-8A99-77D8-DB09-84A061141F35}"/>
+          </ac:spMkLst>
+        </pc:spChg>
+        <pc:spChg chg="add mod">
+          <ac:chgData name="Luke Gaffney" userId="6fa697cc8cd57f76" providerId="LiveId" clId="{528BD4CA-A453-43AA-8F73-3E975C3B2CFE}" dt="2025-12-18T21:00:39.387" v="1153"/>
+          <ac:spMkLst>
+            <pc:docMk/>
+            <pc:sldMk cId="1769301805" sldId="290"/>
+            <ac:spMk id="3" creationId="{7F57997F-3107-1310-A949-2FE70FD3D3B0}"/>
+          </ac:spMkLst>
+        </pc:spChg>
+        <pc:picChg chg="add mod">
+          <ac:chgData name="Luke Gaffney" userId="6fa697cc8cd57f76" providerId="LiveId" clId="{528BD4CA-A453-43AA-8F73-3E975C3B2CFE}" dt="2025-12-18T19:56:20.329" v="744" actId="14861"/>
+          <ac:picMkLst>
+            <pc:docMk/>
+            <pc:sldMk cId="1769301805" sldId="290"/>
+            <ac:picMk id="5" creationId="{4C079BC6-8B69-7F43-AE1A-294524428087}"/>
+          </ac:picMkLst>
+        </pc:picChg>
+      </pc:sldChg>
+    </pc:docChg>
+  </pc:docChgLst>
+</pc:chgInfo>
+</file>
+
+<file path=ppt/notesMasters/notesMaster1.xml><?xml version="1.0" encoding="utf-8"?>
+<p:notesMaster xmlns:a="http://schemas.openxmlformats.org/drawingml/2006/main" xmlns:r="http://schemas.openxmlformats.org/officeDocument/2006/relationships" xmlns:p="http://schemas.openxmlformats.org/presentationml/2006/main">
+  <p:cSld>
+    <p:bg>
+      <p:bgRef idx="1001">
+        <a:schemeClr val="bg1"/>
+      </p:bgRef>
+    </p:bg>
+    <p:spTree>
+      <p:nvGrpSpPr>
+        <p:cNvPr id="1" name=""/>
+        <p:cNvGrpSpPr/>
+        <p:nvPr/>
+      </p:nvGrpSpPr>
+      <p:grpSpPr>
+        <a:xfrm>
+          <a:off x="0" y="0"/>
+          <a:ext cx="0" cy="0"/>
+          <a:chOff x="0" y="0"/>
+          <a:chExt cx="0" cy="0"/>
+        </a:xfrm>
+      </p:grpSpPr>
+      <p:sp>
+        <p:nvSpPr>
+          <p:cNvPr id="2" name="Header Placeholder 1"/>
+          <p:cNvSpPr>
+            <a:spLocks noGrp="1"/>
+          </p:cNvSpPr>
+          <p:nvPr>
+            <p:ph type="hdr" sz="quarter"/>
+          </p:nvPr>
+        </p:nvSpPr>
+        <p:spPr>
+          <a:xfrm>
+            <a:off x="0" y="0"/>
+            <a:ext cx="2971800" cy="458788"/>
+          </a:xfrm>
+          <a:prstGeom prst="rect">
+            <a:avLst/>
+          </a:prstGeom>
+        </p:spPr>
+        <p:txBody>
+          <a:bodyPr vert="horz" lIns="91440" tIns="45720" rIns="91440" bIns="45720" rtlCol="0"/>
+          <a:lstStyle>
+            <a:lvl1pPr algn="l">
+              <a:defRPr sz="1200"/>
+            </a:lvl1pPr>
+          </a:lstStyle>
+          <a:p>
+            <a:endParaRPr lang="en-US"/>
+          </a:p>
+        </p:txBody>
+      </p:sp>
+      <p:sp>
+        <p:nvSpPr>
+          <p:cNvPr id="3" name="Date Placeholder 2"/>
+          <p:cNvSpPr>
+            <a:spLocks noGrp="1"/>
+          </p:cNvSpPr>
+          <p:nvPr>
+            <p:ph type="dt" idx="1"/>
+          </p:nvPr>
+        </p:nvSpPr>
+        <p:spPr>
+          <a:xfrm>
+            <a:off x="3884613" y="0"/>
+            <a:ext cx="2971800" cy="458788"/>
+          </a:xfrm>
+          <a:prstGeom prst="rect">
+            <a:avLst/>
+          </a:prstGeom>
+        </p:spPr>
+        <p:txBody>
+          <a:bodyPr vert="horz" lIns="91440" tIns="45720" rIns="91440" bIns="45720" rtlCol="0"/>
+          <a:lstStyle>
+            <a:lvl1pPr algn="r">
+              <a:defRPr sz="1200"/>
+            </a:lvl1pPr>
+          </a:lstStyle>
+          <a:p>
+            <a:fld id="{79DC4030-9B2D-4C56-AA99-33874DEDBB43}" type="datetimeFigureOut">
+              <a:rPr lang="en-US" smtClean="0"/>
+              <a:t>12/17/2025</a:t>
+            </a:fld>
+            <a:endParaRPr lang="en-US"/>
+          </a:p>
+        </p:txBody>
+      </p:sp>
+      <p:sp>
+        <p:nvSpPr>
+          <p:cNvPr id="4" name="Slide Image Placeholder 3"/>
+          <p:cNvSpPr>
+            <a:spLocks noGrp="1" noRot="1" noChangeAspect="1"/>
+          </p:cNvSpPr>
+          <p:nvPr>
+            <p:ph type="sldImg" idx="2"/>
+          </p:nvPr>
+        </p:nvSpPr>
+        <p:spPr>
+          <a:xfrm>
+            <a:off x="685800" y="1143000"/>
+            <a:ext cx="5486400" cy="3086100"/>
+          </a:xfrm>
+          <a:prstGeom prst="rect">
+            <a:avLst/>
+          </a:prstGeom>
+          <a:noFill/>
+          <a:ln w="12700">
+            <a:solidFill>
+              <a:prstClr val="black"/>
+            </a:solidFill>
+          </a:ln>
+        </p:spPr>
+        <p:txBody>
+          <a:bodyPr vert="horz" lIns="91440" tIns="45720" rIns="91440" bIns="45720" rtlCol="0" anchor="ctr"/>
+          <a:lstStyle/>
+          <a:p>
+            <a:endParaRPr lang="en-US"/>
+          </a:p>
+        </p:txBody>
+      </p:sp>
+      <p:sp>
+        <p:nvSpPr>
+          <p:cNvPr id="5" name="Notes Placeholder 4"/>
+          <p:cNvSpPr>
+            <a:spLocks noGrp="1"/>
+          </p:cNvSpPr>
+          <p:nvPr>
+            <p:ph type="body" sz="quarter" idx="3"/>
+          </p:nvPr>
+        </p:nvSpPr>
+        <p:spPr>
+          <a:xfrm>
+            <a:off x="685800" y="4400550"/>
+            <a:ext cx="5486400" cy="3600450"/>
+          </a:xfrm>
+          <a:prstGeom prst="rect">
+            <a:avLst/>
+          </a:prstGeom>
+        </p:spPr>
+        <p:txBody>
+          <a:bodyPr vert="horz" lIns="91440" tIns="45720" rIns="91440" bIns="45720" rtlCol="0"/>
+          <a:lstStyle/>
+          <a:p>
+            <a:pPr lvl="0"/>
+            <a:r>
+              <a:rPr lang="en-US"/>
+              <a:t>Click to edit Master text styles</a:t>
+            </a:r>
+          </a:p>
+          <a:p>
+            <a:pPr lvl="1"/>
+            <a:r>
+              <a:rPr lang="en-US"/>
+              <a:t>Second level</a:t>
+            </a:r>
+          </a:p>
+          <a:p>
+            <a:pPr lvl="2"/>
+            <a:r>
+              <a:rPr lang="en-US"/>
+              <a:t>Third level</a:t>
+            </a:r>
+          </a:p>
+          <a:p>
+            <a:pPr lvl="3"/>
+            <a:r>
+              <a:rPr lang="en-US"/>
+              <a:t>Fourth level</a:t>
+            </a:r>
+          </a:p>
+          <a:p>
+            <a:pPr lvl="4"/>
+            <a:r>
+              <a:rPr lang="en-US"/>
+              <a:t>Fifth level</a:t>
+            </a:r>
+          </a:p>
+        </p:txBody>
+      </p:sp>
+      <p:sp>
+        <p:nvSpPr>
+          <p:cNvPr id="6" name="Footer Placeholder 5"/>
+          <p:cNvSpPr>
+            <a:spLocks noGrp="1"/>
+          </p:cNvSpPr>
+          <p:nvPr>
+            <p:ph type="ftr" sz="quarter" idx="4"/>
+          </p:nvPr>
+        </p:nvSpPr>
+        <p:spPr>
+          <a:xfrm>
+            <a:off x="0" y="8685213"/>
+            <a:ext cx="2971800" cy="458787"/>
+          </a:xfrm>
+          <a:prstGeom prst="rect">
+            <a:avLst/>
+          </a:prstGeom>
+        </p:spPr>
+        <p:txBody>
+          <a:bodyPr vert="horz" lIns="91440" tIns="45720" rIns="91440" bIns="45720" rtlCol="0" anchor="b"/>
+          <a:lstStyle>
+            <a:lvl1pPr algn="l">
+              <a:defRPr sz="1200"/>
+            </a:lvl1pPr>
+          </a:lstStyle>
+          <a:p>
+            <a:endParaRPr lang="en-US"/>
+          </a:p>
+        </p:txBody>
+      </p:sp>
+      <p:sp>
+        <p:nvSpPr>
+          <p:cNvPr id="7" name="Slide Number Placeholder 6"/>
+          <p:cNvSpPr>
+            <a:spLocks noGrp="1"/>
+          </p:cNvSpPr>
+          <p:nvPr>
+            <p:ph type="sldNum" sz="quarter" idx="5"/>
+          </p:nvPr>
+        </p:nvSpPr>
+        <p:spPr>
+          <a:xfrm>
+            <a:off x="3884613" y="8685213"/>
+            <a:ext cx="2971800" cy="458787"/>
+          </a:xfrm>
+          <a:prstGeom prst="rect">
+            <a:avLst/>
+          </a:prstGeom>
+        </p:spPr>
+        <p:txBody>
+          <a:bodyPr vert="horz" lIns="91440" tIns="45720" rIns="91440" bIns="45720" rtlCol="0" anchor="b"/>
+          <a:lstStyle>
+            <a:lvl1pPr algn="r">
+              <a:defRPr sz="1200"/>
+            </a:lvl1pPr>
+          </a:lstStyle>
+          <a:p>
+            <a:fld id="{F04F93AA-2A77-4ACB-8117-F9E159C9069A}" type="slidenum">
+              <a:rPr lang="en-US" smtClean="0"/>
+              <a:t>‹#›</a:t>
+            </a:fld>
+            <a:endParaRPr lang="en-US"/>
+          </a:p>
+        </p:txBody>
+      </p:sp>
+    </p:spTree>
+    <p:extLst>
+      <p:ext uri="{BB962C8B-B14F-4D97-AF65-F5344CB8AC3E}">
+        <p14:creationId xmlns:p14="http://schemas.microsoft.com/office/powerpoint/2010/main" val="361820829"/>
+      </p:ext>
+    </p:extLst>
+  </p:cSld>
+  <p:clrMap bg1="lt1" tx1="dk1" bg2="lt2" tx2="dk2" accent1="accent1" accent2="accent2" accent3="accent3" accent4="accent4" accent5="accent5" accent6="accent6" hlink="hlink" folHlink="folHlink"/>
+  <p:notesStyle>
+    <a:lvl1pPr marL="0" algn="l" defTabSz="914400" rtl="0" eaLnBrk="1" latinLnBrk="0" hangingPunct="1">
+      <a:defRPr sz="1200" kern="1200">
+        <a:solidFill>
+          <a:schemeClr val="tx1"/>
+        </a:solidFill>
+        <a:latin typeface="+mn-lt"/>
+        <a:ea typeface="+mn-ea"/>
+        <a:cs typeface="+mn-cs"/>
+      </a:defRPr>
+    </a:lvl1pPr>
+    <a:lvl2pPr marL="457200" algn="l" defTabSz="914400" rtl="0" eaLnBrk="1" latinLnBrk="0" hangingPunct="1">
+      <a:defRPr sz="1200" kern="1200">
+        <a:solidFill>
+          <a:schemeClr val="tx1"/>
+        </a:solidFill>
+        <a:latin typeface="+mn-lt"/>
+        <a:ea typeface="+mn-ea"/>
+        <a:cs typeface="+mn-cs"/>
+      </a:defRPr>
+    </a:lvl2pPr>
+    <a:lvl3pPr marL="914400" algn="l" defTabSz="914400" rtl="0" eaLnBrk="1" latinLnBrk="0" hangingPunct="1">
+      <a:defRPr sz="1200" kern="1200">
+        <a:solidFill>
+          <a:schemeClr val="tx1"/>
+        </a:solidFill>
+        <a:latin typeface="+mn-lt"/>
+        <a:ea typeface="+mn-ea"/>
+        <a:cs typeface="+mn-cs"/>
+      </a:defRPr>
+    </a:lvl3pPr>
+    <a:lvl4pPr marL="1371600" algn="l" defTabSz="914400" rtl="0" eaLnBrk="1" latinLnBrk="0" hangingPunct="1">
+      <a:defRPr sz="1200" kern="1200">
+        <a:solidFill>
+          <a:schemeClr val="tx1"/>
+        </a:solidFill>
+        <a:latin typeface="+mn-lt"/>
+        <a:ea typeface="+mn-ea"/>
+        <a:cs typeface="+mn-cs"/>
+      </a:defRPr>
+    </a:lvl4pPr>
+    <a:lvl5pPr marL="1828800" algn="l" defTabSz="914400" rtl="0" eaLnBrk="1" latinLnBrk="0" hangingPunct="1">
+      <a:defRPr sz="1200" kern="1200">
+        <a:solidFill>
+          <a:schemeClr val="tx1"/>
+        </a:solidFill>
+        <a:latin typeface="+mn-lt"/>
+        <a:ea typeface="+mn-ea"/>
+        <a:cs typeface="+mn-cs"/>
+      </a:defRPr>
+    </a:lvl5pPr>
+    <a:lvl6pPr marL="2286000" algn="l" defTabSz="914400" rtl="0" eaLnBrk="1" latinLnBrk="0" hangingPunct="1">
+      <a:defRPr sz="1200" kern="1200">
+        <a:solidFill>
+          <a:schemeClr val="tx1"/>
+        </a:solidFill>
+        <a:latin typeface="+mn-lt"/>
+        <a:ea typeface="+mn-ea"/>
+        <a:cs typeface="+mn-cs"/>
+      </a:defRPr>
+    </a:lvl6pPr>
+    <a:lvl7pPr marL="2743200" algn="l" defTabSz="914400" rtl="0" eaLnBrk="1" latinLnBrk="0" hangingPunct="1">
+      <a:defRPr sz="1200" kern="1200">
+        <a:solidFill>
+          <a:schemeClr val="tx1"/>
+        </a:solidFill>
+        <a:latin typeface="+mn-lt"/>
+        <a:ea typeface="+mn-ea"/>
+        <a:cs typeface="+mn-cs"/>
+      </a:defRPr>
+    </a:lvl7pPr>
+    <a:lvl8pPr marL="3200400" algn="l" defTabSz="914400" rtl="0" eaLnBrk="1" latinLnBrk="0" hangingPunct="1">
+      <a:defRPr sz="1200" kern="1200">
+        <a:solidFill>
+          <a:schemeClr val="tx1"/>
+        </a:solidFill>
+        <a:latin typeface="+mn-lt"/>
+        <a:ea typeface="+mn-ea"/>
+        <a:cs typeface="+mn-cs"/>
+      </a:defRPr>
+    </a:lvl8pPr>
+    <a:lvl9pPr marL="3657600" algn="l" defTabSz="914400" rtl="0" eaLnBrk="1" latinLnBrk="0" hangingPunct="1">
+      <a:defRPr sz="1200" kern="1200">
+        <a:solidFill>
+          <a:schemeClr val="tx1"/>
+        </a:solidFill>
+        <a:latin typeface="+mn-lt"/>
+        <a:ea typeface="+mn-ea"/>
+        <a:cs typeface="+mn-cs"/>
+      </a:defRPr>
+    </a:lvl9pPr>
+  </p:notesStyle>
+</p:notesMaster>
+</file>
+
+<file path=ppt/notesSlides/notesSlide1.xml><?xml version="1.0" encoding="utf-8"?>
+<p:notes xmlns:a="http://schemas.openxmlformats.org/drawingml/2006/main" xmlns:r="http://schemas.openxmlformats.org/officeDocument/2006/relationships" xmlns:p="http://schemas.openxmlformats.org/presentationml/2006/main">
+  <p:cSld>
+    <p:spTree>
+      <p:nvGrpSpPr>
+        <p:cNvPr id="1" name=""/>
+        <p:cNvGrpSpPr/>
+        <p:nvPr/>
+      </p:nvGrpSpPr>
+      <p:grpSpPr>
+        <a:xfrm>
+          <a:off x="0" y="0"/>
+          <a:ext cx="0" cy="0"/>
+          <a:chOff x="0" y="0"/>
+          <a:chExt cx="0" cy="0"/>
+        </a:xfrm>
+      </p:grpSpPr>
+      <p:sp>
+        <p:nvSpPr>
+          <p:cNvPr id="2" name="Slide Image Placeholder 1"/>
+          <p:cNvSpPr>
+            <a:spLocks noGrp="1" noRot="1" noChangeAspect="1"/>
+          </p:cNvSpPr>
+          <p:nvPr>
+            <p:ph type="sldImg"/>
+          </p:nvPr>
+        </p:nvSpPr>
+        <p:spPr/>
+      </p:sp>
+      <p:sp>
+        <p:nvSpPr>
+          <p:cNvPr id="3" name="Notes Placeholder 2"/>
+          <p:cNvSpPr>
+            <a:spLocks noGrp="1"/>
+          </p:cNvSpPr>
+          <p:nvPr>
+            <p:ph type="body" idx="1"/>
+          </p:nvPr>
+        </p:nvSpPr>
+        <p:spPr/>
+        <p:txBody>
+          <a:bodyPr/>
+          <a:lstStyle/>
+          <a:p>
+            <a:r>
+              <a:rPr lang="en-US" dirty="0"/>
+              <a:t>Between 2020 and 2023, Metro Nashville experienced historically low mortgage rates, rapid home price growth, and then the fastest interest-rate increases in decades. This project examines how those market disruptions affected housing affordability overall  and how uneven those impacts were across ZIP codes.</a:t>
+            </a:r>
+          </a:p>
+        </p:txBody>
+      </p:sp>
+      <p:sp>
+        <p:nvSpPr>
+          <p:cNvPr id="4" name="Slide Number Placeholder 3"/>
+          <p:cNvSpPr>
+            <a:spLocks noGrp="1"/>
+          </p:cNvSpPr>
+          <p:nvPr>
+            <p:ph type="sldNum" sz="quarter" idx="5"/>
+          </p:nvPr>
+        </p:nvSpPr>
+        <p:spPr/>
+        <p:txBody>
+          <a:bodyPr/>
+          <a:lstStyle/>
+          <a:p>
+            <a:fld id="{F04F93AA-2A77-4ACB-8117-F9E159C9069A}" type="slidenum">
+              <a:rPr lang="en-US" smtClean="0"/>
+              <a:t>1</a:t>
+            </a:fld>
+            <a:endParaRPr lang="en-US"/>
+          </a:p>
+        </p:txBody>
+      </p:sp>
+    </p:spTree>
+    <p:extLst>
+      <p:ext uri="{BB962C8B-B14F-4D97-AF65-F5344CB8AC3E}">
+        <p14:creationId xmlns:p14="http://schemas.microsoft.com/office/powerpoint/2010/main" val="3060548916"/>
+      </p:ext>
+    </p:extLst>
+  </p:cSld>
+  <p:clrMapOvr>
+    <a:masterClrMapping/>
+  </p:clrMapOvr>
+</p:notes>
+</file>
+
+<file path=ppt/notesSlides/notesSlide2.xml><?xml version="1.0" encoding="utf-8"?>
+<p:notes xmlns:a="http://schemas.openxmlformats.org/drawingml/2006/main" xmlns:r="http://schemas.openxmlformats.org/officeDocument/2006/relationships" xmlns:p="http://schemas.openxmlformats.org/presentationml/2006/main">
+  <p:cSld>
+    <p:spTree>
+      <p:nvGrpSpPr>
+        <p:cNvPr id="1" name=""/>
+        <p:cNvGrpSpPr/>
+        <p:nvPr/>
+      </p:nvGrpSpPr>
+      <p:grpSpPr>
+        <a:xfrm>
+          <a:off x="0" y="0"/>
+          <a:ext cx="0" cy="0"/>
+          <a:chOff x="0" y="0"/>
+          <a:chExt cx="0" cy="0"/>
+        </a:xfrm>
+      </p:grpSpPr>
+      <p:sp>
+        <p:nvSpPr>
+          <p:cNvPr id="2" name="Slide Image Placeholder 1"/>
+          <p:cNvSpPr>
+            <a:spLocks noGrp="1" noRot="1" noChangeAspect="1"/>
+          </p:cNvSpPr>
+          <p:nvPr>
+            <p:ph type="sldImg"/>
+          </p:nvPr>
+        </p:nvSpPr>
+        <p:spPr/>
+      </p:sp>
+      <p:sp>
+        <p:nvSpPr>
+          <p:cNvPr id="3" name="Notes Placeholder 2"/>
+          <p:cNvSpPr>
+            <a:spLocks noGrp="1"/>
+          </p:cNvSpPr>
+          <p:nvPr>
+            <p:ph type="body" idx="1"/>
+          </p:nvPr>
+        </p:nvSpPr>
+        <p:spPr/>
+        <p:txBody>
+          <a:bodyPr/>
+          <a:lstStyle/>
+          <a:p>
+            <a:r>
+              <a:rPr lang="en-US" dirty="0"/>
+              <a:t>This analysis combines Redfin housing market data, Census income data at the ZIP-code level, and national mortgage rate trends from the Federal Reserve to evaluate housing affordability in Metro Nashville between 2020 and 2023</a:t>
+            </a:r>
+          </a:p>
+        </p:txBody>
+      </p:sp>
+      <p:sp>
+        <p:nvSpPr>
+          <p:cNvPr id="4" name="Slide Number Placeholder 3"/>
+          <p:cNvSpPr>
+            <a:spLocks noGrp="1"/>
+          </p:cNvSpPr>
+          <p:nvPr>
+            <p:ph type="sldNum" sz="quarter" idx="5"/>
+          </p:nvPr>
+        </p:nvSpPr>
+        <p:spPr/>
+        <p:txBody>
+          <a:bodyPr/>
+          <a:lstStyle/>
+          <a:p>
+            <a:fld id="{F04F93AA-2A77-4ACB-8117-F9E159C9069A}" type="slidenum">
+              <a:rPr lang="en-US" smtClean="0"/>
+              <a:t>4</a:t>
+            </a:fld>
+            <a:endParaRPr lang="en-US"/>
+          </a:p>
+        </p:txBody>
+      </p:sp>
+    </p:spTree>
+    <p:extLst>
+      <p:ext uri="{BB962C8B-B14F-4D97-AF65-F5344CB8AC3E}">
+        <p14:creationId xmlns:p14="http://schemas.microsoft.com/office/powerpoint/2010/main" val="3265194060"/>
+      </p:ext>
+    </p:extLst>
+  </p:cSld>
+  <p:clrMapOvr>
+    <a:masterClrMapping/>
+  </p:clrMapOvr>
+</p:notes>
+</file>
+
+<file path=ppt/notesSlides/notesSlide3.xml><?xml version="1.0" encoding="utf-8"?>
+<p:notes xmlns:a="http://schemas.openxmlformats.org/drawingml/2006/main" xmlns:r="http://schemas.openxmlformats.org/officeDocument/2006/relationships" xmlns:p="http://schemas.openxmlformats.org/presentationml/2006/main">
+  <p:cSld>
+    <p:spTree>
+      <p:nvGrpSpPr>
+        <p:cNvPr id="1" name=""/>
+        <p:cNvGrpSpPr/>
+        <p:nvPr/>
+      </p:nvGrpSpPr>
+      <p:grpSpPr>
+        <a:xfrm>
+          <a:off x="0" y="0"/>
+          <a:ext cx="0" cy="0"/>
+          <a:chOff x="0" y="0"/>
+          <a:chExt cx="0" cy="0"/>
+        </a:xfrm>
+      </p:grpSpPr>
+      <p:sp>
+        <p:nvSpPr>
+          <p:cNvPr id="2" name="Slide Image Placeholder 1"/>
+          <p:cNvSpPr>
+            <a:spLocks noGrp="1" noRot="1" noChangeAspect="1"/>
+          </p:cNvSpPr>
+          <p:nvPr>
+            <p:ph type="sldImg"/>
+          </p:nvPr>
+        </p:nvSpPr>
+        <p:spPr/>
+      </p:sp>
+      <p:sp>
+        <p:nvSpPr>
+          <p:cNvPr id="3" name="Notes Placeholder 2"/>
+          <p:cNvSpPr>
+            <a:spLocks noGrp="1"/>
+          </p:cNvSpPr>
+          <p:nvPr>
+            <p:ph type="body" idx="1"/>
+          </p:nvPr>
+        </p:nvSpPr>
+        <p:spPr/>
+        <p:txBody>
+          <a:bodyPr/>
+          <a:lstStyle/>
+          <a:p>
+            <a:r>
+              <a:rPr lang="en-US" dirty="0"/>
+              <a:t>These summary statistics provide context for the affordability and housing market trends discussed next.</a:t>
+            </a:r>
+          </a:p>
+        </p:txBody>
+      </p:sp>
+      <p:sp>
+        <p:nvSpPr>
+          <p:cNvPr id="4" name="Slide Number Placeholder 3"/>
+          <p:cNvSpPr>
+            <a:spLocks noGrp="1"/>
+          </p:cNvSpPr>
+          <p:nvPr>
+            <p:ph type="sldNum" sz="quarter" idx="5"/>
+          </p:nvPr>
+        </p:nvSpPr>
+        <p:spPr/>
+        <p:txBody>
+          <a:bodyPr/>
+          <a:lstStyle/>
+          <a:p>
+            <a:fld id="{F04F93AA-2A77-4ACB-8117-F9E159C9069A}" type="slidenum">
+              <a:rPr lang="en-US" smtClean="0"/>
+              <a:t>5</a:t>
+            </a:fld>
+            <a:endParaRPr lang="en-US"/>
+          </a:p>
+        </p:txBody>
+      </p:sp>
+    </p:spTree>
+    <p:extLst>
+      <p:ext uri="{BB962C8B-B14F-4D97-AF65-F5344CB8AC3E}">
+        <p14:creationId xmlns:p14="http://schemas.microsoft.com/office/powerpoint/2010/main" val="1719800106"/>
+      </p:ext>
+    </p:extLst>
+  </p:cSld>
+  <p:clrMapOvr>
+    <a:masterClrMapping/>
+  </p:clrMapOvr>
+</p:notes>
+</file>
+
+<file path=ppt/notesSlides/notesSlide4.xml><?xml version="1.0" encoding="utf-8"?>
+<p:notes xmlns:a="http://schemas.openxmlformats.org/drawingml/2006/main" xmlns:r="http://schemas.openxmlformats.org/officeDocument/2006/relationships" xmlns:p="http://schemas.openxmlformats.org/presentationml/2006/main">
+  <p:cSld>
+    <p:spTree>
+      <p:nvGrpSpPr>
+        <p:cNvPr id="1" name=""/>
+        <p:cNvGrpSpPr/>
+        <p:nvPr/>
+      </p:nvGrpSpPr>
+      <p:grpSpPr>
+        <a:xfrm>
+          <a:off x="0" y="0"/>
+          <a:ext cx="0" cy="0"/>
+          <a:chOff x="0" y="0"/>
+          <a:chExt cx="0" cy="0"/>
+        </a:xfrm>
+      </p:grpSpPr>
+      <p:sp>
+        <p:nvSpPr>
+          <p:cNvPr id="2" name="Slide Image Placeholder 1"/>
+          <p:cNvSpPr>
+            <a:spLocks noGrp="1" noRot="1" noChangeAspect="1"/>
+          </p:cNvSpPr>
+          <p:nvPr>
+            <p:ph type="sldImg"/>
+          </p:nvPr>
+        </p:nvSpPr>
+        <p:spPr/>
+      </p:sp>
+      <p:sp>
+        <p:nvSpPr>
+          <p:cNvPr id="3" name="Notes Placeholder 2"/>
+          <p:cNvSpPr>
+            <a:spLocks noGrp="1"/>
+          </p:cNvSpPr>
+          <p:nvPr>
+            <p:ph type="body" idx="1"/>
+          </p:nvPr>
+        </p:nvSpPr>
+        <p:spPr/>
+        <p:txBody>
+          <a:bodyPr/>
+          <a:lstStyle/>
+          <a:p>
+            <a:pPr marL="285750" indent="-285750">
+              <a:buFont typeface="Arial" panose="020B0604020202020204" pitchFamily="34" charset="0"/>
+              <a:buChar char="•"/>
+            </a:pPr>
+            <a:r>
+              <a:rPr lang="en-US" b="1" dirty="0"/>
+              <a:t>Price-to-Income Ratio</a:t>
+            </a:r>
+          </a:p>
+          <a:p>
+            <a:pPr marL="742950" lvl="1" indent="-285750">
+              <a:buFont typeface="Arial" panose="020B0604020202020204" pitchFamily="34" charset="0"/>
+              <a:buChar char="•"/>
+            </a:pPr>
+            <a:r>
+              <a:rPr lang="en-US" dirty="0"/>
+              <a:t>The </a:t>
+            </a:r>
+            <a:r>
+              <a:rPr lang="en-US" b="1" dirty="0"/>
+              <a:t>price-to-income ratio</a:t>
+            </a:r>
+            <a:r>
+              <a:rPr lang="en-US" dirty="0"/>
+              <a:t> measures how affordable housing is by comparing the cost of a typical home to the income of a typical household.</a:t>
+            </a:r>
+          </a:p>
+          <a:p>
+            <a:pPr marL="742950" lvl="1" indent="-285750">
+              <a:buFont typeface="Arial" panose="020B0604020202020204" pitchFamily="34" charset="0"/>
+              <a:buChar char="•"/>
+            </a:pPr>
+            <a:r>
+              <a:rPr lang="en-US" b="1" dirty="0"/>
+              <a:t>Price-to-Income Ratio= Median Home Sale Price/Median Household Income</a:t>
+            </a:r>
+          </a:p>
+          <a:p>
+            <a:endParaRPr lang="en-US" dirty="0"/>
+          </a:p>
+        </p:txBody>
+      </p:sp>
+      <p:sp>
+        <p:nvSpPr>
+          <p:cNvPr id="4" name="Slide Number Placeholder 3"/>
+          <p:cNvSpPr>
+            <a:spLocks noGrp="1"/>
+          </p:cNvSpPr>
+          <p:nvPr>
+            <p:ph type="sldNum" sz="quarter" idx="5"/>
+          </p:nvPr>
+        </p:nvSpPr>
+        <p:spPr/>
+        <p:txBody>
+          <a:bodyPr/>
+          <a:lstStyle/>
+          <a:p>
+            <a:fld id="{F04F93AA-2A77-4ACB-8117-F9E159C9069A}" type="slidenum">
+              <a:rPr lang="en-US" smtClean="0"/>
+              <a:t>7</a:t>
+            </a:fld>
+            <a:endParaRPr lang="en-US"/>
+          </a:p>
+        </p:txBody>
+      </p:sp>
+    </p:spTree>
+    <p:extLst>
+      <p:ext uri="{BB962C8B-B14F-4D97-AF65-F5344CB8AC3E}">
+        <p14:creationId xmlns:p14="http://schemas.microsoft.com/office/powerpoint/2010/main" val="3524343700"/>
+      </p:ext>
+    </p:extLst>
+  </p:cSld>
+  <p:clrMapOvr>
+    <a:masterClrMapping/>
+  </p:clrMapOvr>
+</p:notes>
+</file>
+
+<file path=ppt/notesSlides/notesSlide5.xml><?xml version="1.0" encoding="utf-8"?>
+<p:notes xmlns:a="http://schemas.openxmlformats.org/drawingml/2006/main" xmlns:r="http://schemas.openxmlformats.org/officeDocument/2006/relationships" xmlns:p="http://schemas.openxmlformats.org/presentationml/2006/main">
+  <p:cSld>
+    <p:spTree>
+      <p:nvGrpSpPr>
+        <p:cNvPr id="1" name=""/>
+        <p:cNvGrpSpPr/>
+        <p:nvPr/>
+      </p:nvGrpSpPr>
+      <p:grpSpPr>
+        <a:xfrm>
+          <a:off x="0" y="0"/>
+          <a:ext cx="0" cy="0"/>
+          <a:chOff x="0" y="0"/>
+          <a:chExt cx="0" cy="0"/>
+        </a:xfrm>
+      </p:grpSpPr>
+      <p:sp>
+        <p:nvSpPr>
+          <p:cNvPr id="2" name="Slide Image Placeholder 1"/>
+          <p:cNvSpPr>
+            <a:spLocks noGrp="1" noRot="1" noChangeAspect="1"/>
+          </p:cNvSpPr>
+          <p:nvPr>
+            <p:ph type="sldImg"/>
+          </p:nvPr>
+        </p:nvSpPr>
+        <p:spPr/>
+      </p:sp>
+      <p:sp>
+        <p:nvSpPr>
+          <p:cNvPr id="3" name="Notes Placeholder 2"/>
+          <p:cNvSpPr>
+            <a:spLocks noGrp="1"/>
+          </p:cNvSpPr>
+          <p:nvPr>
+            <p:ph type="body" idx="1"/>
+          </p:nvPr>
+        </p:nvSpPr>
+        <p:spPr/>
+        <p:txBody>
+          <a:bodyPr/>
+          <a:lstStyle/>
+          <a:p>
+            <a:r>
+              <a:rPr lang="en-US" dirty="0"/>
+              <a:t>When looking at slide 5 data when looking at median home price how that has changed compared to the interest rate change my findings would be that </a:t>
+            </a:r>
+            <a:r>
+              <a:rPr lang="en-US" dirty="0" err="1"/>
+              <a:t>avaerag</a:t>
+            </a:r>
+            <a:r>
+              <a:rPr lang="en-US" dirty="0"/>
+              <a:t> </a:t>
+            </a:r>
+            <a:r>
+              <a:rPr lang="en-US" dirty="0" err="1"/>
+              <a:t>ehome</a:t>
+            </a:r>
+            <a:r>
+              <a:rPr lang="en-US" dirty="0"/>
+              <a:t> owner that purchased in 2023 vs 2020 spent on average x amount more on a monthly –payment with 20%</a:t>
+            </a:r>
+          </a:p>
+          <a:p>
+            <a:r>
+              <a:rPr lang="en-US" dirty="0"/>
+              <a:t> how the average payment would change</a:t>
+            </a:r>
+          </a:p>
+          <a:p>
+            <a:endParaRPr lang="en-US" dirty="0"/>
+          </a:p>
+        </p:txBody>
+      </p:sp>
+      <p:sp>
+        <p:nvSpPr>
+          <p:cNvPr id="4" name="Slide Number Placeholder 3"/>
+          <p:cNvSpPr>
+            <a:spLocks noGrp="1"/>
+          </p:cNvSpPr>
+          <p:nvPr>
+            <p:ph type="sldNum" sz="quarter" idx="5"/>
+          </p:nvPr>
+        </p:nvSpPr>
+        <p:spPr/>
+        <p:txBody>
+          <a:bodyPr/>
+          <a:lstStyle/>
+          <a:p>
+            <a:fld id="{F04F93AA-2A77-4ACB-8117-F9E159C9069A}" type="slidenum">
+              <a:rPr lang="en-US" smtClean="0"/>
+              <a:t>12</a:t>
+            </a:fld>
+            <a:endParaRPr lang="en-US"/>
+          </a:p>
+        </p:txBody>
+      </p:sp>
+    </p:spTree>
+    <p:extLst>
+      <p:ext uri="{BB962C8B-B14F-4D97-AF65-F5344CB8AC3E}">
+        <p14:creationId xmlns:p14="http://schemas.microsoft.com/office/powerpoint/2010/main" val="540060381"/>
+      </p:ext>
+    </p:extLst>
+  </p:cSld>
+  <p:clrMapOvr>
+    <a:masterClrMapping/>
+  </p:clrMapOvr>
+</p:notes>
+</file>
+
+<file path=ppt/notesSlides/notesSlide6.xml><?xml version="1.0" encoding="utf-8"?>
+<p:notes xmlns:a="http://schemas.openxmlformats.org/drawingml/2006/main" xmlns:r="http://schemas.openxmlformats.org/officeDocument/2006/relationships" xmlns:p="http://schemas.openxmlformats.org/presentationml/2006/main">
+  <p:cSld>
+    <p:spTree>
+      <p:nvGrpSpPr>
+        <p:cNvPr id="1" name=""/>
+        <p:cNvGrpSpPr/>
+        <p:nvPr/>
+      </p:nvGrpSpPr>
+      <p:grpSpPr>
+        <a:xfrm>
+          <a:off x="0" y="0"/>
+          <a:ext cx="0" cy="0"/>
+          <a:chOff x="0" y="0"/>
+          <a:chExt cx="0" cy="0"/>
+        </a:xfrm>
+      </p:grpSpPr>
+      <p:sp>
+        <p:nvSpPr>
+          <p:cNvPr id="2" name="Slide Image Placeholder 1"/>
+          <p:cNvSpPr>
+            <a:spLocks noGrp="1" noRot="1" noChangeAspect="1"/>
+          </p:cNvSpPr>
+          <p:nvPr>
+            <p:ph type="sldImg"/>
+          </p:nvPr>
+        </p:nvSpPr>
+        <p:spPr/>
+      </p:sp>
+      <p:sp>
+        <p:nvSpPr>
+          <p:cNvPr id="3" name="Notes Placeholder 2"/>
+          <p:cNvSpPr>
+            <a:spLocks noGrp="1"/>
+          </p:cNvSpPr>
+          <p:nvPr>
+            <p:ph type="body" idx="1"/>
+          </p:nvPr>
+        </p:nvSpPr>
+        <p:spPr/>
+        <p:txBody>
+          <a:bodyPr/>
+          <a:lstStyle/>
+          <a:p>
+            <a:r>
+              <a:rPr lang="en-US" b="1" dirty="0"/>
+              <a:t>Limitations &amp; Next Steps</a:t>
+            </a:r>
+          </a:p>
+          <a:p>
+            <a:r>
+              <a:rPr lang="en-US" b="1" dirty="0"/>
+              <a:t>Data &amp; Geographic Limitations</a:t>
+            </a:r>
+          </a:p>
+          <a:p>
+            <a:r>
+              <a:rPr lang="en-US" dirty="0"/>
+              <a:t>Defining the true boundaries of </a:t>
+            </a:r>
+            <a:r>
+              <a:rPr lang="en-US" b="1" dirty="0"/>
+              <a:t>Metro Nashville at the ZIP-code level</a:t>
+            </a:r>
+            <a:r>
+              <a:rPr lang="en-US" dirty="0"/>
+              <a:t> was challenging, as different data sources include different ZIP codes within the metro area.</a:t>
+            </a:r>
+          </a:p>
+          <a:p>
+            <a:r>
+              <a:rPr lang="en-US" dirty="0"/>
+              <a:t>Results may vary slightly depending on which ZIP codes are classified as part of the metro region.</a:t>
+            </a:r>
+          </a:p>
+          <a:p>
+            <a:br>
+              <a:rPr lang="en-US" dirty="0"/>
+            </a:br>
+            <a:endParaRPr lang="en-US" dirty="0"/>
+          </a:p>
+          <a:p>
+            <a:r>
+              <a:rPr lang="en-US" b="1" dirty="0"/>
+              <a:t>Temporal Data Constraints</a:t>
+            </a:r>
+          </a:p>
+          <a:p>
+            <a:r>
+              <a:rPr lang="en-US" dirty="0"/>
+              <a:t>ZIP-code level Census income data were only consistently available for </a:t>
+            </a:r>
+            <a:r>
+              <a:rPr lang="en-US" b="1" dirty="0"/>
+              <a:t>2020–2023</a:t>
+            </a:r>
+            <a:r>
+              <a:rPr lang="en-US" dirty="0"/>
+              <a:t>, limiting the ability to analyze longer-term affordability trends at a granular level.</a:t>
+            </a:r>
+          </a:p>
+          <a:p>
+            <a:r>
+              <a:rPr lang="en-US" dirty="0"/>
+              <a:t>As a result, earlier affordability dynamics could not be examined at the ZIP-code scale.</a:t>
+            </a:r>
+          </a:p>
+          <a:p>
+            <a:br>
+              <a:rPr lang="en-US" dirty="0"/>
+            </a:br>
+            <a:endParaRPr lang="en-US" dirty="0"/>
+          </a:p>
+          <a:p>
+            <a:r>
+              <a:rPr lang="en-US" b="1" dirty="0"/>
+              <a:t>Future Research Opportunities</a:t>
+            </a:r>
+          </a:p>
+          <a:p>
+            <a:r>
+              <a:rPr lang="en-US" dirty="0"/>
+              <a:t>Expanding this analysis to cover the </a:t>
+            </a:r>
+            <a:r>
+              <a:rPr lang="en-US" b="1" dirty="0"/>
+              <a:t>past 10–20 years</a:t>
+            </a:r>
+            <a:r>
+              <a:rPr lang="en-US" dirty="0"/>
+              <a:t> would provide valuable insight into how affordability pressures have evolved over multiple housing cycles.</a:t>
+            </a:r>
+          </a:p>
+          <a:p>
+            <a:r>
+              <a:rPr lang="en-US" dirty="0"/>
+              <a:t>Incorporating additional geographic definitions (e.g., county or census tract level) could improve consistency and comparability across data sources.</a:t>
+            </a:r>
+          </a:p>
+          <a:p>
+            <a:r>
+              <a:rPr lang="en-US" dirty="0"/>
+              <a:t>Future work could also examine </a:t>
+            </a:r>
+            <a:r>
+              <a:rPr lang="en-US" b="1" dirty="0"/>
+              <a:t>demographic and tenure differences</a:t>
+            </a:r>
+            <a:r>
+              <a:rPr lang="en-US" dirty="0"/>
+              <a:t> to better understand who is most affected by rising housing costs.</a:t>
+            </a:r>
+          </a:p>
+          <a:p>
+            <a:endParaRPr lang="en-US" dirty="0"/>
+          </a:p>
+        </p:txBody>
+      </p:sp>
+      <p:sp>
+        <p:nvSpPr>
+          <p:cNvPr id="4" name="Slide Number Placeholder 3"/>
+          <p:cNvSpPr>
+            <a:spLocks noGrp="1"/>
+          </p:cNvSpPr>
+          <p:nvPr>
+            <p:ph type="sldNum" sz="quarter" idx="5"/>
+          </p:nvPr>
+        </p:nvSpPr>
+        <p:spPr/>
+        <p:txBody>
+          <a:bodyPr/>
+          <a:lstStyle/>
+          <a:p>
+            <a:fld id="{F04F93AA-2A77-4ACB-8117-F9E159C9069A}" type="slidenum">
+              <a:rPr lang="en-US" smtClean="0"/>
+              <a:t>13</a:t>
+            </a:fld>
+            <a:endParaRPr lang="en-US"/>
+          </a:p>
+        </p:txBody>
+      </p:sp>
+    </p:spTree>
+    <p:extLst>
+      <p:ext uri="{BB962C8B-B14F-4D97-AF65-F5344CB8AC3E}">
+        <p14:creationId xmlns:p14="http://schemas.microsoft.com/office/powerpoint/2010/main" val="433042271"/>
+      </p:ext>
+    </p:extLst>
+  </p:cSld>
+  <p:clrMapOvr>
+    <a:masterClrMapping/>
+  </p:clrMapOvr>
+</p:notes>
 </file>
 
 <file path=ppt/slideLayouts/slideLayout1.xml><?xml version="1.0" encoding="utf-8"?>
@@ -3432,7 +5097,7 @@
         </p:nvSpPr>
         <p:spPr>
           <a:xfrm>
-            <a:off x="4572000" y="1298737"/>
+            <a:off x="4817533" y="1317025"/>
             <a:ext cx="6251110" cy="2902077"/>
           </a:xfrm>
         </p:spPr>
@@ -3443,7 +5108,7 @@
           <a:lstStyle/>
           <a:p>
             <a:r>
-              <a:rPr lang="en-US" sz="4400" dirty="0"/>
+              <a:rPr lang="en-US" sz="4400" b="1" dirty="0"/>
               <a:t>Housing Affordability in Metro Nashville During a Period of Market Disruption (2020–2023)</a:t>
             </a:r>
           </a:p>
@@ -3504,7 +5169,7 @@
           <p:nvPr/>
         </p:nvPicPr>
         <p:blipFill>
-          <a:blip r:embed="rId2"/>
+          <a:blip r:embed="rId3"/>
           <a:srcRect l="33472" r="21197" b="-1"/>
           <a:stretch>
             <a:fillRect/>
@@ -4143,7 +5808,7 @@
         <p:cNvPr id="1" name="">
           <a:extLst>
             <a:ext uri="{FF2B5EF4-FFF2-40B4-BE49-F238E27FC236}">
-              <a16:creationId xmlns:a16="http://schemas.microsoft.com/office/drawing/2014/main" id="{FD8C34E1-C983-D72E-F0DD-FA8F7A58E416}"/>
+              <a16:creationId xmlns:a16="http://schemas.microsoft.com/office/drawing/2014/main" id="{40DA99AC-C2E7-4667-DC96-8F2421398D8C}"/>
             </a:ext>
           </a:extLst>
         </p:cNvPr>
@@ -4163,7 +5828,7 @@
           <p:cNvPr id="17" name="Rectangle 16">
             <a:extLst>
               <a:ext uri="{FF2B5EF4-FFF2-40B4-BE49-F238E27FC236}">
-                <a16:creationId xmlns:a16="http://schemas.microsoft.com/office/drawing/2014/main" id="{85BB166D-188A-9749-E129-4A9CF08B3D78}"/>
+                <a16:creationId xmlns:a16="http://schemas.microsoft.com/office/drawing/2014/main" id="{66D7046A-681E-9BE6-361F-2C6D58E71374}"/>
               </a:ext>
               <a:ext uri="{C183D7F6-B498-43B3-948B-1728B52AA6E4}">
                 <adec:decorative xmlns:adec="http://schemas.microsoft.com/office/drawing/2017/decorative" val="1"/>
@@ -4252,7 +5917,7 @@
           <p:cNvPr id="2" name="Title 1">
             <a:extLst>
               <a:ext uri="{FF2B5EF4-FFF2-40B4-BE49-F238E27FC236}">
-                <a16:creationId xmlns:a16="http://schemas.microsoft.com/office/drawing/2014/main" id="{D13892BC-B838-0EBB-9CE6-B92041741EEF}"/>
+                <a16:creationId xmlns:a16="http://schemas.microsoft.com/office/drawing/2014/main" id="{F3F3FCB4-8A99-77D8-DB09-84A061141F35}"/>
               </a:ext>
             </a:extLst>
           </p:cNvPr>
@@ -4266,7 +5931,7 @@
         <p:spPr>
           <a:xfrm>
             <a:off x="838200" y="365125"/>
-            <a:ext cx="10515600" cy="1325563"/>
+            <a:ext cx="11353800" cy="1325563"/>
           </a:xfrm>
         </p:spPr>
         <p:txBody>
@@ -4276,10 +5941,9 @@
           <a:lstStyle/>
           <a:p>
             <a:r>
-              <a:rPr lang="en-US" sz="5400" dirty="0"/>
-              <a:t>ZIP Code Affordability Differences</a:t>
-            </a:r>
-            <a:endParaRPr lang="en-US" sz="5000" dirty="0"/>
+              <a:rPr lang="en-US" sz="3200" b="1" dirty="0"/>
+              <a:t>Higher Mortgage Rates Reduced Homeownership Affordability</a:t>
+            </a:r>
           </a:p>
         </p:txBody>
       </p:sp>
@@ -4288,7 +5952,7 @@
           <p:cNvPr id="19" name="sketch line">
             <a:extLst>
               <a:ext uri="{FF2B5EF4-FFF2-40B4-BE49-F238E27FC236}">
-                <a16:creationId xmlns:a16="http://schemas.microsoft.com/office/drawing/2014/main" id="{E4A2A22C-7C26-0D10-5FAD-F56E81242C88}"/>
+                <a16:creationId xmlns:a16="http://schemas.microsoft.com/office/drawing/2014/main" id="{31D6C79A-ED1C-995F-7F10-D47BF78B507D}"/>
               </a:ext>
               <a:ext uri="{C183D7F6-B498-43B3-948B-1728B52AA6E4}">
                 <adec:decorative xmlns:adec="http://schemas.microsoft.com/office/drawing/2017/decorative" val="1"/>
@@ -4950,10 +6614,93 @@
           </a:p>
         </p:txBody>
       </p:sp>
+      <p:sp>
+        <p:nvSpPr>
+          <p:cNvPr id="3" name="TextBox 2">
+            <a:extLst>
+              <a:ext uri="{FF2B5EF4-FFF2-40B4-BE49-F238E27FC236}">
+                <a16:creationId xmlns:a16="http://schemas.microsoft.com/office/drawing/2014/main" id="{7F57997F-3107-1310-A949-2FE70FD3D3B0}"/>
+              </a:ext>
+            </a:extLst>
+          </p:cNvPr>
+          <p:cNvSpPr txBox="1"/>
+          <p:nvPr/>
+        </p:nvSpPr>
+        <p:spPr>
+          <a:xfrm>
+            <a:off x="6781800" y="3002936"/>
+            <a:ext cx="4809067" cy="2308324"/>
+          </a:xfrm>
+          <a:prstGeom prst="rect">
+            <a:avLst/>
+          </a:prstGeom>
+          <a:noFill/>
+        </p:spPr>
+        <p:txBody>
+          <a:bodyPr wrap="square" rtlCol="0">
+            <a:spAutoFit/>
+          </a:bodyPr>
+          <a:lstStyle/>
+          <a:p>
+            <a:r>
+              <a:rPr lang="en-US" dirty="0"/>
+              <a:t>As mortgage rates increased, the share of median household income required for mortgage payments rose sharply. By 2022, typical housing costs exceeded the 30% affordability threshold, pricing many median-income households out of affordable homeownership. Conditions worsened further in 2023.</a:t>
+            </a:r>
+          </a:p>
+        </p:txBody>
+      </p:sp>
+      <p:pic>
+        <p:nvPicPr>
+          <p:cNvPr id="5" name="Picture 4" descr="A graph showing a line of income&#10;&#10;AI-generated content may be incorrect.">
+            <a:extLst>
+              <a:ext uri="{FF2B5EF4-FFF2-40B4-BE49-F238E27FC236}">
+                <a16:creationId xmlns:a16="http://schemas.microsoft.com/office/drawing/2014/main" id="{4C079BC6-8B69-7F43-AE1A-294524428087}"/>
+              </a:ext>
+            </a:extLst>
+          </p:cNvPr>
+          <p:cNvPicPr>
+            <a:picLocks noChangeAspect="1"/>
+          </p:cNvPicPr>
+          <p:nvPr/>
+        </p:nvPicPr>
+        <p:blipFill>
+          <a:blip r:embed="rId2">
+            <a:extLst>
+              <a:ext uri="{28A0092B-C50C-407E-A947-70E740481C1C}">
+                <a14:useLocalDpi xmlns:a14="http://schemas.microsoft.com/office/drawing/2010/main" val="0"/>
+              </a:ext>
+            </a:extLst>
+          </a:blip>
+          <a:stretch>
+            <a:fillRect/>
+          </a:stretch>
+        </p:blipFill>
+        <p:spPr>
+          <a:xfrm>
+            <a:off x="464473" y="2187090"/>
+            <a:ext cx="6063327" cy="3926863"/>
+          </a:xfrm>
+          <a:prstGeom prst="rect">
+            <a:avLst/>
+          </a:prstGeom>
+          <a:ln w="19050">
+            <a:solidFill>
+              <a:schemeClr val="tx1"/>
+            </a:solidFill>
+          </a:ln>
+          <a:effectLst>
+            <a:outerShdw blurRad="63500" sx="102000" sy="102000" algn="ctr" rotWithShape="0">
+              <a:prstClr val="black">
+                <a:alpha val="40000"/>
+              </a:prstClr>
+            </a:outerShdw>
+          </a:effectLst>
+        </p:spPr>
+      </p:pic>
     </p:spTree>
     <p:extLst>
       <p:ext uri="{BB962C8B-B14F-4D97-AF65-F5344CB8AC3E}">
-        <p14:creationId xmlns:p14="http://schemas.microsoft.com/office/powerpoint/2010/main" val="3684625901"/>
+        <p14:creationId xmlns:p14="http://schemas.microsoft.com/office/powerpoint/2010/main" val="1769301805"/>
       </p:ext>
     </p:extLst>
   </p:cSld>
@@ -4979,7 +6726,7 @@
         <p:cNvPr id="1" name="">
           <a:extLst>
             <a:ext uri="{FF2B5EF4-FFF2-40B4-BE49-F238E27FC236}">
-              <a16:creationId xmlns:a16="http://schemas.microsoft.com/office/drawing/2014/main" id="{969FF664-8693-681C-36CA-9B24FCEE2D64}"/>
+              <a16:creationId xmlns:a16="http://schemas.microsoft.com/office/drawing/2014/main" id="{FD8C34E1-C983-D72E-F0DD-FA8F7A58E416}"/>
             </a:ext>
           </a:extLst>
         </p:cNvPr>
@@ -4999,7 +6746,7 @@
           <p:cNvPr id="17" name="Rectangle 16">
             <a:extLst>
               <a:ext uri="{FF2B5EF4-FFF2-40B4-BE49-F238E27FC236}">
-                <a16:creationId xmlns:a16="http://schemas.microsoft.com/office/drawing/2014/main" id="{5F220A47-9D43-9A86-2309-7BF2E0F090DC}"/>
+                <a16:creationId xmlns:a16="http://schemas.microsoft.com/office/drawing/2014/main" id="{85BB166D-188A-9749-E129-4A9CF08B3D78}"/>
               </a:ext>
               <a:ext uri="{C183D7F6-B498-43B3-948B-1728B52AA6E4}">
                 <adec:decorative xmlns:adec="http://schemas.microsoft.com/office/drawing/2017/decorative" val="1"/>
@@ -5088,7 +6835,7 @@
           <p:cNvPr id="2" name="Title 1">
             <a:extLst>
               <a:ext uri="{FF2B5EF4-FFF2-40B4-BE49-F238E27FC236}">
-                <a16:creationId xmlns:a16="http://schemas.microsoft.com/office/drawing/2014/main" id="{B0872236-0092-44E2-42F3-D0FFBC7801D7}"/>
+                <a16:creationId xmlns:a16="http://schemas.microsoft.com/office/drawing/2014/main" id="{D13892BC-B838-0EBB-9CE6-B92041741EEF}"/>
               </a:ext>
             </a:extLst>
           </p:cNvPr>
@@ -5112,10 +6859,9 @@
           <a:lstStyle/>
           <a:p>
             <a:r>
-              <a:rPr lang="en-US" sz="5400" dirty="0"/>
-              <a:t>Key Findings</a:t>
-            </a:r>
-            <a:endParaRPr lang="en-US" sz="5000" dirty="0"/>
+              <a:rPr lang="en-US" sz="3200" b="1" dirty="0"/>
+              <a:t>Affordability Pressures Varied Widely Across ZIP Codes</a:t>
+            </a:r>
           </a:p>
         </p:txBody>
       </p:sp>
@@ -5124,7 +6870,7 @@
           <p:cNvPr id="19" name="sketch line">
             <a:extLst>
               <a:ext uri="{FF2B5EF4-FFF2-40B4-BE49-F238E27FC236}">
-                <a16:creationId xmlns:a16="http://schemas.microsoft.com/office/drawing/2014/main" id="{8D71E955-3FD8-418D-38DF-AC095F32EAC7}"/>
+                <a16:creationId xmlns:a16="http://schemas.microsoft.com/office/drawing/2014/main" id="{E4A2A22C-7C26-0D10-5FAD-F56E81242C88}"/>
               </a:ext>
               <a:ext uri="{C183D7F6-B498-43B3-948B-1728B52AA6E4}">
                 <adec:decorative xmlns:adec="http://schemas.microsoft.com/office/drawing/2017/decorative" val="1"/>
@@ -5786,10 +7532,105 @@
           </a:p>
         </p:txBody>
       </p:sp>
+      <p:pic>
+        <p:nvPicPr>
+          <p:cNvPr id="4" name="Picture 3" descr="A graph of a number of blue bars&#10;&#10;AI-generated content may be incorrect.">
+            <a:extLst>
+              <a:ext uri="{FF2B5EF4-FFF2-40B4-BE49-F238E27FC236}">
+                <a16:creationId xmlns:a16="http://schemas.microsoft.com/office/drawing/2014/main" id="{E3E521B4-28F8-B155-39D9-FFC2A322F275}"/>
+              </a:ext>
+            </a:extLst>
+          </p:cNvPr>
+          <p:cNvPicPr>
+            <a:picLocks noChangeAspect="1"/>
+          </p:cNvPicPr>
+          <p:nvPr/>
+        </p:nvPicPr>
+        <p:blipFill>
+          <a:blip r:embed="rId2">
+            <a:extLst>
+              <a:ext uri="{28A0092B-C50C-407E-A947-70E740481C1C}">
+                <a14:useLocalDpi xmlns:a14="http://schemas.microsoft.com/office/drawing/2010/main" val="0"/>
+              </a:ext>
+            </a:extLst>
+          </a:blip>
+          <a:stretch>
+            <a:fillRect/>
+          </a:stretch>
+        </p:blipFill>
+        <p:spPr>
+          <a:xfrm>
+            <a:off x="505621" y="2261105"/>
+            <a:ext cx="6056045" cy="3886715"/>
+          </a:xfrm>
+          <a:prstGeom prst="rect">
+            <a:avLst/>
+          </a:prstGeom>
+          <a:solidFill>
+            <a:srgbClr val="F2F2F2"/>
+          </a:solidFill>
+          <a:ln w="19050">
+            <a:solidFill>
+              <a:schemeClr val="tx1"/>
+            </a:solidFill>
+          </a:ln>
+          <a:effectLst>
+            <a:outerShdw blurRad="63500" sx="102000" sy="102000" algn="ctr" rotWithShape="0">
+              <a:prstClr val="black">
+                <a:alpha val="40000"/>
+              </a:prstClr>
+            </a:outerShdw>
+          </a:effectLst>
+        </p:spPr>
+      </p:pic>
+      <p:sp>
+        <p:nvSpPr>
+          <p:cNvPr id="5" name="TextBox 4">
+            <a:extLst>
+              <a:ext uri="{FF2B5EF4-FFF2-40B4-BE49-F238E27FC236}">
+                <a16:creationId xmlns:a16="http://schemas.microsoft.com/office/drawing/2014/main" id="{FD65859E-3885-553F-D101-4DA042CB4B7F}"/>
+              </a:ext>
+            </a:extLst>
+          </p:cNvPr>
+          <p:cNvSpPr txBox="1"/>
+          <p:nvPr/>
+        </p:nvSpPr>
+        <p:spPr>
+          <a:xfrm>
+            <a:off x="7140447" y="2359469"/>
+            <a:ext cx="4292600" cy="3416320"/>
+          </a:xfrm>
+          <a:prstGeom prst="rect">
+            <a:avLst/>
+          </a:prstGeom>
+          <a:noFill/>
+        </p:spPr>
+        <p:txBody>
+          <a:bodyPr wrap="square" rtlCol="0">
+            <a:spAutoFit/>
+          </a:bodyPr>
+          <a:lstStyle/>
+          <a:p>
+            <a:r>
+              <a:rPr lang="en-US" dirty="0"/>
+              <a:t>Housing affordability changes were not evenly distributed across Metro Nashville. Between 2020 and 2023, several ZIP codes experienced significantly larger increases in price-to-income ratios, indicating more rapid affordability deterioration compared to other areas.</a:t>
+            </a:r>
+          </a:p>
+          <a:p>
+            <a:endParaRPr lang="en-US" dirty="0"/>
+          </a:p>
+          <a:p>
+            <a:r>
+              <a:rPr lang="en-US" dirty="0"/>
+              <a:t>These disparities suggest that neighborhood-level market dynamics played an important role in shaping housing affordability outcomes.</a:t>
+            </a:r>
+          </a:p>
+        </p:txBody>
+      </p:sp>
     </p:spTree>
     <p:extLst>
       <p:ext uri="{BB962C8B-B14F-4D97-AF65-F5344CB8AC3E}">
-        <p14:creationId xmlns:p14="http://schemas.microsoft.com/office/powerpoint/2010/main" val="2071100020"/>
+        <p14:creationId xmlns:p14="http://schemas.microsoft.com/office/powerpoint/2010/main" val="3684625901"/>
       </p:ext>
     </p:extLst>
   </p:cSld>
@@ -5815,7 +7656,7 @@
         <p:cNvPr id="1" name="">
           <a:extLst>
             <a:ext uri="{FF2B5EF4-FFF2-40B4-BE49-F238E27FC236}">
-              <a16:creationId xmlns:a16="http://schemas.microsoft.com/office/drawing/2014/main" id="{533B1B37-3CEC-4929-8B05-514A33B4645D}"/>
+              <a16:creationId xmlns:a16="http://schemas.microsoft.com/office/drawing/2014/main" id="{969FF664-8693-681C-36CA-9B24FCEE2D64}"/>
             </a:ext>
           </a:extLst>
         </p:cNvPr>
@@ -5835,7 +7676,7 @@
           <p:cNvPr id="17" name="Rectangle 16">
             <a:extLst>
               <a:ext uri="{FF2B5EF4-FFF2-40B4-BE49-F238E27FC236}">
-                <a16:creationId xmlns:a16="http://schemas.microsoft.com/office/drawing/2014/main" id="{67627AB5-121B-2E44-2C36-5DCB8D56471B}"/>
+                <a16:creationId xmlns:a16="http://schemas.microsoft.com/office/drawing/2014/main" id="{5F220A47-9D43-9A86-2309-7BF2E0F090DC}"/>
               </a:ext>
               <a:ext uri="{C183D7F6-B498-43B3-948B-1728B52AA6E4}">
                 <adec:decorative xmlns:adec="http://schemas.microsoft.com/office/drawing/2017/decorative" val="1"/>
@@ -5924,7 +7765,7 @@
           <p:cNvPr id="2" name="Title 1">
             <a:extLst>
               <a:ext uri="{FF2B5EF4-FFF2-40B4-BE49-F238E27FC236}">
-                <a16:creationId xmlns:a16="http://schemas.microsoft.com/office/drawing/2014/main" id="{321E8CED-2FC4-4AB1-9316-5EC71D806FF8}"/>
+                <a16:creationId xmlns:a16="http://schemas.microsoft.com/office/drawing/2014/main" id="{B0872236-0092-44E2-42F3-D0FFBC7801D7}"/>
               </a:ext>
             </a:extLst>
           </p:cNvPr>
@@ -5948,8 +7789,8 @@
           <a:lstStyle/>
           <a:p>
             <a:r>
-              <a:rPr lang="en-US" sz="5000" dirty="0"/>
-              <a:t>Limitations &amp; Next Steps</a:t>
+              <a:rPr lang="en-US" b="1" dirty="0"/>
+              <a:t>Key Findings</a:t>
             </a:r>
           </a:p>
         </p:txBody>
@@ -5959,7 +7800,7 @@
           <p:cNvPr id="19" name="sketch line">
             <a:extLst>
               <a:ext uri="{FF2B5EF4-FFF2-40B4-BE49-F238E27FC236}">
-                <a16:creationId xmlns:a16="http://schemas.microsoft.com/office/drawing/2014/main" id="{09A60E60-03C5-2C94-4D54-2B5D03595AF1}"/>
+                <a16:creationId xmlns:a16="http://schemas.microsoft.com/office/drawing/2014/main" id="{8D71E955-3FD8-418D-38DF-AC095F32EAC7}"/>
               </a:ext>
               <a:ext uri="{C183D7F6-B498-43B3-948B-1728B52AA6E4}">
                 <adec:decorative xmlns:adec="http://schemas.microsoft.com/office/drawing/2017/decorative" val="1"/>
@@ -6621,10 +8462,245 @@
           </a:p>
         </p:txBody>
       </p:sp>
+      <p:sp>
+        <p:nvSpPr>
+          <p:cNvPr id="6" name="TextBox 5">
+            <a:extLst>
+              <a:ext uri="{FF2B5EF4-FFF2-40B4-BE49-F238E27FC236}">
+                <a16:creationId xmlns:a16="http://schemas.microsoft.com/office/drawing/2014/main" id="{B003664B-4843-8B17-5A4C-50D54A7CADC5}"/>
+              </a:ext>
+            </a:extLst>
+          </p:cNvPr>
+          <p:cNvSpPr txBox="1"/>
+          <p:nvPr/>
+        </p:nvSpPr>
+        <p:spPr>
+          <a:xfrm>
+            <a:off x="838200" y="1895056"/>
+            <a:ext cx="9745134" cy="4770537"/>
+          </a:xfrm>
+          <a:prstGeom prst="rect">
+            <a:avLst/>
+          </a:prstGeom>
+          <a:noFill/>
+        </p:spPr>
+        <p:txBody>
+          <a:bodyPr wrap="square" rtlCol="0">
+            <a:spAutoFit/>
+          </a:bodyPr>
+          <a:lstStyle/>
+          <a:p>
+            <a:pPr marL="285750" indent="-285750">
+              <a:buFont typeface="Arial" panose="020B0604020202020204" pitchFamily="34" charset="0"/>
+              <a:buChar char="•"/>
+            </a:pPr>
+            <a:r>
+              <a:rPr lang="en-US" sz="1600" dirty="0"/>
+              <a:t>Home Prices Outpaced Income Growth</a:t>
+            </a:r>
+          </a:p>
+          <a:p>
+            <a:pPr marL="742950" lvl="1" indent="-285750">
+              <a:buFont typeface="Arial" panose="020B0604020202020204" pitchFamily="34" charset="0"/>
+              <a:buChar char="•"/>
+            </a:pPr>
+            <a:r>
+              <a:rPr lang="en-US" sz="1600" dirty="0"/>
+              <a:t>Median home sale prices in Metro Nashville rose </a:t>
+            </a:r>
+            <a:r>
+              <a:rPr lang="en-US" sz="1600" b="1" dirty="0"/>
+              <a:t>~41% between 2020 and 2023</a:t>
+            </a:r>
+            <a:r>
+              <a:rPr lang="en-US" sz="1600" dirty="0"/>
+              <a:t>, while median household income increased by only </a:t>
+            </a:r>
+            <a:r>
+              <a:rPr lang="en-US" sz="1600" b="1" dirty="0"/>
+              <a:t>~22%</a:t>
+            </a:r>
+            <a:r>
+              <a:rPr lang="en-US" sz="1600" dirty="0"/>
+              <a:t>.</a:t>
+            </a:r>
+          </a:p>
+          <a:p>
+            <a:pPr marL="742950" lvl="1" indent="-285750">
+              <a:buFont typeface="Arial" panose="020B0604020202020204" pitchFamily="34" charset="0"/>
+              <a:buChar char="•"/>
+            </a:pPr>
+            <a:r>
+              <a:rPr lang="en-US" sz="1600" dirty="0"/>
+              <a:t>This widening gap reduced affordability for median-income households.</a:t>
+            </a:r>
+          </a:p>
+          <a:p>
+            <a:pPr marL="285750" indent="-285750">
+              <a:buFont typeface="Arial" panose="020B0604020202020204" pitchFamily="34" charset="0"/>
+              <a:buChar char="•"/>
+            </a:pPr>
+            <a:r>
+              <a:rPr lang="en-US" sz="1600" dirty="0"/>
+              <a:t>Affordability Declined Despite Income Gains</a:t>
+            </a:r>
+          </a:p>
+          <a:p>
+            <a:pPr marL="742950" lvl="1" indent="-285750">
+              <a:buFont typeface="Arial" panose="020B0604020202020204" pitchFamily="34" charset="0"/>
+              <a:buChar char="•"/>
+            </a:pPr>
+            <a:r>
+              <a:rPr lang="en-US" sz="1600" dirty="0"/>
+              <a:t>The price-to-income ratio increased from </a:t>
+            </a:r>
+            <a:r>
+              <a:rPr lang="en-US" sz="1600" b="1" dirty="0"/>
+              <a:t>4.7 in 2020 to a peak of 5.8 in 2022</a:t>
+            </a:r>
+            <a:r>
+              <a:rPr lang="en-US" sz="1600" dirty="0"/>
+              <a:t>, remaining elevated in 2023.</a:t>
+            </a:r>
+          </a:p>
+          <a:p>
+            <a:pPr marL="742950" lvl="1" indent="-285750">
+              <a:buFont typeface="Arial" panose="020B0604020202020204" pitchFamily="34" charset="0"/>
+              <a:buChar char="•"/>
+            </a:pPr>
+            <a:r>
+              <a:rPr lang="en-US" sz="1600" dirty="0"/>
+              <a:t>Higher home prices required households to devote a larger share of income to housing.</a:t>
+            </a:r>
+          </a:p>
+          <a:p>
+            <a:pPr marL="285750" indent="-285750">
+              <a:buFont typeface="Arial" panose="020B0604020202020204" pitchFamily="34" charset="0"/>
+              <a:buChar char="•"/>
+            </a:pPr>
+            <a:r>
+              <a:rPr lang="en-US" sz="1600" dirty="0"/>
+              <a:t>Rising Mortgage Rates Drove Affordability Losses</a:t>
+            </a:r>
+          </a:p>
+          <a:p>
+            <a:pPr marL="742950" lvl="1" indent="-285750">
+              <a:buFont typeface="Arial" panose="020B0604020202020204" pitchFamily="34" charset="0"/>
+              <a:buChar char="•"/>
+            </a:pPr>
+            <a:r>
+              <a:rPr lang="en-US" sz="1600" dirty="0"/>
+              <a:t>30-year fixed mortgage rates rose sharply after 2021, exceeding </a:t>
+            </a:r>
+            <a:r>
+              <a:rPr lang="en-US" sz="1600" b="1" dirty="0"/>
+              <a:t>6% by 2023</a:t>
+            </a:r>
+            <a:r>
+              <a:rPr lang="en-US" sz="1600" dirty="0"/>
+              <a:t>.</a:t>
+            </a:r>
+          </a:p>
+          <a:p>
+            <a:pPr marL="742950" lvl="1" indent="-285750">
+              <a:buFont typeface="Arial" panose="020B0604020202020204" pitchFamily="34" charset="0"/>
+              <a:buChar char="•"/>
+            </a:pPr>
+            <a:r>
+              <a:rPr lang="en-US" sz="1600" dirty="0"/>
+              <a:t>Mortgage payments increased from </a:t>
+            </a:r>
+            <a:r>
+              <a:rPr lang="en-US" sz="1600" b="1" dirty="0"/>
+              <a:t>~19% to over 34% of median income</a:t>
+            </a:r>
+            <a:r>
+              <a:rPr lang="en-US" sz="1600" dirty="0"/>
+              <a:t>, surpassing standard affordability thresholds.</a:t>
+            </a:r>
+          </a:p>
+          <a:p>
+            <a:pPr marL="285750" indent="-285750">
+              <a:buFont typeface="Arial" panose="020B0604020202020204" pitchFamily="34" charset="0"/>
+              <a:buChar char="•"/>
+            </a:pPr>
+            <a:r>
+              <a:rPr lang="en-US" sz="1600" dirty="0"/>
+              <a:t>Housing Supply Remained Constrained</a:t>
+            </a:r>
+          </a:p>
+          <a:p>
+            <a:pPr marL="742950" lvl="1" indent="-285750">
+              <a:buFont typeface="Arial" panose="020B0604020202020204" pitchFamily="34" charset="0"/>
+              <a:buChar char="•"/>
+            </a:pPr>
+            <a:r>
+              <a:rPr lang="en-US" sz="1600" dirty="0"/>
+              <a:t>Inventory fell sharply in 2021 and only partially recovered by 2023.</a:t>
+            </a:r>
+          </a:p>
+          <a:p>
+            <a:pPr marL="742950" lvl="1" indent="-285750">
+              <a:buFont typeface="Arial" panose="020B0604020202020204" pitchFamily="34" charset="0"/>
+              <a:buChar char="•"/>
+            </a:pPr>
+            <a:r>
+              <a:rPr lang="en-US" sz="1600" dirty="0"/>
+              <a:t>As affordability worsened, home sales declined even as prices remained high.</a:t>
+            </a:r>
+          </a:p>
+          <a:p>
+            <a:pPr marL="285750" indent="-285750">
+              <a:buFont typeface="Arial" panose="020B0604020202020204" pitchFamily="34" charset="0"/>
+              <a:buChar char="•"/>
+            </a:pPr>
+            <a:r>
+              <a:rPr lang="en-US" sz="1600" dirty="0"/>
+              <a:t>Affordability Impacts Varied by ZIP Code</a:t>
+            </a:r>
+          </a:p>
+          <a:p>
+            <a:pPr marL="742950" lvl="1" indent="-285750">
+              <a:buFont typeface="Arial" panose="020B0604020202020204" pitchFamily="34" charset="0"/>
+              <a:buChar char="•"/>
+            </a:pPr>
+            <a:r>
+              <a:rPr lang="en-US" sz="1600" dirty="0"/>
+              <a:t>Changes in affordability were </a:t>
+            </a:r>
+            <a:r>
+              <a:rPr lang="en-US" sz="1600" b="1" dirty="0"/>
+              <a:t>not evenly distributed</a:t>
+            </a:r>
+            <a:r>
+              <a:rPr lang="en-US" sz="1600" dirty="0"/>
+              <a:t> across Metro Nashville.</a:t>
+            </a:r>
+          </a:p>
+          <a:p>
+            <a:pPr marL="742950" lvl="1" indent="-285750">
+              <a:buFont typeface="Arial" panose="020B0604020202020204" pitchFamily="34" charset="0"/>
+              <a:buChar char="•"/>
+            </a:pPr>
+            <a:r>
+              <a:rPr lang="en-US" sz="1600" dirty="0"/>
+              <a:t>Several ZIP codes experienced </a:t>
+            </a:r>
+            <a:r>
+              <a:rPr lang="en-US" sz="1600" b="1" dirty="0"/>
+              <a:t>substantially larger increases</a:t>
+            </a:r>
+            <a:r>
+              <a:rPr lang="en-US" sz="1600" dirty="0"/>
+              <a:t> in affordability pressure than the metro average.</a:t>
+            </a:r>
+          </a:p>
+        </p:txBody>
+      </p:sp>
     </p:spTree>
     <p:extLst>
       <p:ext uri="{BB962C8B-B14F-4D97-AF65-F5344CB8AC3E}">
-        <p14:creationId xmlns:p14="http://schemas.microsoft.com/office/powerpoint/2010/main" val="3314449408"/>
+        <p14:creationId xmlns:p14="http://schemas.microsoft.com/office/powerpoint/2010/main" val="2071100020"/>
       </p:ext>
     </p:extLst>
   </p:cSld>
@@ -6650,7 +8726,7 @@
         <p:cNvPr id="1" name="">
           <a:extLst>
             <a:ext uri="{FF2B5EF4-FFF2-40B4-BE49-F238E27FC236}">
-              <a16:creationId xmlns:a16="http://schemas.microsoft.com/office/drawing/2014/main" id="{F7527D56-13EA-15F6-0EE8-075557F14B39}"/>
+              <a16:creationId xmlns:a16="http://schemas.microsoft.com/office/drawing/2014/main" id="{533B1B37-3CEC-4929-8B05-514A33B4645D}"/>
             </a:ext>
           </a:extLst>
         </p:cNvPr>
@@ -6670,7 +8746,7 @@
           <p:cNvPr id="17" name="Rectangle 16">
             <a:extLst>
               <a:ext uri="{FF2B5EF4-FFF2-40B4-BE49-F238E27FC236}">
-                <a16:creationId xmlns:a16="http://schemas.microsoft.com/office/drawing/2014/main" id="{964E8F23-9096-BB07-59E2-A56E2F657A50}"/>
+                <a16:creationId xmlns:a16="http://schemas.microsoft.com/office/drawing/2014/main" id="{67627AB5-121B-2E44-2C36-5DCB8D56471B}"/>
               </a:ext>
               <a:ext uri="{C183D7F6-B498-43B3-948B-1728B52AA6E4}">
                 <adec:decorative xmlns:adec="http://schemas.microsoft.com/office/drawing/2017/decorative" val="1"/>
@@ -6759,7 +8835,7 @@
           <p:cNvPr id="2" name="Title 1">
             <a:extLst>
               <a:ext uri="{FF2B5EF4-FFF2-40B4-BE49-F238E27FC236}">
-                <a16:creationId xmlns:a16="http://schemas.microsoft.com/office/drawing/2014/main" id="{B0E19932-3748-B970-1992-0517CEAD921D}"/>
+                <a16:creationId xmlns:a16="http://schemas.microsoft.com/office/drawing/2014/main" id="{321E8CED-2FC4-4AB1-9316-5EC71D806FF8}"/>
               </a:ext>
             </a:extLst>
           </p:cNvPr>
@@ -6783,8 +8859,8 @@
           <a:lstStyle/>
           <a:p>
             <a:r>
-              <a:rPr lang="en-US" sz="5000" dirty="0"/>
-              <a:t>Conclusion</a:t>
+              <a:rPr lang="en-US" b="1" dirty="0"/>
+              <a:t>Limitations &amp; Next Steps</a:t>
             </a:r>
           </a:p>
         </p:txBody>
@@ -6794,7 +8870,7 @@
           <p:cNvPr id="19" name="sketch line">
             <a:extLst>
               <a:ext uri="{FF2B5EF4-FFF2-40B4-BE49-F238E27FC236}">
-                <a16:creationId xmlns:a16="http://schemas.microsoft.com/office/drawing/2014/main" id="{8CE5727C-00C0-1F08-580E-DB361AA87B5A}"/>
+                <a16:creationId xmlns:a16="http://schemas.microsoft.com/office/drawing/2014/main" id="{09A60E60-03C5-2C94-4D54-2B5D03595AF1}"/>
               </a:ext>
               <a:ext uri="{C183D7F6-B498-43B3-948B-1728B52AA6E4}">
                 <adec:decorative xmlns:adec="http://schemas.microsoft.com/office/drawing/2017/decorative" val="1"/>
@@ -7456,10 +9532,75 @@
           </a:p>
         </p:txBody>
       </p:sp>
+      <p:sp>
+        <p:nvSpPr>
+          <p:cNvPr id="4" name="TextBox 3">
+            <a:extLst>
+              <a:ext uri="{FF2B5EF4-FFF2-40B4-BE49-F238E27FC236}">
+                <a16:creationId xmlns:a16="http://schemas.microsoft.com/office/drawing/2014/main" id="{85D7D54C-61CE-1353-4D47-22F7C28900B4}"/>
+              </a:ext>
+            </a:extLst>
+          </p:cNvPr>
+          <p:cNvSpPr txBox="1"/>
+          <p:nvPr/>
+        </p:nvSpPr>
+        <p:spPr>
+          <a:xfrm>
+            <a:off x="1007533" y="2240532"/>
+            <a:ext cx="9677400" cy="2031325"/>
+          </a:xfrm>
+          <a:prstGeom prst="rect">
+            <a:avLst/>
+          </a:prstGeom>
+          <a:noFill/>
+        </p:spPr>
+        <p:txBody>
+          <a:bodyPr wrap="square" rtlCol="0">
+            <a:spAutoFit/>
+          </a:bodyPr>
+          <a:lstStyle/>
+          <a:p>
+            <a:pPr marL="285750" indent="-285750">
+              <a:buFont typeface="Arial" panose="020B0604020202020204" pitchFamily="34" charset="0"/>
+              <a:buChar char="•"/>
+            </a:pPr>
+            <a:r>
+              <a:rPr lang="en-US" dirty="0"/>
+              <a:t>Metro Nashville ZIP-code boundaries vary across data sources, creating challenges in defining a consistent study area.</a:t>
+            </a:r>
+          </a:p>
+          <a:p>
+            <a:endParaRPr lang="en-US" dirty="0"/>
+          </a:p>
+          <a:p>
+            <a:pPr marL="285750" indent="-285750">
+              <a:buFont typeface="Arial" panose="020B0604020202020204" pitchFamily="34" charset="0"/>
+              <a:buChar char="•"/>
+            </a:pPr>
+            <a:r>
+              <a:rPr lang="en-US" dirty="0"/>
+              <a:t>ZIP-code–level income data limited the analysis to 2020–2023.</a:t>
+            </a:r>
+          </a:p>
+          <a:p>
+            <a:endParaRPr lang="en-US" dirty="0"/>
+          </a:p>
+          <a:p>
+            <a:pPr marL="285750" indent="-285750">
+              <a:buFont typeface="Arial" panose="020B0604020202020204" pitchFamily="34" charset="0"/>
+              <a:buChar char="•"/>
+            </a:pPr>
+            <a:r>
+              <a:rPr lang="en-US" dirty="0"/>
+              <a:t>Future research could extend this work over a longer time horizon and explore alternative geographic units to deepen insight into long-term affordability trends.</a:t>
+            </a:r>
+          </a:p>
+        </p:txBody>
+      </p:sp>
     </p:spTree>
     <p:extLst>
       <p:ext uri="{BB962C8B-B14F-4D97-AF65-F5344CB8AC3E}">
-        <p14:creationId xmlns:p14="http://schemas.microsoft.com/office/powerpoint/2010/main" val="3434264560"/>
+        <p14:creationId xmlns:p14="http://schemas.microsoft.com/office/powerpoint/2010/main" val="3314449408"/>
       </p:ext>
     </p:extLst>
   </p:cSld>
@@ -7469,7 +9610,7 @@
 </p:sld>
 </file>
 
-<file path=ppt/slides/slide2.xml><?xml version="1.0" encoding="utf-8"?>
+<file path=ppt/slides/slide14.xml><?xml version="1.0" encoding="utf-8"?>
 <p:sld xmlns:a="http://schemas.openxmlformats.org/drawingml/2006/main" xmlns:r="http://schemas.openxmlformats.org/officeDocument/2006/relationships" xmlns:p="http://schemas.openxmlformats.org/presentationml/2006/main">
   <p:cSld>
     <p:bg>
@@ -7482,7 +9623,13 @@
     </p:bg>
     <p:spTree>
       <p:nvGrpSpPr>
-        <p:cNvPr id="1" name=""/>
+        <p:cNvPr id="1" name="">
+          <a:extLst>
+            <a:ext uri="{FF2B5EF4-FFF2-40B4-BE49-F238E27FC236}">
+              <a16:creationId xmlns:a16="http://schemas.microsoft.com/office/drawing/2014/main" id="{F7527D56-13EA-15F6-0EE8-075557F14B39}"/>
+            </a:ext>
+          </a:extLst>
+        </p:cNvPr>
         <p:cNvGrpSpPr/>
         <p:nvPr/>
       </p:nvGrpSpPr>
@@ -7496,10 +9643,10 @@
       </p:grpSpPr>
       <p:sp useBgFill="1">
         <p:nvSpPr>
-          <p:cNvPr id="11" name="Rectangle 10">
+          <p:cNvPr id="17" name="Rectangle 16">
             <a:extLst>
               <a:ext uri="{FF2B5EF4-FFF2-40B4-BE49-F238E27FC236}">
-                <a16:creationId xmlns:a16="http://schemas.microsoft.com/office/drawing/2014/main" id="{777A147A-9ED8-46B4-8660-1B3C2AA880B5}"/>
+                <a16:creationId xmlns:a16="http://schemas.microsoft.com/office/drawing/2014/main" id="{964E8F23-9096-BB07-59E2-A56E2F657A50}"/>
               </a:ext>
               <a:ext uri="{C183D7F6-B498-43B3-948B-1728B52AA6E4}">
                 <adec:decorative xmlns:adec="http://schemas.microsoft.com/office/drawing/2017/decorative" val="1"/>
@@ -7549,562 +9696,6 @@
           <a:bodyPr rtlCol="0" anchor="ctr"/>
           <a:lstStyle/>
           <a:p>
-            <a:pPr algn="ctr"/>
-            <a:endParaRPr lang="en-US"/>
-          </a:p>
-        </p:txBody>
-      </p:sp>
-      <p:sp>
-        <p:nvSpPr>
-          <p:cNvPr id="2" name="Title 1">
-            <a:extLst>
-              <a:ext uri="{FF2B5EF4-FFF2-40B4-BE49-F238E27FC236}">
-                <a16:creationId xmlns:a16="http://schemas.microsoft.com/office/drawing/2014/main" id="{DE9FC05C-E79A-F5B5-327B-29607701820D}"/>
-              </a:ext>
-            </a:extLst>
-          </p:cNvPr>
-          <p:cNvSpPr>
-            <a:spLocks noGrp="1"/>
-          </p:cNvSpPr>
-          <p:nvPr>
-            <p:ph type="title"/>
-          </p:nvPr>
-        </p:nvSpPr>
-        <p:spPr>
-          <a:xfrm>
-            <a:off x="841248" y="548640"/>
-            <a:ext cx="3600860" cy="5431536"/>
-          </a:xfrm>
-        </p:spPr>
-        <p:txBody>
-          <a:bodyPr>
-            <a:normAutofit/>
-          </a:bodyPr>
-          <a:lstStyle/>
-          <a:p>
-            <a:pPr algn="ctr"/>
-            <a:r>
-              <a:rPr lang="en-US" dirty="0"/>
-              <a:t>Purpose of this Analysis</a:t>
-            </a:r>
-          </a:p>
-        </p:txBody>
-      </p:sp>
-      <p:sp>
-        <p:nvSpPr>
-          <p:cNvPr id="12" name="sketch line">
-            <a:extLst>
-              <a:ext uri="{FF2B5EF4-FFF2-40B4-BE49-F238E27FC236}">
-                <a16:creationId xmlns:a16="http://schemas.microsoft.com/office/drawing/2014/main" id="{5D6C15A0-C087-4593-8414-2B4EC1CDC3DE}"/>
-              </a:ext>
-              <a:ext uri="{C183D7F6-B498-43B3-948B-1728B52AA6E4}">
-                <adec:decorative xmlns:adec="http://schemas.microsoft.com/office/drawing/2017/decorative" val="1"/>
-              </a:ext>
-            </a:extLst>
-          </p:cNvPr>
-          <p:cNvSpPr>
-            <a:spLocks noGrp="1" noRot="1" noChangeAspect="1" noMove="1" noResize="1" noEditPoints="1" noAdjustHandles="1" noChangeArrowheads="1" noChangeShapeType="1" noTextEdit="1"/>
-          </p:cNvSpPr>
-          <p:nvPr>
-            <p:extLst>
-              <p:ext uri="{386F3935-93C4-4BCD-93E2-E3B085C9AB24}">
-                <p16:designElem xmlns:p16="http://schemas.microsoft.com/office/powerpoint/2015/main" val="1"/>
-              </p:ext>
-            </p:extLst>
-          </p:nvPr>
-        </p:nvSpPr>
-        <p:spPr>
-          <a:xfrm rot="5400000">
-            <a:off x="2543983" y="3258715"/>
-            <a:ext cx="4480560" cy="18288"/>
-          </a:xfrm>
-          <a:custGeom>
-            <a:avLst/>
-            <a:gdLst>
-              <a:gd name="csX0" fmla="*/ 0 w 4480560"/>
-              <a:gd name="csY0" fmla="*/ 0 h 18288"/>
-              <a:gd name="csX1" fmla="*/ 595274 w 4480560"/>
-              <a:gd name="csY1" fmla="*/ 0 h 18288"/>
-              <a:gd name="csX2" fmla="*/ 1100938 w 4480560"/>
-              <a:gd name="csY2" fmla="*/ 0 h 18288"/>
-              <a:gd name="csX3" fmla="*/ 1651406 w 4480560"/>
-              <a:gd name="csY3" fmla="*/ 0 h 18288"/>
-              <a:gd name="csX4" fmla="*/ 2336292 w 4480560"/>
-              <a:gd name="csY4" fmla="*/ 0 h 18288"/>
-              <a:gd name="csX5" fmla="*/ 2931566 w 4480560"/>
-              <a:gd name="csY5" fmla="*/ 0 h 18288"/>
-              <a:gd name="csX6" fmla="*/ 3482035 w 4480560"/>
-              <a:gd name="csY6" fmla="*/ 0 h 18288"/>
-              <a:gd name="csX7" fmla="*/ 4480560 w 4480560"/>
-              <a:gd name="csY7" fmla="*/ 0 h 18288"/>
-              <a:gd name="csX8" fmla="*/ 4480560 w 4480560"/>
-              <a:gd name="csY8" fmla="*/ 18288 h 18288"/>
-              <a:gd name="csX9" fmla="*/ 3840480 w 4480560"/>
-              <a:gd name="csY9" fmla="*/ 18288 h 18288"/>
-              <a:gd name="csX10" fmla="*/ 3290011 w 4480560"/>
-              <a:gd name="csY10" fmla="*/ 18288 h 18288"/>
-              <a:gd name="csX11" fmla="*/ 2560320 w 4480560"/>
-              <a:gd name="csY11" fmla="*/ 18288 h 18288"/>
-              <a:gd name="csX12" fmla="*/ 1965046 w 4480560"/>
-              <a:gd name="csY12" fmla="*/ 18288 h 18288"/>
-              <a:gd name="csX13" fmla="*/ 1459382 w 4480560"/>
-              <a:gd name="csY13" fmla="*/ 18288 h 18288"/>
-              <a:gd name="csX14" fmla="*/ 774497 w 4480560"/>
-              <a:gd name="csY14" fmla="*/ 18288 h 18288"/>
-              <a:gd name="csX15" fmla="*/ 0 w 4480560"/>
-              <a:gd name="csY15" fmla="*/ 18288 h 18288"/>
-              <a:gd name="csX16" fmla="*/ 0 w 4480560"/>
-              <a:gd name="csY16" fmla="*/ 0 h 18288"/>
-            </a:gdLst>
-            <a:ahLst/>
-            <a:cxnLst>
-              <a:cxn ang="0">
-                <a:pos x="csX0" y="csY0"/>
-              </a:cxn>
-              <a:cxn ang="0">
-                <a:pos x="csX1" y="csY1"/>
-              </a:cxn>
-              <a:cxn ang="0">
-                <a:pos x="csX2" y="csY2"/>
-              </a:cxn>
-              <a:cxn ang="0">
-                <a:pos x="csX3" y="csY3"/>
-              </a:cxn>
-              <a:cxn ang="0">
-                <a:pos x="csX4" y="csY4"/>
-              </a:cxn>
-              <a:cxn ang="0">
-                <a:pos x="csX5" y="csY5"/>
-              </a:cxn>
-              <a:cxn ang="0">
-                <a:pos x="csX6" y="csY6"/>
-              </a:cxn>
-              <a:cxn ang="0">
-                <a:pos x="csX7" y="csY7"/>
-              </a:cxn>
-              <a:cxn ang="0">
-                <a:pos x="csX8" y="csY8"/>
-              </a:cxn>
-              <a:cxn ang="0">
-                <a:pos x="csX9" y="csY9"/>
-              </a:cxn>
-              <a:cxn ang="0">
-                <a:pos x="csX10" y="csY10"/>
-              </a:cxn>
-              <a:cxn ang="0">
-                <a:pos x="csX11" y="csY11"/>
-              </a:cxn>
-              <a:cxn ang="0">
-                <a:pos x="csX12" y="csY12"/>
-              </a:cxn>
-              <a:cxn ang="0">
-                <a:pos x="csX13" y="csY13"/>
-              </a:cxn>
-              <a:cxn ang="0">
-                <a:pos x="csX14" y="csY14"/>
-              </a:cxn>
-              <a:cxn ang="0">
-                <a:pos x="csX15" y="csY15"/>
-              </a:cxn>
-              <a:cxn ang="0">
-                <a:pos x="csX16" y="csY16"/>
-              </a:cxn>
-            </a:cxnLst>
-            <a:rect l="l" t="t" r="r" b="b"/>
-            <a:pathLst>
-              <a:path w="4480560" h="18288" fill="none" extrusionOk="0">
-                <a:moveTo>
-                  <a:pt x="0" y="0"/>
-                </a:moveTo>
-                <a:cubicBezTo>
-                  <a:pt x="267821" y="8731"/>
-                  <a:pt x="334105" y="2629"/>
-                  <a:pt x="595274" y="0"/>
-                </a:cubicBezTo>
-                <a:cubicBezTo>
-                  <a:pt x="856443" y="-2629"/>
-                  <a:pt x="863808" y="-13353"/>
-                  <a:pt x="1100938" y="0"/>
-                </a:cubicBezTo>
-                <a:cubicBezTo>
-                  <a:pt x="1338068" y="13353"/>
-                  <a:pt x="1431663" y="-25862"/>
-                  <a:pt x="1651406" y="0"/>
-                </a:cubicBezTo>
-                <a:cubicBezTo>
-                  <a:pt x="1871149" y="25862"/>
-                  <a:pt x="2173163" y="23827"/>
-                  <a:pt x="2336292" y="0"/>
-                </a:cubicBezTo>
-                <a:cubicBezTo>
-                  <a:pt x="2499421" y="-23827"/>
-                  <a:pt x="2720589" y="28148"/>
-                  <a:pt x="2931566" y="0"/>
-                </a:cubicBezTo>
-                <a:cubicBezTo>
-                  <a:pt x="3142543" y="-28148"/>
-                  <a:pt x="3323630" y="27022"/>
-                  <a:pt x="3482035" y="0"/>
-                </a:cubicBezTo>
-                <a:cubicBezTo>
-                  <a:pt x="3640440" y="-27022"/>
-                  <a:pt x="4012110" y="-20118"/>
-                  <a:pt x="4480560" y="0"/>
-                </a:cubicBezTo>
-                <a:cubicBezTo>
-                  <a:pt x="4480958" y="7429"/>
-                  <a:pt x="4480540" y="10822"/>
-                  <a:pt x="4480560" y="18288"/>
-                </a:cubicBezTo>
-                <a:cubicBezTo>
-                  <a:pt x="4314132" y="14924"/>
-                  <a:pt x="4028383" y="36632"/>
-                  <a:pt x="3840480" y="18288"/>
-                </a:cubicBezTo>
-                <a:cubicBezTo>
-                  <a:pt x="3652577" y="-56"/>
-                  <a:pt x="3547615" y="2848"/>
-                  <a:pt x="3290011" y="18288"/>
-                </a:cubicBezTo>
-                <a:cubicBezTo>
-                  <a:pt x="3032407" y="33728"/>
-                  <a:pt x="2830268" y="8719"/>
-                  <a:pt x="2560320" y="18288"/>
-                </a:cubicBezTo>
-                <a:cubicBezTo>
-                  <a:pt x="2290372" y="27857"/>
-                  <a:pt x="2147422" y="6728"/>
-                  <a:pt x="1965046" y="18288"/>
-                </a:cubicBezTo>
-                <a:cubicBezTo>
-                  <a:pt x="1782670" y="29848"/>
-                  <a:pt x="1689791" y="40680"/>
-                  <a:pt x="1459382" y="18288"/>
-                </a:cubicBezTo>
-                <a:cubicBezTo>
-                  <a:pt x="1228973" y="-4104"/>
-                  <a:pt x="915486" y="36501"/>
-                  <a:pt x="774497" y="18288"/>
-                </a:cubicBezTo>
-                <a:cubicBezTo>
-                  <a:pt x="633508" y="75"/>
-                  <a:pt x="361442" y="-11107"/>
-                  <a:pt x="0" y="18288"/>
-                </a:cubicBezTo>
-                <a:cubicBezTo>
-                  <a:pt x="-591" y="13205"/>
-                  <a:pt x="-663" y="6329"/>
-                  <a:pt x="0" y="0"/>
-                </a:cubicBezTo>
-                <a:close/>
-              </a:path>
-              <a:path w="4480560" h="18288" stroke="0" extrusionOk="0">
-                <a:moveTo>
-                  <a:pt x="0" y="0"/>
-                </a:moveTo>
-                <a:cubicBezTo>
-                  <a:pt x="285465" y="225"/>
-                  <a:pt x="322691" y="16223"/>
-                  <a:pt x="595274" y="0"/>
-                </a:cubicBezTo>
-                <a:cubicBezTo>
-                  <a:pt x="867857" y="-16223"/>
-                  <a:pt x="989129" y="-11242"/>
-                  <a:pt x="1100938" y="0"/>
-                </a:cubicBezTo>
-                <a:cubicBezTo>
-                  <a:pt x="1212747" y="11242"/>
-                  <a:pt x="1574350" y="-36410"/>
-                  <a:pt x="1830629" y="0"/>
-                </a:cubicBezTo>
-                <a:cubicBezTo>
-                  <a:pt x="2086908" y="36410"/>
-                  <a:pt x="2180922" y="4645"/>
-                  <a:pt x="2425903" y="0"/>
-                </a:cubicBezTo>
-                <a:cubicBezTo>
-                  <a:pt x="2670884" y="-4645"/>
-                  <a:pt x="2782024" y="22929"/>
-                  <a:pt x="3021178" y="0"/>
-                </a:cubicBezTo>
-                <a:cubicBezTo>
-                  <a:pt x="3260332" y="-22929"/>
-                  <a:pt x="3456982" y="-1586"/>
-                  <a:pt x="3750869" y="0"/>
-                </a:cubicBezTo>
-                <a:cubicBezTo>
-                  <a:pt x="4044756" y="1586"/>
-                  <a:pt x="4302726" y="17043"/>
-                  <a:pt x="4480560" y="0"/>
-                </a:cubicBezTo>
-                <a:cubicBezTo>
-                  <a:pt x="4479674" y="5429"/>
-                  <a:pt x="4481381" y="14046"/>
-                  <a:pt x="4480560" y="18288"/>
-                </a:cubicBezTo>
-                <a:cubicBezTo>
-                  <a:pt x="4279652" y="-6850"/>
-                  <a:pt x="4200762" y="41566"/>
-                  <a:pt x="3930091" y="18288"/>
-                </a:cubicBezTo>
-                <a:cubicBezTo>
-                  <a:pt x="3659420" y="-4990"/>
-                  <a:pt x="3456052" y="22294"/>
-                  <a:pt x="3290011" y="18288"/>
-                </a:cubicBezTo>
-                <a:cubicBezTo>
-                  <a:pt x="3123970" y="14282"/>
-                  <a:pt x="2882392" y="32818"/>
-                  <a:pt x="2649931" y="18288"/>
-                </a:cubicBezTo>
-                <a:cubicBezTo>
-                  <a:pt x="2417470" y="3758"/>
-                  <a:pt x="2238426" y="7337"/>
-                  <a:pt x="2054657" y="18288"/>
-                </a:cubicBezTo>
-                <a:cubicBezTo>
-                  <a:pt x="1870888" y="29239"/>
-                  <a:pt x="1566368" y="45040"/>
-                  <a:pt x="1324966" y="18288"/>
-                </a:cubicBezTo>
-                <a:cubicBezTo>
-                  <a:pt x="1083564" y="-8464"/>
-                  <a:pt x="787410" y="10946"/>
-                  <a:pt x="595274" y="18288"/>
-                </a:cubicBezTo>
-                <a:cubicBezTo>
-                  <a:pt x="403138" y="25630"/>
-                  <a:pt x="169622" y="10499"/>
-                  <a:pt x="0" y="18288"/>
-                </a:cubicBezTo>
-                <a:cubicBezTo>
-                  <a:pt x="668" y="13665"/>
-                  <a:pt x="578" y="5675"/>
-                  <a:pt x="0" y="0"/>
-                </a:cubicBezTo>
-                <a:close/>
-              </a:path>
-            </a:pathLst>
-          </a:custGeom>
-          <a:solidFill>
-            <a:schemeClr val="accent2"/>
-          </a:solidFill>
-          <a:ln w="41275" cap="rnd">
-            <a:solidFill>
-              <a:schemeClr val="accent2"/>
-            </a:solidFill>
-            <a:round/>
-            <a:extLst>
-              <a:ext uri="{C807C97D-BFC1-408E-A445-0C87EB9F89A2}">
-                <ask:lineSketchStyleProps xmlns:ask="http://schemas.microsoft.com/office/drawing/2018/sketchyshapes" sd="1219033472">
-                  <a:prstGeom prst="rect">
-                    <a:avLst/>
-                  </a:prstGeom>
-                  <ask:type>
-                    <ask:lineSketchFreehand/>
-                  </ask:type>
-                </ask:lineSketchStyleProps>
-              </a:ext>
-            </a:extLst>
-          </a:ln>
-        </p:spPr>
-        <p:style>
-          <a:lnRef idx="2">
-            <a:schemeClr val="accent1">
-              <a:shade val="50000"/>
-            </a:schemeClr>
-          </a:lnRef>
-          <a:fillRef idx="1">
-            <a:schemeClr val="accent1"/>
-          </a:fillRef>
-          <a:effectRef idx="0">
-            <a:schemeClr val="accent1"/>
-          </a:effectRef>
-          <a:fontRef idx="minor">
-            <a:schemeClr val="lt1"/>
-          </a:fontRef>
-        </p:style>
-        <p:txBody>
-          <a:bodyPr rtlCol="0" anchor="ctr"/>
-          <a:lstStyle/>
-          <a:p>
-            <a:pPr algn="ctr"/>
-            <a:endParaRPr lang="en-US"/>
-          </a:p>
-        </p:txBody>
-      </p:sp>
-      <p:sp>
-        <p:nvSpPr>
-          <p:cNvPr id="4" name="TextBox 3">
-            <a:extLst>
-              <a:ext uri="{FF2B5EF4-FFF2-40B4-BE49-F238E27FC236}">
-                <a16:creationId xmlns:a16="http://schemas.microsoft.com/office/drawing/2014/main" id="{35E1C994-818C-0ACC-C41E-5E01DA946D82}"/>
-              </a:ext>
-            </a:extLst>
-          </p:cNvPr>
-          <p:cNvSpPr txBox="1"/>
-          <p:nvPr/>
-        </p:nvSpPr>
-        <p:spPr>
-          <a:xfrm>
-            <a:off x="5197631" y="2084469"/>
-            <a:ext cx="6403552" cy="2554545"/>
-          </a:xfrm>
-          <a:prstGeom prst="rect">
-            <a:avLst/>
-          </a:prstGeom>
-          <a:noFill/>
-        </p:spPr>
-        <p:txBody>
-          <a:bodyPr wrap="square" rtlCol="0">
-            <a:spAutoFit/>
-          </a:bodyPr>
-          <a:lstStyle/>
-          <a:p>
-            <a:pPr marL="342900" indent="-342900">
-              <a:buFont typeface="Arial" panose="020B0604020202020204" pitchFamily="34" charset="0"/>
-              <a:buChar char="•"/>
-            </a:pPr>
-            <a:r>
-              <a:rPr lang="en-US" sz="2000" dirty="0"/>
-              <a:t>Examine changes in housing affordability in Metro Nashville from 2020–2023</a:t>
-            </a:r>
-          </a:p>
-          <a:p>
-            <a:pPr marL="342900" indent="-342900">
-              <a:buFont typeface="Arial" panose="020B0604020202020204" pitchFamily="34" charset="0"/>
-              <a:buChar char="•"/>
-            </a:pPr>
-            <a:endParaRPr lang="en-US" sz="2000" dirty="0"/>
-          </a:p>
-          <a:p>
-            <a:pPr marL="342900" indent="-342900">
-              <a:buFont typeface="Arial" panose="020B0604020202020204" pitchFamily="34" charset="0"/>
-              <a:buChar char="•"/>
-            </a:pPr>
-            <a:r>
-              <a:rPr lang="en-US" sz="2000" dirty="0"/>
-              <a:t>Evaluate the roles of home prices, income, housing supply, and mortgage rates</a:t>
-            </a:r>
-          </a:p>
-          <a:p>
-            <a:pPr marL="342900" indent="-342900">
-              <a:buFont typeface="Arial" panose="020B0604020202020204" pitchFamily="34" charset="0"/>
-              <a:buChar char="•"/>
-            </a:pPr>
-            <a:endParaRPr lang="en-US" sz="2000" dirty="0"/>
-          </a:p>
-          <a:p>
-            <a:pPr marL="342900" indent="-342900">
-              <a:buFont typeface="Arial" panose="020B0604020202020204" pitchFamily="34" charset="0"/>
-              <a:buChar char="•"/>
-            </a:pPr>
-            <a:r>
-              <a:rPr lang="en-US" sz="2000" dirty="0"/>
-              <a:t>Identify whether affordability impacts differed across ZIP codes</a:t>
-            </a:r>
-          </a:p>
-        </p:txBody>
-      </p:sp>
-    </p:spTree>
-    <p:extLst>
-      <p:ext uri="{BB962C8B-B14F-4D97-AF65-F5344CB8AC3E}">
-        <p14:creationId xmlns:p14="http://schemas.microsoft.com/office/powerpoint/2010/main" val="3484887589"/>
-      </p:ext>
-    </p:extLst>
-  </p:cSld>
-  <p:clrMapOvr>
-    <a:masterClrMapping/>
-  </p:clrMapOvr>
-</p:sld>
-</file>
-
-<file path=ppt/slides/slide3.xml><?xml version="1.0" encoding="utf-8"?>
-<p:sld xmlns:a="http://schemas.openxmlformats.org/drawingml/2006/main" xmlns:r="http://schemas.openxmlformats.org/officeDocument/2006/relationships" xmlns:p="http://schemas.openxmlformats.org/presentationml/2006/main">
-  <p:cSld>
-    <p:bg>
-      <p:bgPr>
-        <a:solidFill>
-          <a:schemeClr val="bg1"/>
-        </a:solidFill>
-        <a:effectLst/>
-      </p:bgPr>
-    </p:bg>
-    <p:spTree>
-      <p:nvGrpSpPr>
-        <p:cNvPr id="1" name="">
-          <a:extLst>
-            <a:ext uri="{FF2B5EF4-FFF2-40B4-BE49-F238E27FC236}">
-              <a16:creationId xmlns:a16="http://schemas.microsoft.com/office/drawing/2014/main" id="{CEF011FB-0361-81F1-A411-48E3B66109D6}"/>
-            </a:ext>
-          </a:extLst>
-        </p:cNvPr>
-        <p:cNvGrpSpPr/>
-        <p:nvPr/>
-      </p:nvGrpSpPr>
-      <p:grpSpPr>
-        <a:xfrm>
-          <a:off x="0" y="0"/>
-          <a:ext cx="0" cy="0"/>
-          <a:chOff x="0" y="0"/>
-          <a:chExt cx="0" cy="0"/>
-        </a:xfrm>
-      </p:grpSpPr>
-      <p:sp useBgFill="1">
-        <p:nvSpPr>
-          <p:cNvPr id="11" name="Rectangle 10">
-            <a:extLst>
-              <a:ext uri="{FF2B5EF4-FFF2-40B4-BE49-F238E27FC236}">
-                <a16:creationId xmlns:a16="http://schemas.microsoft.com/office/drawing/2014/main" id="{BAD2D996-43B4-913B-F7DD-59EA7C708411}"/>
-              </a:ext>
-              <a:ext uri="{C183D7F6-B498-43B3-948B-1728B52AA6E4}">
-                <adec:decorative xmlns:adec="http://schemas.microsoft.com/office/drawing/2017/decorative" val="1"/>
-              </a:ext>
-            </a:extLst>
-          </p:cNvPr>
-          <p:cNvSpPr>
-            <a:spLocks noGrp="1" noRot="1" noChangeAspect="1" noMove="1" noResize="1" noEditPoints="1" noAdjustHandles="1" noChangeArrowheads="1" noChangeShapeType="1" noTextEdit="1"/>
-          </p:cNvSpPr>
-          <p:nvPr>
-            <p:extLst>
-              <p:ext uri="{386F3935-93C4-4BCD-93E2-E3B085C9AB24}">
-                <p16:designElem xmlns:p16="http://schemas.microsoft.com/office/powerpoint/2015/main" val="1"/>
-              </p:ext>
-            </p:extLst>
-          </p:nvPr>
-        </p:nvSpPr>
-        <p:spPr>
-          <a:xfrm>
-            <a:off x="0" y="0"/>
-            <a:ext cx="12188952" cy="6858000"/>
-          </a:xfrm>
-          <a:prstGeom prst="rect">
-            <a:avLst/>
-          </a:prstGeom>
-          <a:ln>
-            <a:noFill/>
-          </a:ln>
-        </p:spPr>
-        <p:style>
-          <a:lnRef idx="2">
-            <a:schemeClr val="accent1">
-              <a:shade val="50000"/>
-            </a:schemeClr>
-          </a:lnRef>
-          <a:fillRef idx="1">
-            <a:schemeClr val="accent1"/>
-          </a:fillRef>
-          <a:effectRef idx="0">
-            <a:schemeClr val="accent1"/>
-          </a:effectRef>
-          <a:fontRef idx="minor">
-            <a:schemeClr val="lt1"/>
-          </a:fontRef>
-        </p:style>
-        <p:txBody>
-          <a:bodyPr rtlCol="0" anchor="ctr"/>
-          <a:lstStyle/>
-          <a:p>
             <a:pPr marL="0" marR="0" lvl="0" indent="0" algn="ctr" defTabSz="914400" rtl="0" eaLnBrk="1" fontAlgn="auto" latinLnBrk="0" hangingPunct="1">
               <a:lnSpc>
                 <a:spcPct val="100000"/>
@@ -8144,675 +9735,7 @@
           <p:cNvPr id="2" name="Title 1">
             <a:extLst>
               <a:ext uri="{FF2B5EF4-FFF2-40B4-BE49-F238E27FC236}">
-                <a16:creationId xmlns:a16="http://schemas.microsoft.com/office/drawing/2014/main" id="{C9B228D7-8329-3F75-828E-FC46FA1AD6D9}"/>
-              </a:ext>
-            </a:extLst>
-          </p:cNvPr>
-          <p:cNvSpPr>
-            <a:spLocks noGrp="1"/>
-          </p:cNvSpPr>
-          <p:nvPr>
-            <p:ph type="title"/>
-          </p:nvPr>
-        </p:nvSpPr>
-        <p:spPr>
-          <a:xfrm>
-            <a:off x="841248" y="548640"/>
-            <a:ext cx="3600860" cy="5431536"/>
-          </a:xfrm>
-        </p:spPr>
-        <p:txBody>
-          <a:bodyPr>
-            <a:normAutofit/>
-          </a:bodyPr>
-          <a:lstStyle/>
-          <a:p>
-            <a:pPr algn="ctr"/>
-            <a:r>
-              <a:rPr lang="en-US" dirty="0"/>
-              <a:t>Research Questions</a:t>
-            </a:r>
-          </a:p>
-        </p:txBody>
-      </p:sp>
-      <p:sp>
-        <p:nvSpPr>
-          <p:cNvPr id="12" name="sketch line">
-            <a:extLst>
-              <a:ext uri="{FF2B5EF4-FFF2-40B4-BE49-F238E27FC236}">
-                <a16:creationId xmlns:a16="http://schemas.microsoft.com/office/drawing/2014/main" id="{836549C7-EDAA-8C20-68F5-F3CDC5C146F9}"/>
-              </a:ext>
-              <a:ext uri="{C183D7F6-B498-43B3-948B-1728B52AA6E4}">
-                <adec:decorative xmlns:adec="http://schemas.microsoft.com/office/drawing/2017/decorative" val="1"/>
-              </a:ext>
-            </a:extLst>
-          </p:cNvPr>
-          <p:cNvSpPr>
-            <a:spLocks noGrp="1" noRot="1" noChangeAspect="1" noMove="1" noResize="1" noEditPoints="1" noAdjustHandles="1" noChangeArrowheads="1" noChangeShapeType="1" noTextEdit="1"/>
-          </p:cNvSpPr>
-          <p:nvPr>
-            <p:extLst>
-              <p:ext uri="{386F3935-93C4-4BCD-93E2-E3B085C9AB24}">
-                <p16:designElem xmlns:p16="http://schemas.microsoft.com/office/powerpoint/2015/main" val="1"/>
-              </p:ext>
-            </p:extLst>
-          </p:nvPr>
-        </p:nvSpPr>
-        <p:spPr>
-          <a:xfrm rot="5400000">
-            <a:off x="2543983" y="3258715"/>
-            <a:ext cx="4480560" cy="18288"/>
-          </a:xfrm>
-          <a:custGeom>
-            <a:avLst/>
-            <a:gdLst>
-              <a:gd name="csX0" fmla="*/ 0 w 4480560"/>
-              <a:gd name="csY0" fmla="*/ 0 h 18288"/>
-              <a:gd name="csX1" fmla="*/ 595274 w 4480560"/>
-              <a:gd name="csY1" fmla="*/ 0 h 18288"/>
-              <a:gd name="csX2" fmla="*/ 1100938 w 4480560"/>
-              <a:gd name="csY2" fmla="*/ 0 h 18288"/>
-              <a:gd name="csX3" fmla="*/ 1651406 w 4480560"/>
-              <a:gd name="csY3" fmla="*/ 0 h 18288"/>
-              <a:gd name="csX4" fmla="*/ 2336292 w 4480560"/>
-              <a:gd name="csY4" fmla="*/ 0 h 18288"/>
-              <a:gd name="csX5" fmla="*/ 2931566 w 4480560"/>
-              <a:gd name="csY5" fmla="*/ 0 h 18288"/>
-              <a:gd name="csX6" fmla="*/ 3482035 w 4480560"/>
-              <a:gd name="csY6" fmla="*/ 0 h 18288"/>
-              <a:gd name="csX7" fmla="*/ 4480560 w 4480560"/>
-              <a:gd name="csY7" fmla="*/ 0 h 18288"/>
-              <a:gd name="csX8" fmla="*/ 4480560 w 4480560"/>
-              <a:gd name="csY8" fmla="*/ 18288 h 18288"/>
-              <a:gd name="csX9" fmla="*/ 3840480 w 4480560"/>
-              <a:gd name="csY9" fmla="*/ 18288 h 18288"/>
-              <a:gd name="csX10" fmla="*/ 3290011 w 4480560"/>
-              <a:gd name="csY10" fmla="*/ 18288 h 18288"/>
-              <a:gd name="csX11" fmla="*/ 2560320 w 4480560"/>
-              <a:gd name="csY11" fmla="*/ 18288 h 18288"/>
-              <a:gd name="csX12" fmla="*/ 1965046 w 4480560"/>
-              <a:gd name="csY12" fmla="*/ 18288 h 18288"/>
-              <a:gd name="csX13" fmla="*/ 1459382 w 4480560"/>
-              <a:gd name="csY13" fmla="*/ 18288 h 18288"/>
-              <a:gd name="csX14" fmla="*/ 774497 w 4480560"/>
-              <a:gd name="csY14" fmla="*/ 18288 h 18288"/>
-              <a:gd name="csX15" fmla="*/ 0 w 4480560"/>
-              <a:gd name="csY15" fmla="*/ 18288 h 18288"/>
-              <a:gd name="csX16" fmla="*/ 0 w 4480560"/>
-              <a:gd name="csY16" fmla="*/ 0 h 18288"/>
-            </a:gdLst>
-            <a:ahLst/>
-            <a:cxnLst>
-              <a:cxn ang="0">
-                <a:pos x="csX0" y="csY0"/>
-              </a:cxn>
-              <a:cxn ang="0">
-                <a:pos x="csX1" y="csY1"/>
-              </a:cxn>
-              <a:cxn ang="0">
-                <a:pos x="csX2" y="csY2"/>
-              </a:cxn>
-              <a:cxn ang="0">
-                <a:pos x="csX3" y="csY3"/>
-              </a:cxn>
-              <a:cxn ang="0">
-                <a:pos x="csX4" y="csY4"/>
-              </a:cxn>
-              <a:cxn ang="0">
-                <a:pos x="csX5" y="csY5"/>
-              </a:cxn>
-              <a:cxn ang="0">
-                <a:pos x="csX6" y="csY6"/>
-              </a:cxn>
-              <a:cxn ang="0">
-                <a:pos x="csX7" y="csY7"/>
-              </a:cxn>
-              <a:cxn ang="0">
-                <a:pos x="csX8" y="csY8"/>
-              </a:cxn>
-              <a:cxn ang="0">
-                <a:pos x="csX9" y="csY9"/>
-              </a:cxn>
-              <a:cxn ang="0">
-                <a:pos x="csX10" y="csY10"/>
-              </a:cxn>
-              <a:cxn ang="0">
-                <a:pos x="csX11" y="csY11"/>
-              </a:cxn>
-              <a:cxn ang="0">
-                <a:pos x="csX12" y="csY12"/>
-              </a:cxn>
-              <a:cxn ang="0">
-                <a:pos x="csX13" y="csY13"/>
-              </a:cxn>
-              <a:cxn ang="0">
-                <a:pos x="csX14" y="csY14"/>
-              </a:cxn>
-              <a:cxn ang="0">
-                <a:pos x="csX15" y="csY15"/>
-              </a:cxn>
-              <a:cxn ang="0">
-                <a:pos x="csX16" y="csY16"/>
-              </a:cxn>
-            </a:cxnLst>
-            <a:rect l="l" t="t" r="r" b="b"/>
-            <a:pathLst>
-              <a:path w="4480560" h="18288" fill="none" extrusionOk="0">
-                <a:moveTo>
-                  <a:pt x="0" y="0"/>
-                </a:moveTo>
-                <a:cubicBezTo>
-                  <a:pt x="267821" y="8731"/>
-                  <a:pt x="334105" y="2629"/>
-                  <a:pt x="595274" y="0"/>
-                </a:cubicBezTo>
-                <a:cubicBezTo>
-                  <a:pt x="856443" y="-2629"/>
-                  <a:pt x="863808" y="-13353"/>
-                  <a:pt x="1100938" y="0"/>
-                </a:cubicBezTo>
-                <a:cubicBezTo>
-                  <a:pt x="1338068" y="13353"/>
-                  <a:pt x="1431663" y="-25862"/>
-                  <a:pt x="1651406" y="0"/>
-                </a:cubicBezTo>
-                <a:cubicBezTo>
-                  <a:pt x="1871149" y="25862"/>
-                  <a:pt x="2173163" y="23827"/>
-                  <a:pt x="2336292" y="0"/>
-                </a:cubicBezTo>
-                <a:cubicBezTo>
-                  <a:pt x="2499421" y="-23827"/>
-                  <a:pt x="2720589" y="28148"/>
-                  <a:pt x="2931566" y="0"/>
-                </a:cubicBezTo>
-                <a:cubicBezTo>
-                  <a:pt x="3142543" y="-28148"/>
-                  <a:pt x="3323630" y="27022"/>
-                  <a:pt x="3482035" y="0"/>
-                </a:cubicBezTo>
-                <a:cubicBezTo>
-                  <a:pt x="3640440" y="-27022"/>
-                  <a:pt x="4012110" y="-20118"/>
-                  <a:pt x="4480560" y="0"/>
-                </a:cubicBezTo>
-                <a:cubicBezTo>
-                  <a:pt x="4480958" y="7429"/>
-                  <a:pt x="4480540" y="10822"/>
-                  <a:pt x="4480560" y="18288"/>
-                </a:cubicBezTo>
-                <a:cubicBezTo>
-                  <a:pt x="4314132" y="14924"/>
-                  <a:pt x="4028383" y="36632"/>
-                  <a:pt x="3840480" y="18288"/>
-                </a:cubicBezTo>
-                <a:cubicBezTo>
-                  <a:pt x="3652577" y="-56"/>
-                  <a:pt x="3547615" y="2848"/>
-                  <a:pt x="3290011" y="18288"/>
-                </a:cubicBezTo>
-                <a:cubicBezTo>
-                  <a:pt x="3032407" y="33728"/>
-                  <a:pt x="2830268" y="8719"/>
-                  <a:pt x="2560320" y="18288"/>
-                </a:cubicBezTo>
-                <a:cubicBezTo>
-                  <a:pt x="2290372" y="27857"/>
-                  <a:pt x="2147422" y="6728"/>
-                  <a:pt x="1965046" y="18288"/>
-                </a:cubicBezTo>
-                <a:cubicBezTo>
-                  <a:pt x="1782670" y="29848"/>
-                  <a:pt x="1689791" y="40680"/>
-                  <a:pt x="1459382" y="18288"/>
-                </a:cubicBezTo>
-                <a:cubicBezTo>
-                  <a:pt x="1228973" y="-4104"/>
-                  <a:pt x="915486" y="36501"/>
-                  <a:pt x="774497" y="18288"/>
-                </a:cubicBezTo>
-                <a:cubicBezTo>
-                  <a:pt x="633508" y="75"/>
-                  <a:pt x="361442" y="-11107"/>
-                  <a:pt x="0" y="18288"/>
-                </a:cubicBezTo>
-                <a:cubicBezTo>
-                  <a:pt x="-591" y="13205"/>
-                  <a:pt x="-663" y="6329"/>
-                  <a:pt x="0" y="0"/>
-                </a:cubicBezTo>
-                <a:close/>
-              </a:path>
-              <a:path w="4480560" h="18288" stroke="0" extrusionOk="0">
-                <a:moveTo>
-                  <a:pt x="0" y="0"/>
-                </a:moveTo>
-                <a:cubicBezTo>
-                  <a:pt x="285465" y="225"/>
-                  <a:pt x="322691" y="16223"/>
-                  <a:pt x="595274" y="0"/>
-                </a:cubicBezTo>
-                <a:cubicBezTo>
-                  <a:pt x="867857" y="-16223"/>
-                  <a:pt x="989129" y="-11242"/>
-                  <a:pt x="1100938" y="0"/>
-                </a:cubicBezTo>
-                <a:cubicBezTo>
-                  <a:pt x="1212747" y="11242"/>
-                  <a:pt x="1574350" y="-36410"/>
-                  <a:pt x="1830629" y="0"/>
-                </a:cubicBezTo>
-                <a:cubicBezTo>
-                  <a:pt x="2086908" y="36410"/>
-                  <a:pt x="2180922" y="4645"/>
-                  <a:pt x="2425903" y="0"/>
-                </a:cubicBezTo>
-                <a:cubicBezTo>
-                  <a:pt x="2670884" y="-4645"/>
-                  <a:pt x="2782024" y="22929"/>
-                  <a:pt x="3021178" y="0"/>
-                </a:cubicBezTo>
-                <a:cubicBezTo>
-                  <a:pt x="3260332" y="-22929"/>
-                  <a:pt x="3456982" y="-1586"/>
-                  <a:pt x="3750869" y="0"/>
-                </a:cubicBezTo>
-                <a:cubicBezTo>
-                  <a:pt x="4044756" y="1586"/>
-                  <a:pt x="4302726" y="17043"/>
-                  <a:pt x="4480560" y="0"/>
-                </a:cubicBezTo>
-                <a:cubicBezTo>
-                  <a:pt x="4479674" y="5429"/>
-                  <a:pt x="4481381" y="14046"/>
-                  <a:pt x="4480560" y="18288"/>
-                </a:cubicBezTo>
-                <a:cubicBezTo>
-                  <a:pt x="4279652" y="-6850"/>
-                  <a:pt x="4200762" y="41566"/>
-                  <a:pt x="3930091" y="18288"/>
-                </a:cubicBezTo>
-                <a:cubicBezTo>
-                  <a:pt x="3659420" y="-4990"/>
-                  <a:pt x="3456052" y="22294"/>
-                  <a:pt x="3290011" y="18288"/>
-                </a:cubicBezTo>
-                <a:cubicBezTo>
-                  <a:pt x="3123970" y="14282"/>
-                  <a:pt x="2882392" y="32818"/>
-                  <a:pt x="2649931" y="18288"/>
-                </a:cubicBezTo>
-                <a:cubicBezTo>
-                  <a:pt x="2417470" y="3758"/>
-                  <a:pt x="2238426" y="7337"/>
-                  <a:pt x="2054657" y="18288"/>
-                </a:cubicBezTo>
-                <a:cubicBezTo>
-                  <a:pt x="1870888" y="29239"/>
-                  <a:pt x="1566368" y="45040"/>
-                  <a:pt x="1324966" y="18288"/>
-                </a:cubicBezTo>
-                <a:cubicBezTo>
-                  <a:pt x="1083564" y="-8464"/>
-                  <a:pt x="787410" y="10946"/>
-                  <a:pt x="595274" y="18288"/>
-                </a:cubicBezTo>
-                <a:cubicBezTo>
-                  <a:pt x="403138" y="25630"/>
-                  <a:pt x="169622" y="10499"/>
-                  <a:pt x="0" y="18288"/>
-                </a:cubicBezTo>
-                <a:cubicBezTo>
-                  <a:pt x="668" y="13665"/>
-                  <a:pt x="578" y="5675"/>
-                  <a:pt x="0" y="0"/>
-                </a:cubicBezTo>
-                <a:close/>
-              </a:path>
-            </a:pathLst>
-          </a:custGeom>
-          <a:solidFill>
-            <a:schemeClr val="accent2"/>
-          </a:solidFill>
-          <a:ln w="41275" cap="rnd">
-            <a:solidFill>
-              <a:schemeClr val="accent2"/>
-            </a:solidFill>
-            <a:round/>
-            <a:extLst>
-              <a:ext uri="{C807C97D-BFC1-408E-A445-0C87EB9F89A2}">
-                <ask:lineSketchStyleProps xmlns:ask="http://schemas.microsoft.com/office/drawing/2018/sketchyshapes" sd="1219033472">
-                  <a:prstGeom prst="rect">
-                    <a:avLst/>
-                  </a:prstGeom>
-                  <ask:type>
-                    <ask:lineSketchFreehand/>
-                  </ask:type>
-                </ask:lineSketchStyleProps>
-              </a:ext>
-            </a:extLst>
-          </a:ln>
-        </p:spPr>
-        <p:style>
-          <a:lnRef idx="2">
-            <a:schemeClr val="accent1">
-              <a:shade val="50000"/>
-            </a:schemeClr>
-          </a:lnRef>
-          <a:fillRef idx="1">
-            <a:schemeClr val="accent1"/>
-          </a:fillRef>
-          <a:effectRef idx="0">
-            <a:schemeClr val="accent1"/>
-          </a:effectRef>
-          <a:fontRef idx="minor">
-            <a:schemeClr val="lt1"/>
-          </a:fontRef>
-        </p:style>
-        <p:txBody>
-          <a:bodyPr rtlCol="0" anchor="ctr"/>
-          <a:lstStyle/>
-          <a:p>
-            <a:pPr marL="0" marR="0" lvl="0" indent="0" algn="ctr" defTabSz="914400" rtl="0" eaLnBrk="1" fontAlgn="auto" latinLnBrk="0" hangingPunct="1">
-              <a:lnSpc>
-                <a:spcPct val="100000"/>
-              </a:lnSpc>
-              <a:spcBef>
-                <a:spcPts val="0"/>
-              </a:spcBef>
-              <a:spcAft>
-                <a:spcPts val="0"/>
-              </a:spcAft>
-              <a:buClrTx/>
-              <a:buSzTx/>
-              <a:buFontTx/>
-              <a:buNone/>
-              <a:tabLst/>
-              <a:defRPr/>
-            </a:pPr>
-            <a:endParaRPr kumimoji="0" lang="en-US" sz="1800" b="0" i="0" u="none" strike="noStrike" kern="1200" cap="none" spc="0" normalizeH="0" baseline="0" noProof="0">
-              <a:ln>
-                <a:noFill/>
-              </a:ln>
-              <a:solidFill>
-                <a:prstClr val="white"/>
-              </a:solidFill>
-              <a:effectLst/>
-              <a:uLnTx/>
-              <a:uFillTx/>
-              <a:latin typeface="Aptos" panose="02110004020202020204"/>
-              <a:ea typeface="+mn-ea"/>
-              <a:cs typeface="+mn-cs"/>
-            </a:endParaRPr>
-          </a:p>
-        </p:txBody>
-      </p:sp>
-      <p:sp>
-        <p:nvSpPr>
-          <p:cNvPr id="3" name="Content Placeholder 2">
-            <a:extLst>
-              <a:ext uri="{FF2B5EF4-FFF2-40B4-BE49-F238E27FC236}">
-                <a16:creationId xmlns:a16="http://schemas.microsoft.com/office/drawing/2014/main" id="{45E13C00-C4B2-AC65-DFCC-5BF7B4C0D768}"/>
-              </a:ext>
-            </a:extLst>
-          </p:cNvPr>
-          <p:cNvSpPr>
-            <a:spLocks noGrp="1"/>
-          </p:cNvSpPr>
-          <p:nvPr>
-            <p:ph idx="1"/>
-          </p:nvPr>
-        </p:nvSpPr>
-        <p:spPr>
-          <a:xfrm>
-            <a:off x="5126418" y="552091"/>
-            <a:ext cx="6224335" cy="5431536"/>
-          </a:xfrm>
-        </p:spPr>
-        <p:txBody>
-          <a:bodyPr anchor="ctr">
-            <a:normAutofit/>
-          </a:bodyPr>
-          <a:lstStyle/>
-          <a:p>
-            <a:endParaRPr lang="en-US" sz="1900" dirty="0"/>
-          </a:p>
-          <a:p>
-            <a:pPr marL="0" indent="0">
-              <a:buNone/>
-            </a:pPr>
-            <a:endParaRPr lang="en-US" sz="1900" dirty="0">
-              <a:latin typeface="Calibri" panose="020F0502020204030204" pitchFamily="34" charset="0"/>
-              <a:ea typeface="Calibri" panose="020F0502020204030204" pitchFamily="34" charset="0"/>
-            </a:endParaRPr>
-          </a:p>
-          <a:p>
-            <a:endParaRPr lang="en-US" sz="1900" dirty="0"/>
-          </a:p>
-        </p:txBody>
-      </p:sp>
-      <p:sp>
-        <p:nvSpPr>
-          <p:cNvPr id="4" name="TextBox 3">
-            <a:extLst>
-              <a:ext uri="{FF2B5EF4-FFF2-40B4-BE49-F238E27FC236}">
-                <a16:creationId xmlns:a16="http://schemas.microsoft.com/office/drawing/2014/main" id="{337C5CAA-78BD-6151-0CC5-8CA452F48391}"/>
-              </a:ext>
-            </a:extLst>
-          </p:cNvPr>
-          <p:cNvSpPr txBox="1"/>
-          <p:nvPr/>
-        </p:nvSpPr>
-        <p:spPr>
-          <a:xfrm>
-            <a:off x="5280212" y="874373"/>
-            <a:ext cx="6403552" cy="5355312"/>
-          </a:xfrm>
-          <a:prstGeom prst="rect">
-            <a:avLst/>
-          </a:prstGeom>
-          <a:noFill/>
-        </p:spPr>
-        <p:txBody>
-          <a:bodyPr wrap="square" rtlCol="0">
-            <a:spAutoFit/>
-          </a:bodyPr>
-          <a:lstStyle/>
-          <a:p>
-            <a:pPr marL="342900" indent="-342900">
-              <a:buAutoNum type="arabicPeriod"/>
-            </a:pPr>
-            <a:r>
-              <a:rPr lang="en-US" dirty="0"/>
-              <a:t>How did median home values in the Metro Nashville area change between 2020 and 2023, and did household income growth keep pace with these increases?</a:t>
-            </a:r>
-          </a:p>
-          <a:p>
-            <a:pPr marL="342900" indent="-342900">
-              <a:buAutoNum type="arabicPeriod"/>
-            </a:pPr>
-            <a:endParaRPr lang="en-US" dirty="0"/>
-          </a:p>
-          <a:p>
-            <a:pPr marL="342900" indent="-342900">
-              <a:buAutoNum type="arabicPeriod"/>
-            </a:pPr>
-            <a:r>
-              <a:rPr lang="en-US" dirty="0"/>
-              <a:t>How did housing supply indicators including vacancy rates, occupied units, and housing stock change between 2020 and 2023, and what relationship did these trends have with housing affordability in Metro Nashville?</a:t>
-            </a:r>
-          </a:p>
-          <a:p>
-            <a:pPr marL="342900" indent="-342900">
-              <a:buAutoNum type="arabicPeriod"/>
-            </a:pPr>
-            <a:endParaRPr lang="en-US" dirty="0"/>
-          </a:p>
-          <a:p>
-            <a:pPr marL="342900" indent="-342900">
-              <a:buAutoNum type="arabicPeriod"/>
-            </a:pPr>
-            <a:r>
-              <a:rPr lang="en-US" dirty="0"/>
-              <a:t>How did changes in 30-year fixed mortgage interest rates between 2020 and 2023 affect homeownership affordability in Metro Nashville, and how did the share of households able to afford a median-priced home change during this period?</a:t>
-            </a:r>
-          </a:p>
-          <a:p>
-            <a:pPr marL="342900" indent="-342900">
-              <a:buAutoNum type="arabicPeriod"/>
-            </a:pPr>
-            <a:endParaRPr lang="en-US" dirty="0"/>
-          </a:p>
-          <a:p>
-            <a:pPr marL="342900" indent="-342900">
-              <a:buAutoNum type="arabicPeriod"/>
-            </a:pPr>
-            <a:r>
-              <a:rPr lang="en-US" dirty="0"/>
-              <a:t>Were changes in housing affordability evenly distributed across Metro Nashville between 2020 and 2023, or did certain ZIP codes experience more rapid declines in affordability than others?</a:t>
-            </a:r>
-          </a:p>
-        </p:txBody>
-      </p:sp>
-    </p:spTree>
-    <p:extLst>
-      <p:ext uri="{BB962C8B-B14F-4D97-AF65-F5344CB8AC3E}">
-        <p14:creationId xmlns:p14="http://schemas.microsoft.com/office/powerpoint/2010/main" val="4045112871"/>
-      </p:ext>
-    </p:extLst>
-  </p:cSld>
-  <p:clrMapOvr>
-    <a:masterClrMapping/>
-  </p:clrMapOvr>
-</p:sld>
-</file>
-
-<file path=ppt/slides/slide4.xml><?xml version="1.0" encoding="utf-8"?>
-<p:sld xmlns:a="http://schemas.openxmlformats.org/drawingml/2006/main" xmlns:r="http://schemas.openxmlformats.org/officeDocument/2006/relationships" xmlns:p="http://schemas.openxmlformats.org/presentationml/2006/main">
-  <p:cSld>
-    <p:bg>
-      <p:bgPr>
-        <a:solidFill>
-          <a:schemeClr val="bg1"/>
-        </a:solidFill>
-        <a:effectLst/>
-      </p:bgPr>
-    </p:bg>
-    <p:spTree>
-      <p:nvGrpSpPr>
-        <p:cNvPr id="1" name="">
-          <a:extLst>
-            <a:ext uri="{FF2B5EF4-FFF2-40B4-BE49-F238E27FC236}">
-              <a16:creationId xmlns:a16="http://schemas.microsoft.com/office/drawing/2014/main" id="{56F808D7-A765-76F0-9157-9650D33648AF}"/>
-            </a:ext>
-          </a:extLst>
-        </p:cNvPr>
-        <p:cNvGrpSpPr/>
-        <p:nvPr/>
-      </p:nvGrpSpPr>
-      <p:grpSpPr>
-        <a:xfrm>
-          <a:off x="0" y="0"/>
-          <a:ext cx="0" cy="0"/>
-          <a:chOff x="0" y="0"/>
-          <a:chExt cx="0" cy="0"/>
-        </a:xfrm>
-      </p:grpSpPr>
-      <p:sp useBgFill="1">
-        <p:nvSpPr>
-          <p:cNvPr id="17" name="Rectangle 16">
-            <a:extLst>
-              <a:ext uri="{FF2B5EF4-FFF2-40B4-BE49-F238E27FC236}">
-                <a16:creationId xmlns:a16="http://schemas.microsoft.com/office/drawing/2014/main" id="{734538BD-5182-757D-AA03-7FE43366C464}"/>
-              </a:ext>
-              <a:ext uri="{C183D7F6-B498-43B3-948B-1728B52AA6E4}">
-                <adec:decorative xmlns:adec="http://schemas.microsoft.com/office/drawing/2017/decorative" val="1"/>
-              </a:ext>
-            </a:extLst>
-          </p:cNvPr>
-          <p:cNvSpPr>
-            <a:spLocks noGrp="1" noRot="1" noChangeAspect="1" noMove="1" noResize="1" noEditPoints="1" noAdjustHandles="1" noChangeArrowheads="1" noChangeShapeType="1" noTextEdit="1"/>
-          </p:cNvSpPr>
-          <p:nvPr>
-            <p:extLst>
-              <p:ext uri="{386F3935-93C4-4BCD-93E2-E3B085C9AB24}">
-                <p16:designElem xmlns:p16="http://schemas.microsoft.com/office/powerpoint/2015/main" val="1"/>
-              </p:ext>
-            </p:extLst>
-          </p:nvPr>
-        </p:nvSpPr>
-        <p:spPr>
-          <a:xfrm>
-            <a:off x="0" y="0"/>
-            <a:ext cx="12188952" cy="6858000"/>
-          </a:xfrm>
-          <a:prstGeom prst="rect">
-            <a:avLst/>
-          </a:prstGeom>
-          <a:ln>
-            <a:noFill/>
-          </a:ln>
-        </p:spPr>
-        <p:style>
-          <a:lnRef idx="2">
-            <a:schemeClr val="accent1">
-              <a:shade val="50000"/>
-            </a:schemeClr>
-          </a:lnRef>
-          <a:fillRef idx="1">
-            <a:schemeClr val="accent1"/>
-          </a:fillRef>
-          <a:effectRef idx="0">
-            <a:schemeClr val="accent1"/>
-          </a:effectRef>
-          <a:fontRef idx="minor">
-            <a:schemeClr val="lt1"/>
-          </a:fontRef>
-        </p:style>
-        <p:txBody>
-          <a:bodyPr rtlCol="0" anchor="ctr"/>
-          <a:lstStyle/>
-          <a:p>
-            <a:pPr marL="0" marR="0" lvl="0" indent="0" algn="ctr" defTabSz="914400" rtl="0" eaLnBrk="1" fontAlgn="auto" latinLnBrk="0" hangingPunct="1">
-              <a:lnSpc>
-                <a:spcPct val="100000"/>
-              </a:lnSpc>
-              <a:spcBef>
-                <a:spcPts val="0"/>
-              </a:spcBef>
-              <a:spcAft>
-                <a:spcPts val="0"/>
-              </a:spcAft>
-              <a:buClrTx/>
-              <a:buSzTx/>
-              <a:buFontTx/>
-              <a:buNone/>
-              <a:tabLst/>
-              <a:defRPr/>
-            </a:pPr>
-            <a:endParaRPr kumimoji="0" lang="en-US" sz="1800" b="0" i="0" u="none" strike="noStrike" kern="1200" cap="none" spc="0" normalizeH="0" baseline="0" noProof="0">
-              <a:ln>
-                <a:noFill/>
-              </a:ln>
-              <a:solidFill>
-                <a:prstClr val="white"/>
-              </a:solidFill>
-              <a:effectLst/>
-              <a:uLnTx/>
-              <a:uFillTx/>
-              <a:latin typeface="Aptos" panose="02110004020202020204"/>
-              <a:ea typeface="+mn-ea"/>
-              <a:cs typeface="+mn-cs"/>
-            </a:endParaRPr>
-          </a:p>
-        </p:txBody>
-      </p:sp>
-      <p:sp>
-        <p:nvSpPr>
-          <p:cNvPr id="2" name="Title 1">
-            <a:extLst>
-              <a:ext uri="{FF2B5EF4-FFF2-40B4-BE49-F238E27FC236}">
-                <a16:creationId xmlns:a16="http://schemas.microsoft.com/office/drawing/2014/main" id="{0D3BA9AF-2BD7-97AC-F960-51216C2F9482}"/>
+                <a16:creationId xmlns:a16="http://schemas.microsoft.com/office/drawing/2014/main" id="{B0E19932-3748-B970-1992-0517CEAD921D}"/>
               </a:ext>
             </a:extLst>
           </p:cNvPr>
@@ -8836,8 +9759,8 @@
           <a:lstStyle/>
           <a:p>
             <a:r>
-              <a:rPr lang="en-US" sz="5000" dirty="0"/>
-              <a:t>About the data</a:t>
+              <a:rPr lang="en-US" b="1" dirty="0"/>
+              <a:t>Conclusion</a:t>
             </a:r>
           </a:p>
         </p:txBody>
@@ -8847,7 +9770,7 @@
           <p:cNvPr id="19" name="sketch line">
             <a:extLst>
               <a:ext uri="{FF2B5EF4-FFF2-40B4-BE49-F238E27FC236}">
-                <a16:creationId xmlns:a16="http://schemas.microsoft.com/office/drawing/2014/main" id="{E2E8BF61-004B-D31B-5057-33B6A1A09806}"/>
+                <a16:creationId xmlns:a16="http://schemas.microsoft.com/office/drawing/2014/main" id="{8CE5727C-00C0-1F08-580E-DB361AA87B5A}"/>
               </a:ext>
               <a:ext uri="{C183D7F6-B498-43B3-948B-1728B52AA6E4}">
                 <adec:decorative xmlns:adec="http://schemas.microsoft.com/office/drawing/2017/decorative" val="1"/>
@@ -9509,506 +10432,12 @@
           </a:p>
         </p:txBody>
       </p:sp>
-      <p:graphicFrame>
-        <p:nvGraphicFramePr>
-          <p:cNvPr id="59" name="Table 58">
+      <p:sp>
+        <p:nvSpPr>
+          <p:cNvPr id="3" name="TextBox 2">
             <a:extLst>
               <a:ext uri="{FF2B5EF4-FFF2-40B4-BE49-F238E27FC236}">
-                <a16:creationId xmlns:a16="http://schemas.microsoft.com/office/drawing/2014/main" id="{BCFE9DD7-46AB-7613-56F3-56A484D83033}"/>
-              </a:ext>
-            </a:extLst>
-          </p:cNvPr>
-          <p:cNvGraphicFramePr>
-            <a:graphicFrameLocks noGrp="1"/>
-          </p:cNvGraphicFramePr>
-          <p:nvPr>
-            <p:extLst>
-              <p:ext uri="{D42A27DB-BD31-4B8C-83A1-F6EECF244321}">
-                <p14:modId xmlns:p14="http://schemas.microsoft.com/office/powerpoint/2010/main" val="2514885130"/>
-              </p:ext>
-            </p:extLst>
-          </p:nvPr>
-        </p:nvGraphicFramePr>
-        <p:xfrm>
-          <a:off x="1381125" y="2074101"/>
-          <a:ext cx="8877300" cy="3851212"/>
-        </p:xfrm>
-        <a:graphic>
-          <a:graphicData uri="http://schemas.openxmlformats.org/drawingml/2006/table">
-            <a:tbl>
-              <a:tblPr firstRow="1" bandRow="1">
-                <a:tableStyleId>{5C22544A-7EE6-4342-B048-85BDC9FD1C3A}</a:tableStyleId>
-              </a:tblPr>
-              <a:tblGrid>
-                <a:gridCol w="2219325">
-                  <a:extLst>
-                    <a:ext uri="{9D8B030D-6E8A-4147-A177-3AD203B41FA5}">
-                      <a16:colId xmlns:a16="http://schemas.microsoft.com/office/drawing/2014/main" val="3601202894"/>
-                    </a:ext>
-                  </a:extLst>
-                </a:gridCol>
-                <a:gridCol w="2219325">
-                  <a:extLst>
-                    <a:ext uri="{9D8B030D-6E8A-4147-A177-3AD203B41FA5}">
-                      <a16:colId xmlns:a16="http://schemas.microsoft.com/office/drawing/2014/main" val="2432460529"/>
-                    </a:ext>
-                  </a:extLst>
-                </a:gridCol>
-                <a:gridCol w="2219325">
-                  <a:extLst>
-                    <a:ext uri="{9D8B030D-6E8A-4147-A177-3AD203B41FA5}">
-                      <a16:colId xmlns:a16="http://schemas.microsoft.com/office/drawing/2014/main" val="2398182419"/>
-                    </a:ext>
-                  </a:extLst>
-                </a:gridCol>
-                <a:gridCol w="2219325">
-                  <a:extLst>
-                    <a:ext uri="{9D8B030D-6E8A-4147-A177-3AD203B41FA5}">
-                      <a16:colId xmlns:a16="http://schemas.microsoft.com/office/drawing/2014/main" val="1658795704"/>
-                    </a:ext>
-                  </a:extLst>
-                </a:gridCol>
-              </a:tblGrid>
-              <a:tr h="482227">
-                <a:tc>
-                  <a:txBody>
-                    <a:bodyPr/>
-                    <a:lstStyle/>
-                    <a:p>
-                      <a:pPr>
-                        <a:buNone/>
-                      </a:pPr>
-                      <a:r>
-                        <a:rPr lang="en-US" sz="1400" b="1" dirty="0"/>
-                        <a:t>Dataset</a:t>
-                      </a:r>
-                      <a:endParaRPr lang="en-US" sz="1400" dirty="0"/>
-                    </a:p>
-                  </a:txBody>
-                  <a:tcPr anchor="ctr"/>
-                </a:tc>
-                <a:tc>
-                  <a:txBody>
-                    <a:bodyPr/>
-                    <a:lstStyle/>
-                    <a:p>
-                      <a:pPr>
-                        <a:buNone/>
-                      </a:pPr>
-                      <a:r>
-                        <a:rPr lang="en-US" sz="1400" b="1"/>
-                        <a:t>Source</a:t>
-                      </a:r>
-                      <a:endParaRPr lang="en-US" sz="1400"/>
-                    </a:p>
-                  </a:txBody>
-                  <a:tcPr anchor="ctr"/>
-                </a:tc>
-                <a:tc>
-                  <a:txBody>
-                    <a:bodyPr/>
-                    <a:lstStyle/>
-                    <a:p>
-                      <a:pPr>
-                        <a:buNone/>
-                      </a:pPr>
-                      <a:r>
-                        <a:rPr lang="en-US" sz="1400" b="1"/>
-                        <a:t>Geography</a:t>
-                      </a:r>
-                      <a:endParaRPr lang="en-US" sz="1400"/>
-                    </a:p>
-                  </a:txBody>
-                  <a:tcPr anchor="ctr"/>
-                </a:tc>
-                <a:tc>
-                  <a:txBody>
-                    <a:bodyPr/>
-                    <a:lstStyle/>
-                    <a:p>
-                      <a:pPr>
-                        <a:buNone/>
-                      </a:pPr>
-                      <a:r>
-                        <a:rPr lang="en-US" sz="1400" b="1"/>
-                        <a:t>Used For</a:t>
-                      </a:r>
-                      <a:endParaRPr lang="en-US" sz="1400"/>
-                    </a:p>
-                  </a:txBody>
-                  <a:tcPr anchor="ctr"/>
-                </a:tc>
-                <a:extLst>
-                  <a:ext uri="{0D108BD9-81ED-4DB2-BD59-A6C34878D82A}">
-                    <a16:rowId xmlns:a16="http://schemas.microsoft.com/office/drawing/2014/main" val="3491585268"/>
-                  </a:ext>
-                </a:extLst>
-              </a:tr>
-              <a:tr h="673797">
-                <a:tc>
-                  <a:txBody>
-                    <a:bodyPr/>
-                    <a:lstStyle/>
-                    <a:p>
-                      <a:pPr>
-                        <a:buNone/>
-                      </a:pPr>
-                      <a:r>
-                        <a:rPr lang="en-US" sz="1400"/>
-                        <a:t>Residential Property Sales</a:t>
-                      </a:r>
-                    </a:p>
-                  </a:txBody>
-                  <a:tcPr anchor="ctr"/>
-                </a:tc>
-                <a:tc>
-                  <a:txBody>
-                    <a:bodyPr/>
-                    <a:lstStyle/>
-                    <a:p>
-                      <a:pPr>
-                        <a:buNone/>
-                      </a:pPr>
-                      <a:r>
-                        <a:rPr lang="en-US" sz="1400" dirty="0"/>
-                        <a:t>Metro Nashville (data.nashville.gov)</a:t>
-                      </a:r>
-                    </a:p>
-                  </a:txBody>
-                  <a:tcPr anchor="ctr"/>
-                </a:tc>
-                <a:tc>
-                  <a:txBody>
-                    <a:bodyPr/>
-                    <a:lstStyle/>
-                    <a:p>
-                      <a:pPr>
-                        <a:buNone/>
-                      </a:pPr>
-                      <a:r>
-                        <a:rPr lang="en-US" sz="1400"/>
-                        <a:t>Individual parcels</a:t>
-                      </a:r>
-                    </a:p>
-                  </a:txBody>
-                  <a:tcPr anchor="ctr"/>
-                </a:tc>
-                <a:tc>
-                  <a:txBody>
-                    <a:bodyPr/>
-                    <a:lstStyle/>
-                    <a:p>
-                      <a:pPr>
-                        <a:buNone/>
-                      </a:pPr>
-                      <a:r>
-                        <a:rPr lang="en-US" sz="1400"/>
-                        <a:t>Sale prices, zoning, spatial patterns</a:t>
-                      </a:r>
-                    </a:p>
-                  </a:txBody>
-                  <a:tcPr anchor="ctr"/>
-                </a:tc>
-                <a:extLst>
-                  <a:ext uri="{0D108BD9-81ED-4DB2-BD59-A6C34878D82A}">
-                    <a16:rowId xmlns:a16="http://schemas.microsoft.com/office/drawing/2014/main" val="2225827144"/>
-                  </a:ext>
-                </a:extLst>
-              </a:tr>
-              <a:tr h="673797">
-                <a:tc>
-                  <a:txBody>
-                    <a:bodyPr/>
-                    <a:lstStyle/>
-                    <a:p>
-                      <a:pPr>
-                        <a:buNone/>
-                      </a:pPr>
-                      <a:r>
-                        <a:rPr lang="en-US" sz="1400"/>
-                        <a:t>Housing Market Trends</a:t>
-                      </a:r>
-                    </a:p>
-                  </a:txBody>
-                  <a:tcPr anchor="ctr"/>
-                </a:tc>
-                <a:tc>
-                  <a:txBody>
-                    <a:bodyPr/>
-                    <a:lstStyle/>
-                    <a:p>
-                      <a:pPr>
-                        <a:buNone/>
-                      </a:pPr>
-                      <a:r>
-                        <a:rPr lang="en-US" sz="1400" dirty="0"/>
-                        <a:t>Redfin</a:t>
-                      </a:r>
-                    </a:p>
-                  </a:txBody>
-                  <a:tcPr anchor="ctr"/>
-                </a:tc>
-                <a:tc>
-                  <a:txBody>
-                    <a:bodyPr/>
-                    <a:lstStyle/>
-                    <a:p>
-                      <a:pPr>
-                        <a:buNone/>
-                      </a:pPr>
-                      <a:r>
-                        <a:rPr lang="en-US" sz="1400"/>
-                        <a:t>Nashville Metro Area</a:t>
-                      </a:r>
-                    </a:p>
-                  </a:txBody>
-                  <a:tcPr anchor="ctr"/>
-                </a:tc>
-                <a:tc>
-                  <a:txBody>
-                    <a:bodyPr/>
-                    <a:lstStyle/>
-                    <a:p>
-                      <a:pPr>
-                        <a:buNone/>
-                      </a:pPr>
-                      <a:r>
-                        <a:rPr lang="en-US" sz="1400"/>
-                        <a:t>Market prices, supply &amp; demand</a:t>
-                      </a:r>
-                    </a:p>
-                  </a:txBody>
-                  <a:tcPr anchor="ctr"/>
-                </a:tc>
-                <a:extLst>
-                  <a:ext uri="{0D108BD9-81ED-4DB2-BD59-A6C34878D82A}">
-                    <a16:rowId xmlns:a16="http://schemas.microsoft.com/office/drawing/2014/main" val="3213220211"/>
-                  </a:ext>
-                </a:extLst>
-              </a:tr>
-              <a:tr h="673797">
-                <a:tc>
-                  <a:txBody>
-                    <a:bodyPr/>
-                    <a:lstStyle/>
-                    <a:p>
-                      <a:pPr>
-                        <a:buNone/>
-                      </a:pPr>
-                      <a:r>
-                        <a:rPr lang="en-US" sz="1400"/>
-                        <a:t>Income &amp; Housing Costs</a:t>
-                      </a:r>
-                    </a:p>
-                  </a:txBody>
-                  <a:tcPr anchor="ctr"/>
-                </a:tc>
-                <a:tc>
-                  <a:txBody>
-                    <a:bodyPr/>
-                    <a:lstStyle/>
-                    <a:p>
-                      <a:pPr>
-                        <a:buNone/>
-                      </a:pPr>
-                      <a:r>
-                        <a:rPr lang="en-US" sz="1400"/>
-                        <a:t>U.S. Census (ACS)</a:t>
-                      </a:r>
-                    </a:p>
-                  </a:txBody>
-                  <a:tcPr anchor="ctr"/>
-                </a:tc>
-                <a:tc>
-                  <a:txBody>
-                    <a:bodyPr/>
-                    <a:lstStyle/>
-                    <a:p>
-                      <a:pPr>
-                        <a:buNone/>
-                      </a:pPr>
-                      <a:r>
-                        <a:rPr lang="en-US" sz="1400"/>
-                        <a:t>ZIP codes (ZCTA)</a:t>
-                      </a:r>
-                    </a:p>
-                  </a:txBody>
-                  <a:tcPr anchor="ctr"/>
-                </a:tc>
-                <a:tc>
-                  <a:txBody>
-                    <a:bodyPr/>
-                    <a:lstStyle/>
-                    <a:p>
-                      <a:pPr>
-                        <a:buNone/>
-                      </a:pPr>
-                      <a:r>
-                        <a:rPr lang="en-US" sz="1400"/>
-                        <a:t>Income, home values, rent</a:t>
-                      </a:r>
-                    </a:p>
-                  </a:txBody>
-                  <a:tcPr anchor="ctr"/>
-                </a:tc>
-                <a:extLst>
-                  <a:ext uri="{0D108BD9-81ED-4DB2-BD59-A6C34878D82A}">
-                    <a16:rowId xmlns:a16="http://schemas.microsoft.com/office/drawing/2014/main" val="2975723325"/>
-                  </a:ext>
-                </a:extLst>
-              </a:tr>
-              <a:tr h="673797">
-                <a:tc>
-                  <a:txBody>
-                    <a:bodyPr/>
-                    <a:lstStyle/>
-                    <a:p>
-                      <a:pPr>
-                        <a:buNone/>
-                      </a:pPr>
-                      <a:r>
-                        <a:rPr lang="en-US" sz="1400"/>
-                        <a:t>Population &amp; Poverty</a:t>
-                      </a:r>
-                    </a:p>
-                  </a:txBody>
-                  <a:tcPr anchor="ctr"/>
-                </a:tc>
-                <a:tc>
-                  <a:txBody>
-                    <a:bodyPr/>
-                    <a:lstStyle/>
-                    <a:p>
-                      <a:pPr>
-                        <a:buNone/>
-                      </a:pPr>
-                      <a:r>
-                        <a:rPr lang="en-US" sz="1400"/>
-                        <a:t>U.S. Census (ACS)</a:t>
-                      </a:r>
-                    </a:p>
-                  </a:txBody>
-                  <a:tcPr anchor="ctr"/>
-                </a:tc>
-                <a:tc>
-                  <a:txBody>
-                    <a:bodyPr/>
-                    <a:lstStyle/>
-                    <a:p>
-                      <a:pPr>
-                        <a:buNone/>
-                      </a:pPr>
-                      <a:r>
-                        <a:rPr lang="en-US" sz="1400"/>
-                        <a:t>ZIP codes (ZCTA)</a:t>
-                      </a:r>
-                    </a:p>
-                  </a:txBody>
-                  <a:tcPr anchor="ctr"/>
-                </a:tc>
-                <a:tc>
-                  <a:txBody>
-                    <a:bodyPr/>
-                    <a:lstStyle/>
-                    <a:p>
-                      <a:pPr>
-                        <a:buNone/>
-                      </a:pPr>
-                      <a:r>
-                        <a:rPr lang="en-US" sz="1400"/>
-                        <a:t>Population, vacancy, poverty</a:t>
-                      </a:r>
-                    </a:p>
-                  </a:txBody>
-                  <a:tcPr anchor="ctr"/>
-                </a:tc>
-                <a:extLst>
-                  <a:ext uri="{0D108BD9-81ED-4DB2-BD59-A6C34878D82A}">
-                    <a16:rowId xmlns:a16="http://schemas.microsoft.com/office/drawing/2014/main" val="1570919569"/>
-                  </a:ext>
-                </a:extLst>
-              </a:tr>
-              <a:tr h="673797">
-                <a:tc>
-                  <a:txBody>
-                    <a:bodyPr/>
-                    <a:lstStyle/>
-                    <a:p>
-                      <a:pPr>
-                        <a:buNone/>
-                      </a:pPr>
-                      <a:r>
-                        <a:rPr lang="en-US" sz="1400"/>
-                        <a:t>Mortgage Rates</a:t>
-                      </a:r>
-                    </a:p>
-                  </a:txBody>
-                  <a:tcPr anchor="ctr"/>
-                </a:tc>
-                <a:tc>
-                  <a:txBody>
-                    <a:bodyPr/>
-                    <a:lstStyle/>
-                    <a:p>
-                      <a:pPr>
-                        <a:buNone/>
-                      </a:pPr>
-                      <a:r>
-                        <a:rPr lang="en-US" sz="1400"/>
-                        <a:t>Federal Reserve (FRED)</a:t>
-                      </a:r>
-                    </a:p>
-                  </a:txBody>
-                  <a:tcPr anchor="ctr"/>
-                </a:tc>
-                <a:tc>
-                  <a:txBody>
-                    <a:bodyPr/>
-                    <a:lstStyle/>
-                    <a:p>
-                      <a:pPr>
-                        <a:buNone/>
-                      </a:pPr>
-                      <a:r>
-                        <a:rPr lang="en-US" sz="1400"/>
-                        <a:t>National</a:t>
-                      </a:r>
-                    </a:p>
-                  </a:txBody>
-                  <a:tcPr anchor="ctr"/>
-                </a:tc>
-                <a:tc>
-                  <a:txBody>
-                    <a:bodyPr/>
-                    <a:lstStyle/>
-                    <a:p>
-                      <a:pPr>
-                        <a:buNone/>
-                      </a:pPr>
-                      <a:r>
-                        <a:rPr lang="en-US" sz="1400" dirty="0"/>
-                        <a:t>Financing conditions</a:t>
-                      </a:r>
-                    </a:p>
-                  </a:txBody>
-                  <a:tcPr anchor="ctr"/>
-                </a:tc>
-                <a:extLst>
-                  <a:ext uri="{0D108BD9-81ED-4DB2-BD59-A6C34878D82A}">
-                    <a16:rowId xmlns:a16="http://schemas.microsoft.com/office/drawing/2014/main" val="677150393"/>
-                  </a:ext>
-                </a:extLst>
-              </a:tr>
-            </a:tbl>
-          </a:graphicData>
-        </a:graphic>
-      </p:graphicFrame>
-      <p:sp>
-        <p:nvSpPr>
-          <p:cNvPr id="60" name="TextBox 59">
-            <a:extLst>
-              <a:ext uri="{FF2B5EF4-FFF2-40B4-BE49-F238E27FC236}">
-                <a16:creationId xmlns:a16="http://schemas.microsoft.com/office/drawing/2014/main" id="{EACC3C81-5AC3-F7E2-DD04-AF63D0053FB8}"/>
+                <a16:creationId xmlns:a16="http://schemas.microsoft.com/office/drawing/2014/main" id="{8A614149-FDAB-936D-306E-4186EFF4198E}"/>
               </a:ext>
             </a:extLst>
           </p:cNvPr>
@@ -10017,8 +10446,8 @@
         </p:nvSpPr>
         <p:spPr>
           <a:xfrm>
-            <a:off x="1381125" y="5925313"/>
-            <a:ext cx="4781550" cy="215444"/>
+            <a:off x="1176866" y="2323962"/>
+            <a:ext cx="9237133" cy="1754326"/>
           </a:xfrm>
           <a:prstGeom prst="rect">
             <a:avLst/>
@@ -10032,8 +10461,17 @@
           <a:lstStyle/>
           <a:p>
             <a:r>
-              <a:rPr lang="en-US" sz="800" i="1" dirty="0"/>
-              <a:t>ACS data are 5-year estimates. ZCTAs approximate postal ZIP codes. Missing values were excluded.</a:t>
+              <a:rPr lang="en-US" dirty="0"/>
+              <a:t>Between 2020 and 2023, rising home prices, higher mortgage rates, and constrained housing supply combined to significantly reduce homeownership affordability for median-income households in Metro Nashville, with uneven impacts across ZIP codes</a:t>
+            </a:r>
+          </a:p>
+          <a:p>
+            <a:endParaRPr lang="en-US" dirty="0"/>
+          </a:p>
+          <a:p>
+            <a:r>
+              <a:rPr lang="en-US" dirty="0"/>
+              <a:t>Together, these findings highlight how multiple market forces—not prices alone—shaped worsening housing affordability in Metro Nashville.</a:t>
             </a:r>
           </a:p>
         </p:txBody>
@@ -10041,7 +10479,7 @@
     </p:spTree>
     <p:extLst>
       <p:ext uri="{BB962C8B-B14F-4D97-AF65-F5344CB8AC3E}">
-        <p14:creationId xmlns:p14="http://schemas.microsoft.com/office/powerpoint/2010/main" val="835599444"/>
+        <p14:creationId xmlns:p14="http://schemas.microsoft.com/office/powerpoint/2010/main" val="3434264560"/>
       </p:ext>
     </p:extLst>
   </p:cSld>
@@ -10051,7 +10489,7 @@
 </p:sld>
 </file>
 
-<file path=ppt/slides/slide5.xml><?xml version="1.0" encoding="utf-8"?>
+<file path=ppt/slides/slide2.xml><?xml version="1.0" encoding="utf-8"?>
 <p:sld xmlns:a="http://schemas.openxmlformats.org/drawingml/2006/main" xmlns:r="http://schemas.openxmlformats.org/officeDocument/2006/relationships" xmlns:p="http://schemas.openxmlformats.org/presentationml/2006/main">
   <p:cSld>
     <p:bg>
@@ -10064,13 +10502,7 @@
     </p:bg>
     <p:spTree>
       <p:nvGrpSpPr>
-        <p:cNvPr id="1" name="">
-          <a:extLst>
-            <a:ext uri="{FF2B5EF4-FFF2-40B4-BE49-F238E27FC236}">
-              <a16:creationId xmlns:a16="http://schemas.microsoft.com/office/drawing/2014/main" id="{DF2F295F-C423-1C7A-F0D5-B4FEC5277C9B}"/>
-            </a:ext>
-          </a:extLst>
-        </p:cNvPr>
+        <p:cNvPr id="1" name=""/>
         <p:cNvGrpSpPr/>
         <p:nvPr/>
       </p:nvGrpSpPr>
@@ -10084,10 +10516,10 @@
       </p:grpSpPr>
       <p:sp useBgFill="1">
         <p:nvSpPr>
-          <p:cNvPr id="17" name="Rectangle 16">
+          <p:cNvPr id="11" name="Rectangle 10">
             <a:extLst>
               <a:ext uri="{FF2B5EF4-FFF2-40B4-BE49-F238E27FC236}">
-                <a16:creationId xmlns:a16="http://schemas.microsoft.com/office/drawing/2014/main" id="{9464FE2B-8E3D-B874-D701-0EA99F5F1329}"/>
+                <a16:creationId xmlns:a16="http://schemas.microsoft.com/office/drawing/2014/main" id="{777A147A-9ED8-46B4-8660-1B3C2AA880B5}"/>
               </a:ext>
               <a:ext uri="{C183D7F6-B498-43B3-948B-1728B52AA6E4}">
                 <adec:decorative xmlns:adec="http://schemas.microsoft.com/office/drawing/2017/decorative" val="1"/>
@@ -10137,6 +10569,524 @@
           <a:bodyPr rtlCol="0" anchor="ctr"/>
           <a:lstStyle/>
           <a:p>
+            <a:pPr algn="ctr"/>
+            <a:endParaRPr lang="en-US"/>
+          </a:p>
+        </p:txBody>
+      </p:sp>
+      <p:sp>
+        <p:nvSpPr>
+          <p:cNvPr id="2" name="Title 1">
+            <a:extLst>
+              <a:ext uri="{FF2B5EF4-FFF2-40B4-BE49-F238E27FC236}">
+                <a16:creationId xmlns:a16="http://schemas.microsoft.com/office/drawing/2014/main" id="{DE9FC05C-E79A-F5B5-327B-29607701820D}"/>
+              </a:ext>
+            </a:extLst>
+          </p:cNvPr>
+          <p:cNvSpPr>
+            <a:spLocks noGrp="1"/>
+          </p:cNvSpPr>
+          <p:nvPr>
+            <p:ph type="title"/>
+          </p:nvPr>
+        </p:nvSpPr>
+        <p:spPr>
+          <a:xfrm>
+            <a:off x="841248" y="548640"/>
+            <a:ext cx="3600860" cy="5431536"/>
+          </a:xfrm>
+        </p:spPr>
+        <p:txBody>
+          <a:bodyPr>
+            <a:normAutofit/>
+          </a:bodyPr>
+          <a:lstStyle/>
+          <a:p>
+            <a:pPr algn="ctr"/>
+            <a:r>
+              <a:rPr lang="en-US" b="1" dirty="0"/>
+              <a:t>Purpose of this Analysis</a:t>
+            </a:r>
+          </a:p>
+        </p:txBody>
+      </p:sp>
+      <p:sp>
+        <p:nvSpPr>
+          <p:cNvPr id="12" name="sketch line">
+            <a:extLst>
+              <a:ext uri="{FF2B5EF4-FFF2-40B4-BE49-F238E27FC236}">
+                <a16:creationId xmlns:a16="http://schemas.microsoft.com/office/drawing/2014/main" id="{5D6C15A0-C087-4593-8414-2B4EC1CDC3DE}"/>
+              </a:ext>
+              <a:ext uri="{C183D7F6-B498-43B3-948B-1728B52AA6E4}">
+                <adec:decorative xmlns:adec="http://schemas.microsoft.com/office/drawing/2017/decorative" val="1"/>
+              </a:ext>
+            </a:extLst>
+          </p:cNvPr>
+          <p:cNvSpPr>
+            <a:spLocks noGrp="1" noRot="1" noChangeAspect="1" noMove="1" noResize="1" noEditPoints="1" noAdjustHandles="1" noChangeArrowheads="1" noChangeShapeType="1" noTextEdit="1"/>
+          </p:cNvSpPr>
+          <p:nvPr>
+            <p:extLst>
+              <p:ext uri="{386F3935-93C4-4BCD-93E2-E3B085C9AB24}">
+                <p16:designElem xmlns:p16="http://schemas.microsoft.com/office/powerpoint/2015/main" val="1"/>
+              </p:ext>
+            </p:extLst>
+          </p:nvPr>
+        </p:nvSpPr>
+        <p:spPr>
+          <a:xfrm rot="5400000">
+            <a:off x="2543983" y="3258715"/>
+            <a:ext cx="4480560" cy="18288"/>
+          </a:xfrm>
+          <a:custGeom>
+            <a:avLst/>
+            <a:gdLst>
+              <a:gd name="csX0" fmla="*/ 0 w 4480560"/>
+              <a:gd name="csY0" fmla="*/ 0 h 18288"/>
+              <a:gd name="csX1" fmla="*/ 595274 w 4480560"/>
+              <a:gd name="csY1" fmla="*/ 0 h 18288"/>
+              <a:gd name="csX2" fmla="*/ 1100938 w 4480560"/>
+              <a:gd name="csY2" fmla="*/ 0 h 18288"/>
+              <a:gd name="csX3" fmla="*/ 1651406 w 4480560"/>
+              <a:gd name="csY3" fmla="*/ 0 h 18288"/>
+              <a:gd name="csX4" fmla="*/ 2336292 w 4480560"/>
+              <a:gd name="csY4" fmla="*/ 0 h 18288"/>
+              <a:gd name="csX5" fmla="*/ 2931566 w 4480560"/>
+              <a:gd name="csY5" fmla="*/ 0 h 18288"/>
+              <a:gd name="csX6" fmla="*/ 3482035 w 4480560"/>
+              <a:gd name="csY6" fmla="*/ 0 h 18288"/>
+              <a:gd name="csX7" fmla="*/ 4480560 w 4480560"/>
+              <a:gd name="csY7" fmla="*/ 0 h 18288"/>
+              <a:gd name="csX8" fmla="*/ 4480560 w 4480560"/>
+              <a:gd name="csY8" fmla="*/ 18288 h 18288"/>
+              <a:gd name="csX9" fmla="*/ 3840480 w 4480560"/>
+              <a:gd name="csY9" fmla="*/ 18288 h 18288"/>
+              <a:gd name="csX10" fmla="*/ 3290011 w 4480560"/>
+              <a:gd name="csY10" fmla="*/ 18288 h 18288"/>
+              <a:gd name="csX11" fmla="*/ 2560320 w 4480560"/>
+              <a:gd name="csY11" fmla="*/ 18288 h 18288"/>
+              <a:gd name="csX12" fmla="*/ 1965046 w 4480560"/>
+              <a:gd name="csY12" fmla="*/ 18288 h 18288"/>
+              <a:gd name="csX13" fmla="*/ 1459382 w 4480560"/>
+              <a:gd name="csY13" fmla="*/ 18288 h 18288"/>
+              <a:gd name="csX14" fmla="*/ 774497 w 4480560"/>
+              <a:gd name="csY14" fmla="*/ 18288 h 18288"/>
+              <a:gd name="csX15" fmla="*/ 0 w 4480560"/>
+              <a:gd name="csY15" fmla="*/ 18288 h 18288"/>
+              <a:gd name="csX16" fmla="*/ 0 w 4480560"/>
+              <a:gd name="csY16" fmla="*/ 0 h 18288"/>
+            </a:gdLst>
+            <a:ahLst/>
+            <a:cxnLst>
+              <a:cxn ang="0">
+                <a:pos x="csX0" y="csY0"/>
+              </a:cxn>
+              <a:cxn ang="0">
+                <a:pos x="csX1" y="csY1"/>
+              </a:cxn>
+              <a:cxn ang="0">
+                <a:pos x="csX2" y="csY2"/>
+              </a:cxn>
+              <a:cxn ang="0">
+                <a:pos x="csX3" y="csY3"/>
+              </a:cxn>
+              <a:cxn ang="0">
+                <a:pos x="csX4" y="csY4"/>
+              </a:cxn>
+              <a:cxn ang="0">
+                <a:pos x="csX5" y="csY5"/>
+              </a:cxn>
+              <a:cxn ang="0">
+                <a:pos x="csX6" y="csY6"/>
+              </a:cxn>
+              <a:cxn ang="0">
+                <a:pos x="csX7" y="csY7"/>
+              </a:cxn>
+              <a:cxn ang="0">
+                <a:pos x="csX8" y="csY8"/>
+              </a:cxn>
+              <a:cxn ang="0">
+                <a:pos x="csX9" y="csY9"/>
+              </a:cxn>
+              <a:cxn ang="0">
+                <a:pos x="csX10" y="csY10"/>
+              </a:cxn>
+              <a:cxn ang="0">
+                <a:pos x="csX11" y="csY11"/>
+              </a:cxn>
+              <a:cxn ang="0">
+                <a:pos x="csX12" y="csY12"/>
+              </a:cxn>
+              <a:cxn ang="0">
+                <a:pos x="csX13" y="csY13"/>
+              </a:cxn>
+              <a:cxn ang="0">
+                <a:pos x="csX14" y="csY14"/>
+              </a:cxn>
+              <a:cxn ang="0">
+                <a:pos x="csX15" y="csY15"/>
+              </a:cxn>
+              <a:cxn ang="0">
+                <a:pos x="csX16" y="csY16"/>
+              </a:cxn>
+            </a:cxnLst>
+            <a:rect l="l" t="t" r="r" b="b"/>
+            <a:pathLst>
+              <a:path w="4480560" h="18288" fill="none" extrusionOk="0">
+                <a:moveTo>
+                  <a:pt x="0" y="0"/>
+                </a:moveTo>
+                <a:cubicBezTo>
+                  <a:pt x="267821" y="8731"/>
+                  <a:pt x="334105" y="2629"/>
+                  <a:pt x="595274" y="0"/>
+                </a:cubicBezTo>
+                <a:cubicBezTo>
+                  <a:pt x="856443" y="-2629"/>
+                  <a:pt x="863808" y="-13353"/>
+                  <a:pt x="1100938" y="0"/>
+                </a:cubicBezTo>
+                <a:cubicBezTo>
+                  <a:pt x="1338068" y="13353"/>
+                  <a:pt x="1431663" y="-25862"/>
+                  <a:pt x="1651406" y="0"/>
+                </a:cubicBezTo>
+                <a:cubicBezTo>
+                  <a:pt x="1871149" y="25862"/>
+                  <a:pt x="2173163" y="23827"/>
+                  <a:pt x="2336292" y="0"/>
+                </a:cubicBezTo>
+                <a:cubicBezTo>
+                  <a:pt x="2499421" y="-23827"/>
+                  <a:pt x="2720589" y="28148"/>
+                  <a:pt x="2931566" y="0"/>
+                </a:cubicBezTo>
+                <a:cubicBezTo>
+                  <a:pt x="3142543" y="-28148"/>
+                  <a:pt x="3323630" y="27022"/>
+                  <a:pt x="3482035" y="0"/>
+                </a:cubicBezTo>
+                <a:cubicBezTo>
+                  <a:pt x="3640440" y="-27022"/>
+                  <a:pt x="4012110" y="-20118"/>
+                  <a:pt x="4480560" y="0"/>
+                </a:cubicBezTo>
+                <a:cubicBezTo>
+                  <a:pt x="4480958" y="7429"/>
+                  <a:pt x="4480540" y="10822"/>
+                  <a:pt x="4480560" y="18288"/>
+                </a:cubicBezTo>
+                <a:cubicBezTo>
+                  <a:pt x="4314132" y="14924"/>
+                  <a:pt x="4028383" y="36632"/>
+                  <a:pt x="3840480" y="18288"/>
+                </a:cubicBezTo>
+                <a:cubicBezTo>
+                  <a:pt x="3652577" y="-56"/>
+                  <a:pt x="3547615" y="2848"/>
+                  <a:pt x="3290011" y="18288"/>
+                </a:cubicBezTo>
+                <a:cubicBezTo>
+                  <a:pt x="3032407" y="33728"/>
+                  <a:pt x="2830268" y="8719"/>
+                  <a:pt x="2560320" y="18288"/>
+                </a:cubicBezTo>
+                <a:cubicBezTo>
+                  <a:pt x="2290372" y="27857"/>
+                  <a:pt x="2147422" y="6728"/>
+                  <a:pt x="1965046" y="18288"/>
+                </a:cubicBezTo>
+                <a:cubicBezTo>
+                  <a:pt x="1782670" y="29848"/>
+                  <a:pt x="1689791" y="40680"/>
+                  <a:pt x="1459382" y="18288"/>
+                </a:cubicBezTo>
+                <a:cubicBezTo>
+                  <a:pt x="1228973" y="-4104"/>
+                  <a:pt x="915486" y="36501"/>
+                  <a:pt x="774497" y="18288"/>
+                </a:cubicBezTo>
+                <a:cubicBezTo>
+                  <a:pt x="633508" y="75"/>
+                  <a:pt x="361442" y="-11107"/>
+                  <a:pt x="0" y="18288"/>
+                </a:cubicBezTo>
+                <a:cubicBezTo>
+                  <a:pt x="-591" y="13205"/>
+                  <a:pt x="-663" y="6329"/>
+                  <a:pt x="0" y="0"/>
+                </a:cubicBezTo>
+                <a:close/>
+              </a:path>
+              <a:path w="4480560" h="18288" stroke="0" extrusionOk="0">
+                <a:moveTo>
+                  <a:pt x="0" y="0"/>
+                </a:moveTo>
+                <a:cubicBezTo>
+                  <a:pt x="285465" y="225"/>
+                  <a:pt x="322691" y="16223"/>
+                  <a:pt x="595274" y="0"/>
+                </a:cubicBezTo>
+                <a:cubicBezTo>
+                  <a:pt x="867857" y="-16223"/>
+                  <a:pt x="989129" y="-11242"/>
+                  <a:pt x="1100938" y="0"/>
+                </a:cubicBezTo>
+                <a:cubicBezTo>
+                  <a:pt x="1212747" y="11242"/>
+                  <a:pt x="1574350" y="-36410"/>
+                  <a:pt x="1830629" y="0"/>
+                </a:cubicBezTo>
+                <a:cubicBezTo>
+                  <a:pt x="2086908" y="36410"/>
+                  <a:pt x="2180922" y="4645"/>
+                  <a:pt x="2425903" y="0"/>
+                </a:cubicBezTo>
+                <a:cubicBezTo>
+                  <a:pt x="2670884" y="-4645"/>
+                  <a:pt x="2782024" y="22929"/>
+                  <a:pt x="3021178" y="0"/>
+                </a:cubicBezTo>
+                <a:cubicBezTo>
+                  <a:pt x="3260332" y="-22929"/>
+                  <a:pt x="3456982" y="-1586"/>
+                  <a:pt x="3750869" y="0"/>
+                </a:cubicBezTo>
+                <a:cubicBezTo>
+                  <a:pt x="4044756" y="1586"/>
+                  <a:pt x="4302726" y="17043"/>
+                  <a:pt x="4480560" y="0"/>
+                </a:cubicBezTo>
+                <a:cubicBezTo>
+                  <a:pt x="4479674" y="5429"/>
+                  <a:pt x="4481381" y="14046"/>
+                  <a:pt x="4480560" y="18288"/>
+                </a:cubicBezTo>
+                <a:cubicBezTo>
+                  <a:pt x="4279652" y="-6850"/>
+                  <a:pt x="4200762" y="41566"/>
+                  <a:pt x="3930091" y="18288"/>
+                </a:cubicBezTo>
+                <a:cubicBezTo>
+                  <a:pt x="3659420" y="-4990"/>
+                  <a:pt x="3456052" y="22294"/>
+                  <a:pt x="3290011" y="18288"/>
+                </a:cubicBezTo>
+                <a:cubicBezTo>
+                  <a:pt x="3123970" y="14282"/>
+                  <a:pt x="2882392" y="32818"/>
+                  <a:pt x="2649931" y="18288"/>
+                </a:cubicBezTo>
+                <a:cubicBezTo>
+                  <a:pt x="2417470" y="3758"/>
+                  <a:pt x="2238426" y="7337"/>
+                  <a:pt x="2054657" y="18288"/>
+                </a:cubicBezTo>
+                <a:cubicBezTo>
+                  <a:pt x="1870888" y="29239"/>
+                  <a:pt x="1566368" y="45040"/>
+                  <a:pt x="1324966" y="18288"/>
+                </a:cubicBezTo>
+                <a:cubicBezTo>
+                  <a:pt x="1083564" y="-8464"/>
+                  <a:pt x="787410" y="10946"/>
+                  <a:pt x="595274" y="18288"/>
+                </a:cubicBezTo>
+                <a:cubicBezTo>
+                  <a:pt x="403138" y="25630"/>
+                  <a:pt x="169622" y="10499"/>
+                  <a:pt x="0" y="18288"/>
+                </a:cubicBezTo>
+                <a:cubicBezTo>
+                  <a:pt x="668" y="13665"/>
+                  <a:pt x="578" y="5675"/>
+                  <a:pt x="0" y="0"/>
+                </a:cubicBezTo>
+                <a:close/>
+              </a:path>
+            </a:pathLst>
+          </a:custGeom>
+          <a:solidFill>
+            <a:schemeClr val="accent2"/>
+          </a:solidFill>
+          <a:ln w="41275" cap="rnd">
+            <a:solidFill>
+              <a:schemeClr val="accent2"/>
+            </a:solidFill>
+            <a:round/>
+            <a:extLst>
+              <a:ext uri="{C807C97D-BFC1-408E-A445-0C87EB9F89A2}">
+                <ask:lineSketchStyleProps xmlns:ask="http://schemas.microsoft.com/office/drawing/2018/sketchyshapes" sd="1219033472">
+                  <a:prstGeom prst="rect">
+                    <a:avLst/>
+                  </a:prstGeom>
+                  <ask:type>
+                    <ask:lineSketchFreehand/>
+                  </ask:type>
+                </ask:lineSketchStyleProps>
+              </a:ext>
+            </a:extLst>
+          </a:ln>
+        </p:spPr>
+        <p:style>
+          <a:lnRef idx="2">
+            <a:schemeClr val="accent1">
+              <a:shade val="50000"/>
+            </a:schemeClr>
+          </a:lnRef>
+          <a:fillRef idx="1">
+            <a:schemeClr val="accent1"/>
+          </a:fillRef>
+          <a:effectRef idx="0">
+            <a:schemeClr val="accent1"/>
+          </a:effectRef>
+          <a:fontRef idx="minor">
+            <a:schemeClr val="lt1"/>
+          </a:fontRef>
+        </p:style>
+        <p:txBody>
+          <a:bodyPr rtlCol="0" anchor="ctr"/>
+          <a:lstStyle/>
+          <a:p>
+            <a:pPr algn="ctr"/>
+            <a:endParaRPr lang="en-US"/>
+          </a:p>
+        </p:txBody>
+      </p:sp>
+      <p:sp>
+        <p:nvSpPr>
+          <p:cNvPr id="4" name="TextBox 3">
+            <a:extLst>
+              <a:ext uri="{FF2B5EF4-FFF2-40B4-BE49-F238E27FC236}">
+                <a16:creationId xmlns:a16="http://schemas.microsoft.com/office/drawing/2014/main" id="{35E1C994-818C-0ACC-C41E-5E01DA946D82}"/>
+              </a:ext>
+            </a:extLst>
+          </p:cNvPr>
+          <p:cNvSpPr txBox="1"/>
+          <p:nvPr/>
+        </p:nvSpPr>
+        <p:spPr>
+          <a:xfrm>
+            <a:off x="5223031" y="2602688"/>
+            <a:ext cx="6403552" cy="1323439"/>
+          </a:xfrm>
+          <a:prstGeom prst="rect">
+            <a:avLst/>
+          </a:prstGeom>
+          <a:noFill/>
+        </p:spPr>
+        <p:txBody>
+          <a:bodyPr wrap="square" rtlCol="0">
+            <a:spAutoFit/>
+          </a:bodyPr>
+          <a:lstStyle/>
+          <a:p>
+            <a:r>
+              <a:rPr lang="en-US" sz="2000" dirty="0"/>
+              <a:t>To evaluate how pandemic-era market disruption reshaped housing affordability in Metro Nashville, and whether those impacts were experienced evenly across the metro geographic.</a:t>
+            </a:r>
+          </a:p>
+        </p:txBody>
+      </p:sp>
+    </p:spTree>
+    <p:extLst>
+      <p:ext uri="{BB962C8B-B14F-4D97-AF65-F5344CB8AC3E}">
+        <p14:creationId xmlns:p14="http://schemas.microsoft.com/office/powerpoint/2010/main" val="3484887589"/>
+      </p:ext>
+    </p:extLst>
+  </p:cSld>
+  <p:clrMapOvr>
+    <a:masterClrMapping/>
+  </p:clrMapOvr>
+</p:sld>
+</file>
+
+<file path=ppt/slides/slide3.xml><?xml version="1.0" encoding="utf-8"?>
+<p:sld xmlns:a="http://schemas.openxmlformats.org/drawingml/2006/main" xmlns:r="http://schemas.openxmlformats.org/officeDocument/2006/relationships" xmlns:p="http://schemas.openxmlformats.org/presentationml/2006/main">
+  <p:cSld>
+    <p:bg>
+      <p:bgPr>
+        <a:solidFill>
+          <a:schemeClr val="bg1"/>
+        </a:solidFill>
+        <a:effectLst/>
+      </p:bgPr>
+    </p:bg>
+    <p:spTree>
+      <p:nvGrpSpPr>
+        <p:cNvPr id="1" name="">
+          <a:extLst>
+            <a:ext uri="{FF2B5EF4-FFF2-40B4-BE49-F238E27FC236}">
+              <a16:creationId xmlns:a16="http://schemas.microsoft.com/office/drawing/2014/main" id="{CEF011FB-0361-81F1-A411-48E3B66109D6}"/>
+            </a:ext>
+          </a:extLst>
+        </p:cNvPr>
+        <p:cNvGrpSpPr/>
+        <p:nvPr/>
+      </p:nvGrpSpPr>
+      <p:grpSpPr>
+        <a:xfrm>
+          <a:off x="0" y="0"/>
+          <a:ext cx="0" cy="0"/>
+          <a:chOff x="0" y="0"/>
+          <a:chExt cx="0" cy="0"/>
+        </a:xfrm>
+      </p:grpSpPr>
+      <p:sp useBgFill="1">
+        <p:nvSpPr>
+          <p:cNvPr id="11" name="Rectangle 10">
+            <a:extLst>
+              <a:ext uri="{FF2B5EF4-FFF2-40B4-BE49-F238E27FC236}">
+                <a16:creationId xmlns:a16="http://schemas.microsoft.com/office/drawing/2014/main" id="{BAD2D996-43B4-913B-F7DD-59EA7C708411}"/>
+              </a:ext>
+              <a:ext uri="{C183D7F6-B498-43B3-948B-1728B52AA6E4}">
+                <adec:decorative xmlns:adec="http://schemas.microsoft.com/office/drawing/2017/decorative" val="1"/>
+              </a:ext>
+            </a:extLst>
+          </p:cNvPr>
+          <p:cNvSpPr>
+            <a:spLocks noGrp="1" noRot="1" noChangeAspect="1" noMove="1" noResize="1" noEditPoints="1" noAdjustHandles="1" noChangeArrowheads="1" noChangeShapeType="1" noTextEdit="1"/>
+          </p:cNvSpPr>
+          <p:nvPr>
+            <p:extLst>
+              <p:ext uri="{386F3935-93C4-4BCD-93E2-E3B085C9AB24}">
+                <p16:designElem xmlns:p16="http://schemas.microsoft.com/office/powerpoint/2015/main" val="1"/>
+              </p:ext>
+            </p:extLst>
+          </p:nvPr>
+        </p:nvSpPr>
+        <p:spPr>
+          <a:xfrm>
+            <a:off x="0" y="0"/>
+            <a:ext cx="12188952" cy="6858000"/>
+          </a:xfrm>
+          <a:prstGeom prst="rect">
+            <a:avLst/>
+          </a:prstGeom>
+          <a:ln>
+            <a:noFill/>
+          </a:ln>
+        </p:spPr>
+        <p:style>
+          <a:lnRef idx="2">
+            <a:schemeClr val="accent1">
+              <a:shade val="50000"/>
+            </a:schemeClr>
+          </a:lnRef>
+          <a:fillRef idx="1">
+            <a:schemeClr val="accent1"/>
+          </a:fillRef>
+          <a:effectRef idx="0">
+            <a:schemeClr val="accent1"/>
+          </a:effectRef>
+          <a:fontRef idx="minor">
+            <a:schemeClr val="lt1"/>
+          </a:fontRef>
+        </p:style>
+        <p:txBody>
+          <a:bodyPr rtlCol="0" anchor="ctr"/>
+          <a:lstStyle/>
+          <a:p>
             <a:pPr marL="0" marR="0" lvl="0" indent="0" algn="ctr" defTabSz="914400" rtl="0" eaLnBrk="1" fontAlgn="auto" latinLnBrk="0" hangingPunct="1">
               <a:lnSpc>
                 <a:spcPct val="100000"/>
@@ -10176,7 +11126,681 @@
           <p:cNvPr id="2" name="Title 1">
             <a:extLst>
               <a:ext uri="{FF2B5EF4-FFF2-40B4-BE49-F238E27FC236}">
-                <a16:creationId xmlns:a16="http://schemas.microsoft.com/office/drawing/2014/main" id="{AFB1300D-AC32-6A7E-3302-C38583BC0E9A}"/>
+                <a16:creationId xmlns:a16="http://schemas.microsoft.com/office/drawing/2014/main" id="{C9B228D7-8329-3F75-828E-FC46FA1AD6D9}"/>
+              </a:ext>
+            </a:extLst>
+          </p:cNvPr>
+          <p:cNvSpPr>
+            <a:spLocks noGrp="1"/>
+          </p:cNvSpPr>
+          <p:nvPr>
+            <p:ph type="title"/>
+          </p:nvPr>
+        </p:nvSpPr>
+        <p:spPr>
+          <a:xfrm>
+            <a:off x="841248" y="548640"/>
+            <a:ext cx="3600860" cy="5431536"/>
+          </a:xfrm>
+        </p:spPr>
+        <p:txBody>
+          <a:bodyPr>
+            <a:normAutofit/>
+          </a:bodyPr>
+          <a:lstStyle/>
+          <a:p>
+            <a:pPr algn="ctr"/>
+            <a:r>
+              <a:rPr lang="en-US" b="1" dirty="0"/>
+              <a:t>Research Questions</a:t>
+            </a:r>
+          </a:p>
+        </p:txBody>
+      </p:sp>
+      <p:sp>
+        <p:nvSpPr>
+          <p:cNvPr id="12" name="sketch line">
+            <a:extLst>
+              <a:ext uri="{FF2B5EF4-FFF2-40B4-BE49-F238E27FC236}">
+                <a16:creationId xmlns:a16="http://schemas.microsoft.com/office/drawing/2014/main" id="{836549C7-EDAA-8C20-68F5-F3CDC5C146F9}"/>
+              </a:ext>
+              <a:ext uri="{C183D7F6-B498-43B3-948B-1728B52AA6E4}">
+                <adec:decorative xmlns:adec="http://schemas.microsoft.com/office/drawing/2017/decorative" val="1"/>
+              </a:ext>
+            </a:extLst>
+          </p:cNvPr>
+          <p:cNvSpPr>
+            <a:spLocks noGrp="1" noRot="1" noChangeAspect="1" noMove="1" noResize="1" noEditPoints="1" noAdjustHandles="1" noChangeArrowheads="1" noChangeShapeType="1" noTextEdit="1"/>
+          </p:cNvSpPr>
+          <p:nvPr>
+            <p:extLst>
+              <p:ext uri="{386F3935-93C4-4BCD-93E2-E3B085C9AB24}">
+                <p16:designElem xmlns:p16="http://schemas.microsoft.com/office/powerpoint/2015/main" val="1"/>
+              </p:ext>
+            </p:extLst>
+          </p:nvPr>
+        </p:nvSpPr>
+        <p:spPr>
+          <a:xfrm rot="5400000">
+            <a:off x="2543983" y="3258715"/>
+            <a:ext cx="4480560" cy="18288"/>
+          </a:xfrm>
+          <a:custGeom>
+            <a:avLst/>
+            <a:gdLst>
+              <a:gd name="csX0" fmla="*/ 0 w 4480560"/>
+              <a:gd name="csY0" fmla="*/ 0 h 18288"/>
+              <a:gd name="csX1" fmla="*/ 595274 w 4480560"/>
+              <a:gd name="csY1" fmla="*/ 0 h 18288"/>
+              <a:gd name="csX2" fmla="*/ 1100938 w 4480560"/>
+              <a:gd name="csY2" fmla="*/ 0 h 18288"/>
+              <a:gd name="csX3" fmla="*/ 1651406 w 4480560"/>
+              <a:gd name="csY3" fmla="*/ 0 h 18288"/>
+              <a:gd name="csX4" fmla="*/ 2336292 w 4480560"/>
+              <a:gd name="csY4" fmla="*/ 0 h 18288"/>
+              <a:gd name="csX5" fmla="*/ 2931566 w 4480560"/>
+              <a:gd name="csY5" fmla="*/ 0 h 18288"/>
+              <a:gd name="csX6" fmla="*/ 3482035 w 4480560"/>
+              <a:gd name="csY6" fmla="*/ 0 h 18288"/>
+              <a:gd name="csX7" fmla="*/ 4480560 w 4480560"/>
+              <a:gd name="csY7" fmla="*/ 0 h 18288"/>
+              <a:gd name="csX8" fmla="*/ 4480560 w 4480560"/>
+              <a:gd name="csY8" fmla="*/ 18288 h 18288"/>
+              <a:gd name="csX9" fmla="*/ 3840480 w 4480560"/>
+              <a:gd name="csY9" fmla="*/ 18288 h 18288"/>
+              <a:gd name="csX10" fmla="*/ 3290011 w 4480560"/>
+              <a:gd name="csY10" fmla="*/ 18288 h 18288"/>
+              <a:gd name="csX11" fmla="*/ 2560320 w 4480560"/>
+              <a:gd name="csY11" fmla="*/ 18288 h 18288"/>
+              <a:gd name="csX12" fmla="*/ 1965046 w 4480560"/>
+              <a:gd name="csY12" fmla="*/ 18288 h 18288"/>
+              <a:gd name="csX13" fmla="*/ 1459382 w 4480560"/>
+              <a:gd name="csY13" fmla="*/ 18288 h 18288"/>
+              <a:gd name="csX14" fmla="*/ 774497 w 4480560"/>
+              <a:gd name="csY14" fmla="*/ 18288 h 18288"/>
+              <a:gd name="csX15" fmla="*/ 0 w 4480560"/>
+              <a:gd name="csY15" fmla="*/ 18288 h 18288"/>
+              <a:gd name="csX16" fmla="*/ 0 w 4480560"/>
+              <a:gd name="csY16" fmla="*/ 0 h 18288"/>
+            </a:gdLst>
+            <a:ahLst/>
+            <a:cxnLst>
+              <a:cxn ang="0">
+                <a:pos x="csX0" y="csY0"/>
+              </a:cxn>
+              <a:cxn ang="0">
+                <a:pos x="csX1" y="csY1"/>
+              </a:cxn>
+              <a:cxn ang="0">
+                <a:pos x="csX2" y="csY2"/>
+              </a:cxn>
+              <a:cxn ang="0">
+                <a:pos x="csX3" y="csY3"/>
+              </a:cxn>
+              <a:cxn ang="0">
+                <a:pos x="csX4" y="csY4"/>
+              </a:cxn>
+              <a:cxn ang="0">
+                <a:pos x="csX5" y="csY5"/>
+              </a:cxn>
+              <a:cxn ang="0">
+                <a:pos x="csX6" y="csY6"/>
+              </a:cxn>
+              <a:cxn ang="0">
+                <a:pos x="csX7" y="csY7"/>
+              </a:cxn>
+              <a:cxn ang="0">
+                <a:pos x="csX8" y="csY8"/>
+              </a:cxn>
+              <a:cxn ang="0">
+                <a:pos x="csX9" y="csY9"/>
+              </a:cxn>
+              <a:cxn ang="0">
+                <a:pos x="csX10" y="csY10"/>
+              </a:cxn>
+              <a:cxn ang="0">
+                <a:pos x="csX11" y="csY11"/>
+              </a:cxn>
+              <a:cxn ang="0">
+                <a:pos x="csX12" y="csY12"/>
+              </a:cxn>
+              <a:cxn ang="0">
+                <a:pos x="csX13" y="csY13"/>
+              </a:cxn>
+              <a:cxn ang="0">
+                <a:pos x="csX14" y="csY14"/>
+              </a:cxn>
+              <a:cxn ang="0">
+                <a:pos x="csX15" y="csY15"/>
+              </a:cxn>
+              <a:cxn ang="0">
+                <a:pos x="csX16" y="csY16"/>
+              </a:cxn>
+            </a:cxnLst>
+            <a:rect l="l" t="t" r="r" b="b"/>
+            <a:pathLst>
+              <a:path w="4480560" h="18288" fill="none" extrusionOk="0">
+                <a:moveTo>
+                  <a:pt x="0" y="0"/>
+                </a:moveTo>
+                <a:cubicBezTo>
+                  <a:pt x="267821" y="8731"/>
+                  <a:pt x="334105" y="2629"/>
+                  <a:pt x="595274" y="0"/>
+                </a:cubicBezTo>
+                <a:cubicBezTo>
+                  <a:pt x="856443" y="-2629"/>
+                  <a:pt x="863808" y="-13353"/>
+                  <a:pt x="1100938" y="0"/>
+                </a:cubicBezTo>
+                <a:cubicBezTo>
+                  <a:pt x="1338068" y="13353"/>
+                  <a:pt x="1431663" y="-25862"/>
+                  <a:pt x="1651406" y="0"/>
+                </a:cubicBezTo>
+                <a:cubicBezTo>
+                  <a:pt x="1871149" y="25862"/>
+                  <a:pt x="2173163" y="23827"/>
+                  <a:pt x="2336292" y="0"/>
+                </a:cubicBezTo>
+                <a:cubicBezTo>
+                  <a:pt x="2499421" y="-23827"/>
+                  <a:pt x="2720589" y="28148"/>
+                  <a:pt x="2931566" y="0"/>
+                </a:cubicBezTo>
+                <a:cubicBezTo>
+                  <a:pt x="3142543" y="-28148"/>
+                  <a:pt x="3323630" y="27022"/>
+                  <a:pt x="3482035" y="0"/>
+                </a:cubicBezTo>
+                <a:cubicBezTo>
+                  <a:pt x="3640440" y="-27022"/>
+                  <a:pt x="4012110" y="-20118"/>
+                  <a:pt x="4480560" y="0"/>
+                </a:cubicBezTo>
+                <a:cubicBezTo>
+                  <a:pt x="4480958" y="7429"/>
+                  <a:pt x="4480540" y="10822"/>
+                  <a:pt x="4480560" y="18288"/>
+                </a:cubicBezTo>
+                <a:cubicBezTo>
+                  <a:pt x="4314132" y="14924"/>
+                  <a:pt x="4028383" y="36632"/>
+                  <a:pt x="3840480" y="18288"/>
+                </a:cubicBezTo>
+                <a:cubicBezTo>
+                  <a:pt x="3652577" y="-56"/>
+                  <a:pt x="3547615" y="2848"/>
+                  <a:pt x="3290011" y="18288"/>
+                </a:cubicBezTo>
+                <a:cubicBezTo>
+                  <a:pt x="3032407" y="33728"/>
+                  <a:pt x="2830268" y="8719"/>
+                  <a:pt x="2560320" y="18288"/>
+                </a:cubicBezTo>
+                <a:cubicBezTo>
+                  <a:pt x="2290372" y="27857"/>
+                  <a:pt x="2147422" y="6728"/>
+                  <a:pt x="1965046" y="18288"/>
+                </a:cubicBezTo>
+                <a:cubicBezTo>
+                  <a:pt x="1782670" y="29848"/>
+                  <a:pt x="1689791" y="40680"/>
+                  <a:pt x="1459382" y="18288"/>
+                </a:cubicBezTo>
+                <a:cubicBezTo>
+                  <a:pt x="1228973" y="-4104"/>
+                  <a:pt x="915486" y="36501"/>
+                  <a:pt x="774497" y="18288"/>
+                </a:cubicBezTo>
+                <a:cubicBezTo>
+                  <a:pt x="633508" y="75"/>
+                  <a:pt x="361442" y="-11107"/>
+                  <a:pt x="0" y="18288"/>
+                </a:cubicBezTo>
+                <a:cubicBezTo>
+                  <a:pt x="-591" y="13205"/>
+                  <a:pt x="-663" y="6329"/>
+                  <a:pt x="0" y="0"/>
+                </a:cubicBezTo>
+                <a:close/>
+              </a:path>
+              <a:path w="4480560" h="18288" stroke="0" extrusionOk="0">
+                <a:moveTo>
+                  <a:pt x="0" y="0"/>
+                </a:moveTo>
+                <a:cubicBezTo>
+                  <a:pt x="285465" y="225"/>
+                  <a:pt x="322691" y="16223"/>
+                  <a:pt x="595274" y="0"/>
+                </a:cubicBezTo>
+                <a:cubicBezTo>
+                  <a:pt x="867857" y="-16223"/>
+                  <a:pt x="989129" y="-11242"/>
+                  <a:pt x="1100938" y="0"/>
+                </a:cubicBezTo>
+                <a:cubicBezTo>
+                  <a:pt x="1212747" y="11242"/>
+                  <a:pt x="1574350" y="-36410"/>
+                  <a:pt x="1830629" y="0"/>
+                </a:cubicBezTo>
+                <a:cubicBezTo>
+                  <a:pt x="2086908" y="36410"/>
+                  <a:pt x="2180922" y="4645"/>
+                  <a:pt x="2425903" y="0"/>
+                </a:cubicBezTo>
+                <a:cubicBezTo>
+                  <a:pt x="2670884" y="-4645"/>
+                  <a:pt x="2782024" y="22929"/>
+                  <a:pt x="3021178" y="0"/>
+                </a:cubicBezTo>
+                <a:cubicBezTo>
+                  <a:pt x="3260332" y="-22929"/>
+                  <a:pt x="3456982" y="-1586"/>
+                  <a:pt x="3750869" y="0"/>
+                </a:cubicBezTo>
+                <a:cubicBezTo>
+                  <a:pt x="4044756" y="1586"/>
+                  <a:pt x="4302726" y="17043"/>
+                  <a:pt x="4480560" y="0"/>
+                </a:cubicBezTo>
+                <a:cubicBezTo>
+                  <a:pt x="4479674" y="5429"/>
+                  <a:pt x="4481381" y="14046"/>
+                  <a:pt x="4480560" y="18288"/>
+                </a:cubicBezTo>
+                <a:cubicBezTo>
+                  <a:pt x="4279652" y="-6850"/>
+                  <a:pt x="4200762" y="41566"/>
+                  <a:pt x="3930091" y="18288"/>
+                </a:cubicBezTo>
+                <a:cubicBezTo>
+                  <a:pt x="3659420" y="-4990"/>
+                  <a:pt x="3456052" y="22294"/>
+                  <a:pt x="3290011" y="18288"/>
+                </a:cubicBezTo>
+                <a:cubicBezTo>
+                  <a:pt x="3123970" y="14282"/>
+                  <a:pt x="2882392" y="32818"/>
+                  <a:pt x="2649931" y="18288"/>
+                </a:cubicBezTo>
+                <a:cubicBezTo>
+                  <a:pt x="2417470" y="3758"/>
+                  <a:pt x="2238426" y="7337"/>
+                  <a:pt x="2054657" y="18288"/>
+                </a:cubicBezTo>
+                <a:cubicBezTo>
+                  <a:pt x="1870888" y="29239"/>
+                  <a:pt x="1566368" y="45040"/>
+                  <a:pt x="1324966" y="18288"/>
+                </a:cubicBezTo>
+                <a:cubicBezTo>
+                  <a:pt x="1083564" y="-8464"/>
+                  <a:pt x="787410" y="10946"/>
+                  <a:pt x="595274" y="18288"/>
+                </a:cubicBezTo>
+                <a:cubicBezTo>
+                  <a:pt x="403138" y="25630"/>
+                  <a:pt x="169622" y="10499"/>
+                  <a:pt x="0" y="18288"/>
+                </a:cubicBezTo>
+                <a:cubicBezTo>
+                  <a:pt x="668" y="13665"/>
+                  <a:pt x="578" y="5675"/>
+                  <a:pt x="0" y="0"/>
+                </a:cubicBezTo>
+                <a:close/>
+              </a:path>
+            </a:pathLst>
+          </a:custGeom>
+          <a:solidFill>
+            <a:schemeClr val="accent2"/>
+          </a:solidFill>
+          <a:ln w="41275" cap="rnd">
+            <a:solidFill>
+              <a:schemeClr val="accent2"/>
+            </a:solidFill>
+            <a:round/>
+            <a:extLst>
+              <a:ext uri="{C807C97D-BFC1-408E-A445-0C87EB9F89A2}">
+                <ask:lineSketchStyleProps xmlns:ask="http://schemas.microsoft.com/office/drawing/2018/sketchyshapes" sd="1219033472">
+                  <a:prstGeom prst="rect">
+                    <a:avLst/>
+                  </a:prstGeom>
+                  <ask:type>
+                    <ask:lineSketchFreehand/>
+                  </ask:type>
+                </ask:lineSketchStyleProps>
+              </a:ext>
+            </a:extLst>
+          </a:ln>
+        </p:spPr>
+        <p:style>
+          <a:lnRef idx="2">
+            <a:schemeClr val="accent1">
+              <a:shade val="50000"/>
+            </a:schemeClr>
+          </a:lnRef>
+          <a:fillRef idx="1">
+            <a:schemeClr val="accent1"/>
+          </a:fillRef>
+          <a:effectRef idx="0">
+            <a:schemeClr val="accent1"/>
+          </a:effectRef>
+          <a:fontRef idx="minor">
+            <a:schemeClr val="lt1"/>
+          </a:fontRef>
+        </p:style>
+        <p:txBody>
+          <a:bodyPr rtlCol="0" anchor="ctr"/>
+          <a:lstStyle/>
+          <a:p>
+            <a:pPr marL="0" marR="0" lvl="0" indent="0" algn="ctr" defTabSz="914400" rtl="0" eaLnBrk="1" fontAlgn="auto" latinLnBrk="0" hangingPunct="1">
+              <a:lnSpc>
+                <a:spcPct val="100000"/>
+              </a:lnSpc>
+              <a:spcBef>
+                <a:spcPts val="0"/>
+              </a:spcBef>
+              <a:spcAft>
+                <a:spcPts val="0"/>
+              </a:spcAft>
+              <a:buClrTx/>
+              <a:buSzTx/>
+              <a:buFontTx/>
+              <a:buNone/>
+              <a:tabLst/>
+              <a:defRPr/>
+            </a:pPr>
+            <a:endParaRPr kumimoji="0" lang="en-US" sz="1800" b="0" i="0" u="none" strike="noStrike" kern="1200" cap="none" spc="0" normalizeH="0" baseline="0" noProof="0">
+              <a:ln>
+                <a:noFill/>
+              </a:ln>
+              <a:solidFill>
+                <a:prstClr val="white"/>
+              </a:solidFill>
+              <a:effectLst/>
+              <a:uLnTx/>
+              <a:uFillTx/>
+              <a:latin typeface="Aptos" panose="02110004020202020204"/>
+              <a:ea typeface="+mn-ea"/>
+              <a:cs typeface="+mn-cs"/>
+            </a:endParaRPr>
+          </a:p>
+        </p:txBody>
+      </p:sp>
+      <p:sp>
+        <p:nvSpPr>
+          <p:cNvPr id="3" name="Content Placeholder 2">
+            <a:extLst>
+              <a:ext uri="{FF2B5EF4-FFF2-40B4-BE49-F238E27FC236}">
+                <a16:creationId xmlns:a16="http://schemas.microsoft.com/office/drawing/2014/main" id="{45E13C00-C4B2-AC65-DFCC-5BF7B4C0D768}"/>
+              </a:ext>
+            </a:extLst>
+          </p:cNvPr>
+          <p:cNvSpPr>
+            <a:spLocks noGrp="1"/>
+          </p:cNvSpPr>
+          <p:nvPr>
+            <p:ph idx="1"/>
+          </p:nvPr>
+        </p:nvSpPr>
+        <p:spPr>
+          <a:xfrm>
+            <a:off x="5126418" y="552091"/>
+            <a:ext cx="6224335" cy="5431536"/>
+          </a:xfrm>
+        </p:spPr>
+        <p:txBody>
+          <a:bodyPr anchor="ctr">
+            <a:normAutofit/>
+          </a:bodyPr>
+          <a:lstStyle/>
+          <a:p>
+            <a:endParaRPr lang="en-US" sz="1900" dirty="0"/>
+          </a:p>
+          <a:p>
+            <a:pPr marL="0" indent="0">
+              <a:buNone/>
+            </a:pPr>
+            <a:endParaRPr lang="en-US" sz="1900" dirty="0">
+              <a:latin typeface="Calibri" panose="020F0502020204030204" pitchFamily="34" charset="0"/>
+              <a:ea typeface="Calibri" panose="020F0502020204030204" pitchFamily="34" charset="0"/>
+            </a:endParaRPr>
+          </a:p>
+          <a:p>
+            <a:endParaRPr lang="en-US" sz="1900" dirty="0"/>
+          </a:p>
+        </p:txBody>
+      </p:sp>
+      <p:sp>
+        <p:nvSpPr>
+          <p:cNvPr id="4" name="TextBox 3">
+            <a:extLst>
+              <a:ext uri="{FF2B5EF4-FFF2-40B4-BE49-F238E27FC236}">
+                <a16:creationId xmlns:a16="http://schemas.microsoft.com/office/drawing/2014/main" id="{337C5CAA-78BD-6151-0CC5-8CA452F48391}"/>
+              </a:ext>
+            </a:extLst>
+          </p:cNvPr>
+          <p:cNvSpPr txBox="1"/>
+          <p:nvPr/>
+        </p:nvSpPr>
+        <p:spPr>
+          <a:xfrm>
+            <a:off x="5354759" y="962152"/>
+            <a:ext cx="6149788" cy="5078313"/>
+          </a:xfrm>
+          <a:prstGeom prst="rect">
+            <a:avLst/>
+          </a:prstGeom>
+          <a:noFill/>
+        </p:spPr>
+        <p:txBody>
+          <a:bodyPr wrap="square" rtlCol="0">
+            <a:spAutoFit/>
+          </a:bodyPr>
+          <a:lstStyle/>
+          <a:p>
+            <a:pPr marL="342900" indent="-342900">
+              <a:buAutoNum type="arabicPeriod"/>
+            </a:pPr>
+            <a:r>
+              <a:rPr lang="en-US" dirty="0"/>
+              <a:t>How did median home sale prices in Metro Nashville change between 2020 and 2023, and did household income growth keep pace with these changes?</a:t>
+            </a:r>
+          </a:p>
+          <a:p>
+            <a:pPr marL="342900" indent="-342900">
+              <a:buFont typeface="+mj-lt"/>
+              <a:buAutoNum type="arabicPeriod"/>
+            </a:pPr>
+            <a:endParaRPr lang="en-US" dirty="0"/>
+          </a:p>
+          <a:p>
+            <a:pPr marL="342900" indent="-342900">
+              <a:buFontTx/>
+              <a:buAutoNum type="arabicPeriod"/>
+            </a:pPr>
+            <a:r>
+              <a:rPr lang="en-US" dirty="0"/>
+              <a:t>How did housing supply conditions measured by inventory levels and homes sold change between 2020 and 2023, and how did these trends relate to rising home prices in Metro Nashville?</a:t>
+            </a:r>
+          </a:p>
+          <a:p>
+            <a:pPr marL="342900" indent="-342900">
+              <a:buFont typeface="+mj-lt"/>
+              <a:buAutoNum type="arabicPeriod"/>
+            </a:pPr>
+            <a:endParaRPr lang="en-US" dirty="0"/>
+          </a:p>
+          <a:p>
+            <a:pPr marL="342900" indent="-342900">
+              <a:buFontTx/>
+              <a:buAutoNum type="arabicPeriod"/>
+            </a:pPr>
+            <a:r>
+              <a:rPr lang="en-US" dirty="0"/>
+              <a:t>How did changes in 30-year fixed mortgage interest rates between 2020 and 2023 affect homeownership affordability for a median-income household in Metro Nashville?</a:t>
+            </a:r>
+          </a:p>
+          <a:p>
+            <a:pPr marL="342900" indent="-342900">
+              <a:buFont typeface="+mj-lt"/>
+              <a:buAutoNum type="arabicPeriod"/>
+            </a:pPr>
+            <a:endParaRPr lang="en-US" dirty="0"/>
+          </a:p>
+          <a:p>
+            <a:pPr marL="342900" indent="-342900">
+              <a:buFontTx/>
+              <a:buAutoNum type="arabicPeriod"/>
+            </a:pPr>
+            <a:r>
+              <a:rPr lang="en-US" dirty="0"/>
+              <a:t>Were changes in housing affordability evenly distributed across Metro Nashville, or did certain ZIP codes experience more rapid changes in affordability pressure between 2020 and 2023?</a:t>
+            </a:r>
+          </a:p>
+        </p:txBody>
+      </p:sp>
+    </p:spTree>
+    <p:extLst>
+      <p:ext uri="{BB962C8B-B14F-4D97-AF65-F5344CB8AC3E}">
+        <p14:creationId xmlns:p14="http://schemas.microsoft.com/office/powerpoint/2010/main" val="4045112871"/>
+      </p:ext>
+    </p:extLst>
+  </p:cSld>
+  <p:clrMapOvr>
+    <a:masterClrMapping/>
+  </p:clrMapOvr>
+</p:sld>
+</file>
+
+<file path=ppt/slides/slide4.xml><?xml version="1.0" encoding="utf-8"?>
+<p:sld xmlns:a="http://schemas.openxmlformats.org/drawingml/2006/main" xmlns:r="http://schemas.openxmlformats.org/officeDocument/2006/relationships" xmlns:p="http://schemas.openxmlformats.org/presentationml/2006/main">
+  <p:cSld>
+    <p:bg>
+      <p:bgPr>
+        <a:solidFill>
+          <a:schemeClr val="bg1"/>
+        </a:solidFill>
+        <a:effectLst/>
+      </p:bgPr>
+    </p:bg>
+    <p:spTree>
+      <p:nvGrpSpPr>
+        <p:cNvPr id="1" name="">
+          <a:extLst>
+            <a:ext uri="{FF2B5EF4-FFF2-40B4-BE49-F238E27FC236}">
+              <a16:creationId xmlns:a16="http://schemas.microsoft.com/office/drawing/2014/main" id="{56F808D7-A765-76F0-9157-9650D33648AF}"/>
+            </a:ext>
+          </a:extLst>
+        </p:cNvPr>
+        <p:cNvGrpSpPr/>
+        <p:nvPr/>
+      </p:nvGrpSpPr>
+      <p:grpSpPr>
+        <a:xfrm>
+          <a:off x="0" y="0"/>
+          <a:ext cx="0" cy="0"/>
+          <a:chOff x="0" y="0"/>
+          <a:chExt cx="0" cy="0"/>
+        </a:xfrm>
+      </p:grpSpPr>
+      <p:sp useBgFill="1">
+        <p:nvSpPr>
+          <p:cNvPr id="17" name="Rectangle 16">
+            <a:extLst>
+              <a:ext uri="{FF2B5EF4-FFF2-40B4-BE49-F238E27FC236}">
+                <a16:creationId xmlns:a16="http://schemas.microsoft.com/office/drawing/2014/main" id="{734538BD-5182-757D-AA03-7FE43366C464}"/>
+              </a:ext>
+              <a:ext uri="{C183D7F6-B498-43B3-948B-1728B52AA6E4}">
+                <adec:decorative xmlns:adec="http://schemas.microsoft.com/office/drawing/2017/decorative" val="1"/>
+              </a:ext>
+            </a:extLst>
+          </p:cNvPr>
+          <p:cNvSpPr>
+            <a:spLocks noGrp="1" noRot="1" noChangeAspect="1" noMove="1" noResize="1" noEditPoints="1" noAdjustHandles="1" noChangeArrowheads="1" noChangeShapeType="1" noTextEdit="1"/>
+          </p:cNvSpPr>
+          <p:nvPr>
+            <p:extLst>
+              <p:ext uri="{386F3935-93C4-4BCD-93E2-E3B085C9AB24}">
+                <p16:designElem xmlns:p16="http://schemas.microsoft.com/office/powerpoint/2015/main" val="1"/>
+              </p:ext>
+            </p:extLst>
+          </p:nvPr>
+        </p:nvSpPr>
+        <p:spPr>
+          <a:xfrm>
+            <a:off x="0" y="0"/>
+            <a:ext cx="12188952" cy="6858000"/>
+          </a:xfrm>
+          <a:prstGeom prst="rect">
+            <a:avLst/>
+          </a:prstGeom>
+          <a:ln>
+            <a:noFill/>
+          </a:ln>
+        </p:spPr>
+        <p:style>
+          <a:lnRef idx="2">
+            <a:schemeClr val="accent1">
+              <a:shade val="50000"/>
+            </a:schemeClr>
+          </a:lnRef>
+          <a:fillRef idx="1">
+            <a:schemeClr val="accent1"/>
+          </a:fillRef>
+          <a:effectRef idx="0">
+            <a:schemeClr val="accent1"/>
+          </a:effectRef>
+          <a:fontRef idx="minor">
+            <a:schemeClr val="lt1"/>
+          </a:fontRef>
+        </p:style>
+        <p:txBody>
+          <a:bodyPr rtlCol="0" anchor="ctr"/>
+          <a:lstStyle/>
+          <a:p>
+            <a:pPr marL="0" marR="0" lvl="0" indent="0" algn="ctr" defTabSz="914400" rtl="0" eaLnBrk="1" fontAlgn="auto" latinLnBrk="0" hangingPunct="1">
+              <a:lnSpc>
+                <a:spcPct val="100000"/>
+              </a:lnSpc>
+              <a:spcBef>
+                <a:spcPts val="0"/>
+              </a:spcBef>
+              <a:spcAft>
+                <a:spcPts val="0"/>
+              </a:spcAft>
+              <a:buClrTx/>
+              <a:buSzTx/>
+              <a:buFontTx/>
+              <a:buNone/>
+              <a:tabLst/>
+              <a:defRPr/>
+            </a:pPr>
+            <a:endParaRPr kumimoji="0" lang="en-US" sz="1800" b="0" i="0" u="none" strike="noStrike" kern="1200" cap="none" spc="0" normalizeH="0" baseline="0" noProof="0">
+              <a:ln>
+                <a:noFill/>
+              </a:ln>
+              <a:solidFill>
+                <a:prstClr val="white"/>
+              </a:solidFill>
+              <a:effectLst/>
+              <a:uLnTx/>
+              <a:uFillTx/>
+              <a:latin typeface="Aptos" panose="02110004020202020204"/>
+              <a:ea typeface="+mn-ea"/>
+              <a:cs typeface="+mn-cs"/>
+            </a:endParaRPr>
+          </a:p>
+        </p:txBody>
+      </p:sp>
+      <p:sp>
+        <p:nvSpPr>
+          <p:cNvPr id="2" name="Title 1">
+            <a:extLst>
+              <a:ext uri="{FF2B5EF4-FFF2-40B4-BE49-F238E27FC236}">
+                <a16:creationId xmlns:a16="http://schemas.microsoft.com/office/drawing/2014/main" id="{0D3BA9AF-2BD7-97AC-F960-51216C2F9482}"/>
               </a:ext>
             </a:extLst>
           </p:cNvPr>
@@ -10200,8 +11824,8 @@
           <a:lstStyle/>
           <a:p>
             <a:r>
-              <a:rPr lang="en-US" sz="5000" dirty="0"/>
-              <a:t>Nashville Housing Market Metrix's </a:t>
+              <a:rPr lang="en-US" b="1" dirty="0"/>
+              <a:t>About the data</a:t>
             </a:r>
           </a:p>
         </p:txBody>
@@ -10211,7 +11835,7 @@
           <p:cNvPr id="19" name="sketch line">
             <a:extLst>
               <a:ext uri="{FF2B5EF4-FFF2-40B4-BE49-F238E27FC236}">
-                <a16:creationId xmlns:a16="http://schemas.microsoft.com/office/drawing/2014/main" id="{7E048FF6-6921-1686-C0B2-27EB2F41AE1A}"/>
+                <a16:creationId xmlns:a16="http://schemas.microsoft.com/office/drawing/2014/main" id="{E2E8BF61-004B-D31B-5057-33B6A1A09806}"/>
               </a:ext>
               <a:ext uri="{C183D7F6-B498-43B3-948B-1728B52AA6E4}">
                 <adec:decorative xmlns:adec="http://schemas.microsoft.com/office/drawing/2017/decorative" val="1"/>
@@ -10875,69 +12499,10 @@
       </p:sp>
       <p:sp>
         <p:nvSpPr>
-          <p:cNvPr id="50" name="Rectangle 49">
+          <p:cNvPr id="61" name="TextBox 60">
             <a:extLst>
               <a:ext uri="{FF2B5EF4-FFF2-40B4-BE49-F238E27FC236}">
-                <a16:creationId xmlns:a16="http://schemas.microsoft.com/office/drawing/2014/main" id="{7B064B8D-B47F-4375-2B50-CF6CF3893C03}"/>
-              </a:ext>
-            </a:extLst>
-          </p:cNvPr>
-          <p:cNvSpPr/>
-          <p:nvPr/>
-        </p:nvSpPr>
-        <p:spPr>
-          <a:xfrm>
-            <a:off x="697481" y="2262359"/>
-            <a:ext cx="2514600" cy="1600200"/>
-          </a:xfrm>
-          <a:prstGeom prst="rect">
-            <a:avLst/>
-          </a:prstGeom>
-          <a:solidFill>
-            <a:srgbClr val="F2F2F2"/>
-          </a:solidFill>
-          <a:ln>
-            <a:noFill/>
-          </a:ln>
-          <a:effectLst>
-            <a:outerShdw blurRad="63500" sx="102000" sy="102000" algn="ctr" rotWithShape="0">
-              <a:prstClr val="black">
-                <a:alpha val="40000"/>
-              </a:prstClr>
-            </a:outerShdw>
-          </a:effectLst>
-        </p:spPr>
-        <p:style>
-          <a:lnRef idx="2">
-            <a:schemeClr val="accent6">
-              <a:shade val="15000"/>
-            </a:schemeClr>
-          </a:lnRef>
-          <a:fillRef idx="1">
-            <a:schemeClr val="accent6"/>
-          </a:fillRef>
-          <a:effectRef idx="0">
-            <a:schemeClr val="accent6"/>
-          </a:effectRef>
-          <a:fontRef idx="minor">
-            <a:schemeClr val="lt1"/>
-          </a:fontRef>
-        </p:style>
-        <p:txBody>
-          <a:bodyPr rtlCol="0" anchor="ctr"/>
-          <a:lstStyle/>
-          <a:p>
-            <a:pPr algn="ctr"/>
-            <a:endParaRPr lang="en-US" dirty="0"/>
-          </a:p>
-        </p:txBody>
-      </p:sp>
-      <p:sp>
-        <p:nvSpPr>
-          <p:cNvPr id="52" name="TextBox 51">
-            <a:extLst>
-              <a:ext uri="{FF2B5EF4-FFF2-40B4-BE49-F238E27FC236}">
-                <a16:creationId xmlns:a16="http://schemas.microsoft.com/office/drawing/2014/main" id="{D8F05392-D2AB-832C-F0A7-FDBEC20C334A}"/>
+                <a16:creationId xmlns:a16="http://schemas.microsoft.com/office/drawing/2014/main" id="{BFD046D5-C800-2F5C-68F0-9AD62A89727F}"/>
               </a:ext>
             </a:extLst>
           </p:cNvPr>
@@ -10946,8 +12511,8 @@
         </p:nvSpPr>
         <p:spPr>
           <a:xfrm>
-            <a:off x="1118312" y="2662349"/>
-            <a:ext cx="1672937" cy="830997"/>
+            <a:off x="956733" y="2286000"/>
+            <a:ext cx="9050867" cy="2585323"/>
           </a:xfrm>
           <a:prstGeom prst="rect">
             <a:avLst/>
@@ -10960,739 +12525,79 @@
           </a:bodyPr>
           <a:lstStyle/>
           <a:p>
-            <a:pPr algn="ctr"/>
-            <a:r>
-              <a:rPr lang="en-US" sz="3400" b="1" dirty="0"/>
-              <a:t>40,434</a:t>
-            </a:r>
-          </a:p>
-          <a:p>
-            <a:pPr algn="ctr"/>
-            <a:r>
-              <a:rPr lang="en-US" sz="1400" dirty="0"/>
-              <a:t>Total Homes Sold</a:t>
-            </a:r>
-          </a:p>
-        </p:txBody>
-      </p:sp>
-      <p:sp>
-        <p:nvSpPr>
-          <p:cNvPr id="53" name="Rectangle 52">
-            <a:extLst>
-              <a:ext uri="{FF2B5EF4-FFF2-40B4-BE49-F238E27FC236}">
-                <a16:creationId xmlns:a16="http://schemas.microsoft.com/office/drawing/2014/main" id="{A0F0684F-4197-6064-55B4-98EB35BEC608}"/>
-              </a:ext>
-            </a:extLst>
-          </p:cNvPr>
-          <p:cNvSpPr/>
-          <p:nvPr/>
-        </p:nvSpPr>
-        <p:spPr>
-          <a:xfrm>
-            <a:off x="3543976" y="4407477"/>
-            <a:ext cx="2514600" cy="1600200"/>
-          </a:xfrm>
-          <a:prstGeom prst="rect">
-            <a:avLst/>
-          </a:prstGeom>
-          <a:solidFill>
-            <a:srgbClr val="F2F2F2"/>
-          </a:solidFill>
-          <a:ln>
-            <a:noFill/>
-          </a:ln>
-          <a:effectLst>
-            <a:outerShdw blurRad="63500" sx="102000" sy="102000" algn="ctr" rotWithShape="0">
-              <a:prstClr val="black">
-                <a:alpha val="40000"/>
-              </a:prstClr>
-            </a:outerShdw>
-          </a:effectLst>
-        </p:spPr>
-        <p:style>
-          <a:lnRef idx="2">
-            <a:schemeClr val="accent6">
-              <a:shade val="15000"/>
-            </a:schemeClr>
-          </a:lnRef>
-          <a:fillRef idx="1">
-            <a:schemeClr val="accent6"/>
-          </a:fillRef>
-          <a:effectRef idx="0">
-            <a:schemeClr val="accent6"/>
-          </a:effectRef>
-          <a:fontRef idx="minor">
-            <a:schemeClr val="lt1"/>
-          </a:fontRef>
-        </p:style>
-        <p:txBody>
-          <a:bodyPr rtlCol="0" anchor="ctr"/>
-          <a:lstStyle/>
-          <a:p>
-            <a:pPr algn="ctr"/>
+            <a:pPr marL="285750" indent="-285750">
+              <a:buFont typeface="Arial" panose="020B0604020202020204" pitchFamily="34" charset="0"/>
+              <a:buChar char="•"/>
+            </a:pPr>
+            <a:r>
+              <a:rPr lang="en-US" b="1" dirty="0"/>
+              <a:t>Redfin (Monthly Housing Market Data)</a:t>
+            </a:r>
+            <a:br>
+              <a:rPr lang="en-US" dirty="0"/>
+            </a:br>
+            <a:r>
+              <a:rPr lang="en-US" dirty="0"/>
+              <a:t>Metro Nashville &amp; ZIP-code level home prices, inventory, and sales (2020–2023)</a:t>
+            </a:r>
+          </a:p>
+          <a:p>
             <a:endParaRPr lang="en-US" dirty="0"/>
           </a:p>
-        </p:txBody>
-      </p:sp>
-      <p:sp>
-        <p:nvSpPr>
-          <p:cNvPr id="54" name="Rectangle 53">
-            <a:extLst>
-              <a:ext uri="{FF2B5EF4-FFF2-40B4-BE49-F238E27FC236}">
-                <a16:creationId xmlns:a16="http://schemas.microsoft.com/office/drawing/2014/main" id="{1EDDE1D7-883C-62FF-3687-9FBB1577874D}"/>
-              </a:ext>
-            </a:extLst>
-          </p:cNvPr>
-          <p:cNvSpPr/>
-          <p:nvPr/>
-        </p:nvSpPr>
-        <p:spPr>
-          <a:xfrm>
-            <a:off x="3542140" y="2262359"/>
-            <a:ext cx="2514600" cy="1600200"/>
-          </a:xfrm>
-          <a:prstGeom prst="rect">
-            <a:avLst/>
-          </a:prstGeom>
-          <a:solidFill>
-            <a:srgbClr val="F2F2F2"/>
-          </a:solidFill>
-          <a:ln>
-            <a:noFill/>
-          </a:ln>
-          <a:effectLst>
-            <a:outerShdw blurRad="63500" sx="102000" sy="102000" algn="ctr" rotWithShape="0">
-              <a:prstClr val="black">
-                <a:alpha val="40000"/>
-              </a:prstClr>
-            </a:outerShdw>
-          </a:effectLst>
-        </p:spPr>
-        <p:style>
-          <a:lnRef idx="2">
-            <a:schemeClr val="accent6">
-              <a:shade val="15000"/>
-            </a:schemeClr>
-          </a:lnRef>
-          <a:fillRef idx="1">
-            <a:schemeClr val="accent6"/>
-          </a:fillRef>
-          <a:effectRef idx="0">
-            <a:schemeClr val="accent6"/>
-          </a:effectRef>
-          <a:fontRef idx="minor">
-            <a:schemeClr val="lt1"/>
-          </a:fontRef>
-        </p:style>
-        <p:txBody>
-          <a:bodyPr rtlCol="0" anchor="ctr"/>
-          <a:lstStyle/>
-          <a:p>
-            <a:pPr algn="ctr"/>
+          <a:p>
+            <a:pPr marL="285750" indent="-285750">
+              <a:buFont typeface="Arial" panose="020B0604020202020204" pitchFamily="34" charset="0"/>
+              <a:buChar char="•"/>
+            </a:pPr>
+            <a:r>
+              <a:rPr lang="en-US" b="1" dirty="0"/>
+              <a:t>U.S. Census Bureau – ACS (5-Year Estimates)</a:t>
+            </a:r>
+            <a:br>
+              <a:rPr lang="en-US" dirty="0"/>
+            </a:br>
+            <a:r>
+              <a:rPr lang="en-US" dirty="0"/>
+              <a:t>ZIP Code (ZCTA) median household income and housing cost data</a:t>
+            </a:r>
+          </a:p>
+          <a:p>
+            <a:pPr marL="285750" indent="-285750">
+              <a:buFont typeface="Arial" panose="020B0604020202020204" pitchFamily="34" charset="0"/>
+              <a:buChar char="•"/>
+            </a:pPr>
             <a:endParaRPr lang="en-US" dirty="0"/>
           </a:p>
-        </p:txBody>
-      </p:sp>
-      <p:sp>
-        <p:nvSpPr>
-          <p:cNvPr id="55" name="Rectangle 54">
-            <a:extLst>
-              <a:ext uri="{FF2B5EF4-FFF2-40B4-BE49-F238E27FC236}">
-                <a16:creationId xmlns:a16="http://schemas.microsoft.com/office/drawing/2014/main" id="{F9704708-6D90-46C9-1CAE-40013BD95D43}"/>
-              </a:ext>
-            </a:extLst>
-          </p:cNvPr>
-          <p:cNvSpPr/>
-          <p:nvPr/>
-        </p:nvSpPr>
-        <p:spPr>
-          <a:xfrm>
-            <a:off x="9236966" y="4407477"/>
-            <a:ext cx="2514600" cy="1600200"/>
-          </a:xfrm>
-          <a:prstGeom prst="rect">
-            <a:avLst/>
-          </a:prstGeom>
-          <a:solidFill>
-            <a:srgbClr val="F2F2F2"/>
-          </a:solidFill>
-          <a:ln>
-            <a:noFill/>
-          </a:ln>
-          <a:effectLst>
-            <a:outerShdw blurRad="63500" sx="102000" sy="102000" algn="ctr" rotWithShape="0">
-              <a:prstClr val="black">
-                <a:alpha val="40000"/>
-              </a:prstClr>
-            </a:outerShdw>
-          </a:effectLst>
-        </p:spPr>
-        <p:style>
-          <a:lnRef idx="2">
-            <a:schemeClr val="accent6">
-              <a:shade val="15000"/>
-            </a:schemeClr>
-          </a:lnRef>
-          <a:fillRef idx="1">
-            <a:schemeClr val="accent6"/>
-          </a:fillRef>
-          <a:effectRef idx="0">
-            <a:schemeClr val="accent6"/>
-          </a:effectRef>
-          <a:fontRef idx="minor">
-            <a:schemeClr val="lt1"/>
-          </a:fontRef>
-        </p:style>
-        <p:txBody>
-          <a:bodyPr rtlCol="0" anchor="ctr"/>
-          <a:lstStyle/>
-          <a:p>
-            <a:pPr algn="ctr"/>
+          <a:p>
+            <a:pPr marL="285750" indent="-285750">
+              <a:buFont typeface="Arial" panose="020B0604020202020204" pitchFamily="34" charset="0"/>
+              <a:buChar char="•"/>
+            </a:pPr>
+            <a:r>
+              <a:rPr lang="en-US" b="1" dirty="0"/>
+              <a:t>Federal Reserve Economic Data (FRED)</a:t>
+            </a:r>
+            <a:br>
+              <a:rPr lang="en-US" dirty="0"/>
+            </a:br>
+            <a:r>
+              <a:rPr lang="en-US" dirty="0"/>
+              <a:t>National 30-year fixed mortgage interest rates</a:t>
+            </a:r>
+          </a:p>
+          <a:p>
+            <a:pPr marL="285750" indent="-285750">
+              <a:buFont typeface="Arial" panose="020B0604020202020204" pitchFamily="34" charset="0"/>
+              <a:buChar char="•"/>
+            </a:pPr>
             <a:endParaRPr lang="en-US" dirty="0"/>
-          </a:p>
-        </p:txBody>
-      </p:sp>
-      <p:sp>
-        <p:nvSpPr>
-          <p:cNvPr id="56" name="Rectangle 55">
-            <a:extLst>
-              <a:ext uri="{FF2B5EF4-FFF2-40B4-BE49-F238E27FC236}">
-                <a16:creationId xmlns:a16="http://schemas.microsoft.com/office/drawing/2014/main" id="{F92D9006-4F0B-4761-2C1A-A8C48A31A008}"/>
-              </a:ext>
-            </a:extLst>
-          </p:cNvPr>
-          <p:cNvSpPr/>
-          <p:nvPr/>
-        </p:nvSpPr>
-        <p:spPr>
-          <a:xfrm>
-            <a:off x="9231457" y="2262359"/>
-            <a:ext cx="2514600" cy="1600200"/>
-          </a:xfrm>
-          <a:prstGeom prst="rect">
-            <a:avLst/>
-          </a:prstGeom>
-          <a:solidFill>
-            <a:srgbClr val="F2F2F2"/>
-          </a:solidFill>
-          <a:ln>
-            <a:noFill/>
-          </a:ln>
-          <a:effectLst>
-            <a:outerShdw blurRad="63500" sx="102000" sy="102000" algn="ctr" rotWithShape="0">
-              <a:prstClr val="black">
-                <a:alpha val="40000"/>
-              </a:prstClr>
-            </a:outerShdw>
-          </a:effectLst>
-        </p:spPr>
-        <p:style>
-          <a:lnRef idx="2">
-            <a:schemeClr val="accent6">
-              <a:shade val="15000"/>
-            </a:schemeClr>
-          </a:lnRef>
-          <a:fillRef idx="1">
-            <a:schemeClr val="accent6"/>
-          </a:fillRef>
-          <a:effectRef idx="0">
-            <a:schemeClr val="accent6"/>
-          </a:effectRef>
-          <a:fontRef idx="minor">
-            <a:schemeClr val="lt1"/>
-          </a:fontRef>
-        </p:style>
-        <p:txBody>
-          <a:bodyPr rtlCol="0" anchor="ctr"/>
-          <a:lstStyle/>
-          <a:p>
-            <a:pPr algn="ctr"/>
-            <a:endParaRPr lang="en-US" dirty="0"/>
-          </a:p>
-        </p:txBody>
-      </p:sp>
-      <p:sp>
-        <p:nvSpPr>
-          <p:cNvPr id="57" name="Rectangle 56">
-            <a:extLst>
-              <a:ext uri="{FF2B5EF4-FFF2-40B4-BE49-F238E27FC236}">
-                <a16:creationId xmlns:a16="http://schemas.microsoft.com/office/drawing/2014/main" id="{32D69E2D-ACD2-E3BF-DC2D-FE6E5D6DFB26}"/>
-              </a:ext>
-            </a:extLst>
-          </p:cNvPr>
-          <p:cNvSpPr/>
-          <p:nvPr/>
-        </p:nvSpPr>
-        <p:spPr>
-          <a:xfrm>
-            <a:off x="697481" y="4407477"/>
-            <a:ext cx="2514600" cy="1600200"/>
-          </a:xfrm>
-          <a:prstGeom prst="rect">
-            <a:avLst/>
-          </a:prstGeom>
-          <a:solidFill>
-            <a:srgbClr val="F2F2F2"/>
-          </a:solidFill>
-          <a:ln>
-            <a:noFill/>
-          </a:ln>
-          <a:effectLst>
-            <a:outerShdw blurRad="63500" sx="102000" sy="102000" algn="ctr" rotWithShape="0">
-              <a:prstClr val="black">
-                <a:alpha val="40000"/>
-              </a:prstClr>
-            </a:outerShdw>
-          </a:effectLst>
-        </p:spPr>
-        <p:style>
-          <a:lnRef idx="2">
-            <a:schemeClr val="accent6">
-              <a:shade val="15000"/>
-            </a:schemeClr>
-          </a:lnRef>
-          <a:fillRef idx="1">
-            <a:schemeClr val="accent6"/>
-          </a:fillRef>
-          <a:effectRef idx="0">
-            <a:schemeClr val="accent6"/>
-          </a:effectRef>
-          <a:fontRef idx="minor">
-            <a:schemeClr val="lt1"/>
-          </a:fontRef>
-        </p:style>
-        <p:txBody>
-          <a:bodyPr rtlCol="0" anchor="ctr"/>
-          <a:lstStyle/>
-          <a:p>
-            <a:pPr algn="ctr"/>
-            <a:endParaRPr lang="en-US" dirty="0"/>
-          </a:p>
-        </p:txBody>
-      </p:sp>
-      <p:sp>
-        <p:nvSpPr>
-          <p:cNvPr id="58" name="Rectangle 57">
-            <a:extLst>
-              <a:ext uri="{FF2B5EF4-FFF2-40B4-BE49-F238E27FC236}">
-                <a16:creationId xmlns:a16="http://schemas.microsoft.com/office/drawing/2014/main" id="{A2B05C51-F692-ADF1-1A14-326A496A24C3}"/>
-              </a:ext>
-            </a:extLst>
-          </p:cNvPr>
-          <p:cNvSpPr/>
-          <p:nvPr/>
-        </p:nvSpPr>
-        <p:spPr>
-          <a:xfrm>
-            <a:off x="6390471" y="4407477"/>
-            <a:ext cx="2514600" cy="1600200"/>
-          </a:xfrm>
-          <a:prstGeom prst="rect">
-            <a:avLst/>
-          </a:prstGeom>
-          <a:solidFill>
-            <a:srgbClr val="F2F2F2"/>
-          </a:solidFill>
-          <a:ln>
-            <a:noFill/>
-          </a:ln>
-          <a:effectLst>
-            <a:outerShdw blurRad="63500" sx="102000" sy="102000" algn="ctr" rotWithShape="0">
-              <a:prstClr val="black">
-                <a:alpha val="40000"/>
-              </a:prstClr>
-            </a:outerShdw>
-          </a:effectLst>
-        </p:spPr>
-        <p:style>
-          <a:lnRef idx="2">
-            <a:schemeClr val="accent6">
-              <a:shade val="15000"/>
-            </a:schemeClr>
-          </a:lnRef>
-          <a:fillRef idx="1">
-            <a:schemeClr val="accent6"/>
-          </a:fillRef>
-          <a:effectRef idx="0">
-            <a:schemeClr val="accent6"/>
-          </a:effectRef>
-          <a:fontRef idx="minor">
-            <a:schemeClr val="lt1"/>
-          </a:fontRef>
-        </p:style>
-        <p:txBody>
-          <a:bodyPr rtlCol="0" anchor="ctr"/>
-          <a:lstStyle/>
-          <a:p>
-            <a:pPr algn="ctr"/>
-            <a:endParaRPr lang="en-US" dirty="0"/>
-          </a:p>
-        </p:txBody>
-      </p:sp>
-      <p:sp>
-        <p:nvSpPr>
-          <p:cNvPr id="60" name="Rectangle 59">
-            <a:extLst>
-              <a:ext uri="{FF2B5EF4-FFF2-40B4-BE49-F238E27FC236}">
-                <a16:creationId xmlns:a16="http://schemas.microsoft.com/office/drawing/2014/main" id="{9BFF97D0-ED64-E128-C274-C00499EFFAE4}"/>
-              </a:ext>
-            </a:extLst>
-          </p:cNvPr>
-          <p:cNvSpPr/>
-          <p:nvPr/>
-        </p:nvSpPr>
-        <p:spPr>
-          <a:xfrm>
-            <a:off x="6386799" y="2262359"/>
-            <a:ext cx="2514600" cy="1600200"/>
-          </a:xfrm>
-          <a:prstGeom prst="rect">
-            <a:avLst/>
-          </a:prstGeom>
-          <a:solidFill>
-            <a:srgbClr val="F2F2F2"/>
-          </a:solidFill>
-          <a:ln>
-            <a:noFill/>
-          </a:ln>
-          <a:effectLst>
-            <a:outerShdw blurRad="63500" sx="102000" sy="102000" algn="ctr" rotWithShape="0">
-              <a:prstClr val="black">
-                <a:alpha val="40000"/>
-              </a:prstClr>
-            </a:outerShdw>
-          </a:effectLst>
-        </p:spPr>
-        <p:style>
-          <a:lnRef idx="2">
-            <a:schemeClr val="accent6">
-              <a:shade val="15000"/>
-            </a:schemeClr>
-          </a:lnRef>
-          <a:fillRef idx="1">
-            <a:schemeClr val="accent6"/>
-          </a:fillRef>
-          <a:effectRef idx="0">
-            <a:schemeClr val="accent6"/>
-          </a:effectRef>
-          <a:fontRef idx="minor">
-            <a:schemeClr val="lt1"/>
-          </a:fontRef>
-        </p:style>
-        <p:txBody>
-          <a:bodyPr rtlCol="0" anchor="ctr"/>
-          <a:lstStyle/>
-          <a:p>
-            <a:pPr algn="ctr"/>
-            <a:endParaRPr lang="en-US" dirty="0"/>
-          </a:p>
-        </p:txBody>
-      </p:sp>
-      <p:sp>
-        <p:nvSpPr>
-          <p:cNvPr id="61" name="TextBox 60">
-            <a:extLst>
-              <a:ext uri="{FF2B5EF4-FFF2-40B4-BE49-F238E27FC236}">
-                <a16:creationId xmlns:a16="http://schemas.microsoft.com/office/drawing/2014/main" id="{18AD629B-E91D-DE53-3D91-9B4392A59A0C}"/>
-              </a:ext>
-            </a:extLst>
-          </p:cNvPr>
-          <p:cNvSpPr txBox="1"/>
-          <p:nvPr/>
-        </p:nvSpPr>
-        <p:spPr>
-          <a:xfrm>
-            <a:off x="3585568" y="2656349"/>
-            <a:ext cx="2427742" cy="830997"/>
-          </a:xfrm>
-          <a:prstGeom prst="rect">
-            <a:avLst/>
-          </a:prstGeom>
-          <a:noFill/>
-        </p:spPr>
-        <p:txBody>
-          <a:bodyPr wrap="square" rtlCol="0">
-            <a:spAutoFit/>
-          </a:bodyPr>
-          <a:lstStyle/>
-          <a:p>
-            <a:pPr algn="ctr"/>
-            <a:r>
-              <a:rPr lang="en-US" sz="3400" b="1" dirty="0"/>
-              <a:t>10,109</a:t>
-            </a:r>
-          </a:p>
-          <a:p>
-            <a:pPr algn="ctr"/>
-            <a:r>
-              <a:rPr lang="en-US" sz="1400" dirty="0"/>
-              <a:t>Average Yearly Home Sales</a:t>
-            </a:r>
-          </a:p>
-        </p:txBody>
-      </p:sp>
-      <p:sp>
-        <p:nvSpPr>
-          <p:cNvPr id="62" name="TextBox 61">
-            <a:extLst>
-              <a:ext uri="{FF2B5EF4-FFF2-40B4-BE49-F238E27FC236}">
-                <a16:creationId xmlns:a16="http://schemas.microsoft.com/office/drawing/2014/main" id="{EC08A544-DE54-C799-B423-36CDCF2C5E78}"/>
-              </a:ext>
-            </a:extLst>
-          </p:cNvPr>
-          <p:cNvSpPr txBox="1"/>
-          <p:nvPr/>
-        </p:nvSpPr>
-        <p:spPr>
-          <a:xfrm>
-            <a:off x="6615820" y="2649348"/>
-            <a:ext cx="2056555" cy="830997"/>
-          </a:xfrm>
-          <a:prstGeom prst="rect">
-            <a:avLst/>
-          </a:prstGeom>
-          <a:noFill/>
-        </p:spPr>
-        <p:txBody>
-          <a:bodyPr wrap="square" rtlCol="0">
-            <a:spAutoFit/>
-          </a:bodyPr>
-          <a:lstStyle/>
-          <a:p>
-            <a:pPr algn="ctr"/>
-            <a:r>
-              <a:rPr lang="en-US" sz="3400" b="1" dirty="0"/>
-              <a:t>$320,000</a:t>
-            </a:r>
-          </a:p>
-          <a:p>
-            <a:pPr algn="ctr"/>
-            <a:r>
-              <a:rPr lang="en-US" sz="1400" dirty="0"/>
-              <a:t>Median Sale Price 2020</a:t>
-            </a:r>
-          </a:p>
-        </p:txBody>
-      </p:sp>
-      <p:sp>
-        <p:nvSpPr>
-          <p:cNvPr id="63" name="TextBox 62">
-            <a:extLst>
-              <a:ext uri="{FF2B5EF4-FFF2-40B4-BE49-F238E27FC236}">
-                <a16:creationId xmlns:a16="http://schemas.microsoft.com/office/drawing/2014/main" id="{5CDB8C99-1CCB-5587-C46B-2A5DF5A29899}"/>
-              </a:ext>
-            </a:extLst>
-          </p:cNvPr>
-          <p:cNvSpPr txBox="1"/>
-          <p:nvPr/>
-        </p:nvSpPr>
-        <p:spPr>
-          <a:xfrm>
-            <a:off x="9443815" y="2643071"/>
-            <a:ext cx="2089881" cy="830997"/>
-          </a:xfrm>
-          <a:prstGeom prst="rect">
-            <a:avLst/>
-          </a:prstGeom>
-          <a:noFill/>
-        </p:spPr>
-        <p:txBody>
-          <a:bodyPr wrap="square" rtlCol="0">
-            <a:spAutoFit/>
-          </a:bodyPr>
-          <a:lstStyle/>
-          <a:p>
-            <a:pPr algn="ctr"/>
-            <a:r>
-              <a:rPr lang="en-US" sz="3400" b="1" dirty="0"/>
-              <a:t>$437,200</a:t>
-            </a:r>
-          </a:p>
-          <a:p>
-            <a:pPr algn="ctr"/>
-            <a:r>
-              <a:rPr lang="en-US" sz="1400" dirty="0"/>
-              <a:t>Median Sale Price 2023</a:t>
-            </a:r>
-          </a:p>
-        </p:txBody>
-      </p:sp>
-      <p:sp>
-        <p:nvSpPr>
-          <p:cNvPr id="64" name="TextBox 63">
-            <a:extLst>
-              <a:ext uri="{FF2B5EF4-FFF2-40B4-BE49-F238E27FC236}">
-                <a16:creationId xmlns:a16="http://schemas.microsoft.com/office/drawing/2014/main" id="{52E77D86-07E9-33B7-C2FD-38107DBCFFB2}"/>
-              </a:ext>
-            </a:extLst>
-          </p:cNvPr>
-          <p:cNvSpPr txBox="1"/>
-          <p:nvPr/>
-        </p:nvSpPr>
-        <p:spPr>
-          <a:xfrm>
-            <a:off x="1019818" y="4783556"/>
-            <a:ext cx="1869924" cy="830997"/>
-          </a:xfrm>
-          <a:prstGeom prst="rect">
-            <a:avLst/>
-          </a:prstGeom>
-          <a:noFill/>
-        </p:spPr>
-        <p:txBody>
-          <a:bodyPr wrap="square" rtlCol="0">
-            <a:spAutoFit/>
-          </a:bodyPr>
-          <a:lstStyle/>
-          <a:p>
-            <a:pPr algn="ctr"/>
-            <a:r>
-              <a:rPr lang="en-US" sz="3400" b="1" dirty="0"/>
-              <a:t>981,955</a:t>
-            </a:r>
-          </a:p>
-          <a:p>
-            <a:pPr algn="ctr"/>
-            <a:r>
-              <a:rPr lang="en-US" sz="1400" dirty="0"/>
-              <a:t>Average Population</a:t>
-            </a:r>
-          </a:p>
-        </p:txBody>
-      </p:sp>
-      <p:sp>
-        <p:nvSpPr>
-          <p:cNvPr id="65" name="TextBox 64">
-            <a:extLst>
-              <a:ext uri="{FF2B5EF4-FFF2-40B4-BE49-F238E27FC236}">
-                <a16:creationId xmlns:a16="http://schemas.microsoft.com/office/drawing/2014/main" id="{40D337F7-9BCF-4A96-AD0F-AE467E9DF863}"/>
-              </a:ext>
-            </a:extLst>
-          </p:cNvPr>
-          <p:cNvSpPr txBox="1"/>
-          <p:nvPr/>
-        </p:nvSpPr>
-        <p:spPr>
-          <a:xfrm>
-            <a:off x="3634503" y="4783556"/>
-            <a:ext cx="2329873" cy="830997"/>
-          </a:xfrm>
-          <a:prstGeom prst="rect">
-            <a:avLst/>
-          </a:prstGeom>
-          <a:noFill/>
-        </p:spPr>
-        <p:txBody>
-          <a:bodyPr wrap="square" rtlCol="0">
-            <a:spAutoFit/>
-          </a:bodyPr>
-          <a:lstStyle/>
-          <a:p>
-            <a:pPr algn="ctr"/>
-            <a:r>
-              <a:rPr lang="en-US" sz="3400" b="1" dirty="0"/>
-              <a:t>$82,883.40</a:t>
-            </a:r>
-          </a:p>
-          <a:p>
-            <a:pPr algn="ctr"/>
-            <a:r>
-              <a:rPr lang="en-US" sz="1400" dirty="0"/>
-              <a:t>Median Household Income</a:t>
-            </a:r>
-          </a:p>
-        </p:txBody>
-      </p:sp>
-      <p:sp>
-        <p:nvSpPr>
-          <p:cNvPr id="66" name="TextBox 65">
-            <a:extLst>
-              <a:ext uri="{FF2B5EF4-FFF2-40B4-BE49-F238E27FC236}">
-                <a16:creationId xmlns:a16="http://schemas.microsoft.com/office/drawing/2014/main" id="{22F225A1-E99E-2815-850D-21FA018A2195}"/>
-              </a:ext>
-            </a:extLst>
-          </p:cNvPr>
-          <p:cNvSpPr txBox="1"/>
-          <p:nvPr/>
-        </p:nvSpPr>
-        <p:spPr>
-          <a:xfrm>
-            <a:off x="9535788" y="4765128"/>
-            <a:ext cx="1997908" cy="830997"/>
-          </a:xfrm>
-          <a:prstGeom prst="rect">
-            <a:avLst/>
-          </a:prstGeom>
-          <a:noFill/>
-        </p:spPr>
-        <p:txBody>
-          <a:bodyPr wrap="square" rtlCol="0">
-            <a:spAutoFit/>
-          </a:bodyPr>
-          <a:lstStyle/>
-          <a:p>
-            <a:pPr algn="ctr"/>
-            <a:r>
-              <a:rPr lang="en-US" sz="3400" b="1" dirty="0"/>
-              <a:t>4.55%</a:t>
-            </a:r>
-          </a:p>
-          <a:p>
-            <a:pPr algn="ctr"/>
-            <a:r>
-              <a:rPr lang="en-US" sz="1400" dirty="0"/>
-              <a:t>Average Mortgage Rate</a:t>
-            </a:r>
-          </a:p>
-        </p:txBody>
-      </p:sp>
-      <p:sp>
-        <p:nvSpPr>
-          <p:cNvPr id="67" name="TextBox 66">
-            <a:extLst>
-              <a:ext uri="{FF2B5EF4-FFF2-40B4-BE49-F238E27FC236}">
-                <a16:creationId xmlns:a16="http://schemas.microsoft.com/office/drawing/2014/main" id="{CD7201A7-9E3A-067E-7422-34FDC06F2DFB}"/>
-              </a:ext>
-            </a:extLst>
-          </p:cNvPr>
-          <p:cNvSpPr txBox="1"/>
-          <p:nvPr/>
-        </p:nvSpPr>
-        <p:spPr>
-          <a:xfrm>
-            <a:off x="6533061" y="4783555"/>
-            <a:ext cx="2222072" cy="830997"/>
-          </a:xfrm>
-          <a:prstGeom prst="rect">
-            <a:avLst/>
-          </a:prstGeom>
-          <a:noFill/>
-        </p:spPr>
-        <p:txBody>
-          <a:bodyPr wrap="square" rtlCol="0">
-            <a:spAutoFit/>
-          </a:bodyPr>
-          <a:lstStyle/>
-          <a:p>
-            <a:pPr algn="ctr"/>
-            <a:r>
-              <a:rPr lang="en-US" sz="3400" b="1" dirty="0"/>
-              <a:t>$1,413.51</a:t>
-            </a:r>
-          </a:p>
-          <a:p>
-            <a:pPr algn="ctr"/>
-            <a:r>
-              <a:rPr lang="en-US" sz="1400" dirty="0"/>
-              <a:t>Median Rent Price</a:t>
-            </a:r>
           </a:p>
         </p:txBody>
       </p:sp>
     </p:spTree>
     <p:extLst>
       <p:ext uri="{BB962C8B-B14F-4D97-AF65-F5344CB8AC3E}">
-        <p14:creationId xmlns:p14="http://schemas.microsoft.com/office/powerpoint/2010/main" val="542633763"/>
+        <p14:creationId xmlns:p14="http://schemas.microsoft.com/office/powerpoint/2010/main" val="835599444"/>
       </p:ext>
     </p:extLst>
   </p:cSld>
@@ -11702,7 +12607,7 @@
 </p:sld>
 </file>
 
-<file path=ppt/slides/slide6.xml><?xml version="1.0" encoding="utf-8"?>
+<file path=ppt/slides/slide5.xml><?xml version="1.0" encoding="utf-8"?>
 <p:sld xmlns:a="http://schemas.openxmlformats.org/drawingml/2006/main" xmlns:r="http://schemas.openxmlformats.org/officeDocument/2006/relationships" xmlns:p="http://schemas.openxmlformats.org/presentationml/2006/main">
   <p:cSld>
     <p:bg>
@@ -11718,7 +12623,7 @@
         <p:cNvPr id="1" name="">
           <a:extLst>
             <a:ext uri="{FF2B5EF4-FFF2-40B4-BE49-F238E27FC236}">
-              <a16:creationId xmlns:a16="http://schemas.microsoft.com/office/drawing/2014/main" id="{2A8644FC-F1EA-B271-90B9-23789C241C95}"/>
+              <a16:creationId xmlns:a16="http://schemas.microsoft.com/office/drawing/2014/main" id="{DF2F295F-C423-1C7A-F0D5-B4FEC5277C9B}"/>
             </a:ext>
           </a:extLst>
         </p:cNvPr>
@@ -11738,7 +12643,7 @@
           <p:cNvPr id="17" name="Rectangle 16">
             <a:extLst>
               <a:ext uri="{FF2B5EF4-FFF2-40B4-BE49-F238E27FC236}">
-                <a16:creationId xmlns:a16="http://schemas.microsoft.com/office/drawing/2014/main" id="{3CA92C0F-82BD-C8E1-30EE-506B07DFE9EC}"/>
+                <a16:creationId xmlns:a16="http://schemas.microsoft.com/office/drawing/2014/main" id="{9464FE2B-8E3D-B874-D701-0EA99F5F1329}"/>
               </a:ext>
               <a:ext uri="{C183D7F6-B498-43B3-948B-1728B52AA6E4}">
                 <adec:decorative xmlns:adec="http://schemas.microsoft.com/office/drawing/2017/decorative" val="1"/>
@@ -11827,7 +12732,7 @@
           <p:cNvPr id="2" name="Title 1">
             <a:extLst>
               <a:ext uri="{FF2B5EF4-FFF2-40B4-BE49-F238E27FC236}">
-                <a16:creationId xmlns:a16="http://schemas.microsoft.com/office/drawing/2014/main" id="{29061BB3-7E15-2851-2DDF-7643C2B84269}"/>
+                <a16:creationId xmlns:a16="http://schemas.microsoft.com/office/drawing/2014/main" id="{AFB1300D-AC32-6A7E-3302-C38583BC0E9A}"/>
               </a:ext>
             </a:extLst>
           </p:cNvPr>
@@ -11840,8 +12745,8 @@
         </p:nvSpPr>
         <p:spPr>
           <a:xfrm>
-            <a:off x="836676" y="360954"/>
-            <a:ext cx="10515600" cy="1325563"/>
+            <a:off x="838200" y="365125"/>
+            <a:ext cx="11201400" cy="1325563"/>
           </a:xfrm>
         </p:spPr>
         <p:txBody>
@@ -11851,9 +12756,10 @@
           <a:lstStyle/>
           <a:p>
             <a:r>
-              <a:rPr lang="en-US" sz="3200" b="1" dirty="0"/>
-              <a:t>Home Prices vs Income in Metro Nashville (2020–2023)</a:t>
-            </a:r>
+              <a:rPr lang="nb-NO" b="1" dirty="0"/>
+              <a:t>Metro Nashville Housing Market Snapshot</a:t>
+            </a:r>
+            <a:endParaRPr lang="en-US" b="1" dirty="0"/>
           </a:p>
         </p:txBody>
       </p:sp>
@@ -11862,7 +12768,7 @@
           <p:cNvPr id="19" name="sketch line">
             <a:extLst>
               <a:ext uri="{FF2B5EF4-FFF2-40B4-BE49-F238E27FC236}">
-                <a16:creationId xmlns:a16="http://schemas.microsoft.com/office/drawing/2014/main" id="{0A0DC3D1-8C1B-10C4-AFDA-7BA4AB2622B4}"/>
+                <a16:creationId xmlns:a16="http://schemas.microsoft.com/office/drawing/2014/main" id="{7E048FF6-6921-1686-C0B2-27EB2F41AE1A}"/>
               </a:ext>
               <a:ext uri="{C183D7F6-B498-43B3-948B-1728B52AA6E4}">
                 <adec:decorative xmlns:adec="http://schemas.microsoft.com/office/drawing/2017/decorative" val="1"/>
@@ -12526,10 +13432,69 @@
       </p:sp>
       <p:sp>
         <p:nvSpPr>
-          <p:cNvPr id="13" name="TextBox 12">
+          <p:cNvPr id="50" name="Rectangle 49">
             <a:extLst>
               <a:ext uri="{FF2B5EF4-FFF2-40B4-BE49-F238E27FC236}">
-                <a16:creationId xmlns:a16="http://schemas.microsoft.com/office/drawing/2014/main" id="{F5978D41-A1D0-C3FA-6E4A-CBD806CA2CFC}"/>
+                <a16:creationId xmlns:a16="http://schemas.microsoft.com/office/drawing/2014/main" id="{7B064B8D-B47F-4375-2B50-CF6CF3893C03}"/>
+              </a:ext>
+            </a:extLst>
+          </p:cNvPr>
+          <p:cNvSpPr/>
+          <p:nvPr/>
+        </p:nvSpPr>
+        <p:spPr>
+          <a:xfrm>
+            <a:off x="697481" y="2262359"/>
+            <a:ext cx="2514600" cy="1600200"/>
+          </a:xfrm>
+          <a:prstGeom prst="rect">
+            <a:avLst/>
+          </a:prstGeom>
+          <a:solidFill>
+            <a:srgbClr val="F2F2F2"/>
+          </a:solidFill>
+          <a:ln>
+            <a:noFill/>
+          </a:ln>
+          <a:effectLst>
+            <a:outerShdw blurRad="63500" sx="102000" sy="102000" algn="ctr" rotWithShape="0">
+              <a:prstClr val="black">
+                <a:alpha val="40000"/>
+              </a:prstClr>
+            </a:outerShdw>
+          </a:effectLst>
+        </p:spPr>
+        <p:style>
+          <a:lnRef idx="2">
+            <a:schemeClr val="accent6">
+              <a:shade val="15000"/>
+            </a:schemeClr>
+          </a:lnRef>
+          <a:fillRef idx="1">
+            <a:schemeClr val="accent6"/>
+          </a:fillRef>
+          <a:effectRef idx="0">
+            <a:schemeClr val="accent6"/>
+          </a:effectRef>
+          <a:fontRef idx="minor">
+            <a:schemeClr val="lt1"/>
+          </a:fontRef>
+        </p:style>
+        <p:txBody>
+          <a:bodyPr rtlCol="0" anchor="ctr"/>
+          <a:lstStyle/>
+          <a:p>
+            <a:pPr algn="ctr"/>
+            <a:endParaRPr lang="en-US" dirty="0"/>
+          </a:p>
+        </p:txBody>
+      </p:sp>
+      <p:sp>
+        <p:nvSpPr>
+          <p:cNvPr id="52" name="TextBox 51">
+            <a:extLst>
+              <a:ext uri="{FF2B5EF4-FFF2-40B4-BE49-F238E27FC236}">
+                <a16:creationId xmlns:a16="http://schemas.microsoft.com/office/drawing/2014/main" id="{D8F05392-D2AB-832C-F0A7-FDBEC20C334A}"/>
               </a:ext>
             </a:extLst>
           </p:cNvPr>
@@ -12538,8 +13503,8 @@
         </p:nvSpPr>
         <p:spPr>
           <a:xfrm>
-            <a:off x="2521627" y="1862805"/>
-            <a:ext cx="7145697" cy="369332"/>
+            <a:off x="998181" y="2598003"/>
+            <a:ext cx="1856310" cy="830997"/>
           </a:xfrm>
           <a:prstGeom prst="rect">
             <a:avLst/>
@@ -12552,19 +13517,440 @@
           </a:bodyPr>
           <a:lstStyle/>
           <a:p>
-            <a:r>
-              <a:rPr lang="en-US" dirty="0"/>
-              <a:t>Home prices increased substantially faster than household income</a:t>
+            <a:pPr algn="ctr"/>
+            <a:r>
+              <a:rPr lang="en-US" sz="3400" b="1" dirty="0"/>
+              <a:t>133,474</a:t>
+            </a:r>
+          </a:p>
+          <a:p>
+            <a:pPr algn="ctr"/>
+            <a:r>
+              <a:rPr lang="en-US" sz="1400" dirty="0"/>
+              <a:t>Total Homes Sold</a:t>
             </a:r>
           </a:p>
         </p:txBody>
       </p:sp>
       <p:sp>
         <p:nvSpPr>
-          <p:cNvPr id="14" name="TextBox 13">
+          <p:cNvPr id="53" name="Rectangle 52">
             <a:extLst>
               <a:ext uri="{FF2B5EF4-FFF2-40B4-BE49-F238E27FC236}">
-                <a16:creationId xmlns:a16="http://schemas.microsoft.com/office/drawing/2014/main" id="{184AB04E-7903-0A7E-518C-76A24AE8D5EE}"/>
+                <a16:creationId xmlns:a16="http://schemas.microsoft.com/office/drawing/2014/main" id="{A0F0684F-4197-6064-55B4-98EB35BEC608}"/>
+              </a:ext>
+            </a:extLst>
+          </p:cNvPr>
+          <p:cNvSpPr/>
+          <p:nvPr/>
+        </p:nvSpPr>
+        <p:spPr>
+          <a:xfrm>
+            <a:off x="3515531" y="4262549"/>
+            <a:ext cx="2514600" cy="1600200"/>
+          </a:xfrm>
+          <a:prstGeom prst="rect">
+            <a:avLst/>
+          </a:prstGeom>
+          <a:solidFill>
+            <a:srgbClr val="F2F2F2"/>
+          </a:solidFill>
+          <a:ln>
+            <a:noFill/>
+          </a:ln>
+          <a:effectLst>
+            <a:outerShdw blurRad="63500" sx="102000" sy="102000" algn="ctr" rotWithShape="0">
+              <a:prstClr val="black">
+                <a:alpha val="40000"/>
+              </a:prstClr>
+            </a:outerShdw>
+          </a:effectLst>
+        </p:spPr>
+        <p:style>
+          <a:lnRef idx="2">
+            <a:schemeClr val="accent6">
+              <a:shade val="15000"/>
+            </a:schemeClr>
+          </a:lnRef>
+          <a:fillRef idx="1">
+            <a:schemeClr val="accent6"/>
+          </a:fillRef>
+          <a:effectRef idx="0">
+            <a:schemeClr val="accent6"/>
+          </a:effectRef>
+          <a:fontRef idx="minor">
+            <a:schemeClr val="lt1"/>
+          </a:fontRef>
+        </p:style>
+        <p:txBody>
+          <a:bodyPr rtlCol="0" anchor="ctr"/>
+          <a:lstStyle/>
+          <a:p>
+            <a:pPr algn="ctr"/>
+            <a:endParaRPr lang="en-US" dirty="0"/>
+          </a:p>
+        </p:txBody>
+      </p:sp>
+      <p:sp>
+        <p:nvSpPr>
+          <p:cNvPr id="54" name="Rectangle 53">
+            <a:extLst>
+              <a:ext uri="{FF2B5EF4-FFF2-40B4-BE49-F238E27FC236}">
+                <a16:creationId xmlns:a16="http://schemas.microsoft.com/office/drawing/2014/main" id="{1EDDE1D7-883C-62FF-3687-9FBB1577874D}"/>
+              </a:ext>
+            </a:extLst>
+          </p:cNvPr>
+          <p:cNvSpPr/>
+          <p:nvPr/>
+        </p:nvSpPr>
+        <p:spPr>
+          <a:xfrm>
+            <a:off x="3542140" y="2262359"/>
+            <a:ext cx="2514600" cy="1600200"/>
+          </a:xfrm>
+          <a:prstGeom prst="rect">
+            <a:avLst/>
+          </a:prstGeom>
+          <a:solidFill>
+            <a:srgbClr val="F2F2F2"/>
+          </a:solidFill>
+          <a:ln>
+            <a:noFill/>
+          </a:ln>
+          <a:effectLst>
+            <a:outerShdw blurRad="63500" sx="102000" sy="102000" algn="ctr" rotWithShape="0">
+              <a:prstClr val="black">
+                <a:alpha val="40000"/>
+              </a:prstClr>
+            </a:outerShdw>
+          </a:effectLst>
+        </p:spPr>
+        <p:style>
+          <a:lnRef idx="2">
+            <a:schemeClr val="accent6">
+              <a:shade val="15000"/>
+            </a:schemeClr>
+          </a:lnRef>
+          <a:fillRef idx="1">
+            <a:schemeClr val="accent6"/>
+          </a:fillRef>
+          <a:effectRef idx="0">
+            <a:schemeClr val="accent6"/>
+          </a:effectRef>
+          <a:fontRef idx="minor">
+            <a:schemeClr val="lt1"/>
+          </a:fontRef>
+        </p:style>
+        <p:txBody>
+          <a:bodyPr rtlCol="0" anchor="ctr"/>
+          <a:lstStyle/>
+          <a:p>
+            <a:pPr algn="ctr"/>
+            <a:endParaRPr lang="en-US" dirty="0"/>
+          </a:p>
+        </p:txBody>
+      </p:sp>
+      <p:sp>
+        <p:nvSpPr>
+          <p:cNvPr id="55" name="Rectangle 54">
+            <a:extLst>
+              <a:ext uri="{FF2B5EF4-FFF2-40B4-BE49-F238E27FC236}">
+                <a16:creationId xmlns:a16="http://schemas.microsoft.com/office/drawing/2014/main" id="{F9704708-6D90-46C9-1CAE-40013BD95D43}"/>
+              </a:ext>
+            </a:extLst>
+          </p:cNvPr>
+          <p:cNvSpPr/>
+          <p:nvPr/>
+        </p:nvSpPr>
+        <p:spPr>
+          <a:xfrm>
+            <a:off x="9236966" y="4262549"/>
+            <a:ext cx="2514600" cy="1600200"/>
+          </a:xfrm>
+          <a:prstGeom prst="rect">
+            <a:avLst/>
+          </a:prstGeom>
+          <a:solidFill>
+            <a:srgbClr val="F2F2F2"/>
+          </a:solidFill>
+          <a:ln>
+            <a:noFill/>
+          </a:ln>
+          <a:effectLst>
+            <a:outerShdw blurRad="63500" sx="102000" sy="102000" algn="ctr" rotWithShape="0">
+              <a:prstClr val="black">
+                <a:alpha val="40000"/>
+              </a:prstClr>
+            </a:outerShdw>
+          </a:effectLst>
+        </p:spPr>
+        <p:style>
+          <a:lnRef idx="2">
+            <a:schemeClr val="accent6">
+              <a:shade val="15000"/>
+            </a:schemeClr>
+          </a:lnRef>
+          <a:fillRef idx="1">
+            <a:schemeClr val="accent6"/>
+          </a:fillRef>
+          <a:effectRef idx="0">
+            <a:schemeClr val="accent6"/>
+          </a:effectRef>
+          <a:fontRef idx="minor">
+            <a:schemeClr val="lt1"/>
+          </a:fontRef>
+        </p:style>
+        <p:txBody>
+          <a:bodyPr rtlCol="0" anchor="ctr"/>
+          <a:lstStyle/>
+          <a:p>
+            <a:pPr algn="ctr"/>
+            <a:endParaRPr lang="en-US" dirty="0"/>
+          </a:p>
+        </p:txBody>
+      </p:sp>
+      <p:sp>
+        <p:nvSpPr>
+          <p:cNvPr id="56" name="Rectangle 55">
+            <a:extLst>
+              <a:ext uri="{FF2B5EF4-FFF2-40B4-BE49-F238E27FC236}">
+                <a16:creationId xmlns:a16="http://schemas.microsoft.com/office/drawing/2014/main" id="{F92D9006-4F0B-4761-2C1A-A8C48A31A008}"/>
+              </a:ext>
+            </a:extLst>
+          </p:cNvPr>
+          <p:cNvSpPr/>
+          <p:nvPr/>
+        </p:nvSpPr>
+        <p:spPr>
+          <a:xfrm>
+            <a:off x="9231457" y="2262359"/>
+            <a:ext cx="2514600" cy="1600200"/>
+          </a:xfrm>
+          <a:prstGeom prst="rect">
+            <a:avLst/>
+          </a:prstGeom>
+          <a:solidFill>
+            <a:srgbClr val="F2F2F2"/>
+          </a:solidFill>
+          <a:ln>
+            <a:noFill/>
+          </a:ln>
+          <a:effectLst>
+            <a:outerShdw blurRad="63500" sx="102000" sy="102000" algn="ctr" rotWithShape="0">
+              <a:prstClr val="black">
+                <a:alpha val="40000"/>
+              </a:prstClr>
+            </a:outerShdw>
+          </a:effectLst>
+        </p:spPr>
+        <p:style>
+          <a:lnRef idx="2">
+            <a:schemeClr val="accent6">
+              <a:shade val="15000"/>
+            </a:schemeClr>
+          </a:lnRef>
+          <a:fillRef idx="1">
+            <a:schemeClr val="accent6"/>
+          </a:fillRef>
+          <a:effectRef idx="0">
+            <a:schemeClr val="accent6"/>
+          </a:effectRef>
+          <a:fontRef idx="minor">
+            <a:schemeClr val="lt1"/>
+          </a:fontRef>
+        </p:style>
+        <p:txBody>
+          <a:bodyPr rtlCol="0" anchor="ctr"/>
+          <a:lstStyle/>
+          <a:p>
+            <a:pPr algn="ctr"/>
+            <a:endParaRPr lang="en-US" dirty="0"/>
+          </a:p>
+        </p:txBody>
+      </p:sp>
+      <p:sp>
+        <p:nvSpPr>
+          <p:cNvPr id="57" name="Rectangle 56">
+            <a:extLst>
+              <a:ext uri="{FF2B5EF4-FFF2-40B4-BE49-F238E27FC236}">
+                <a16:creationId xmlns:a16="http://schemas.microsoft.com/office/drawing/2014/main" id="{32D69E2D-ACD2-E3BF-DC2D-FE6E5D6DFB26}"/>
+              </a:ext>
+            </a:extLst>
+          </p:cNvPr>
+          <p:cNvSpPr/>
+          <p:nvPr/>
+        </p:nvSpPr>
+        <p:spPr>
+          <a:xfrm>
+            <a:off x="669036" y="4262549"/>
+            <a:ext cx="2514600" cy="1600200"/>
+          </a:xfrm>
+          <a:prstGeom prst="rect">
+            <a:avLst/>
+          </a:prstGeom>
+          <a:solidFill>
+            <a:srgbClr val="F2F2F2"/>
+          </a:solidFill>
+          <a:ln>
+            <a:noFill/>
+          </a:ln>
+          <a:effectLst>
+            <a:outerShdw blurRad="63500" sx="102000" sy="102000" algn="ctr" rotWithShape="0">
+              <a:prstClr val="black">
+                <a:alpha val="40000"/>
+              </a:prstClr>
+            </a:outerShdw>
+          </a:effectLst>
+        </p:spPr>
+        <p:style>
+          <a:lnRef idx="2">
+            <a:schemeClr val="accent6">
+              <a:shade val="15000"/>
+            </a:schemeClr>
+          </a:lnRef>
+          <a:fillRef idx="1">
+            <a:schemeClr val="accent6"/>
+          </a:fillRef>
+          <a:effectRef idx="0">
+            <a:schemeClr val="accent6"/>
+          </a:effectRef>
+          <a:fontRef idx="minor">
+            <a:schemeClr val="lt1"/>
+          </a:fontRef>
+        </p:style>
+        <p:txBody>
+          <a:bodyPr rtlCol="0" anchor="ctr"/>
+          <a:lstStyle/>
+          <a:p>
+            <a:pPr algn="ctr"/>
+            <a:endParaRPr lang="en-US" dirty="0"/>
+          </a:p>
+        </p:txBody>
+      </p:sp>
+      <p:sp>
+        <p:nvSpPr>
+          <p:cNvPr id="58" name="Rectangle 57">
+            <a:extLst>
+              <a:ext uri="{FF2B5EF4-FFF2-40B4-BE49-F238E27FC236}">
+                <a16:creationId xmlns:a16="http://schemas.microsoft.com/office/drawing/2014/main" id="{A2B05C51-F692-ADF1-1A14-326A496A24C3}"/>
+              </a:ext>
+            </a:extLst>
+          </p:cNvPr>
+          <p:cNvSpPr/>
+          <p:nvPr/>
+        </p:nvSpPr>
+        <p:spPr>
+          <a:xfrm>
+            <a:off x="6390471" y="4262549"/>
+            <a:ext cx="2514600" cy="1600200"/>
+          </a:xfrm>
+          <a:prstGeom prst="rect">
+            <a:avLst/>
+          </a:prstGeom>
+          <a:solidFill>
+            <a:srgbClr val="F2F2F2"/>
+          </a:solidFill>
+          <a:ln>
+            <a:noFill/>
+          </a:ln>
+          <a:effectLst>
+            <a:outerShdw blurRad="63500" sx="102000" sy="102000" algn="ctr" rotWithShape="0">
+              <a:prstClr val="black">
+                <a:alpha val="40000"/>
+              </a:prstClr>
+            </a:outerShdw>
+          </a:effectLst>
+        </p:spPr>
+        <p:style>
+          <a:lnRef idx="2">
+            <a:schemeClr val="accent6">
+              <a:shade val="15000"/>
+            </a:schemeClr>
+          </a:lnRef>
+          <a:fillRef idx="1">
+            <a:schemeClr val="accent6"/>
+          </a:fillRef>
+          <a:effectRef idx="0">
+            <a:schemeClr val="accent6"/>
+          </a:effectRef>
+          <a:fontRef idx="minor">
+            <a:schemeClr val="lt1"/>
+          </a:fontRef>
+        </p:style>
+        <p:txBody>
+          <a:bodyPr rtlCol="0" anchor="ctr"/>
+          <a:lstStyle/>
+          <a:p>
+            <a:pPr algn="ctr"/>
+            <a:endParaRPr lang="en-US" dirty="0"/>
+          </a:p>
+        </p:txBody>
+      </p:sp>
+      <p:sp>
+        <p:nvSpPr>
+          <p:cNvPr id="60" name="Rectangle 59">
+            <a:extLst>
+              <a:ext uri="{FF2B5EF4-FFF2-40B4-BE49-F238E27FC236}">
+                <a16:creationId xmlns:a16="http://schemas.microsoft.com/office/drawing/2014/main" id="{9BFF97D0-ED64-E128-C274-C00499EFFAE4}"/>
+              </a:ext>
+            </a:extLst>
+          </p:cNvPr>
+          <p:cNvSpPr/>
+          <p:nvPr/>
+        </p:nvSpPr>
+        <p:spPr>
+          <a:xfrm>
+            <a:off x="6386799" y="2262359"/>
+            <a:ext cx="2514600" cy="1600200"/>
+          </a:xfrm>
+          <a:prstGeom prst="rect">
+            <a:avLst/>
+          </a:prstGeom>
+          <a:solidFill>
+            <a:srgbClr val="F2F2F2"/>
+          </a:solidFill>
+          <a:ln>
+            <a:noFill/>
+          </a:ln>
+          <a:effectLst>
+            <a:outerShdw blurRad="63500" sx="102000" sy="102000" algn="ctr" rotWithShape="0">
+              <a:prstClr val="black">
+                <a:alpha val="40000"/>
+              </a:prstClr>
+            </a:outerShdw>
+          </a:effectLst>
+        </p:spPr>
+        <p:style>
+          <a:lnRef idx="2">
+            <a:schemeClr val="accent6">
+              <a:shade val="15000"/>
+            </a:schemeClr>
+          </a:lnRef>
+          <a:fillRef idx="1">
+            <a:schemeClr val="accent6"/>
+          </a:fillRef>
+          <a:effectRef idx="0">
+            <a:schemeClr val="accent6"/>
+          </a:effectRef>
+          <a:fontRef idx="minor">
+            <a:schemeClr val="lt1"/>
+          </a:fontRef>
+        </p:style>
+        <p:txBody>
+          <a:bodyPr rtlCol="0" anchor="ctr"/>
+          <a:lstStyle/>
+          <a:p>
+            <a:pPr algn="ctr"/>
+            <a:endParaRPr lang="en-US" dirty="0"/>
+          </a:p>
+        </p:txBody>
+      </p:sp>
+      <p:sp>
+        <p:nvSpPr>
+          <p:cNvPr id="61" name="TextBox 60">
+            <a:extLst>
+              <a:ext uri="{FF2B5EF4-FFF2-40B4-BE49-F238E27FC236}">
+                <a16:creationId xmlns:a16="http://schemas.microsoft.com/office/drawing/2014/main" id="{18AD629B-E91D-DE53-3D91-9B4392A59A0C}"/>
               </a:ext>
             </a:extLst>
           </p:cNvPr>
@@ -12573,8 +13959,8 @@
         </p:nvSpPr>
         <p:spPr>
           <a:xfrm>
-            <a:off x="2427688" y="6032894"/>
-            <a:ext cx="7333573" cy="646331"/>
+            <a:off x="3558960" y="2598003"/>
+            <a:ext cx="2427742" cy="830997"/>
           </a:xfrm>
           <a:prstGeom prst="rect">
             <a:avLst/>
@@ -12587,65 +13973,297 @@
           </a:bodyPr>
           <a:lstStyle/>
           <a:p>
-            <a:r>
-              <a:rPr lang="en-US" dirty="0"/>
-              <a:t>Between 2020 and 2023, median home values increased by over 40%, while median household income grew by approximately 25%.</a:t>
+            <a:pPr algn="ctr"/>
+            <a:r>
+              <a:rPr lang="en-US" sz="3400" b="1" dirty="0"/>
+              <a:t>33,369</a:t>
+            </a:r>
+          </a:p>
+          <a:p>
+            <a:pPr algn="ctr"/>
+            <a:r>
+              <a:rPr lang="en-US" sz="1400" dirty="0"/>
+              <a:t>Average Yearly Home Sales</a:t>
             </a:r>
           </a:p>
         </p:txBody>
       </p:sp>
-      <p:pic>
-        <p:nvPicPr>
-          <p:cNvPr id="16" name="Picture 15" descr="A graph of value and value&#10;&#10;AI-generated content may be incorrect.">
+      <p:sp>
+        <p:nvSpPr>
+          <p:cNvPr id="62" name="TextBox 61">
             <a:extLst>
               <a:ext uri="{FF2B5EF4-FFF2-40B4-BE49-F238E27FC236}">
-                <a16:creationId xmlns:a16="http://schemas.microsoft.com/office/drawing/2014/main" id="{C01580BE-5937-35C6-CE81-8CB9F6E7EACB}"/>
+                <a16:creationId xmlns:a16="http://schemas.microsoft.com/office/drawing/2014/main" id="{EC08A544-DE54-C799-B423-36CDCF2C5E78}"/>
               </a:ext>
             </a:extLst>
           </p:cNvPr>
-          <p:cNvPicPr>
-            <a:picLocks noChangeAspect="1"/>
-          </p:cNvPicPr>
+          <p:cNvSpPr txBox="1"/>
           <p:nvPr/>
-        </p:nvPicPr>
-        <p:blipFill>
-          <a:blip r:embed="rId2">
-            <a:extLst>
-              <a:ext uri="{28A0092B-C50C-407E-A947-70E740481C1C}">
-                <a14:useLocalDpi xmlns:a14="http://schemas.microsoft.com/office/drawing/2010/main" val="0"/>
-              </a:ext>
-            </a:extLst>
-          </a:blip>
-          <a:stretch>
-            <a:fillRect/>
-          </a:stretch>
-        </p:blipFill>
+        </p:nvSpPr>
         <p:spPr>
           <a:xfrm>
-            <a:off x="2052022" y="2568353"/>
-            <a:ext cx="7810538" cy="3128324"/>
+            <a:off x="6615820" y="2649348"/>
+            <a:ext cx="2056555" cy="830997"/>
           </a:xfrm>
           <a:prstGeom prst="rect">
             <a:avLst/>
           </a:prstGeom>
-          <a:ln w="19050">
-            <a:solidFill>
-              <a:schemeClr val="tx1"/>
-            </a:solidFill>
-          </a:ln>
-          <a:effectLst>
-            <a:outerShdw blurRad="63500" sx="102000" sy="102000" algn="ctr" rotWithShape="0">
-              <a:prstClr val="black">
-                <a:alpha val="40000"/>
-              </a:prstClr>
-            </a:outerShdw>
-          </a:effectLst>
+          <a:noFill/>
         </p:spPr>
-      </p:pic>
+        <p:txBody>
+          <a:bodyPr wrap="square" rtlCol="0">
+            <a:spAutoFit/>
+          </a:bodyPr>
+          <a:lstStyle/>
+          <a:p>
+            <a:pPr algn="ctr"/>
+            <a:r>
+              <a:rPr lang="en-US" sz="3400" b="1" dirty="0"/>
+              <a:t>$334,500</a:t>
+            </a:r>
+          </a:p>
+          <a:p>
+            <a:pPr algn="ctr"/>
+            <a:r>
+              <a:rPr lang="en-US" sz="1400" dirty="0"/>
+              <a:t>Median Sale Price 2020</a:t>
+            </a:r>
+          </a:p>
+        </p:txBody>
+      </p:sp>
+      <p:sp>
+        <p:nvSpPr>
+          <p:cNvPr id="63" name="TextBox 62">
+            <a:extLst>
+              <a:ext uri="{FF2B5EF4-FFF2-40B4-BE49-F238E27FC236}">
+                <a16:creationId xmlns:a16="http://schemas.microsoft.com/office/drawing/2014/main" id="{5CDB8C99-1CCB-5587-C46B-2A5DF5A29899}"/>
+              </a:ext>
+            </a:extLst>
+          </p:cNvPr>
+          <p:cNvSpPr txBox="1"/>
+          <p:nvPr/>
+        </p:nvSpPr>
+        <p:spPr>
+          <a:xfrm>
+            <a:off x="9443815" y="2643071"/>
+            <a:ext cx="2089881" cy="830997"/>
+          </a:xfrm>
+          <a:prstGeom prst="rect">
+            <a:avLst/>
+          </a:prstGeom>
+          <a:noFill/>
+        </p:spPr>
+        <p:txBody>
+          <a:bodyPr wrap="square" rtlCol="0">
+            <a:spAutoFit/>
+          </a:bodyPr>
+          <a:lstStyle/>
+          <a:p>
+            <a:pPr algn="ctr"/>
+            <a:r>
+              <a:rPr lang="en-US" sz="3400" b="1" dirty="0"/>
+              <a:t>$470,000</a:t>
+            </a:r>
+          </a:p>
+          <a:p>
+            <a:pPr algn="ctr"/>
+            <a:r>
+              <a:rPr lang="en-US" sz="1400" dirty="0"/>
+              <a:t>Median Sale Price 2023</a:t>
+            </a:r>
+          </a:p>
+        </p:txBody>
+      </p:sp>
+      <p:sp>
+        <p:nvSpPr>
+          <p:cNvPr id="64" name="TextBox 63">
+            <a:extLst>
+              <a:ext uri="{FF2B5EF4-FFF2-40B4-BE49-F238E27FC236}">
+                <a16:creationId xmlns:a16="http://schemas.microsoft.com/office/drawing/2014/main" id="{52E77D86-07E9-33B7-C2FD-38107DBCFFB2}"/>
+              </a:ext>
+            </a:extLst>
+          </p:cNvPr>
+          <p:cNvSpPr txBox="1"/>
+          <p:nvPr/>
+        </p:nvSpPr>
+        <p:spPr>
+          <a:xfrm>
+            <a:off x="838200" y="4622856"/>
+            <a:ext cx="2135373" cy="830997"/>
+          </a:xfrm>
+          <a:prstGeom prst="rect">
+            <a:avLst/>
+          </a:prstGeom>
+          <a:noFill/>
+        </p:spPr>
+        <p:txBody>
+          <a:bodyPr wrap="square" rtlCol="0">
+            <a:spAutoFit/>
+          </a:bodyPr>
+          <a:lstStyle/>
+          <a:p>
+            <a:pPr algn="ctr"/>
+            <a:r>
+              <a:rPr lang="en-US" sz="3400" b="1" dirty="0"/>
+              <a:t>1,135,147</a:t>
+            </a:r>
+          </a:p>
+          <a:p>
+            <a:pPr algn="ctr"/>
+            <a:r>
+              <a:rPr lang="en-US" sz="1400" dirty="0"/>
+              <a:t>Average Population</a:t>
+            </a:r>
+          </a:p>
+        </p:txBody>
+      </p:sp>
+      <p:sp>
+        <p:nvSpPr>
+          <p:cNvPr id="65" name="TextBox 64">
+            <a:extLst>
+              <a:ext uri="{FF2B5EF4-FFF2-40B4-BE49-F238E27FC236}">
+                <a16:creationId xmlns:a16="http://schemas.microsoft.com/office/drawing/2014/main" id="{40D337F7-9BCF-4A96-AD0F-AE467E9DF863}"/>
+              </a:ext>
+            </a:extLst>
+          </p:cNvPr>
+          <p:cNvSpPr txBox="1"/>
+          <p:nvPr/>
+        </p:nvSpPr>
+        <p:spPr>
+          <a:xfrm>
+            <a:off x="3623212" y="4622856"/>
+            <a:ext cx="2329873" cy="1046440"/>
+          </a:xfrm>
+          <a:prstGeom prst="rect">
+            <a:avLst/>
+          </a:prstGeom>
+          <a:noFill/>
+        </p:spPr>
+        <p:txBody>
+          <a:bodyPr wrap="square" rtlCol="0">
+            <a:spAutoFit/>
+          </a:bodyPr>
+          <a:lstStyle/>
+          <a:p>
+            <a:pPr algn="ctr"/>
+            <a:r>
+              <a:rPr lang="en-US" sz="3400" b="1" dirty="0"/>
+              <a:t>$71,059</a:t>
+            </a:r>
+          </a:p>
+          <a:p>
+            <a:pPr algn="ctr"/>
+            <a:r>
+              <a:rPr lang="en-US" sz="1400" dirty="0"/>
+              <a:t>Median Household Income</a:t>
+            </a:r>
+          </a:p>
+          <a:p>
+            <a:pPr algn="ctr"/>
+            <a:r>
+              <a:rPr lang="en-US" sz="1400" dirty="0"/>
+              <a:t>2020</a:t>
+            </a:r>
+          </a:p>
+        </p:txBody>
+      </p:sp>
+      <p:sp>
+        <p:nvSpPr>
+          <p:cNvPr id="66" name="TextBox 65">
+            <a:extLst>
+              <a:ext uri="{FF2B5EF4-FFF2-40B4-BE49-F238E27FC236}">
+                <a16:creationId xmlns:a16="http://schemas.microsoft.com/office/drawing/2014/main" id="{22F225A1-E99E-2815-850D-21FA018A2195}"/>
+              </a:ext>
+            </a:extLst>
+          </p:cNvPr>
+          <p:cNvSpPr txBox="1"/>
+          <p:nvPr/>
+        </p:nvSpPr>
+        <p:spPr>
+          <a:xfrm>
+            <a:off x="9489801" y="4584562"/>
+            <a:ext cx="1997908" cy="830997"/>
+          </a:xfrm>
+          <a:prstGeom prst="rect">
+            <a:avLst/>
+          </a:prstGeom>
+          <a:noFill/>
+        </p:spPr>
+        <p:txBody>
+          <a:bodyPr wrap="square" rtlCol="0">
+            <a:spAutoFit/>
+          </a:bodyPr>
+          <a:lstStyle/>
+          <a:p>
+            <a:pPr algn="ctr"/>
+            <a:r>
+              <a:rPr lang="en-US" sz="3400" b="1" dirty="0"/>
+              <a:t>4.55%</a:t>
+            </a:r>
+          </a:p>
+          <a:p>
+            <a:pPr algn="ctr"/>
+            <a:r>
+              <a:rPr lang="en-US" sz="1400" dirty="0"/>
+              <a:t>Average Mortgage Rate</a:t>
+            </a:r>
+          </a:p>
+        </p:txBody>
+      </p:sp>
+      <p:sp>
+        <p:nvSpPr>
+          <p:cNvPr id="67" name="TextBox 66">
+            <a:extLst>
+              <a:ext uri="{FF2B5EF4-FFF2-40B4-BE49-F238E27FC236}">
+                <a16:creationId xmlns:a16="http://schemas.microsoft.com/office/drawing/2014/main" id="{CD7201A7-9E3A-067E-7422-34FDC06F2DFB}"/>
+              </a:ext>
+            </a:extLst>
+          </p:cNvPr>
+          <p:cNvSpPr txBox="1"/>
+          <p:nvPr/>
+        </p:nvSpPr>
+        <p:spPr>
+          <a:xfrm>
+            <a:off x="6459928" y="4584562"/>
+            <a:ext cx="2368338" cy="1046440"/>
+          </a:xfrm>
+          <a:prstGeom prst="rect">
+            <a:avLst/>
+          </a:prstGeom>
+          <a:noFill/>
+        </p:spPr>
+        <p:txBody>
+          <a:bodyPr wrap="square" rtlCol="0">
+            <a:spAutoFit/>
+          </a:bodyPr>
+          <a:lstStyle/>
+          <a:p>
+            <a:pPr algn="ctr"/>
+            <a:r>
+              <a:rPr lang="en-US" sz="3400" b="1" dirty="0"/>
+              <a:t>$86,461</a:t>
+            </a:r>
+          </a:p>
+          <a:p>
+            <a:pPr algn="ctr"/>
+            <a:r>
+              <a:rPr lang="en-US" sz="1400" dirty="0"/>
+              <a:t>Median Household Income</a:t>
+            </a:r>
+          </a:p>
+          <a:p>
+            <a:pPr algn="ctr"/>
+            <a:r>
+              <a:rPr lang="en-US" sz="1400" dirty="0"/>
+              <a:t>2023</a:t>
+            </a:r>
+          </a:p>
+        </p:txBody>
+      </p:sp>
     </p:spTree>
     <p:extLst>
       <p:ext uri="{BB962C8B-B14F-4D97-AF65-F5344CB8AC3E}">
-        <p14:creationId xmlns:p14="http://schemas.microsoft.com/office/powerpoint/2010/main" val="1987554360"/>
+        <p14:creationId xmlns:p14="http://schemas.microsoft.com/office/powerpoint/2010/main" val="542633763"/>
       </p:ext>
     </p:extLst>
   </p:cSld>
@@ -12655,7 +14273,7 @@
 </p:sld>
 </file>
 
-<file path=ppt/slides/slide7.xml><?xml version="1.0" encoding="utf-8"?>
+<file path=ppt/slides/slide6.xml><?xml version="1.0" encoding="utf-8"?>
 <p:sld xmlns:a="http://schemas.openxmlformats.org/drawingml/2006/main" xmlns:r="http://schemas.openxmlformats.org/officeDocument/2006/relationships" xmlns:p="http://schemas.openxmlformats.org/presentationml/2006/main">
   <p:cSld>
     <p:bg>
@@ -12671,7 +14289,7 @@
         <p:cNvPr id="1" name="">
           <a:extLst>
             <a:ext uri="{FF2B5EF4-FFF2-40B4-BE49-F238E27FC236}">
-              <a16:creationId xmlns:a16="http://schemas.microsoft.com/office/drawing/2014/main" id="{92977AFE-D466-5A50-8F6A-F7BAE56E51C7}"/>
+              <a16:creationId xmlns:a16="http://schemas.microsoft.com/office/drawing/2014/main" id="{2A8644FC-F1EA-B271-90B9-23789C241C95}"/>
             </a:ext>
           </a:extLst>
         </p:cNvPr>
@@ -12691,7 +14309,7 @@
           <p:cNvPr id="17" name="Rectangle 16">
             <a:extLst>
               <a:ext uri="{FF2B5EF4-FFF2-40B4-BE49-F238E27FC236}">
-                <a16:creationId xmlns:a16="http://schemas.microsoft.com/office/drawing/2014/main" id="{E7722BA4-4F7D-7C10-6E2B-8C6046A1BFE0}"/>
+                <a16:creationId xmlns:a16="http://schemas.microsoft.com/office/drawing/2014/main" id="{3CA92C0F-82BD-C8E1-30EE-506B07DFE9EC}"/>
               </a:ext>
               <a:ext uri="{C183D7F6-B498-43B3-948B-1728B52AA6E4}">
                 <adec:decorative xmlns:adec="http://schemas.microsoft.com/office/drawing/2017/decorative" val="1"/>
@@ -12780,7 +14398,7 @@
           <p:cNvPr id="2" name="Title 1">
             <a:extLst>
               <a:ext uri="{FF2B5EF4-FFF2-40B4-BE49-F238E27FC236}">
-                <a16:creationId xmlns:a16="http://schemas.microsoft.com/office/drawing/2014/main" id="{9CD3A3AA-476B-A498-4856-A7F18AA6D853}"/>
+                <a16:creationId xmlns:a16="http://schemas.microsoft.com/office/drawing/2014/main" id="{29061BB3-7E15-2851-2DDF-7643C2B84269}"/>
               </a:ext>
             </a:extLst>
           </p:cNvPr>
@@ -12793,8 +14411,8 @@
         </p:nvSpPr>
         <p:spPr>
           <a:xfrm>
-            <a:off x="746871" y="360954"/>
-            <a:ext cx="10938933" cy="1325563"/>
+            <a:off x="836676" y="360954"/>
+            <a:ext cx="10515600" cy="1325563"/>
           </a:xfrm>
         </p:spPr>
         <p:txBody>
@@ -12804,8 +14422,8 @@
           <a:lstStyle/>
           <a:p>
             <a:r>
-              <a:rPr lang="en-US" sz="2800" b="1" dirty="0"/>
-              <a:t>The Price-to-Income Gap Has Widened in Metro Nashville (2020–2023)</a:t>
+              <a:rPr lang="en-US" b="1" dirty="0"/>
+              <a:t>Sale Price vs Income in Metro Nashville</a:t>
             </a:r>
           </a:p>
         </p:txBody>
@@ -12815,7 +14433,7 @@
           <p:cNvPr id="19" name="sketch line">
             <a:extLst>
               <a:ext uri="{FF2B5EF4-FFF2-40B4-BE49-F238E27FC236}">
-                <a16:creationId xmlns:a16="http://schemas.microsoft.com/office/drawing/2014/main" id="{6C00AC07-3FE6-CA90-2B30-496FA155423E}"/>
+                <a16:creationId xmlns:a16="http://schemas.microsoft.com/office/drawing/2014/main" id="{0A0DC3D1-8C1B-10C4-AFDA-7BA4AB2622B4}"/>
               </a:ext>
               <a:ext uri="{C183D7F6-B498-43B3-948B-1728B52AA6E4}">
                 <adec:decorative xmlns:adec="http://schemas.microsoft.com/office/drawing/2017/decorative" val="1"/>
@@ -13479,10 +15097,10 @@
       </p:sp>
       <p:pic>
         <p:nvPicPr>
-          <p:cNvPr id="4" name="Picture 3" descr="A graph showing the growth of a number of years&#10;&#10;AI-generated content may be incorrect.">
+          <p:cNvPr id="20" name="Picture 19" descr="A graph of a graph&#10;&#10;AI-generated content may be incorrect.">
             <a:extLst>
               <a:ext uri="{FF2B5EF4-FFF2-40B4-BE49-F238E27FC236}">
-                <a16:creationId xmlns:a16="http://schemas.microsoft.com/office/drawing/2014/main" id="{CBCDD5BD-E41D-96BD-F14F-9DEBD40C62F7}"/>
+                <a16:creationId xmlns:a16="http://schemas.microsoft.com/office/drawing/2014/main" id="{D6B1AE58-D5D8-4517-E679-BDEF35A0840C}"/>
               </a:ext>
             </a:extLst>
           </p:cNvPr>
@@ -13505,12 +15123,15 @@
         </p:blipFill>
         <p:spPr>
           <a:xfrm>
-            <a:off x="324663" y="2646656"/>
-            <a:ext cx="5769813" cy="3260349"/>
+            <a:off x="1458204" y="2708100"/>
+            <a:ext cx="9272543" cy="3649537"/>
           </a:xfrm>
           <a:prstGeom prst="rect">
             <a:avLst/>
           </a:prstGeom>
+          <a:solidFill>
+            <a:srgbClr val="F2F2F2"/>
+          </a:solidFill>
           <a:ln w="19050">
             <a:solidFill>
               <a:schemeClr val="tx1"/>
@@ -13527,10 +15148,10 @@
       </p:pic>
       <p:sp>
         <p:nvSpPr>
-          <p:cNvPr id="5" name="TextBox 4">
+          <p:cNvPr id="21" name="TextBox 20">
             <a:extLst>
               <a:ext uri="{FF2B5EF4-FFF2-40B4-BE49-F238E27FC236}">
-                <a16:creationId xmlns:a16="http://schemas.microsoft.com/office/drawing/2014/main" id="{BF24B234-FCE9-73B0-EE9A-B3C50C0E6F3E}"/>
+                <a16:creationId xmlns:a16="http://schemas.microsoft.com/office/drawing/2014/main" id="{600A8C6F-BFC4-607E-3627-E251A8A378A6}"/>
               </a:ext>
             </a:extLst>
           </p:cNvPr>
@@ -13539,8 +15160,8 @@
         </p:nvSpPr>
         <p:spPr>
           <a:xfrm>
-            <a:off x="2237003" y="1862805"/>
-            <a:ext cx="7958667" cy="369332"/>
+            <a:off x="1331975" y="2047471"/>
+            <a:ext cx="9525000" cy="369332"/>
           </a:xfrm>
           <a:prstGeom prst="rect">
             <a:avLst/>
@@ -13555,51 +15176,15 @@
           <a:p>
             <a:r>
               <a:rPr lang="en-US" dirty="0"/>
-              <a:t>Rising home prices outpaced income growth, worsening housing affordability</a:t>
-            </a:r>
-          </a:p>
-        </p:txBody>
-      </p:sp>
-      <p:sp>
-        <p:nvSpPr>
-          <p:cNvPr id="6" name="TextBox 5">
-            <a:extLst>
-              <a:ext uri="{FF2B5EF4-FFF2-40B4-BE49-F238E27FC236}">
-                <a16:creationId xmlns:a16="http://schemas.microsoft.com/office/drawing/2014/main" id="{7C17B134-C5BC-C626-F537-43616E13A7E1}"/>
-              </a:ext>
-            </a:extLst>
-          </p:cNvPr>
-          <p:cNvSpPr txBox="1"/>
-          <p:nvPr/>
-        </p:nvSpPr>
-        <p:spPr>
-          <a:xfrm>
-            <a:off x="6722364" y="3429000"/>
-            <a:ext cx="4800600" cy="923330"/>
-          </a:xfrm>
-          <a:prstGeom prst="rect">
-            <a:avLst/>
-          </a:prstGeom>
-          <a:noFill/>
-        </p:spPr>
-        <p:txBody>
-          <a:bodyPr wrap="square" rtlCol="0">
-            <a:spAutoFit/>
-          </a:bodyPr>
-          <a:lstStyle/>
-          <a:p>
-            <a:r>
-              <a:rPr lang="en-US"/>
-              <a:t>The rising price-to-income ratio indicates that housing became less affordable for median-income households between 2020 and 2023.</a:t>
-            </a:r>
-            <a:endParaRPr lang="en-US" dirty="0"/>
+              <a:t>Median home prices rose nearly twice as fast as household incomes between 2020 and 2023.</a:t>
+            </a:r>
           </a:p>
         </p:txBody>
       </p:sp>
     </p:spTree>
     <p:extLst>
       <p:ext uri="{BB962C8B-B14F-4D97-AF65-F5344CB8AC3E}">
-        <p14:creationId xmlns:p14="http://schemas.microsoft.com/office/powerpoint/2010/main" val="2767592310"/>
+        <p14:creationId xmlns:p14="http://schemas.microsoft.com/office/powerpoint/2010/main" val="1987554360"/>
       </p:ext>
     </p:extLst>
   </p:cSld>
@@ -13609,7 +15194,7 @@
 </p:sld>
 </file>
 
-<file path=ppt/slides/slide8.xml><?xml version="1.0" encoding="utf-8"?>
+<file path=ppt/slides/slide7.xml><?xml version="1.0" encoding="utf-8"?>
 <p:sld xmlns:a="http://schemas.openxmlformats.org/drawingml/2006/main" xmlns:r="http://schemas.openxmlformats.org/officeDocument/2006/relationships" xmlns:p="http://schemas.openxmlformats.org/presentationml/2006/main">
   <p:cSld>
     <p:bg>
@@ -13625,7 +15210,7 @@
         <p:cNvPr id="1" name="">
           <a:extLst>
             <a:ext uri="{FF2B5EF4-FFF2-40B4-BE49-F238E27FC236}">
-              <a16:creationId xmlns:a16="http://schemas.microsoft.com/office/drawing/2014/main" id="{0F5E8FF1-0B7C-B260-49EB-B6D21E94B6FB}"/>
+              <a16:creationId xmlns:a16="http://schemas.microsoft.com/office/drawing/2014/main" id="{92977AFE-D466-5A50-8F6A-F7BAE56E51C7}"/>
             </a:ext>
           </a:extLst>
         </p:cNvPr>
@@ -13645,7 +15230,7 @@
           <p:cNvPr id="17" name="Rectangle 16">
             <a:extLst>
               <a:ext uri="{FF2B5EF4-FFF2-40B4-BE49-F238E27FC236}">
-                <a16:creationId xmlns:a16="http://schemas.microsoft.com/office/drawing/2014/main" id="{E7E7921F-E1EA-18E5-9334-1677A4D20D9B}"/>
+                <a16:creationId xmlns:a16="http://schemas.microsoft.com/office/drawing/2014/main" id="{E7722BA4-4F7D-7C10-6E2B-8C6046A1BFE0}"/>
               </a:ext>
               <a:ext uri="{C183D7F6-B498-43B3-948B-1728B52AA6E4}">
                 <adec:decorative xmlns:adec="http://schemas.microsoft.com/office/drawing/2017/decorative" val="1"/>
@@ -13734,7 +15319,7 @@
           <p:cNvPr id="2" name="Title 1">
             <a:extLst>
               <a:ext uri="{FF2B5EF4-FFF2-40B4-BE49-F238E27FC236}">
-                <a16:creationId xmlns:a16="http://schemas.microsoft.com/office/drawing/2014/main" id="{FF5C7DD5-93F4-87B9-7BE2-CF7C4DD653E2}"/>
+                <a16:creationId xmlns:a16="http://schemas.microsoft.com/office/drawing/2014/main" id="{9CD3A3AA-476B-A498-4856-A7F18AA6D853}"/>
               </a:ext>
             </a:extLst>
           </p:cNvPr>
@@ -13747,8 +15332,8 @@
         </p:nvSpPr>
         <p:spPr>
           <a:xfrm>
-            <a:off x="838200" y="365125"/>
-            <a:ext cx="10515600" cy="1325563"/>
+            <a:off x="746871" y="360954"/>
+            <a:ext cx="10938933" cy="1325563"/>
           </a:xfrm>
         </p:spPr>
         <p:txBody>
@@ -13758,10 +15343,9 @@
           <a:lstStyle/>
           <a:p>
             <a:r>
-              <a:rPr lang="en-US" sz="5400" dirty="0"/>
-              <a:t>Housing Supply Trends</a:t>
-            </a:r>
-            <a:endParaRPr lang="en-US" sz="5000" dirty="0"/>
+              <a:rPr lang="en-US" b="1" dirty="0"/>
+              <a:t>The Price-to-Income Gap in Metro Nashville</a:t>
+            </a:r>
           </a:p>
         </p:txBody>
       </p:sp>
@@ -13770,7 +15354,7 @@
           <p:cNvPr id="19" name="sketch line">
             <a:extLst>
               <a:ext uri="{FF2B5EF4-FFF2-40B4-BE49-F238E27FC236}">
-                <a16:creationId xmlns:a16="http://schemas.microsoft.com/office/drawing/2014/main" id="{1D4651A1-DDB8-CDAF-EA48-546286D4DC25}"/>
+                <a16:creationId xmlns:a16="http://schemas.microsoft.com/office/drawing/2014/main" id="{6C00AC07-3FE6-CA90-2B30-496FA155423E}"/>
               </a:ext>
               <a:ext uri="{C183D7F6-B498-43B3-948B-1728B52AA6E4}">
                 <adec:decorative xmlns:adec="http://schemas.microsoft.com/office/drawing/2017/decorative" val="1"/>
@@ -14434,10 +16018,10 @@
       </p:sp>
       <p:sp>
         <p:nvSpPr>
-          <p:cNvPr id="3" name="TextBox 2">
+          <p:cNvPr id="6" name="TextBox 5">
             <a:extLst>
               <a:ext uri="{FF2B5EF4-FFF2-40B4-BE49-F238E27FC236}">
-                <a16:creationId xmlns:a16="http://schemas.microsoft.com/office/drawing/2014/main" id="{EC0A0C89-1E1F-F145-68DD-4741EE1F21A2}"/>
+                <a16:creationId xmlns:a16="http://schemas.microsoft.com/office/drawing/2014/main" id="{7C17B134-C5BC-C626-F537-43616E13A7E1}"/>
               </a:ext>
             </a:extLst>
           </p:cNvPr>
@@ -14446,8 +16030,8 @@
         </p:nvSpPr>
         <p:spPr>
           <a:xfrm>
-            <a:off x="736750" y="2776817"/>
-            <a:ext cx="5706600" cy="2661774"/>
+            <a:off x="6805676" y="3887164"/>
+            <a:ext cx="4800600" cy="1477328"/>
           </a:xfrm>
           <a:prstGeom prst="rect">
             <a:avLst/>
@@ -14462,17 +16046,25 @@
           <a:p>
             <a:r>
               <a:rPr lang="en-US" dirty="0"/>
-              <a:t>Between 2020 and 2023, total housing units in Metro Nashville increased modestly, while occupied units grew more rapidly, resulting in persistently low vacancy rates. This tightening of housing supply coincided with a steady increase in the price-to-income ratio, indicating declining housing affordability. These trends suggest that limited housing supply growth relative to demand contributed to rising home prices that outpaced income growth.</a:t>
+              <a:t>Between 2020 and 2022, median home prices rose faster than incomes, increasing the price-to-income ratio from </a:t>
+            </a:r>
+            <a:r>
+              <a:rPr lang="en-US" b="1" dirty="0"/>
+              <a:t>4.7 to 5.8</a:t>
+            </a:r>
+            <a:r>
+              <a:rPr lang="en-US" dirty="0"/>
+              <a:t>. While incomes rose in 2023, affordability remained strained, with the ratio still above pre-pandemic levels.</a:t>
             </a:r>
           </a:p>
         </p:txBody>
       </p:sp>
       <p:pic>
         <p:nvPicPr>
-          <p:cNvPr id="5" name="Picture 4" descr="A graph of a number of people with numbers and a line&#10;&#10;AI-generated content may be incorrect.">
+          <p:cNvPr id="8" name="Picture 7" descr="A graph showing the number of income ratio&#10;&#10;AI-generated content may be incorrect.">
             <a:extLst>
               <a:ext uri="{FF2B5EF4-FFF2-40B4-BE49-F238E27FC236}">
-                <a16:creationId xmlns:a16="http://schemas.microsoft.com/office/drawing/2014/main" id="{3ABD3270-EED2-272F-5DB7-267DB37C4CCA}"/>
+                <a16:creationId xmlns:a16="http://schemas.microsoft.com/office/drawing/2014/main" id="{A7261C30-2903-48D2-DB63-C01B4E0A123C}"/>
               </a:ext>
             </a:extLst>
           </p:cNvPr>
@@ -14482,7 +16074,7 @@
           <p:nvPr/>
         </p:nvPicPr>
         <p:blipFill>
-          <a:blip r:embed="rId2">
+          <a:blip r:embed="rId3">
             <a:extLst>
               <a:ext uri="{28A0092B-C50C-407E-A947-70E740481C1C}">
                 <a14:useLocalDpi xmlns:a14="http://schemas.microsoft.com/office/drawing/2010/main" val="0"/>
@@ -14495,18 +16087,173 @@
         </p:blipFill>
         <p:spPr>
           <a:xfrm>
-            <a:off x="6663832" y="2648362"/>
-            <a:ext cx="5170168" cy="2918683"/>
+            <a:off x="518617" y="2269067"/>
+            <a:ext cx="5537759" cy="3627147"/>
           </a:xfrm>
           <a:prstGeom prst="rect">
             <a:avLst/>
           </a:prstGeom>
+          <a:ln w="19050">
+            <a:solidFill>
+              <a:schemeClr val="tx1"/>
+            </a:solidFill>
+          </a:ln>
+          <a:effectLst>
+            <a:outerShdw blurRad="63500" sx="102000" sy="102000" algn="ctr" rotWithShape="0">
+              <a:prstClr val="black">
+                <a:alpha val="40000"/>
+              </a:prstClr>
+            </a:outerShdw>
+          </a:effectLst>
         </p:spPr>
       </p:pic>
+      <p:sp>
+        <p:nvSpPr>
+          <p:cNvPr id="10" name="TextBox 9">
+            <a:extLst>
+              <a:ext uri="{FF2B5EF4-FFF2-40B4-BE49-F238E27FC236}">
+                <a16:creationId xmlns:a16="http://schemas.microsoft.com/office/drawing/2014/main" id="{0C14E7C4-BD1E-A981-A7EF-4E5642FCA054}"/>
+              </a:ext>
+            </a:extLst>
+          </p:cNvPr>
+          <p:cNvSpPr txBox="1"/>
+          <p:nvPr/>
+        </p:nvSpPr>
+        <p:spPr>
+          <a:xfrm>
+            <a:off x="6497996" y="2601505"/>
+            <a:ext cx="2624667" cy="369332"/>
+          </a:xfrm>
+          <a:prstGeom prst="rect">
+            <a:avLst/>
+          </a:prstGeom>
+          <a:noFill/>
+        </p:spPr>
+        <p:txBody>
+          <a:bodyPr wrap="square" rtlCol="0">
+            <a:spAutoFit/>
+          </a:bodyPr>
+          <a:lstStyle/>
+          <a:p>
+            <a:r>
+              <a:rPr lang="en-US" dirty="0"/>
+              <a:t>Price-to-Income Ratio =</a:t>
+            </a:r>
+          </a:p>
+        </p:txBody>
+      </p:sp>
+      <p:sp>
+        <p:nvSpPr>
+          <p:cNvPr id="11" name="TextBox 10">
+            <a:extLst>
+              <a:ext uri="{FF2B5EF4-FFF2-40B4-BE49-F238E27FC236}">
+                <a16:creationId xmlns:a16="http://schemas.microsoft.com/office/drawing/2014/main" id="{B14B5E4F-FAE5-273D-4212-BDC05E0394AC}"/>
+              </a:ext>
+            </a:extLst>
+          </p:cNvPr>
+          <p:cNvSpPr txBox="1"/>
+          <p:nvPr/>
+        </p:nvSpPr>
+        <p:spPr>
+          <a:xfrm>
+            <a:off x="9048715" y="2375847"/>
+            <a:ext cx="2624668" cy="369332"/>
+          </a:xfrm>
+          <a:prstGeom prst="rect">
+            <a:avLst/>
+          </a:prstGeom>
+          <a:noFill/>
+        </p:spPr>
+        <p:txBody>
+          <a:bodyPr wrap="square" rtlCol="0">
+            <a:spAutoFit/>
+          </a:bodyPr>
+          <a:lstStyle/>
+          <a:p>
+            <a:r>
+              <a:rPr lang="en-US" dirty="0"/>
+              <a:t>Median Home Sale Price</a:t>
+            </a:r>
+          </a:p>
+        </p:txBody>
+      </p:sp>
+      <p:sp>
+        <p:nvSpPr>
+          <p:cNvPr id="12" name="TextBox 11">
+            <a:extLst>
+              <a:ext uri="{FF2B5EF4-FFF2-40B4-BE49-F238E27FC236}">
+                <a16:creationId xmlns:a16="http://schemas.microsoft.com/office/drawing/2014/main" id="{106330F7-4175-F54E-5BFC-7E5FDF1409EC}"/>
+              </a:ext>
+            </a:extLst>
+          </p:cNvPr>
+          <p:cNvSpPr txBox="1"/>
+          <p:nvPr/>
+        </p:nvSpPr>
+        <p:spPr>
+          <a:xfrm>
+            <a:off x="8933156" y="2786171"/>
+            <a:ext cx="2929734" cy="369332"/>
+          </a:xfrm>
+          <a:prstGeom prst="rect">
+            <a:avLst/>
+          </a:prstGeom>
+          <a:noFill/>
+        </p:spPr>
+        <p:txBody>
+          <a:bodyPr wrap="square" rtlCol="0">
+            <a:spAutoFit/>
+          </a:bodyPr>
+          <a:lstStyle/>
+          <a:p>
+            <a:r>
+              <a:rPr lang="en-US" dirty="0"/>
+              <a:t>Median Household Income</a:t>
+            </a:r>
+          </a:p>
+        </p:txBody>
+      </p:sp>
+      <p:cxnSp>
+        <p:nvCxnSpPr>
+          <p:cNvPr id="14" name="Straight Connector 13">
+            <a:extLst>
+              <a:ext uri="{FF2B5EF4-FFF2-40B4-BE49-F238E27FC236}">
+                <a16:creationId xmlns:a16="http://schemas.microsoft.com/office/drawing/2014/main" id="{8B58EA03-6D38-5D8F-C94A-F215E27DE5F9}"/>
+              </a:ext>
+            </a:extLst>
+          </p:cNvPr>
+          <p:cNvCxnSpPr>
+            <a:cxnSpLocks/>
+          </p:cNvCxnSpPr>
+          <p:nvPr/>
+        </p:nvCxnSpPr>
+        <p:spPr>
+          <a:xfrm>
+            <a:off x="9048715" y="2786171"/>
+            <a:ext cx="2474249" cy="0"/>
+          </a:xfrm>
+          <a:prstGeom prst="line">
+            <a:avLst/>
+          </a:prstGeom>
+        </p:spPr>
+        <p:style>
+          <a:lnRef idx="2">
+            <a:schemeClr val="dk1"/>
+          </a:lnRef>
+          <a:fillRef idx="0">
+            <a:schemeClr val="dk1"/>
+          </a:fillRef>
+          <a:effectRef idx="1">
+            <a:schemeClr val="dk1"/>
+          </a:effectRef>
+          <a:fontRef idx="minor">
+            <a:schemeClr val="tx1"/>
+          </a:fontRef>
+        </p:style>
+      </p:cxnSp>
     </p:spTree>
     <p:extLst>
       <p:ext uri="{BB962C8B-B14F-4D97-AF65-F5344CB8AC3E}">
-        <p14:creationId xmlns:p14="http://schemas.microsoft.com/office/powerpoint/2010/main" val="2267194495"/>
+        <p14:creationId xmlns:p14="http://schemas.microsoft.com/office/powerpoint/2010/main" val="2767592310"/>
       </p:ext>
     </p:extLst>
   </p:cSld>
@@ -14516,7 +16263,7 @@
 </p:sld>
 </file>
 
-<file path=ppt/slides/slide9.xml><?xml version="1.0" encoding="utf-8"?>
+<file path=ppt/slides/slide8.xml><?xml version="1.0" encoding="utf-8"?>
 <p:sld xmlns:a="http://schemas.openxmlformats.org/drawingml/2006/main" xmlns:r="http://schemas.openxmlformats.org/officeDocument/2006/relationships" xmlns:p="http://schemas.openxmlformats.org/presentationml/2006/main">
   <p:cSld>
     <p:bg>
@@ -14532,7 +16279,7 @@
         <p:cNvPr id="1" name="">
           <a:extLst>
             <a:ext uri="{FF2B5EF4-FFF2-40B4-BE49-F238E27FC236}">
-              <a16:creationId xmlns:a16="http://schemas.microsoft.com/office/drawing/2014/main" id="{1D0F607B-AF95-8825-CD41-507AFF4CE376}"/>
+              <a16:creationId xmlns:a16="http://schemas.microsoft.com/office/drawing/2014/main" id="{0F5E8FF1-0B7C-B260-49EB-B6D21E94B6FB}"/>
             </a:ext>
           </a:extLst>
         </p:cNvPr>
@@ -14552,7 +16299,7 @@
           <p:cNvPr id="17" name="Rectangle 16">
             <a:extLst>
               <a:ext uri="{FF2B5EF4-FFF2-40B4-BE49-F238E27FC236}">
-                <a16:creationId xmlns:a16="http://schemas.microsoft.com/office/drawing/2014/main" id="{DF1FAD6C-F451-7E57-E4AE-A50CE06C8349}"/>
+                <a16:creationId xmlns:a16="http://schemas.microsoft.com/office/drawing/2014/main" id="{E7E7921F-E1EA-18E5-9334-1677A4D20D9B}"/>
               </a:ext>
               <a:ext uri="{C183D7F6-B498-43B3-948B-1728B52AA6E4}">
                 <adec:decorative xmlns:adec="http://schemas.microsoft.com/office/drawing/2017/decorative" val="1"/>
@@ -14641,7 +16388,7 @@
           <p:cNvPr id="2" name="Title 1">
             <a:extLst>
               <a:ext uri="{FF2B5EF4-FFF2-40B4-BE49-F238E27FC236}">
-                <a16:creationId xmlns:a16="http://schemas.microsoft.com/office/drawing/2014/main" id="{51F9CD1A-A750-7D78-ECE6-CEB7E83AE85A}"/>
+                <a16:creationId xmlns:a16="http://schemas.microsoft.com/office/drawing/2014/main" id="{FF5C7DD5-93F4-87B9-7BE2-CF7C4DD653E2}"/>
               </a:ext>
             </a:extLst>
           </p:cNvPr>
@@ -14665,10 +16412,9 @@
           <a:lstStyle/>
           <a:p>
             <a:r>
-              <a:rPr lang="en-US" sz="5400" dirty="0"/>
-              <a:t>Mortgage Rates &amp; Affordability</a:t>
-            </a:r>
-            <a:endParaRPr lang="en-US" sz="5000" dirty="0"/>
+              <a:rPr lang="en-US" b="1" dirty="0"/>
+              <a:t>Housing Supply Trends</a:t>
+            </a:r>
           </a:p>
         </p:txBody>
       </p:sp>
@@ -14677,7 +16423,7 @@
           <p:cNvPr id="19" name="sketch line">
             <a:extLst>
               <a:ext uri="{FF2B5EF4-FFF2-40B4-BE49-F238E27FC236}">
-                <a16:creationId xmlns:a16="http://schemas.microsoft.com/office/drawing/2014/main" id="{43906963-7694-25CF-7143-F37984178892}"/>
+                <a16:creationId xmlns:a16="http://schemas.microsoft.com/office/drawing/2014/main" id="{1D4651A1-DDB8-CDAF-EA48-546286D4DC25}"/>
               </a:ext>
               <a:ext uri="{C183D7F6-B498-43B3-948B-1728B52AA6E4}">
                 <adec:decorative xmlns:adec="http://schemas.microsoft.com/office/drawing/2017/decorative" val="1"/>
@@ -15336,6 +17082,1007 @@
               <a:ea typeface="+mn-ea"/>
               <a:cs typeface="+mn-cs"/>
             </a:endParaRPr>
+          </a:p>
+        </p:txBody>
+      </p:sp>
+      <p:pic>
+        <p:nvPicPr>
+          <p:cNvPr id="7" name="Picture 6" descr="A graph of a graph showing the number of years&#10;&#10;AI-generated content may be incorrect.">
+            <a:extLst>
+              <a:ext uri="{FF2B5EF4-FFF2-40B4-BE49-F238E27FC236}">
+                <a16:creationId xmlns:a16="http://schemas.microsoft.com/office/drawing/2014/main" id="{03D5F38E-0178-A593-8139-0AF0A5BC4C97}"/>
+              </a:ext>
+            </a:extLst>
+          </p:cNvPr>
+          <p:cNvPicPr>
+            <a:picLocks noChangeAspect="1"/>
+          </p:cNvPicPr>
+          <p:nvPr/>
+        </p:nvPicPr>
+        <p:blipFill>
+          <a:blip r:embed="rId2">
+            <a:extLst>
+              <a:ext uri="{28A0092B-C50C-407E-A947-70E740481C1C}">
+                <a14:useLocalDpi xmlns:a14="http://schemas.microsoft.com/office/drawing/2010/main" val="0"/>
+              </a:ext>
+            </a:extLst>
+          </a:blip>
+          <a:stretch>
+            <a:fillRect/>
+          </a:stretch>
+        </p:blipFill>
+        <p:spPr>
+          <a:xfrm>
+            <a:off x="704029" y="2055813"/>
+            <a:ext cx="5564353" cy="4366245"/>
+          </a:xfrm>
+          <a:prstGeom prst="rect">
+            <a:avLst/>
+          </a:prstGeom>
+          <a:ln w="19050">
+            <a:solidFill>
+              <a:schemeClr val="tx1"/>
+            </a:solidFill>
+          </a:ln>
+          <a:effectLst>
+            <a:outerShdw blurRad="63500" sx="102000" sy="102000" algn="ctr" rotWithShape="0">
+              <a:prstClr val="black">
+                <a:alpha val="40000"/>
+              </a:prstClr>
+            </a:outerShdw>
+          </a:effectLst>
+        </p:spPr>
+      </p:pic>
+      <p:sp>
+        <p:nvSpPr>
+          <p:cNvPr id="8" name="TextBox 7">
+            <a:extLst>
+              <a:ext uri="{FF2B5EF4-FFF2-40B4-BE49-F238E27FC236}">
+                <a16:creationId xmlns:a16="http://schemas.microsoft.com/office/drawing/2014/main" id="{9D29D358-04B9-5357-361B-0994D1A9FA6E}"/>
+              </a:ext>
+            </a:extLst>
+          </p:cNvPr>
+          <p:cNvSpPr txBox="1"/>
+          <p:nvPr/>
+        </p:nvSpPr>
+        <p:spPr>
+          <a:xfrm>
+            <a:off x="6773334" y="3075503"/>
+            <a:ext cx="4910666" cy="1754326"/>
+          </a:xfrm>
+          <a:prstGeom prst="rect">
+            <a:avLst/>
+          </a:prstGeom>
+          <a:noFill/>
+        </p:spPr>
+        <p:txBody>
+          <a:bodyPr wrap="square" rtlCol="0">
+            <a:spAutoFit/>
+          </a:bodyPr>
+          <a:lstStyle/>
+          <a:p>
+            <a:r>
+              <a:rPr lang="en-US" dirty="0"/>
+              <a:t>Housing supply tightened sharply in 2021 as inventory fell and demand remained strong. Even as inventory partially recovered after 2021, higher prices and rising mortgage rates reduced sales activity, contributing to continued price pressure and affordability challenges.</a:t>
+            </a:r>
+          </a:p>
+        </p:txBody>
+      </p:sp>
+    </p:spTree>
+    <p:extLst>
+      <p:ext uri="{BB962C8B-B14F-4D97-AF65-F5344CB8AC3E}">
+        <p14:creationId xmlns:p14="http://schemas.microsoft.com/office/powerpoint/2010/main" val="2267194495"/>
+      </p:ext>
+    </p:extLst>
+  </p:cSld>
+  <p:clrMapOvr>
+    <a:masterClrMapping/>
+  </p:clrMapOvr>
+</p:sld>
+</file>
+
+<file path=ppt/slides/slide9.xml><?xml version="1.0" encoding="utf-8"?>
+<p:sld xmlns:a="http://schemas.openxmlformats.org/drawingml/2006/main" xmlns:r="http://schemas.openxmlformats.org/officeDocument/2006/relationships" xmlns:p="http://schemas.openxmlformats.org/presentationml/2006/main">
+  <p:cSld>
+    <p:bg>
+      <p:bgPr>
+        <a:solidFill>
+          <a:schemeClr val="bg1"/>
+        </a:solidFill>
+        <a:effectLst/>
+      </p:bgPr>
+    </p:bg>
+    <p:spTree>
+      <p:nvGrpSpPr>
+        <p:cNvPr id="1" name="">
+          <a:extLst>
+            <a:ext uri="{FF2B5EF4-FFF2-40B4-BE49-F238E27FC236}">
+              <a16:creationId xmlns:a16="http://schemas.microsoft.com/office/drawing/2014/main" id="{1D0F607B-AF95-8825-CD41-507AFF4CE376}"/>
+            </a:ext>
+          </a:extLst>
+        </p:cNvPr>
+        <p:cNvGrpSpPr/>
+        <p:nvPr/>
+      </p:nvGrpSpPr>
+      <p:grpSpPr>
+        <a:xfrm>
+          <a:off x="0" y="0"/>
+          <a:ext cx="0" cy="0"/>
+          <a:chOff x="0" y="0"/>
+          <a:chExt cx="0" cy="0"/>
+        </a:xfrm>
+      </p:grpSpPr>
+      <p:sp useBgFill="1">
+        <p:nvSpPr>
+          <p:cNvPr id="17" name="Rectangle 16">
+            <a:extLst>
+              <a:ext uri="{FF2B5EF4-FFF2-40B4-BE49-F238E27FC236}">
+                <a16:creationId xmlns:a16="http://schemas.microsoft.com/office/drawing/2014/main" id="{DF1FAD6C-F451-7E57-E4AE-A50CE06C8349}"/>
+              </a:ext>
+              <a:ext uri="{C183D7F6-B498-43B3-948B-1728B52AA6E4}">
+                <adec:decorative xmlns:adec="http://schemas.microsoft.com/office/drawing/2017/decorative" val="1"/>
+              </a:ext>
+            </a:extLst>
+          </p:cNvPr>
+          <p:cNvSpPr>
+            <a:spLocks noGrp="1" noRot="1" noChangeAspect="1" noMove="1" noResize="1" noEditPoints="1" noAdjustHandles="1" noChangeArrowheads="1" noChangeShapeType="1" noTextEdit="1"/>
+          </p:cNvSpPr>
+          <p:nvPr>
+            <p:extLst>
+              <p:ext uri="{386F3935-93C4-4BCD-93E2-E3B085C9AB24}">
+                <p16:designElem xmlns:p16="http://schemas.microsoft.com/office/powerpoint/2015/main" val="1"/>
+              </p:ext>
+            </p:extLst>
+          </p:nvPr>
+        </p:nvSpPr>
+        <p:spPr>
+          <a:xfrm>
+            <a:off x="0" y="0"/>
+            <a:ext cx="12188952" cy="6858000"/>
+          </a:xfrm>
+          <a:prstGeom prst="rect">
+            <a:avLst/>
+          </a:prstGeom>
+          <a:ln>
+            <a:noFill/>
+          </a:ln>
+        </p:spPr>
+        <p:style>
+          <a:lnRef idx="2">
+            <a:schemeClr val="accent1">
+              <a:shade val="50000"/>
+            </a:schemeClr>
+          </a:lnRef>
+          <a:fillRef idx="1">
+            <a:schemeClr val="accent1"/>
+          </a:fillRef>
+          <a:effectRef idx="0">
+            <a:schemeClr val="accent1"/>
+          </a:effectRef>
+          <a:fontRef idx="minor">
+            <a:schemeClr val="lt1"/>
+          </a:fontRef>
+        </p:style>
+        <p:txBody>
+          <a:bodyPr rtlCol="0" anchor="ctr"/>
+          <a:lstStyle/>
+          <a:p>
+            <a:pPr marL="0" marR="0" lvl="0" indent="0" algn="ctr" defTabSz="914400" rtl="0" eaLnBrk="1" fontAlgn="auto" latinLnBrk="0" hangingPunct="1">
+              <a:lnSpc>
+                <a:spcPct val="100000"/>
+              </a:lnSpc>
+              <a:spcBef>
+                <a:spcPts val="0"/>
+              </a:spcBef>
+              <a:spcAft>
+                <a:spcPts val="0"/>
+              </a:spcAft>
+              <a:buClrTx/>
+              <a:buSzTx/>
+              <a:buFontTx/>
+              <a:buNone/>
+              <a:tabLst/>
+              <a:defRPr/>
+            </a:pPr>
+            <a:endParaRPr kumimoji="0" lang="en-US" sz="1800" b="0" i="0" u="none" strike="noStrike" kern="1200" cap="none" spc="0" normalizeH="0" baseline="0" noProof="0">
+              <a:ln>
+                <a:noFill/>
+              </a:ln>
+              <a:solidFill>
+                <a:prstClr val="white"/>
+              </a:solidFill>
+              <a:effectLst/>
+              <a:uLnTx/>
+              <a:uFillTx/>
+              <a:latin typeface="Aptos" panose="02110004020202020204"/>
+              <a:ea typeface="+mn-ea"/>
+              <a:cs typeface="+mn-cs"/>
+            </a:endParaRPr>
+          </a:p>
+        </p:txBody>
+      </p:sp>
+      <p:sp>
+        <p:nvSpPr>
+          <p:cNvPr id="2" name="Title 1">
+            <a:extLst>
+              <a:ext uri="{FF2B5EF4-FFF2-40B4-BE49-F238E27FC236}">
+                <a16:creationId xmlns:a16="http://schemas.microsoft.com/office/drawing/2014/main" id="{51F9CD1A-A750-7D78-ECE6-CEB7E83AE85A}"/>
+              </a:ext>
+            </a:extLst>
+          </p:cNvPr>
+          <p:cNvSpPr>
+            <a:spLocks noGrp="1"/>
+          </p:cNvSpPr>
+          <p:nvPr>
+            <p:ph type="title"/>
+          </p:nvPr>
+        </p:nvSpPr>
+        <p:spPr>
+          <a:xfrm>
+            <a:off x="838200" y="365125"/>
+            <a:ext cx="10515600" cy="1325563"/>
+          </a:xfrm>
+        </p:spPr>
+        <p:txBody>
+          <a:bodyPr>
+            <a:normAutofit/>
+          </a:bodyPr>
+          <a:lstStyle/>
+          <a:p>
+            <a:r>
+              <a:rPr lang="en-US" sz="3600" b="1" dirty="0"/>
+              <a:t>Rising Mortgage Rates Increased Borrowing Costs</a:t>
+            </a:r>
+          </a:p>
+        </p:txBody>
+      </p:sp>
+      <p:sp>
+        <p:nvSpPr>
+          <p:cNvPr id="19" name="sketch line">
+            <a:extLst>
+              <a:ext uri="{FF2B5EF4-FFF2-40B4-BE49-F238E27FC236}">
+                <a16:creationId xmlns:a16="http://schemas.microsoft.com/office/drawing/2014/main" id="{43906963-7694-25CF-7143-F37984178892}"/>
+              </a:ext>
+              <a:ext uri="{C183D7F6-B498-43B3-948B-1728B52AA6E4}">
+                <adec:decorative xmlns:adec="http://schemas.microsoft.com/office/drawing/2017/decorative" val="1"/>
+              </a:ext>
+            </a:extLst>
+          </p:cNvPr>
+          <p:cNvSpPr>
+            <a:spLocks noGrp="1" noRot="1" noChangeAspect="1" noMove="1" noResize="1" noEditPoints="1" noAdjustHandles="1" noChangeArrowheads="1" noChangeShapeType="1" noTextEdit="1"/>
+          </p:cNvSpPr>
+          <p:nvPr>
+            <p:extLst>
+              <p:ext uri="{386F3935-93C4-4BCD-93E2-E3B085C9AB24}">
+                <p16:designElem xmlns:p16="http://schemas.microsoft.com/office/powerpoint/2015/main" val="1"/>
+              </p:ext>
+            </p:extLst>
+          </p:nvPr>
+        </p:nvSpPr>
+        <p:spPr>
+          <a:xfrm>
+            <a:off x="669036" y="1677373"/>
+            <a:ext cx="10853928" cy="18288"/>
+          </a:xfrm>
+          <a:custGeom>
+            <a:avLst/>
+            <a:gdLst>
+              <a:gd name="csX0" fmla="*/ 0 w 10853928"/>
+              <a:gd name="csY0" fmla="*/ 0 h 18288"/>
+              <a:gd name="csX1" fmla="*/ 461292 w 10853928"/>
+              <a:gd name="csY1" fmla="*/ 0 h 18288"/>
+              <a:gd name="csX2" fmla="*/ 1139662 w 10853928"/>
+              <a:gd name="csY2" fmla="*/ 0 h 18288"/>
+              <a:gd name="csX3" fmla="*/ 1926572 w 10853928"/>
+              <a:gd name="csY3" fmla="*/ 0 h 18288"/>
+              <a:gd name="csX4" fmla="*/ 2279325 w 10853928"/>
+              <a:gd name="csY4" fmla="*/ 0 h 18288"/>
+              <a:gd name="csX5" fmla="*/ 2632078 w 10853928"/>
+              <a:gd name="csY5" fmla="*/ 0 h 18288"/>
+              <a:gd name="csX6" fmla="*/ 3527527 w 10853928"/>
+              <a:gd name="csY6" fmla="*/ 0 h 18288"/>
+              <a:gd name="csX7" fmla="*/ 4205897 w 10853928"/>
+              <a:gd name="csY7" fmla="*/ 0 h 18288"/>
+              <a:gd name="csX8" fmla="*/ 4558650 w 10853928"/>
+              <a:gd name="csY8" fmla="*/ 0 h 18288"/>
+              <a:gd name="csX9" fmla="*/ 5237020 w 10853928"/>
+              <a:gd name="csY9" fmla="*/ 0 h 18288"/>
+              <a:gd name="csX10" fmla="*/ 6132469 w 10853928"/>
+              <a:gd name="csY10" fmla="*/ 0 h 18288"/>
+              <a:gd name="csX11" fmla="*/ 6702301 w 10853928"/>
+              <a:gd name="csY11" fmla="*/ 0 h 18288"/>
+              <a:gd name="csX12" fmla="*/ 7272132 w 10853928"/>
+              <a:gd name="csY12" fmla="*/ 0 h 18288"/>
+              <a:gd name="csX13" fmla="*/ 7950502 w 10853928"/>
+              <a:gd name="csY13" fmla="*/ 0 h 18288"/>
+              <a:gd name="csX14" fmla="*/ 8737412 w 10853928"/>
+              <a:gd name="csY14" fmla="*/ 0 h 18288"/>
+              <a:gd name="csX15" fmla="*/ 9524322 w 10853928"/>
+              <a:gd name="csY15" fmla="*/ 0 h 18288"/>
+              <a:gd name="csX16" fmla="*/ 10853928 w 10853928"/>
+              <a:gd name="csY16" fmla="*/ 0 h 18288"/>
+              <a:gd name="csX17" fmla="*/ 10853928 w 10853928"/>
+              <a:gd name="csY17" fmla="*/ 18288 h 18288"/>
+              <a:gd name="csX18" fmla="*/ 10392636 w 10853928"/>
+              <a:gd name="csY18" fmla="*/ 18288 h 18288"/>
+              <a:gd name="csX19" fmla="*/ 9497187 w 10853928"/>
+              <a:gd name="csY19" fmla="*/ 18288 h 18288"/>
+              <a:gd name="csX20" fmla="*/ 8818817 w 10853928"/>
+              <a:gd name="csY20" fmla="*/ 18288 h 18288"/>
+              <a:gd name="csX21" fmla="*/ 8466064 w 10853928"/>
+              <a:gd name="csY21" fmla="*/ 18288 h 18288"/>
+              <a:gd name="csX22" fmla="*/ 7787693 w 10853928"/>
+              <a:gd name="csY22" fmla="*/ 18288 h 18288"/>
+              <a:gd name="csX23" fmla="*/ 7217862 w 10853928"/>
+              <a:gd name="csY23" fmla="*/ 18288 h 18288"/>
+              <a:gd name="csX24" fmla="*/ 6648031 w 10853928"/>
+              <a:gd name="csY24" fmla="*/ 18288 h 18288"/>
+              <a:gd name="csX25" fmla="*/ 6078200 w 10853928"/>
+              <a:gd name="csY25" fmla="*/ 18288 h 18288"/>
+              <a:gd name="csX26" fmla="*/ 5508368 w 10853928"/>
+              <a:gd name="csY26" fmla="*/ 18288 h 18288"/>
+              <a:gd name="csX27" fmla="*/ 4721459 w 10853928"/>
+              <a:gd name="csY27" fmla="*/ 18288 h 18288"/>
+              <a:gd name="csX28" fmla="*/ 4043088 w 10853928"/>
+              <a:gd name="csY28" fmla="*/ 18288 h 18288"/>
+              <a:gd name="csX29" fmla="*/ 3690336 w 10853928"/>
+              <a:gd name="csY29" fmla="*/ 18288 h 18288"/>
+              <a:gd name="csX30" fmla="*/ 3120504 w 10853928"/>
+              <a:gd name="csY30" fmla="*/ 18288 h 18288"/>
+              <a:gd name="csX31" fmla="*/ 2333595 w 10853928"/>
+              <a:gd name="csY31" fmla="*/ 18288 h 18288"/>
+              <a:gd name="csX32" fmla="*/ 1872303 w 10853928"/>
+              <a:gd name="csY32" fmla="*/ 18288 h 18288"/>
+              <a:gd name="csX33" fmla="*/ 976854 w 10853928"/>
+              <a:gd name="csY33" fmla="*/ 18288 h 18288"/>
+              <a:gd name="csX34" fmla="*/ 0 w 10853928"/>
+              <a:gd name="csY34" fmla="*/ 18288 h 18288"/>
+              <a:gd name="csX35" fmla="*/ 0 w 10853928"/>
+              <a:gd name="csY35" fmla="*/ 0 h 18288"/>
+            </a:gdLst>
+            <a:ahLst/>
+            <a:cxnLst>
+              <a:cxn ang="0">
+                <a:pos x="csX0" y="csY0"/>
+              </a:cxn>
+              <a:cxn ang="0">
+                <a:pos x="csX1" y="csY1"/>
+              </a:cxn>
+              <a:cxn ang="0">
+                <a:pos x="csX2" y="csY2"/>
+              </a:cxn>
+              <a:cxn ang="0">
+                <a:pos x="csX3" y="csY3"/>
+              </a:cxn>
+              <a:cxn ang="0">
+                <a:pos x="csX4" y="csY4"/>
+              </a:cxn>
+              <a:cxn ang="0">
+                <a:pos x="csX5" y="csY5"/>
+              </a:cxn>
+              <a:cxn ang="0">
+                <a:pos x="csX6" y="csY6"/>
+              </a:cxn>
+              <a:cxn ang="0">
+                <a:pos x="csX7" y="csY7"/>
+              </a:cxn>
+              <a:cxn ang="0">
+                <a:pos x="csX8" y="csY8"/>
+              </a:cxn>
+              <a:cxn ang="0">
+                <a:pos x="csX9" y="csY9"/>
+              </a:cxn>
+              <a:cxn ang="0">
+                <a:pos x="csX10" y="csY10"/>
+              </a:cxn>
+              <a:cxn ang="0">
+                <a:pos x="csX11" y="csY11"/>
+              </a:cxn>
+              <a:cxn ang="0">
+                <a:pos x="csX12" y="csY12"/>
+              </a:cxn>
+              <a:cxn ang="0">
+                <a:pos x="csX13" y="csY13"/>
+              </a:cxn>
+              <a:cxn ang="0">
+                <a:pos x="csX14" y="csY14"/>
+              </a:cxn>
+              <a:cxn ang="0">
+                <a:pos x="csX15" y="csY15"/>
+              </a:cxn>
+              <a:cxn ang="0">
+                <a:pos x="csX16" y="csY16"/>
+              </a:cxn>
+              <a:cxn ang="0">
+                <a:pos x="csX17" y="csY17"/>
+              </a:cxn>
+              <a:cxn ang="0">
+                <a:pos x="csX18" y="csY18"/>
+              </a:cxn>
+              <a:cxn ang="0">
+                <a:pos x="csX19" y="csY19"/>
+              </a:cxn>
+              <a:cxn ang="0">
+                <a:pos x="csX20" y="csY20"/>
+              </a:cxn>
+              <a:cxn ang="0">
+                <a:pos x="csX21" y="csY21"/>
+              </a:cxn>
+              <a:cxn ang="0">
+                <a:pos x="csX22" y="csY22"/>
+              </a:cxn>
+              <a:cxn ang="0">
+                <a:pos x="csX23" y="csY23"/>
+              </a:cxn>
+              <a:cxn ang="0">
+                <a:pos x="csX24" y="csY24"/>
+              </a:cxn>
+              <a:cxn ang="0">
+                <a:pos x="csX25" y="csY25"/>
+              </a:cxn>
+              <a:cxn ang="0">
+                <a:pos x="csX26" y="csY26"/>
+              </a:cxn>
+              <a:cxn ang="0">
+                <a:pos x="csX27" y="csY27"/>
+              </a:cxn>
+              <a:cxn ang="0">
+                <a:pos x="csX28" y="csY28"/>
+              </a:cxn>
+              <a:cxn ang="0">
+                <a:pos x="csX29" y="csY29"/>
+              </a:cxn>
+              <a:cxn ang="0">
+                <a:pos x="csX30" y="csY30"/>
+              </a:cxn>
+              <a:cxn ang="0">
+                <a:pos x="csX31" y="csY31"/>
+              </a:cxn>
+              <a:cxn ang="0">
+                <a:pos x="csX32" y="csY32"/>
+              </a:cxn>
+              <a:cxn ang="0">
+                <a:pos x="csX33" y="csY33"/>
+              </a:cxn>
+              <a:cxn ang="0">
+                <a:pos x="csX34" y="csY34"/>
+              </a:cxn>
+              <a:cxn ang="0">
+                <a:pos x="csX35" y="csY35"/>
+              </a:cxn>
+            </a:cxnLst>
+            <a:rect l="l" t="t" r="r" b="b"/>
+            <a:pathLst>
+              <a:path w="10853928" h="18288" fill="none" extrusionOk="0">
+                <a:moveTo>
+                  <a:pt x="0" y="0"/>
+                </a:moveTo>
+                <a:cubicBezTo>
+                  <a:pt x="146993" y="-19076"/>
+                  <a:pt x="347684" y="-4790"/>
+                  <a:pt x="461292" y="0"/>
+                </a:cubicBezTo>
+                <a:cubicBezTo>
+                  <a:pt x="574900" y="4790"/>
+                  <a:pt x="808367" y="19821"/>
+                  <a:pt x="1139662" y="0"/>
+                </a:cubicBezTo>
+                <a:cubicBezTo>
+                  <a:pt x="1470957" y="-19821"/>
+                  <a:pt x="1627405" y="5721"/>
+                  <a:pt x="1926572" y="0"/>
+                </a:cubicBezTo>
+                <a:cubicBezTo>
+                  <a:pt x="2225739" y="-5721"/>
+                  <a:pt x="2137730" y="-3235"/>
+                  <a:pt x="2279325" y="0"/>
+                </a:cubicBezTo>
+                <a:cubicBezTo>
+                  <a:pt x="2420920" y="3235"/>
+                  <a:pt x="2456518" y="9685"/>
+                  <a:pt x="2632078" y="0"/>
+                </a:cubicBezTo>
+                <a:cubicBezTo>
+                  <a:pt x="2807638" y="-9685"/>
+                  <a:pt x="3211516" y="-43007"/>
+                  <a:pt x="3527527" y="0"/>
+                </a:cubicBezTo>
+                <a:cubicBezTo>
+                  <a:pt x="3843538" y="43007"/>
+                  <a:pt x="4058833" y="22042"/>
+                  <a:pt x="4205897" y="0"/>
+                </a:cubicBezTo>
+                <a:cubicBezTo>
+                  <a:pt x="4352961" y="-22042"/>
+                  <a:pt x="4474805" y="-11846"/>
+                  <a:pt x="4558650" y="0"/>
+                </a:cubicBezTo>
+                <a:cubicBezTo>
+                  <a:pt x="4642495" y="11846"/>
+                  <a:pt x="5041928" y="-6069"/>
+                  <a:pt x="5237020" y="0"/>
+                </a:cubicBezTo>
+                <a:cubicBezTo>
+                  <a:pt x="5432112" y="6069"/>
+                  <a:pt x="5943266" y="-17479"/>
+                  <a:pt x="6132469" y="0"/>
+                </a:cubicBezTo>
+                <a:cubicBezTo>
+                  <a:pt x="6321672" y="17479"/>
+                  <a:pt x="6483872" y="26234"/>
+                  <a:pt x="6702301" y="0"/>
+                </a:cubicBezTo>
+                <a:cubicBezTo>
+                  <a:pt x="6920730" y="-26234"/>
+                  <a:pt x="6991194" y="-15156"/>
+                  <a:pt x="7272132" y="0"/>
+                </a:cubicBezTo>
+                <a:cubicBezTo>
+                  <a:pt x="7553070" y="15156"/>
+                  <a:pt x="7684444" y="-32961"/>
+                  <a:pt x="7950502" y="0"/>
+                </a:cubicBezTo>
+                <a:cubicBezTo>
+                  <a:pt x="8216560" y="32961"/>
+                  <a:pt x="8493290" y="-10491"/>
+                  <a:pt x="8737412" y="0"/>
+                </a:cubicBezTo>
+                <a:cubicBezTo>
+                  <a:pt x="8981534" y="10491"/>
+                  <a:pt x="9191586" y="-13899"/>
+                  <a:pt x="9524322" y="0"/>
+                </a:cubicBezTo>
+                <a:cubicBezTo>
+                  <a:pt x="9857058" y="13899"/>
+                  <a:pt x="10297509" y="7485"/>
+                  <a:pt x="10853928" y="0"/>
+                </a:cubicBezTo>
+                <a:cubicBezTo>
+                  <a:pt x="10854574" y="4451"/>
+                  <a:pt x="10854418" y="9226"/>
+                  <a:pt x="10853928" y="18288"/>
+                </a:cubicBezTo>
+                <a:cubicBezTo>
+                  <a:pt x="10691638" y="28522"/>
+                  <a:pt x="10574319" y="29578"/>
+                  <a:pt x="10392636" y="18288"/>
+                </a:cubicBezTo>
+                <a:cubicBezTo>
+                  <a:pt x="10210953" y="6998"/>
+                  <a:pt x="9836277" y="-16742"/>
+                  <a:pt x="9497187" y="18288"/>
+                </a:cubicBezTo>
+                <a:cubicBezTo>
+                  <a:pt x="9158097" y="53318"/>
+                  <a:pt x="9119479" y="30714"/>
+                  <a:pt x="8818817" y="18288"/>
+                </a:cubicBezTo>
+                <a:cubicBezTo>
+                  <a:pt x="8518155" y="5863"/>
+                  <a:pt x="8640037" y="6483"/>
+                  <a:pt x="8466064" y="18288"/>
+                </a:cubicBezTo>
+                <a:cubicBezTo>
+                  <a:pt x="8292091" y="30093"/>
+                  <a:pt x="7997656" y="18914"/>
+                  <a:pt x="7787693" y="18288"/>
+                </a:cubicBezTo>
+                <a:cubicBezTo>
+                  <a:pt x="7577730" y="17662"/>
+                  <a:pt x="7412468" y="21416"/>
+                  <a:pt x="7217862" y="18288"/>
+                </a:cubicBezTo>
+                <a:cubicBezTo>
+                  <a:pt x="7023256" y="15160"/>
+                  <a:pt x="6898018" y="14824"/>
+                  <a:pt x="6648031" y="18288"/>
+                </a:cubicBezTo>
+                <a:cubicBezTo>
+                  <a:pt x="6398044" y="21752"/>
+                  <a:pt x="6254402" y="38625"/>
+                  <a:pt x="6078200" y="18288"/>
+                </a:cubicBezTo>
+                <a:cubicBezTo>
+                  <a:pt x="5901998" y="-2049"/>
+                  <a:pt x="5622886" y="3213"/>
+                  <a:pt x="5508368" y="18288"/>
+                </a:cubicBezTo>
+                <a:cubicBezTo>
+                  <a:pt x="5393850" y="33363"/>
+                  <a:pt x="5036260" y="26830"/>
+                  <a:pt x="4721459" y="18288"/>
+                </a:cubicBezTo>
+                <a:cubicBezTo>
+                  <a:pt x="4406658" y="9746"/>
+                  <a:pt x="4239221" y="41551"/>
+                  <a:pt x="4043088" y="18288"/>
+                </a:cubicBezTo>
+                <a:cubicBezTo>
+                  <a:pt x="3846955" y="-4975"/>
+                  <a:pt x="3818802" y="34658"/>
+                  <a:pt x="3690336" y="18288"/>
+                </a:cubicBezTo>
+                <a:cubicBezTo>
+                  <a:pt x="3561870" y="1918"/>
+                  <a:pt x="3265491" y="42194"/>
+                  <a:pt x="3120504" y="18288"/>
+                </a:cubicBezTo>
+                <a:cubicBezTo>
+                  <a:pt x="2975517" y="-5618"/>
+                  <a:pt x="2720254" y="36673"/>
+                  <a:pt x="2333595" y="18288"/>
+                </a:cubicBezTo>
+                <a:cubicBezTo>
+                  <a:pt x="1946936" y="-97"/>
+                  <a:pt x="2097241" y="5776"/>
+                  <a:pt x="1872303" y="18288"/>
+                </a:cubicBezTo>
+                <a:cubicBezTo>
+                  <a:pt x="1647365" y="30800"/>
+                  <a:pt x="1282708" y="45380"/>
+                  <a:pt x="976854" y="18288"/>
+                </a:cubicBezTo>
+                <a:cubicBezTo>
+                  <a:pt x="671000" y="-8804"/>
+                  <a:pt x="408401" y="-12775"/>
+                  <a:pt x="0" y="18288"/>
+                </a:cubicBezTo>
+                <a:cubicBezTo>
+                  <a:pt x="-213" y="9468"/>
+                  <a:pt x="187" y="4459"/>
+                  <a:pt x="0" y="0"/>
+                </a:cubicBezTo>
+                <a:close/>
+              </a:path>
+              <a:path w="10853928" h="18288" stroke="0" extrusionOk="0">
+                <a:moveTo>
+                  <a:pt x="0" y="0"/>
+                </a:moveTo>
+                <a:cubicBezTo>
+                  <a:pt x="267322" y="15284"/>
+                  <a:pt x="415388" y="-21048"/>
+                  <a:pt x="569831" y="0"/>
+                </a:cubicBezTo>
+                <a:cubicBezTo>
+                  <a:pt x="724274" y="21048"/>
+                  <a:pt x="769333" y="-2353"/>
+                  <a:pt x="922584" y="0"/>
+                </a:cubicBezTo>
+                <a:cubicBezTo>
+                  <a:pt x="1075835" y="2353"/>
+                  <a:pt x="1399490" y="-145"/>
+                  <a:pt x="1818033" y="0"/>
+                </a:cubicBezTo>
+                <a:cubicBezTo>
+                  <a:pt x="2236576" y="145"/>
+                  <a:pt x="2145330" y="5482"/>
+                  <a:pt x="2387864" y="0"/>
+                </a:cubicBezTo>
+                <a:cubicBezTo>
+                  <a:pt x="2630398" y="-5482"/>
+                  <a:pt x="2793207" y="18487"/>
+                  <a:pt x="2957695" y="0"/>
+                </a:cubicBezTo>
+                <a:cubicBezTo>
+                  <a:pt x="3122183" y="-18487"/>
+                  <a:pt x="3579141" y="19003"/>
+                  <a:pt x="3853144" y="0"/>
+                </a:cubicBezTo>
+                <a:cubicBezTo>
+                  <a:pt x="4127147" y="-19003"/>
+                  <a:pt x="4209857" y="12211"/>
+                  <a:pt x="4314436" y="0"/>
+                </a:cubicBezTo>
+                <a:cubicBezTo>
+                  <a:pt x="4419015" y="-12211"/>
+                  <a:pt x="4762459" y="-17220"/>
+                  <a:pt x="5209885" y="0"/>
+                </a:cubicBezTo>
+                <a:cubicBezTo>
+                  <a:pt x="5657311" y="17220"/>
+                  <a:pt x="5692663" y="-3290"/>
+                  <a:pt x="6105335" y="0"/>
+                </a:cubicBezTo>
+                <a:cubicBezTo>
+                  <a:pt x="6518007" y="3290"/>
+                  <a:pt x="6455516" y="-5124"/>
+                  <a:pt x="6783705" y="0"/>
+                </a:cubicBezTo>
+                <a:cubicBezTo>
+                  <a:pt x="7111894" y="5124"/>
+                  <a:pt x="7441941" y="-17829"/>
+                  <a:pt x="7679154" y="0"/>
+                </a:cubicBezTo>
+                <a:cubicBezTo>
+                  <a:pt x="7916367" y="17829"/>
+                  <a:pt x="8102967" y="-24363"/>
+                  <a:pt x="8248985" y="0"/>
+                </a:cubicBezTo>
+                <a:cubicBezTo>
+                  <a:pt x="8395003" y="24363"/>
+                  <a:pt x="8552393" y="25505"/>
+                  <a:pt x="8818817" y="0"/>
+                </a:cubicBezTo>
+                <a:cubicBezTo>
+                  <a:pt x="9085241" y="-25505"/>
+                  <a:pt x="9411308" y="38000"/>
+                  <a:pt x="9605726" y="0"/>
+                </a:cubicBezTo>
+                <a:cubicBezTo>
+                  <a:pt x="9800144" y="-38000"/>
+                  <a:pt x="10006468" y="-25741"/>
+                  <a:pt x="10175558" y="0"/>
+                </a:cubicBezTo>
+                <a:cubicBezTo>
+                  <a:pt x="10344648" y="25741"/>
+                  <a:pt x="10696282" y="695"/>
+                  <a:pt x="10853928" y="0"/>
+                </a:cubicBezTo>
+                <a:cubicBezTo>
+                  <a:pt x="10853521" y="8690"/>
+                  <a:pt x="10853774" y="14141"/>
+                  <a:pt x="10853928" y="18288"/>
+                </a:cubicBezTo>
+                <a:cubicBezTo>
+                  <a:pt x="10608124" y="24255"/>
+                  <a:pt x="10343415" y="22307"/>
+                  <a:pt x="10067018" y="18288"/>
+                </a:cubicBezTo>
+                <a:cubicBezTo>
+                  <a:pt x="9790621" y="14270"/>
+                  <a:pt x="9843266" y="3564"/>
+                  <a:pt x="9714266" y="18288"/>
+                </a:cubicBezTo>
+                <a:cubicBezTo>
+                  <a:pt x="9585266" y="33012"/>
+                  <a:pt x="9379484" y="1875"/>
+                  <a:pt x="9252974" y="18288"/>
+                </a:cubicBezTo>
+                <a:cubicBezTo>
+                  <a:pt x="9126464" y="34701"/>
+                  <a:pt x="8580678" y="-4904"/>
+                  <a:pt x="8357525" y="18288"/>
+                </a:cubicBezTo>
+                <a:cubicBezTo>
+                  <a:pt x="8134372" y="41480"/>
+                  <a:pt x="7903199" y="26458"/>
+                  <a:pt x="7679154" y="18288"/>
+                </a:cubicBezTo>
+                <a:cubicBezTo>
+                  <a:pt x="7455109" y="10118"/>
+                  <a:pt x="7435944" y="27109"/>
+                  <a:pt x="7217862" y="18288"/>
+                </a:cubicBezTo>
+                <a:cubicBezTo>
+                  <a:pt x="6999780" y="9467"/>
+                  <a:pt x="6680409" y="18985"/>
+                  <a:pt x="6539492" y="18288"/>
+                </a:cubicBezTo>
+                <a:cubicBezTo>
+                  <a:pt x="6398575" y="17592"/>
+                  <a:pt x="6312077" y="33018"/>
+                  <a:pt x="6186739" y="18288"/>
+                </a:cubicBezTo>
+                <a:cubicBezTo>
+                  <a:pt x="6061401" y="3558"/>
+                  <a:pt x="5947033" y="12075"/>
+                  <a:pt x="5833986" y="18288"/>
+                </a:cubicBezTo>
+                <a:cubicBezTo>
+                  <a:pt x="5720939" y="24501"/>
+                  <a:pt x="5482226" y="8586"/>
+                  <a:pt x="5155616" y="18288"/>
+                </a:cubicBezTo>
+                <a:cubicBezTo>
+                  <a:pt x="4829006" y="27991"/>
+                  <a:pt x="4841274" y="29316"/>
+                  <a:pt x="4694324" y="18288"/>
+                </a:cubicBezTo>
+                <a:cubicBezTo>
+                  <a:pt x="4547374" y="7260"/>
+                  <a:pt x="4077675" y="7013"/>
+                  <a:pt x="3907414" y="18288"/>
+                </a:cubicBezTo>
+                <a:cubicBezTo>
+                  <a:pt x="3737153" y="29564"/>
+                  <a:pt x="3538393" y="21630"/>
+                  <a:pt x="3446122" y="18288"/>
+                </a:cubicBezTo>
+                <a:cubicBezTo>
+                  <a:pt x="3353851" y="14946"/>
+                  <a:pt x="2990320" y="-8091"/>
+                  <a:pt x="2659212" y="18288"/>
+                </a:cubicBezTo>
+                <a:cubicBezTo>
+                  <a:pt x="2328104" y="44667"/>
+                  <a:pt x="2427653" y="9607"/>
+                  <a:pt x="2306460" y="18288"/>
+                </a:cubicBezTo>
+                <a:cubicBezTo>
+                  <a:pt x="2185267" y="26969"/>
+                  <a:pt x="1719763" y="3717"/>
+                  <a:pt x="1519550" y="18288"/>
+                </a:cubicBezTo>
+                <a:cubicBezTo>
+                  <a:pt x="1319337" y="32860"/>
+                  <a:pt x="1167371" y="17040"/>
+                  <a:pt x="1058258" y="18288"/>
+                </a:cubicBezTo>
+                <a:cubicBezTo>
+                  <a:pt x="949145" y="19536"/>
+                  <a:pt x="780234" y="31447"/>
+                  <a:pt x="705505" y="18288"/>
+                </a:cubicBezTo>
+                <a:cubicBezTo>
+                  <a:pt x="630776" y="5129"/>
+                  <a:pt x="215796" y="30056"/>
+                  <a:pt x="0" y="18288"/>
+                </a:cubicBezTo>
+                <a:cubicBezTo>
+                  <a:pt x="-53" y="11301"/>
+                  <a:pt x="-649" y="7756"/>
+                  <a:pt x="0" y="0"/>
+                </a:cubicBezTo>
+                <a:close/>
+              </a:path>
+            </a:pathLst>
+          </a:custGeom>
+          <a:solidFill>
+            <a:schemeClr val="accent2"/>
+          </a:solidFill>
+          <a:ln w="41275" cap="rnd">
+            <a:solidFill>
+              <a:schemeClr val="accent2"/>
+            </a:solidFill>
+            <a:round/>
+            <a:extLst>
+              <a:ext uri="{C807C97D-BFC1-408E-A445-0C87EB9F89A2}">
+                <ask:lineSketchStyleProps xmlns:ask="http://schemas.microsoft.com/office/drawing/2018/sketchyshapes" sd="1219033472">
+                  <a:prstGeom prst="rect">
+                    <a:avLst/>
+                  </a:prstGeom>
+                  <ask:type>
+                    <ask:lineSketchFreehand/>
+                  </ask:type>
+                </ask:lineSketchStyleProps>
+              </a:ext>
+            </a:extLst>
+          </a:ln>
+        </p:spPr>
+        <p:style>
+          <a:lnRef idx="2">
+            <a:schemeClr val="accent1">
+              <a:shade val="50000"/>
+            </a:schemeClr>
+          </a:lnRef>
+          <a:fillRef idx="1">
+            <a:schemeClr val="accent1"/>
+          </a:fillRef>
+          <a:effectRef idx="0">
+            <a:schemeClr val="accent1"/>
+          </a:effectRef>
+          <a:fontRef idx="minor">
+            <a:schemeClr val="lt1"/>
+          </a:fontRef>
+        </p:style>
+        <p:txBody>
+          <a:bodyPr rtlCol="0" anchor="ctr"/>
+          <a:lstStyle/>
+          <a:p>
+            <a:pPr marL="0" marR="0" lvl="0" indent="0" algn="ctr" defTabSz="914400" rtl="0" eaLnBrk="1" fontAlgn="auto" latinLnBrk="0" hangingPunct="1">
+              <a:lnSpc>
+                <a:spcPct val="100000"/>
+              </a:lnSpc>
+              <a:spcBef>
+                <a:spcPts val="0"/>
+              </a:spcBef>
+              <a:spcAft>
+                <a:spcPts val="0"/>
+              </a:spcAft>
+              <a:buClrTx/>
+              <a:buSzTx/>
+              <a:buFontTx/>
+              <a:buNone/>
+              <a:tabLst/>
+              <a:defRPr/>
+            </a:pPr>
+            <a:endParaRPr kumimoji="0" lang="en-US" sz="1800" b="0" i="0" u="none" strike="noStrike" kern="1200" cap="none" spc="0" normalizeH="0" baseline="0" noProof="0">
+              <a:ln>
+                <a:noFill/>
+              </a:ln>
+              <a:solidFill>
+                <a:prstClr val="white"/>
+              </a:solidFill>
+              <a:effectLst/>
+              <a:uLnTx/>
+              <a:uFillTx/>
+              <a:latin typeface="Aptos" panose="02110004020202020204"/>
+              <a:ea typeface="+mn-ea"/>
+              <a:cs typeface="+mn-cs"/>
+            </a:endParaRPr>
+          </a:p>
+        </p:txBody>
+      </p:sp>
+      <p:pic>
+        <p:nvPicPr>
+          <p:cNvPr id="4" name="Picture 3" descr="A graph showing a line going up&#10;&#10;AI-generated content may be incorrect.">
+            <a:extLst>
+              <a:ext uri="{FF2B5EF4-FFF2-40B4-BE49-F238E27FC236}">
+                <a16:creationId xmlns:a16="http://schemas.microsoft.com/office/drawing/2014/main" id="{A9BE2DA3-AE8E-0BAD-F93C-9F9E5374244F}"/>
+              </a:ext>
+            </a:extLst>
+          </p:cNvPr>
+          <p:cNvPicPr>
+            <a:picLocks noChangeAspect="1"/>
+          </p:cNvPicPr>
+          <p:nvPr/>
+        </p:nvPicPr>
+        <p:blipFill>
+          <a:blip r:embed="rId2">
+            <a:extLst>
+              <a:ext uri="{28A0092B-C50C-407E-A947-70E740481C1C}">
+                <a14:useLocalDpi xmlns:a14="http://schemas.microsoft.com/office/drawing/2010/main" val="0"/>
+              </a:ext>
+            </a:extLst>
+          </a:blip>
+          <a:stretch>
+            <a:fillRect/>
+          </a:stretch>
+        </p:blipFill>
+        <p:spPr>
+          <a:xfrm>
+            <a:off x="587070" y="2310681"/>
+            <a:ext cx="5957663" cy="3837139"/>
+          </a:xfrm>
+          <a:prstGeom prst="rect">
+            <a:avLst/>
+          </a:prstGeom>
+          <a:ln w="19050">
+            <a:solidFill>
+              <a:schemeClr val="tx1"/>
+            </a:solidFill>
+          </a:ln>
+          <a:effectLst>
+            <a:outerShdw blurRad="63500" sx="102000" sy="102000" algn="ctr" rotWithShape="0">
+              <a:prstClr val="black">
+                <a:alpha val="40000"/>
+              </a:prstClr>
+            </a:outerShdw>
+          </a:effectLst>
+        </p:spPr>
+      </p:pic>
+      <p:sp>
+        <p:nvSpPr>
+          <p:cNvPr id="5" name="TextBox 4">
+            <a:extLst>
+              <a:ext uri="{FF2B5EF4-FFF2-40B4-BE49-F238E27FC236}">
+                <a16:creationId xmlns:a16="http://schemas.microsoft.com/office/drawing/2014/main" id="{44BA4203-4B1F-29D4-9B45-1F495A7BBED2}"/>
+              </a:ext>
+            </a:extLst>
+          </p:cNvPr>
+          <p:cNvSpPr txBox="1"/>
+          <p:nvPr/>
+        </p:nvSpPr>
+        <p:spPr>
+          <a:xfrm>
+            <a:off x="7131803" y="3268133"/>
+            <a:ext cx="4224866" cy="1200329"/>
+          </a:xfrm>
+          <a:prstGeom prst="rect">
+            <a:avLst/>
+          </a:prstGeom>
+          <a:noFill/>
+        </p:spPr>
+        <p:txBody>
+          <a:bodyPr wrap="square" rtlCol="0">
+            <a:spAutoFit/>
+          </a:bodyPr>
+          <a:lstStyle/>
+          <a:p>
+            <a:r>
+              <a:rPr lang="en-US" dirty="0"/>
+              <a:t>Mortgage interest rates remained historically low in 2020–2021, but rose sharply beginning in 2022, increasing the cost of financing a home purchase.</a:t>
+            </a:r>
           </a:p>
         </p:txBody>
       </p:sp>
@@ -15665,4 +18412,319 @@
     </a:ext>
   </a:extLst>
 </a:theme>
+</file>
+
+<file path=ppt/theme/theme2.xml><?xml version="1.0" encoding="utf-8"?>
+<a:theme xmlns:a="http://schemas.openxmlformats.org/drawingml/2006/main" name="Office Theme">
+  <a:themeElements>
+    <a:clrScheme name="Office">
+      <a:dk1>
+        <a:sysClr val="windowText" lastClr="000000"/>
+      </a:dk1>
+      <a:lt1>
+        <a:sysClr val="window" lastClr="FFFFFF"/>
+      </a:lt1>
+      <a:dk2>
+        <a:srgbClr val="0E2841"/>
+      </a:dk2>
+      <a:lt2>
+        <a:srgbClr val="E8E8E8"/>
+      </a:lt2>
+      <a:accent1>
+        <a:srgbClr val="156082"/>
+      </a:accent1>
+      <a:accent2>
+        <a:srgbClr val="E97132"/>
+      </a:accent2>
+      <a:accent3>
+        <a:srgbClr val="196B24"/>
+      </a:accent3>
+      <a:accent4>
+        <a:srgbClr val="0F9ED5"/>
+      </a:accent4>
+      <a:accent5>
+        <a:srgbClr val="A02B93"/>
+      </a:accent5>
+      <a:accent6>
+        <a:srgbClr val="4EA72E"/>
+      </a:accent6>
+      <a:hlink>
+        <a:srgbClr val="467886"/>
+      </a:hlink>
+      <a:folHlink>
+        <a:srgbClr val="96607D"/>
+      </a:folHlink>
+    </a:clrScheme>
+    <a:fontScheme name="Office">
+      <a:majorFont>
+        <a:latin typeface="Aptos Display" panose="02110004020202020204"/>
+        <a:ea typeface=""/>
+        <a:cs typeface=""/>
+        <a:font script="Jpan" typeface="游ゴシック Light"/>
+        <a:font script="Hang" typeface="맑은 고딕"/>
+        <a:font script="Hans" typeface="等线 Light"/>
+        <a:font script="Hant" typeface="新細明體"/>
+        <a:font script="Arab" typeface="Times New Roman"/>
+        <a:font script="Hebr" typeface="Times New Roman"/>
+        <a:font script="Thai" typeface="Angsana New"/>
+        <a:font script="Ethi" typeface="Nyala"/>
+        <a:font script="Beng" typeface="Vrinda"/>
+        <a:font script="Gujr" typeface="Shruti"/>
+        <a:font script="Khmr" typeface="MoolBoran"/>
+        <a:font script="Knda" typeface="Tunga"/>
+        <a:font script="Guru" typeface="Raavi"/>
+        <a:font script="Cans" typeface="Euphemia"/>
+        <a:font script="Cher" typeface="Plantagenet Cherokee"/>
+        <a:font script="Yiii" typeface="Microsoft Yi Baiti"/>
+        <a:font script="Tibt" typeface="Microsoft Himalaya"/>
+        <a:font script="Thaa" typeface="MV Boli"/>
+        <a:font script="Deva" typeface="Mangal"/>
+        <a:font script="Telu" typeface="Gautami"/>
+        <a:font script="Taml" typeface="Latha"/>
+        <a:font script="Syrc" typeface="Estrangelo Edessa"/>
+        <a:font script="Orya" typeface="Kalinga"/>
+        <a:font script="Mlym" typeface="Kartika"/>
+        <a:font script="Laoo" typeface="DokChampa"/>
+        <a:font script="Sinh" typeface="Iskoola Pota"/>
+        <a:font script="Mong" typeface="Mongolian Baiti"/>
+        <a:font script="Viet" typeface="Times New Roman"/>
+        <a:font script="Uigh" typeface="Microsoft Uighur"/>
+        <a:font script="Geor" typeface="Sylfaen"/>
+        <a:font script="Armn" typeface="Arial"/>
+        <a:font script="Bugi" typeface="Leelawadee UI"/>
+        <a:font script="Bopo" typeface="Microsoft JhengHei"/>
+        <a:font script="Java" typeface="Javanese Text"/>
+        <a:font script="Lisu" typeface="Segoe UI"/>
+        <a:font script="Mymr" typeface="Myanmar Text"/>
+        <a:font script="Nkoo" typeface="Ebrima"/>
+        <a:font script="Olck" typeface="Nirmala UI"/>
+        <a:font script="Osma" typeface="Ebrima"/>
+        <a:font script="Phag" typeface="Phagspa"/>
+        <a:font script="Syrn" typeface="Estrangelo Edessa"/>
+        <a:font script="Syrj" typeface="Estrangelo Edessa"/>
+        <a:font script="Syre" typeface="Estrangelo Edessa"/>
+        <a:font script="Sora" typeface="Nirmala UI"/>
+        <a:font script="Tale" typeface="Microsoft Tai Le"/>
+        <a:font script="Talu" typeface="Microsoft New Tai Lue"/>
+        <a:font script="Tfng" typeface="Ebrima"/>
+      </a:majorFont>
+      <a:minorFont>
+        <a:latin typeface="Aptos" panose="02110004020202020204"/>
+        <a:ea typeface=""/>
+        <a:cs typeface=""/>
+        <a:font script="Jpan" typeface="游ゴシック"/>
+        <a:font script="Hang" typeface="맑은 고딕"/>
+        <a:font script="Hans" typeface="等线"/>
+        <a:font script="Hant" typeface="新細明體"/>
+        <a:font script="Arab" typeface="Arial"/>
+        <a:font script="Hebr" typeface="Arial"/>
+        <a:font script="Thai" typeface="Cordia New"/>
+        <a:font script="Ethi" typeface="Nyala"/>
+        <a:font script="Beng" typeface="Vrinda"/>
+        <a:font script="Gujr" typeface="Shruti"/>
+        <a:font script="Khmr" typeface="DaunPenh"/>
+        <a:font script="Knda" typeface="Tunga"/>
+        <a:font script="Guru" typeface="Raavi"/>
+        <a:font script="Cans" typeface="Euphemia"/>
+        <a:font script="Cher" typeface="Plantagenet Cherokee"/>
+        <a:font script="Yiii" typeface="Microsoft Yi Baiti"/>
+        <a:font script="Tibt" typeface="Microsoft Himalaya"/>
+        <a:font script="Thaa" typeface="MV Boli"/>
+        <a:font script="Deva" typeface="Mangal"/>
+        <a:font script="Telu" typeface="Gautami"/>
+        <a:font script="Taml" typeface="Latha"/>
+        <a:font script="Syrc" typeface="Estrangelo Edessa"/>
+        <a:font script="Orya" typeface="Kalinga"/>
+        <a:font script="Mlym" typeface="Kartika"/>
+        <a:font script="Laoo" typeface="DokChampa"/>
+        <a:font script="Sinh" typeface="Iskoola Pota"/>
+        <a:font script="Mong" typeface="Mongolian Baiti"/>
+        <a:font script="Viet" typeface="Arial"/>
+        <a:font script="Uigh" typeface="Microsoft Uighur"/>
+        <a:font script="Geor" typeface="Sylfaen"/>
+        <a:font script="Armn" typeface="Arial"/>
+        <a:font script="Bugi" typeface="Leelawadee UI"/>
+        <a:font script="Bopo" typeface="Microsoft JhengHei"/>
+        <a:font script="Java" typeface="Javanese Text"/>
+        <a:font script="Lisu" typeface="Segoe UI"/>
+        <a:font script="Mymr" typeface="Myanmar Text"/>
+        <a:font script="Nkoo" typeface="Ebrima"/>
+        <a:font script="Olck" typeface="Nirmala UI"/>
+        <a:font script="Osma" typeface="Ebrima"/>
+        <a:font script="Phag" typeface="Phagspa"/>
+        <a:font script="Syrn" typeface="Estrangelo Edessa"/>
+        <a:font script="Syrj" typeface="Estrangelo Edessa"/>
+        <a:font script="Syre" typeface="Estrangelo Edessa"/>
+        <a:font script="Sora" typeface="Nirmala UI"/>
+        <a:font script="Tale" typeface="Microsoft Tai Le"/>
+        <a:font script="Talu" typeface="Microsoft New Tai Lue"/>
+        <a:font script="Tfng" typeface="Ebrima"/>
+      </a:minorFont>
+    </a:fontScheme>
+    <a:fmtScheme name="Office">
+      <a:fillStyleLst>
+        <a:solidFill>
+          <a:schemeClr val="phClr"/>
+        </a:solidFill>
+        <a:gradFill rotWithShape="1">
+          <a:gsLst>
+            <a:gs pos="0">
+              <a:schemeClr val="phClr">
+                <a:lumMod val="110000"/>
+                <a:satMod val="105000"/>
+                <a:tint val="67000"/>
+              </a:schemeClr>
+            </a:gs>
+            <a:gs pos="50000">
+              <a:schemeClr val="phClr">
+                <a:lumMod val="105000"/>
+                <a:satMod val="103000"/>
+                <a:tint val="73000"/>
+              </a:schemeClr>
+            </a:gs>
+            <a:gs pos="100000">
+              <a:schemeClr val="phClr">
+                <a:lumMod val="105000"/>
+                <a:satMod val="109000"/>
+                <a:tint val="81000"/>
+              </a:schemeClr>
+            </a:gs>
+          </a:gsLst>
+          <a:lin ang="5400000" scaled="0"/>
+        </a:gradFill>
+        <a:gradFill rotWithShape="1">
+          <a:gsLst>
+            <a:gs pos="0">
+              <a:schemeClr val="phClr">
+                <a:satMod val="103000"/>
+                <a:lumMod val="102000"/>
+                <a:tint val="94000"/>
+              </a:schemeClr>
+            </a:gs>
+            <a:gs pos="50000">
+              <a:schemeClr val="phClr">
+                <a:satMod val="110000"/>
+                <a:lumMod val="100000"/>
+                <a:shade val="100000"/>
+              </a:schemeClr>
+            </a:gs>
+            <a:gs pos="100000">
+              <a:schemeClr val="phClr">
+                <a:lumMod val="99000"/>
+                <a:satMod val="120000"/>
+                <a:shade val="78000"/>
+              </a:schemeClr>
+            </a:gs>
+          </a:gsLst>
+          <a:lin ang="5400000" scaled="0"/>
+        </a:gradFill>
+      </a:fillStyleLst>
+      <a:lnStyleLst>
+        <a:ln w="12700" cap="flat" cmpd="sng" algn="ctr">
+          <a:solidFill>
+            <a:schemeClr val="phClr"/>
+          </a:solidFill>
+          <a:prstDash val="solid"/>
+          <a:miter lim="800000"/>
+        </a:ln>
+        <a:ln w="19050" cap="flat" cmpd="sng" algn="ctr">
+          <a:solidFill>
+            <a:schemeClr val="phClr"/>
+          </a:solidFill>
+          <a:prstDash val="solid"/>
+          <a:miter lim="800000"/>
+        </a:ln>
+        <a:ln w="25400" cap="flat" cmpd="sng" algn="ctr">
+          <a:solidFill>
+            <a:schemeClr val="phClr"/>
+          </a:solidFill>
+          <a:prstDash val="solid"/>
+          <a:miter lim="800000"/>
+        </a:ln>
+      </a:lnStyleLst>
+      <a:effectStyleLst>
+        <a:effectStyle>
+          <a:effectLst/>
+        </a:effectStyle>
+        <a:effectStyle>
+          <a:effectLst/>
+        </a:effectStyle>
+        <a:effectStyle>
+          <a:effectLst>
+            <a:outerShdw blurRad="57150" dist="19050" dir="5400000" algn="ctr" rotWithShape="0">
+              <a:srgbClr val="000000">
+                <a:alpha val="63000"/>
+              </a:srgbClr>
+            </a:outerShdw>
+          </a:effectLst>
+        </a:effectStyle>
+      </a:effectStyleLst>
+      <a:bgFillStyleLst>
+        <a:solidFill>
+          <a:schemeClr val="phClr"/>
+        </a:solidFill>
+        <a:solidFill>
+          <a:schemeClr val="phClr">
+            <a:tint val="95000"/>
+            <a:satMod val="170000"/>
+          </a:schemeClr>
+        </a:solidFill>
+        <a:gradFill rotWithShape="1">
+          <a:gsLst>
+            <a:gs pos="0">
+              <a:schemeClr val="phClr">
+                <a:tint val="93000"/>
+                <a:satMod val="150000"/>
+                <a:shade val="98000"/>
+                <a:lumMod val="102000"/>
+              </a:schemeClr>
+            </a:gs>
+            <a:gs pos="50000">
+              <a:schemeClr val="phClr">
+                <a:tint val="98000"/>
+                <a:satMod val="130000"/>
+                <a:shade val="90000"/>
+                <a:lumMod val="103000"/>
+              </a:schemeClr>
+            </a:gs>
+            <a:gs pos="100000">
+              <a:schemeClr val="phClr">
+                <a:shade val="63000"/>
+                <a:satMod val="120000"/>
+              </a:schemeClr>
+            </a:gs>
+          </a:gsLst>
+          <a:lin ang="5400000" scaled="0"/>
+        </a:gradFill>
+      </a:bgFillStyleLst>
+    </a:fmtScheme>
+  </a:themeElements>
+  <a:objectDefaults>
+    <a:lnDef>
+      <a:spPr/>
+      <a:bodyPr/>
+      <a:lstStyle/>
+      <a:style>
+        <a:lnRef idx="2">
+          <a:schemeClr val="accent1"/>
+        </a:lnRef>
+        <a:fillRef idx="0">
+          <a:schemeClr val="accent1"/>
+        </a:fillRef>
+        <a:effectRef idx="1">
+          <a:schemeClr val="accent1"/>
+        </a:effectRef>
+        <a:fontRef idx="minor">
+          <a:schemeClr val="tx1"/>
+        </a:fontRef>
+      </a:style>
+    </a:lnDef>
+  </a:objectDefaults>
+  <a:extraClrSchemeLst/>
+  <a:extLst>
+    <a:ext uri="{05A4C25C-085E-4340-85A3-A5531E510DB2}">
+      <thm15:themeFamily xmlns:thm15="http://schemas.microsoft.com/office/thememl/2012/main" name="Office Theme" id="{2E142A2C-CD16-42D6-873A-C26D2A0506FA}" vid="{1BDDFF52-6CD6-40A5-AB3C-68EB2F1E4D0A}"/>
+    </a:ext>
+  </a:extLst>
+</a:theme>
 </file>